--- a/DB2project.pptx
+++ b/DB2project.pptx
@@ -3389,12 +3389,32 @@
         </p:nvSpPr>
         <p:spPr/>
         <p:txBody>
-          <a:bodyPr/>
+          <a:bodyPr>
+            <a:normAutofit lnSpcReduction="10000"/>
+          </a:bodyPr>
           <a:lstStyle/>
           <a:p>
             <a:r>
               <a:rPr lang="en-GB" dirty="0"/>
-              <a:t>JPA exercise: XYZ</a:t>
+              <a:t>Project by</a:t>
+            </a:r>
+          </a:p>
+          <a:p>
+            <a:r>
+              <a:rPr lang="en-GB" dirty="0"/>
+              <a:t> Chiara Moser</a:t>
+            </a:r>
+          </a:p>
+          <a:p>
+            <a:r>
+              <a:rPr lang="en-GB" dirty="0"/>
+              <a:t>&amp;</a:t>
+            </a:r>
+          </a:p>
+          <a:p>
+            <a:r>
+              <a:rPr lang="en-GB" dirty="0"/>
+              <a:t>Danilo Catone</a:t>
             </a:r>
           </a:p>
         </p:txBody>
@@ -3510,220 +3530,265 @@
                 <a:latin typeface="Courier New" panose="02070309020205020404" pitchFamily="49" charset="0"/>
                 <a:cs typeface="Courier New" panose="02070309020205020404" pitchFamily="49" charset="0"/>
               </a:rPr>
-              <a:t>@</a:t>
+              <a:t>@NamedQuery(name = "</a:t>
             </a:r>
             <a:r>
               <a:rPr lang="en-GB" sz="1500" dirty="0" err="1">
                 <a:latin typeface="Courier New" panose="02070309020205020404" pitchFamily="49" charset="0"/>
                 <a:cs typeface="Courier New" panose="02070309020205020404" pitchFamily="49" charset="0"/>
               </a:rPr>
-              <a:t>NamedQuery</a:t>
-            </a:r>
-            <a:r>
-              <a:rPr lang="en-GB" sz="1500" dirty="0">
-                <a:latin typeface="Courier New" panose="02070309020205020404" pitchFamily="49" charset="0"/>
-                <a:cs typeface="Courier New" panose="02070309020205020404" pitchFamily="49" charset="0"/>
-              </a:rPr>
-              <a:t>(name = "</a:t>
+              <a:t>Product.findProductOfTheDay</a:t>
+            </a:r>
+            <a:r>
+              <a:rPr lang="en-GB" sz="1500" dirty="0">
+                <a:latin typeface="Courier New" panose="02070309020205020404" pitchFamily="49" charset="0"/>
+                <a:cs typeface="Courier New" panose="02070309020205020404" pitchFamily="49" charset="0"/>
+              </a:rPr>
+              <a:t>", query = "SELECT p FROM Product p  WHERE </a:t>
             </a:r>
             <a:r>
               <a:rPr lang="en-GB" sz="1500" dirty="0" err="1">
                 <a:latin typeface="Courier New" panose="02070309020205020404" pitchFamily="49" charset="0"/>
                 <a:cs typeface="Courier New" panose="02070309020205020404" pitchFamily="49" charset="0"/>
               </a:rPr>
-              <a:t>Product.findProductOfTheDay</a:t>
-            </a:r>
-            <a:r>
-              <a:rPr lang="en-GB" sz="1500" dirty="0">
-                <a:latin typeface="Courier New" panose="02070309020205020404" pitchFamily="49" charset="0"/>
-                <a:cs typeface="Courier New" panose="02070309020205020404" pitchFamily="49" charset="0"/>
-              </a:rPr>
-              <a:t>", query = "SELECT p FROM Product p  WHERE </a:t>
+              <a:t>p.productOfTheDay</a:t>
+            </a:r>
+            <a:r>
+              <a:rPr lang="en-GB" sz="1500" dirty="0">
+                <a:latin typeface="Courier New" panose="02070309020205020404" pitchFamily="49" charset="0"/>
+                <a:cs typeface="Courier New" panose="02070309020205020404" pitchFamily="49" charset="0"/>
+              </a:rPr>
+              <a:t> = ?1 ")</a:t>
+            </a:r>
+            <a:br>
+              <a:rPr lang="en-GB" sz="1500" dirty="0">
+                <a:latin typeface="Courier New" panose="02070309020205020404" pitchFamily="49" charset="0"/>
+                <a:cs typeface="Courier New" panose="02070309020205020404" pitchFamily="49" charset="0"/>
+              </a:rPr>
+            </a:br>
+            <a:r>
+              <a:rPr lang="en-GB" sz="1500" dirty="0">
+                <a:latin typeface="Courier New" panose="02070309020205020404" pitchFamily="49" charset="0"/>
+                <a:cs typeface="Courier New" panose="02070309020205020404" pitchFamily="49" charset="0"/>
+              </a:rPr>
+              <a:t>public class Product implements Serializable {</a:t>
+            </a:r>
+            <a:br>
+              <a:rPr lang="en-GB" sz="1500" dirty="0">
+                <a:latin typeface="Courier New" panose="02070309020205020404" pitchFamily="49" charset="0"/>
+                <a:cs typeface="Courier New" panose="02070309020205020404" pitchFamily="49" charset="0"/>
+              </a:rPr>
+            </a:br>
+            <a:r>
+              <a:rPr lang="en-GB" sz="1500" dirty="0">
+                <a:latin typeface="Courier New" panose="02070309020205020404" pitchFamily="49" charset="0"/>
+                <a:cs typeface="Courier New" panose="02070309020205020404" pitchFamily="49" charset="0"/>
+              </a:rPr>
+              <a:t>    private static final long </a:t>
             </a:r>
             <a:r>
               <a:rPr lang="en-GB" sz="1500" dirty="0" err="1">
                 <a:latin typeface="Courier New" panose="02070309020205020404" pitchFamily="49" charset="0"/>
                 <a:cs typeface="Courier New" panose="02070309020205020404" pitchFamily="49" charset="0"/>
               </a:rPr>
-              <a:t>p.productOfTheDay</a:t>
-            </a:r>
-            <a:r>
-              <a:rPr lang="en-GB" sz="1500" dirty="0">
-                <a:latin typeface="Courier New" panose="02070309020205020404" pitchFamily="49" charset="0"/>
-                <a:cs typeface="Courier New" panose="02070309020205020404" pitchFamily="49" charset="0"/>
-              </a:rPr>
-              <a:t> = ?1 ")</a:t>
-            </a:r>
-            <a:br>
-              <a:rPr lang="en-GB" sz="1500" dirty="0">
-                <a:latin typeface="Courier New" panose="02070309020205020404" pitchFamily="49" charset="0"/>
-                <a:cs typeface="Courier New" panose="02070309020205020404" pitchFamily="49" charset="0"/>
-              </a:rPr>
-            </a:br>
-            <a:r>
-              <a:rPr lang="en-GB" sz="1500" dirty="0">
-                <a:latin typeface="Courier New" panose="02070309020205020404" pitchFamily="49" charset="0"/>
-                <a:cs typeface="Courier New" panose="02070309020205020404" pitchFamily="49" charset="0"/>
-              </a:rPr>
-              <a:t>public class Product implements Serializable {</a:t>
-            </a:r>
-            <a:br>
-              <a:rPr lang="en-GB" sz="1500" dirty="0">
-                <a:latin typeface="Courier New" panose="02070309020205020404" pitchFamily="49" charset="0"/>
-                <a:cs typeface="Courier New" panose="02070309020205020404" pitchFamily="49" charset="0"/>
-              </a:rPr>
-            </a:br>
-            <a:r>
-              <a:rPr lang="en-GB" sz="1500" dirty="0">
-                <a:latin typeface="Courier New" panose="02070309020205020404" pitchFamily="49" charset="0"/>
-                <a:cs typeface="Courier New" panose="02070309020205020404" pitchFamily="49" charset="0"/>
-              </a:rPr>
-              <a:t>    private static final long </a:t>
+              <a:t>serialVersionUID</a:t>
+            </a:r>
+            <a:r>
+              <a:rPr lang="en-GB" sz="1500" dirty="0">
+                <a:latin typeface="Courier New" panose="02070309020205020404" pitchFamily="49" charset="0"/>
+                <a:cs typeface="Courier New" panose="02070309020205020404" pitchFamily="49" charset="0"/>
+              </a:rPr>
+              <a:t> = 1L;</a:t>
+            </a:r>
+            <a:br>
+              <a:rPr lang="en-GB" sz="1500" dirty="0">
+                <a:latin typeface="Courier New" panose="02070309020205020404" pitchFamily="49" charset="0"/>
+                <a:cs typeface="Courier New" panose="02070309020205020404" pitchFamily="49" charset="0"/>
+              </a:rPr>
+            </a:br>
+            <a:br>
+              <a:rPr lang="en-GB" sz="1500" dirty="0">
+                <a:latin typeface="Courier New" panose="02070309020205020404" pitchFamily="49" charset="0"/>
+                <a:cs typeface="Courier New" panose="02070309020205020404" pitchFamily="49" charset="0"/>
+              </a:rPr>
+            </a:br>
+            <a:r>
+              <a:rPr lang="en-GB" sz="1500" dirty="0">
+                <a:latin typeface="Courier New" panose="02070309020205020404" pitchFamily="49" charset="0"/>
+                <a:cs typeface="Courier New" panose="02070309020205020404" pitchFamily="49" charset="0"/>
+              </a:rPr>
+              <a:t>    @Id</a:t>
+            </a:r>
+            <a:br>
+              <a:rPr lang="en-GB" sz="1500" dirty="0">
+                <a:latin typeface="Courier New" panose="02070309020205020404" pitchFamily="49" charset="0"/>
+                <a:cs typeface="Courier New" panose="02070309020205020404" pitchFamily="49" charset="0"/>
+              </a:rPr>
+            </a:br>
+            <a:r>
+              <a:rPr lang="en-GB" sz="1500" dirty="0">
+                <a:latin typeface="Courier New" panose="02070309020205020404" pitchFamily="49" charset="0"/>
+                <a:cs typeface="Courier New" panose="02070309020205020404" pitchFamily="49" charset="0"/>
+              </a:rPr>
+              <a:t>    @GeneratedValue(strategy = </a:t>
             </a:r>
             <a:r>
               <a:rPr lang="en-GB" sz="1500" dirty="0" err="1">
                 <a:latin typeface="Courier New" panose="02070309020205020404" pitchFamily="49" charset="0"/>
                 <a:cs typeface="Courier New" panose="02070309020205020404" pitchFamily="49" charset="0"/>
               </a:rPr>
-              <a:t>serialVersionUID</a:t>
-            </a:r>
-            <a:r>
-              <a:rPr lang="en-GB" sz="1500" dirty="0">
-                <a:latin typeface="Courier New" panose="02070309020205020404" pitchFamily="49" charset="0"/>
-                <a:cs typeface="Courier New" panose="02070309020205020404" pitchFamily="49" charset="0"/>
-              </a:rPr>
-              <a:t> = 1L;</a:t>
-            </a:r>
-            <a:br>
-              <a:rPr lang="en-GB" sz="1500" dirty="0">
-                <a:latin typeface="Courier New" panose="02070309020205020404" pitchFamily="49" charset="0"/>
-                <a:cs typeface="Courier New" panose="02070309020205020404" pitchFamily="49" charset="0"/>
-              </a:rPr>
-            </a:br>
-            <a:br>
-              <a:rPr lang="en-GB" sz="1500" dirty="0">
-                <a:latin typeface="Courier New" panose="02070309020205020404" pitchFamily="49" charset="0"/>
-                <a:cs typeface="Courier New" panose="02070309020205020404" pitchFamily="49" charset="0"/>
-              </a:rPr>
-            </a:br>
-            <a:r>
-              <a:rPr lang="en-GB" sz="1500" dirty="0">
-                <a:latin typeface="Courier New" panose="02070309020205020404" pitchFamily="49" charset="0"/>
-                <a:cs typeface="Courier New" panose="02070309020205020404" pitchFamily="49" charset="0"/>
-              </a:rPr>
-              <a:t>    @Id</a:t>
-            </a:r>
-            <a:br>
-              <a:rPr lang="en-GB" sz="1500" dirty="0">
-                <a:latin typeface="Courier New" panose="02070309020205020404" pitchFamily="49" charset="0"/>
-                <a:cs typeface="Courier New" panose="02070309020205020404" pitchFamily="49" charset="0"/>
-              </a:rPr>
-            </a:br>
-            <a:r>
-              <a:rPr lang="en-GB" sz="1500" dirty="0">
-                <a:latin typeface="Courier New" panose="02070309020205020404" pitchFamily="49" charset="0"/>
-                <a:cs typeface="Courier New" panose="02070309020205020404" pitchFamily="49" charset="0"/>
-              </a:rPr>
-              <a:t>    @</a:t>
+              <a:t>GenerationType.IDENTITY</a:t>
+            </a:r>
+            <a:r>
+              <a:rPr lang="en-GB" sz="1500" dirty="0">
+                <a:latin typeface="Courier New" panose="02070309020205020404" pitchFamily="49" charset="0"/>
+                <a:cs typeface="Courier New" panose="02070309020205020404" pitchFamily="49" charset="0"/>
+              </a:rPr>
+              <a:t>)</a:t>
+            </a:r>
+            <a:br>
+              <a:rPr lang="en-GB" sz="1500" dirty="0">
+                <a:latin typeface="Courier New" panose="02070309020205020404" pitchFamily="49" charset="0"/>
+                <a:cs typeface="Courier New" panose="02070309020205020404" pitchFamily="49" charset="0"/>
+              </a:rPr>
+            </a:br>
+            <a:r>
+              <a:rPr lang="en-GB" sz="1500" dirty="0">
+                <a:latin typeface="Courier New" panose="02070309020205020404" pitchFamily="49" charset="0"/>
+                <a:cs typeface="Courier New" panose="02070309020205020404" pitchFamily="49" charset="0"/>
+              </a:rPr>
+              <a:t>    private int id;</a:t>
+            </a:r>
+            <a:br>
+              <a:rPr lang="en-GB" sz="1500" dirty="0">
+                <a:latin typeface="Courier New" panose="02070309020205020404" pitchFamily="49" charset="0"/>
+                <a:cs typeface="Courier New" panose="02070309020205020404" pitchFamily="49" charset="0"/>
+              </a:rPr>
+            </a:br>
+            <a:br>
+              <a:rPr lang="en-GB" sz="1500" dirty="0">
+                <a:latin typeface="Courier New" panose="02070309020205020404" pitchFamily="49" charset="0"/>
+                <a:cs typeface="Courier New" panose="02070309020205020404" pitchFamily="49" charset="0"/>
+              </a:rPr>
+            </a:br>
+            <a:r>
+              <a:rPr lang="en-GB" sz="1500" dirty="0">
+                <a:latin typeface="Courier New" panose="02070309020205020404" pitchFamily="49" charset="0"/>
+                <a:cs typeface="Courier New" panose="02070309020205020404" pitchFamily="49" charset="0"/>
+              </a:rPr>
+              <a:t>    private String name;</a:t>
+            </a:r>
+            <a:br>
+              <a:rPr lang="en-GB" sz="1500" dirty="0">
+                <a:latin typeface="Courier New" panose="02070309020205020404" pitchFamily="49" charset="0"/>
+                <a:cs typeface="Courier New" panose="02070309020205020404" pitchFamily="49" charset="0"/>
+              </a:rPr>
+            </a:br>
+            <a:br>
+              <a:rPr lang="en-GB" sz="1500" dirty="0">
+                <a:latin typeface="Courier New" panose="02070309020205020404" pitchFamily="49" charset="0"/>
+                <a:cs typeface="Courier New" panose="02070309020205020404" pitchFamily="49" charset="0"/>
+              </a:rPr>
+            </a:br>
+            <a:r>
+              <a:rPr lang="en-GB" sz="1500" dirty="0">
+                <a:latin typeface="Courier New" panose="02070309020205020404" pitchFamily="49" charset="0"/>
+                <a:cs typeface="Courier New" panose="02070309020205020404" pitchFamily="49" charset="0"/>
+              </a:rPr>
+              <a:t>    @Lob</a:t>
+            </a:r>
+            <a:br>
+              <a:rPr lang="en-GB" sz="1500" dirty="0">
+                <a:latin typeface="Courier New" panose="02070309020205020404" pitchFamily="49" charset="0"/>
+                <a:cs typeface="Courier New" panose="02070309020205020404" pitchFamily="49" charset="0"/>
+              </a:rPr>
+            </a:br>
+            <a:r>
+              <a:rPr lang="en-GB" sz="1500" dirty="0">
+                <a:latin typeface="Courier New" panose="02070309020205020404" pitchFamily="49" charset="0"/>
+                <a:cs typeface="Courier New" panose="02070309020205020404" pitchFamily="49" charset="0"/>
+              </a:rPr>
+              <a:t>    private byte[] </a:t>
             </a:r>
             <a:r>
               <a:rPr lang="en-GB" sz="1500" dirty="0" err="1">
                 <a:latin typeface="Courier New" panose="02070309020205020404" pitchFamily="49" charset="0"/>
                 <a:cs typeface="Courier New" panose="02070309020205020404" pitchFamily="49" charset="0"/>
               </a:rPr>
-              <a:t>GeneratedValue</a:t>
-            </a:r>
-            <a:r>
-              <a:rPr lang="en-GB" sz="1500" dirty="0">
-                <a:latin typeface="Courier New" panose="02070309020205020404" pitchFamily="49" charset="0"/>
-                <a:cs typeface="Courier New" panose="02070309020205020404" pitchFamily="49" charset="0"/>
-              </a:rPr>
-              <a:t>(strategy = </a:t>
+              <a:t>photoimage</a:t>
+            </a:r>
+            <a:r>
+              <a:rPr lang="en-GB" sz="1500" dirty="0">
+                <a:latin typeface="Courier New" panose="02070309020205020404" pitchFamily="49" charset="0"/>
+                <a:cs typeface="Courier New" panose="02070309020205020404" pitchFamily="49" charset="0"/>
+              </a:rPr>
+              <a:t>;</a:t>
+            </a:r>
+            <a:br>
+              <a:rPr lang="en-GB" sz="1500" dirty="0">
+                <a:latin typeface="Courier New" panose="02070309020205020404" pitchFamily="49" charset="0"/>
+                <a:cs typeface="Courier New" panose="02070309020205020404" pitchFamily="49" charset="0"/>
+              </a:rPr>
+            </a:br>
+            <a:br>
+              <a:rPr lang="en-GB" sz="1500" dirty="0">
+                <a:latin typeface="Courier New" panose="02070309020205020404" pitchFamily="49" charset="0"/>
+                <a:cs typeface="Courier New" panose="02070309020205020404" pitchFamily="49" charset="0"/>
+              </a:rPr>
+            </a:br>
+            <a:r>
+              <a:rPr lang="en-GB" sz="1500" dirty="0">
+                <a:latin typeface="Courier New" panose="02070309020205020404" pitchFamily="49" charset="0"/>
+                <a:cs typeface="Courier New" panose="02070309020205020404" pitchFamily="49" charset="0"/>
+              </a:rPr>
+              <a:t>    //@Temporal(TemporalType.DATE)</a:t>
+            </a:r>
+            <a:br>
+              <a:rPr lang="en-GB" sz="1500" dirty="0">
+                <a:latin typeface="Courier New" panose="02070309020205020404" pitchFamily="49" charset="0"/>
+                <a:cs typeface="Courier New" panose="02070309020205020404" pitchFamily="49" charset="0"/>
+              </a:rPr>
+            </a:br>
+            <a:r>
+              <a:rPr lang="en-GB" sz="1500" dirty="0">
+                <a:latin typeface="Courier New" panose="02070309020205020404" pitchFamily="49" charset="0"/>
+                <a:cs typeface="Courier New" panose="02070309020205020404" pitchFamily="49" charset="0"/>
+              </a:rPr>
+              <a:t>    @Column(unique = true)</a:t>
+            </a:r>
+            <a:br>
+              <a:rPr lang="en-GB" sz="1500" dirty="0">
+                <a:latin typeface="Courier New" panose="02070309020205020404" pitchFamily="49" charset="0"/>
+                <a:cs typeface="Courier New" panose="02070309020205020404" pitchFamily="49" charset="0"/>
+              </a:rPr>
+            </a:br>
+            <a:r>
+              <a:rPr lang="en-GB" sz="1500" dirty="0">
+                <a:latin typeface="Courier New" panose="02070309020205020404" pitchFamily="49" charset="0"/>
+                <a:cs typeface="Courier New" panose="02070309020205020404" pitchFamily="49" charset="0"/>
+              </a:rPr>
+              <a:t>    private </a:t>
             </a:r>
             <a:r>
               <a:rPr lang="en-GB" sz="1500" dirty="0" err="1">
                 <a:latin typeface="Courier New" panose="02070309020205020404" pitchFamily="49" charset="0"/>
                 <a:cs typeface="Courier New" panose="02070309020205020404" pitchFamily="49" charset="0"/>
               </a:rPr>
-              <a:t>GenerationType.IDENTITY</a:t>
-            </a:r>
-            <a:r>
-              <a:rPr lang="en-GB" sz="1500" dirty="0">
-                <a:latin typeface="Courier New" panose="02070309020205020404" pitchFamily="49" charset="0"/>
-                <a:cs typeface="Courier New" panose="02070309020205020404" pitchFamily="49" charset="0"/>
-              </a:rPr>
-              <a:t>)</a:t>
-            </a:r>
-            <a:br>
-              <a:rPr lang="en-GB" sz="1500" dirty="0">
-                <a:latin typeface="Courier New" panose="02070309020205020404" pitchFamily="49" charset="0"/>
-                <a:cs typeface="Courier New" panose="02070309020205020404" pitchFamily="49" charset="0"/>
-              </a:rPr>
-            </a:br>
-            <a:r>
-              <a:rPr lang="en-GB" sz="1500" dirty="0">
-                <a:latin typeface="Courier New" panose="02070309020205020404" pitchFamily="49" charset="0"/>
-                <a:cs typeface="Courier New" panose="02070309020205020404" pitchFamily="49" charset="0"/>
-              </a:rPr>
-              <a:t>    private int id;</a:t>
-            </a:r>
-            <a:br>
-              <a:rPr lang="en-GB" sz="1500" dirty="0">
-                <a:latin typeface="Courier New" panose="02070309020205020404" pitchFamily="49" charset="0"/>
-                <a:cs typeface="Courier New" panose="02070309020205020404" pitchFamily="49" charset="0"/>
-              </a:rPr>
-            </a:br>
-            <a:br>
-              <a:rPr lang="en-GB" sz="1500" dirty="0">
-                <a:latin typeface="Courier New" panose="02070309020205020404" pitchFamily="49" charset="0"/>
-                <a:cs typeface="Courier New" panose="02070309020205020404" pitchFamily="49" charset="0"/>
-              </a:rPr>
-            </a:br>
-            <a:r>
-              <a:rPr lang="en-GB" sz="1500" dirty="0">
-                <a:latin typeface="Courier New" panose="02070309020205020404" pitchFamily="49" charset="0"/>
-                <a:cs typeface="Courier New" panose="02070309020205020404" pitchFamily="49" charset="0"/>
-              </a:rPr>
-              <a:t>    private String name;</a:t>
-            </a:r>
-            <a:br>
-              <a:rPr lang="en-GB" sz="1500" dirty="0">
-                <a:latin typeface="Courier New" panose="02070309020205020404" pitchFamily="49" charset="0"/>
-                <a:cs typeface="Courier New" panose="02070309020205020404" pitchFamily="49" charset="0"/>
-              </a:rPr>
-            </a:br>
-            <a:br>
-              <a:rPr lang="en-GB" sz="1500" dirty="0">
-                <a:latin typeface="Courier New" panose="02070309020205020404" pitchFamily="49" charset="0"/>
-                <a:cs typeface="Courier New" panose="02070309020205020404" pitchFamily="49" charset="0"/>
-              </a:rPr>
-            </a:br>
-            <a:r>
-              <a:rPr lang="en-GB" sz="1500" dirty="0">
-                <a:latin typeface="Courier New" panose="02070309020205020404" pitchFamily="49" charset="0"/>
-                <a:cs typeface="Courier New" panose="02070309020205020404" pitchFamily="49" charset="0"/>
-              </a:rPr>
-              <a:t>    @Lob</a:t>
-            </a:r>
-            <a:br>
-              <a:rPr lang="en-GB" sz="1500" dirty="0">
-                <a:latin typeface="Courier New" panose="02070309020205020404" pitchFamily="49" charset="0"/>
-                <a:cs typeface="Courier New" panose="02070309020205020404" pitchFamily="49" charset="0"/>
-              </a:rPr>
-            </a:br>
-            <a:r>
-              <a:rPr lang="en-GB" sz="1500" dirty="0">
-                <a:latin typeface="Courier New" panose="02070309020205020404" pitchFamily="49" charset="0"/>
-                <a:cs typeface="Courier New" panose="02070309020205020404" pitchFamily="49" charset="0"/>
-              </a:rPr>
-              <a:t>    private byte[] </a:t>
+              <a:t>LocalDate</a:t>
+            </a:r>
+            <a:r>
+              <a:rPr lang="en-GB" sz="1500" dirty="0">
+                <a:latin typeface="Courier New" panose="02070309020205020404" pitchFamily="49" charset="0"/>
+                <a:cs typeface="Courier New" panose="02070309020205020404" pitchFamily="49" charset="0"/>
+              </a:rPr>
+              <a:t> </a:t>
             </a:r>
             <a:r>
               <a:rPr lang="en-GB" sz="1500" dirty="0" err="1">
                 <a:latin typeface="Courier New" panose="02070309020205020404" pitchFamily="49" charset="0"/>
                 <a:cs typeface="Courier New" panose="02070309020205020404" pitchFamily="49" charset="0"/>
               </a:rPr>
-              <a:t>photoimage</a:t>
+              <a:t>productOfTheDay</a:t>
             </a:r>
             <a:r>
               <a:rPr lang="en-GB" sz="1500" dirty="0">
@@ -3749,314 +3814,157 @@
                 <a:latin typeface="Courier New" panose="02070309020205020404" pitchFamily="49" charset="0"/>
                 <a:cs typeface="Courier New" panose="02070309020205020404" pitchFamily="49" charset="0"/>
               </a:rPr>
-              <a:t>    //@Temporal(</a:t>
+              <a:t>    @OneToOne(mappedBy = "</a:t>
             </a:r>
             <a:r>
               <a:rPr lang="en-GB" sz="1500" dirty="0" err="1">
                 <a:latin typeface="Courier New" panose="02070309020205020404" pitchFamily="49" charset="0"/>
                 <a:cs typeface="Courier New" panose="02070309020205020404" pitchFamily="49" charset="0"/>
               </a:rPr>
-              <a:t>TemporalType.DATE</a:t>
-            </a:r>
-            <a:r>
-              <a:rPr lang="en-GB" sz="1500" dirty="0">
-                <a:latin typeface="Courier New" panose="02070309020205020404" pitchFamily="49" charset="0"/>
-                <a:cs typeface="Courier New" panose="02070309020205020404" pitchFamily="49" charset="0"/>
-              </a:rPr>
-              <a:t>)</a:t>
-            </a:r>
-            <a:br>
-              <a:rPr lang="en-GB" sz="1500" dirty="0">
-                <a:latin typeface="Courier New" panose="02070309020205020404" pitchFamily="49" charset="0"/>
-                <a:cs typeface="Courier New" panose="02070309020205020404" pitchFamily="49" charset="0"/>
-              </a:rPr>
-            </a:br>
-            <a:r>
-              <a:rPr lang="en-GB" sz="1500" dirty="0">
-                <a:latin typeface="Courier New" panose="02070309020205020404" pitchFamily="49" charset="0"/>
-                <a:cs typeface="Courier New" panose="02070309020205020404" pitchFamily="49" charset="0"/>
-              </a:rPr>
-              <a:t>    @Column(unique = true)</a:t>
-            </a:r>
-            <a:br>
-              <a:rPr lang="en-GB" sz="1500" dirty="0">
-                <a:latin typeface="Courier New" panose="02070309020205020404" pitchFamily="49" charset="0"/>
-                <a:cs typeface="Courier New" panose="02070309020205020404" pitchFamily="49" charset="0"/>
-              </a:rPr>
-            </a:br>
-            <a:r>
-              <a:rPr lang="en-GB" sz="1500" dirty="0">
-                <a:latin typeface="Courier New" panose="02070309020205020404" pitchFamily="49" charset="0"/>
-                <a:cs typeface="Courier New" panose="02070309020205020404" pitchFamily="49" charset="0"/>
-              </a:rPr>
-              <a:t>    private </a:t>
+              <a:t>relatedProduct</a:t>
+            </a:r>
+            <a:r>
+              <a:rPr lang="en-GB" sz="1500" dirty="0">
+                <a:latin typeface="Courier New" panose="02070309020205020404" pitchFamily="49" charset="0"/>
+                <a:cs typeface="Courier New" panose="02070309020205020404" pitchFamily="49" charset="0"/>
+              </a:rPr>
+              <a:t>",fetch = </a:t>
             </a:r>
             <a:r>
               <a:rPr lang="en-GB" sz="1500" dirty="0" err="1">
                 <a:latin typeface="Courier New" panose="02070309020205020404" pitchFamily="49" charset="0"/>
                 <a:cs typeface="Courier New" panose="02070309020205020404" pitchFamily="49" charset="0"/>
               </a:rPr>
-              <a:t>LocalDate</a:t>
-            </a:r>
-            <a:r>
-              <a:rPr lang="en-GB" sz="1500" dirty="0">
-                <a:latin typeface="Courier New" panose="02070309020205020404" pitchFamily="49" charset="0"/>
-                <a:cs typeface="Courier New" panose="02070309020205020404" pitchFamily="49" charset="0"/>
-              </a:rPr>
-              <a:t> </a:t>
+              <a:t>FetchType.EAGER</a:t>
+            </a:r>
+            <a:r>
+              <a:rPr lang="en-GB" sz="1500" dirty="0">
+                <a:latin typeface="Courier New" panose="02070309020205020404" pitchFamily="49" charset="0"/>
+                <a:cs typeface="Courier New" panose="02070309020205020404" pitchFamily="49" charset="0"/>
+              </a:rPr>
+              <a:t>, cascade = { </a:t>
             </a:r>
             <a:r>
               <a:rPr lang="en-GB" sz="1500" dirty="0" err="1">
                 <a:latin typeface="Courier New" panose="02070309020205020404" pitchFamily="49" charset="0"/>
                 <a:cs typeface="Courier New" panose="02070309020205020404" pitchFamily="49" charset="0"/>
               </a:rPr>
-              <a:t>productOfTheDay</a:t>
-            </a:r>
-            <a:r>
-              <a:rPr lang="en-GB" sz="1500" dirty="0">
-                <a:latin typeface="Courier New" panose="02070309020205020404" pitchFamily="49" charset="0"/>
-                <a:cs typeface="Courier New" panose="02070309020205020404" pitchFamily="49" charset="0"/>
-              </a:rPr>
-              <a:t>;</a:t>
-            </a:r>
-            <a:br>
-              <a:rPr lang="en-GB" sz="1500" dirty="0">
-                <a:latin typeface="Courier New" panose="02070309020205020404" pitchFamily="49" charset="0"/>
-                <a:cs typeface="Courier New" panose="02070309020205020404" pitchFamily="49" charset="0"/>
-              </a:rPr>
-            </a:br>
-            <a:br>
-              <a:rPr lang="en-GB" sz="1500" dirty="0">
-                <a:latin typeface="Courier New" panose="02070309020205020404" pitchFamily="49" charset="0"/>
-                <a:cs typeface="Courier New" panose="02070309020205020404" pitchFamily="49" charset="0"/>
-              </a:rPr>
-            </a:br>
-            <a:r>
-              <a:rPr lang="en-GB" sz="1500" dirty="0">
-                <a:latin typeface="Courier New" panose="02070309020205020404" pitchFamily="49" charset="0"/>
-                <a:cs typeface="Courier New" panose="02070309020205020404" pitchFamily="49" charset="0"/>
-              </a:rPr>
-              <a:t>    @</a:t>
+              <a:t>CascadeType.PERSIST</a:t>
+            </a:r>
+            <a:r>
+              <a:rPr lang="en-GB" sz="1500" dirty="0">
+                <a:latin typeface="Courier New" panose="02070309020205020404" pitchFamily="49" charset="0"/>
+                <a:cs typeface="Courier New" panose="02070309020205020404" pitchFamily="49" charset="0"/>
+              </a:rPr>
+              <a:t>, </a:t>
             </a:r>
             <a:r>
               <a:rPr lang="en-GB" sz="1500" dirty="0" err="1">
                 <a:latin typeface="Courier New" panose="02070309020205020404" pitchFamily="49" charset="0"/>
                 <a:cs typeface="Courier New" panose="02070309020205020404" pitchFamily="49" charset="0"/>
               </a:rPr>
-              <a:t>OneToOne</a:t>
-            </a:r>
-            <a:r>
-              <a:rPr lang="en-GB" sz="1500" dirty="0">
-                <a:latin typeface="Courier New" panose="02070309020205020404" pitchFamily="49" charset="0"/>
-                <a:cs typeface="Courier New" panose="02070309020205020404" pitchFamily="49" charset="0"/>
-              </a:rPr>
-              <a:t>(</a:t>
+              <a:t>CascadeType.REMOVE</a:t>
+            </a:r>
+            <a:r>
+              <a:rPr lang="en-GB" sz="1500" dirty="0">
+                <a:latin typeface="Courier New" panose="02070309020205020404" pitchFamily="49" charset="0"/>
+                <a:cs typeface="Courier New" panose="02070309020205020404" pitchFamily="49" charset="0"/>
+              </a:rPr>
+              <a:t> }, </a:t>
             </a:r>
             <a:r>
               <a:rPr lang="en-GB" sz="1500" dirty="0" err="1">
                 <a:latin typeface="Courier New" panose="02070309020205020404" pitchFamily="49" charset="0"/>
                 <a:cs typeface="Courier New" panose="02070309020205020404" pitchFamily="49" charset="0"/>
               </a:rPr>
-              <a:t>mappedBy</a:t>
-            </a:r>
-            <a:r>
-              <a:rPr lang="en-GB" sz="1500" dirty="0">
-                <a:latin typeface="Courier New" panose="02070309020205020404" pitchFamily="49" charset="0"/>
-                <a:cs typeface="Courier New" panose="02070309020205020404" pitchFamily="49" charset="0"/>
-              </a:rPr>
-              <a:t> = "</a:t>
+              <a:t>orphanRemoval</a:t>
+            </a:r>
+            <a:r>
+              <a:rPr lang="en-GB" sz="1500" dirty="0">
+                <a:latin typeface="Courier New" panose="02070309020205020404" pitchFamily="49" charset="0"/>
+                <a:cs typeface="Courier New" panose="02070309020205020404" pitchFamily="49" charset="0"/>
+              </a:rPr>
+              <a:t> = true)</a:t>
+            </a:r>
+            <a:br>
+              <a:rPr lang="en-GB" sz="1500" dirty="0">
+                <a:latin typeface="Courier New" panose="02070309020205020404" pitchFamily="49" charset="0"/>
+                <a:cs typeface="Courier New" panose="02070309020205020404" pitchFamily="49" charset="0"/>
+              </a:rPr>
+            </a:br>
+            <a:r>
+              <a:rPr lang="en-GB" sz="1500" dirty="0">
+                <a:latin typeface="Courier New" panose="02070309020205020404" pitchFamily="49" charset="0"/>
+                <a:cs typeface="Courier New" panose="02070309020205020404" pitchFamily="49" charset="0"/>
+              </a:rPr>
+              <a:t>    private Questionnaire questionnaire;</a:t>
+            </a:r>
+            <a:br>
+              <a:rPr lang="en-GB" sz="1500" dirty="0">
+                <a:latin typeface="Courier New" panose="02070309020205020404" pitchFamily="49" charset="0"/>
+                <a:cs typeface="Courier New" panose="02070309020205020404" pitchFamily="49" charset="0"/>
+              </a:rPr>
+            </a:br>
+            <a:br>
+              <a:rPr lang="en-GB" sz="1500" dirty="0">
+                <a:latin typeface="Courier New" panose="02070309020205020404" pitchFamily="49" charset="0"/>
+                <a:cs typeface="Courier New" panose="02070309020205020404" pitchFamily="49" charset="0"/>
+              </a:rPr>
+            </a:br>
+            <a:r>
+              <a:rPr lang="en-GB" sz="1500" dirty="0">
+                <a:latin typeface="Courier New" panose="02070309020205020404" pitchFamily="49" charset="0"/>
+                <a:cs typeface="Courier New" panose="02070309020205020404" pitchFamily="49" charset="0"/>
+              </a:rPr>
+              <a:t>    @OneToMany(mappedBy = "product", cascade = {</a:t>
             </a:r>
             <a:r>
               <a:rPr lang="en-GB" sz="1500" dirty="0" err="1">
                 <a:latin typeface="Courier New" panose="02070309020205020404" pitchFamily="49" charset="0"/>
                 <a:cs typeface="Courier New" panose="02070309020205020404" pitchFamily="49" charset="0"/>
               </a:rPr>
-              <a:t>relatedProduct</a:t>
-            </a:r>
-            <a:r>
-              <a:rPr lang="en-GB" sz="1500" dirty="0">
-                <a:latin typeface="Courier New" panose="02070309020205020404" pitchFamily="49" charset="0"/>
-                <a:cs typeface="Courier New" panose="02070309020205020404" pitchFamily="49" charset="0"/>
-              </a:rPr>
-              <a:t>",fetch = </a:t>
+              <a:t>CascadeType.REMOVE</a:t>
+            </a:r>
+            <a:r>
+              <a:rPr lang="en-GB" sz="1500" dirty="0">
+                <a:latin typeface="Courier New" panose="02070309020205020404" pitchFamily="49" charset="0"/>
+                <a:cs typeface="Courier New" panose="02070309020205020404" pitchFamily="49" charset="0"/>
+              </a:rPr>
+              <a:t>,</a:t>
+            </a:r>
+            <a:br>
+              <a:rPr lang="en-GB" sz="1500" dirty="0">
+                <a:latin typeface="Courier New" panose="02070309020205020404" pitchFamily="49" charset="0"/>
+                <a:cs typeface="Courier New" panose="02070309020205020404" pitchFamily="49" charset="0"/>
+              </a:rPr>
+            </a:br>
+            <a:r>
+              <a:rPr lang="en-GB" sz="1500" dirty="0">
+                <a:latin typeface="Courier New" panose="02070309020205020404" pitchFamily="49" charset="0"/>
+                <a:cs typeface="Courier New" panose="02070309020205020404" pitchFamily="49" charset="0"/>
+              </a:rPr>
+              <a:t>            </a:t>
             </a:r>
             <a:r>
               <a:rPr lang="en-GB" sz="1500" dirty="0" err="1">
                 <a:latin typeface="Courier New" panose="02070309020205020404" pitchFamily="49" charset="0"/>
                 <a:cs typeface="Courier New" panose="02070309020205020404" pitchFamily="49" charset="0"/>
               </a:rPr>
-              <a:t>FetchType.EAGER</a:t>
-            </a:r>
-            <a:r>
-              <a:rPr lang="en-GB" sz="1500" dirty="0">
-                <a:latin typeface="Courier New" panose="02070309020205020404" pitchFamily="49" charset="0"/>
-                <a:cs typeface="Courier New" panose="02070309020205020404" pitchFamily="49" charset="0"/>
-              </a:rPr>
-              <a:t>, cascade = { </a:t>
+              <a:t>CascadeType.REFRESH</a:t>
+            </a:r>
+            <a:r>
+              <a:rPr lang="en-GB" sz="1500" dirty="0">
+                <a:latin typeface="Courier New" panose="02070309020205020404" pitchFamily="49" charset="0"/>
+                <a:cs typeface="Courier New" panose="02070309020205020404" pitchFamily="49" charset="0"/>
+              </a:rPr>
+              <a:t> }, fetch = </a:t>
             </a:r>
             <a:r>
               <a:rPr lang="en-GB" sz="1500" dirty="0" err="1">
                 <a:latin typeface="Courier New" panose="02070309020205020404" pitchFamily="49" charset="0"/>
                 <a:cs typeface="Courier New" panose="02070309020205020404" pitchFamily="49" charset="0"/>
               </a:rPr>
-              <a:t>CascadeType.PERSIST</a:t>
-            </a:r>
-            <a:r>
-              <a:rPr lang="en-GB" sz="1500" dirty="0">
-                <a:latin typeface="Courier New" panose="02070309020205020404" pitchFamily="49" charset="0"/>
-                <a:cs typeface="Courier New" panose="02070309020205020404" pitchFamily="49" charset="0"/>
-              </a:rPr>
-              <a:t>, </a:t>
-            </a:r>
-            <a:r>
-              <a:rPr lang="en-GB" sz="1500" dirty="0" err="1">
-                <a:latin typeface="Courier New" panose="02070309020205020404" pitchFamily="49" charset="0"/>
-                <a:cs typeface="Courier New" panose="02070309020205020404" pitchFamily="49" charset="0"/>
-              </a:rPr>
-              <a:t>CascadeType.REMOVE</a:t>
-            </a:r>
-            <a:r>
-              <a:rPr lang="en-GB" sz="1500" dirty="0">
-                <a:latin typeface="Courier New" panose="02070309020205020404" pitchFamily="49" charset="0"/>
-                <a:cs typeface="Courier New" panose="02070309020205020404" pitchFamily="49" charset="0"/>
-              </a:rPr>
-              <a:t> }, </a:t>
-            </a:r>
-            <a:r>
-              <a:rPr lang="en-GB" sz="1500" dirty="0" err="1">
-                <a:latin typeface="Courier New" panose="02070309020205020404" pitchFamily="49" charset="0"/>
-                <a:cs typeface="Courier New" panose="02070309020205020404" pitchFamily="49" charset="0"/>
-              </a:rPr>
-              <a:t>orphanRemoval</a:t>
-            </a:r>
-            <a:r>
-              <a:rPr lang="en-GB" sz="1500" dirty="0">
-                <a:latin typeface="Courier New" panose="02070309020205020404" pitchFamily="49" charset="0"/>
-                <a:cs typeface="Courier New" panose="02070309020205020404" pitchFamily="49" charset="0"/>
-              </a:rPr>
-              <a:t> = true)</a:t>
-            </a:r>
-            <a:br>
-              <a:rPr lang="en-GB" sz="1500" dirty="0">
-                <a:latin typeface="Courier New" panose="02070309020205020404" pitchFamily="49" charset="0"/>
-                <a:cs typeface="Courier New" panose="02070309020205020404" pitchFamily="49" charset="0"/>
-              </a:rPr>
-            </a:br>
-            <a:r>
-              <a:rPr lang="en-GB" sz="1500" dirty="0">
-                <a:latin typeface="Courier New" panose="02070309020205020404" pitchFamily="49" charset="0"/>
-                <a:cs typeface="Courier New" panose="02070309020205020404" pitchFamily="49" charset="0"/>
-              </a:rPr>
-              <a:t>    private Questionnaire questionnaire;</a:t>
-            </a:r>
-            <a:br>
-              <a:rPr lang="en-GB" sz="1500" dirty="0">
-                <a:latin typeface="Courier New" panose="02070309020205020404" pitchFamily="49" charset="0"/>
-                <a:cs typeface="Courier New" panose="02070309020205020404" pitchFamily="49" charset="0"/>
-              </a:rPr>
-            </a:br>
-            <a:br>
-              <a:rPr lang="en-GB" sz="1500" dirty="0">
-                <a:latin typeface="Courier New" panose="02070309020205020404" pitchFamily="49" charset="0"/>
-                <a:cs typeface="Courier New" panose="02070309020205020404" pitchFamily="49" charset="0"/>
-              </a:rPr>
-            </a:br>
-            <a:r>
-              <a:rPr lang="en-GB" sz="1500" dirty="0">
-                <a:latin typeface="Courier New" panose="02070309020205020404" pitchFamily="49" charset="0"/>
-                <a:cs typeface="Courier New" panose="02070309020205020404" pitchFamily="49" charset="0"/>
-              </a:rPr>
-              <a:t>    @</a:t>
-            </a:r>
-            <a:r>
-              <a:rPr lang="en-GB" sz="1500" dirty="0" err="1">
-                <a:latin typeface="Courier New" panose="02070309020205020404" pitchFamily="49" charset="0"/>
-                <a:cs typeface="Courier New" panose="02070309020205020404" pitchFamily="49" charset="0"/>
-              </a:rPr>
-              <a:t>OneToMany</a:t>
-            </a:r>
-            <a:r>
-              <a:rPr lang="en-GB" sz="1500" dirty="0">
-                <a:latin typeface="Courier New" panose="02070309020205020404" pitchFamily="49" charset="0"/>
-                <a:cs typeface="Courier New" panose="02070309020205020404" pitchFamily="49" charset="0"/>
-              </a:rPr>
-              <a:t>(</a:t>
-            </a:r>
-            <a:r>
-              <a:rPr lang="en-GB" sz="1500" dirty="0" err="1">
-                <a:latin typeface="Courier New" panose="02070309020205020404" pitchFamily="49" charset="0"/>
-                <a:cs typeface="Courier New" panose="02070309020205020404" pitchFamily="49" charset="0"/>
-              </a:rPr>
-              <a:t>mappedBy</a:t>
-            </a:r>
-            <a:r>
-              <a:rPr lang="en-GB" sz="1500" dirty="0">
-                <a:latin typeface="Courier New" panose="02070309020205020404" pitchFamily="49" charset="0"/>
-                <a:cs typeface="Courier New" panose="02070309020205020404" pitchFamily="49" charset="0"/>
-              </a:rPr>
-              <a:t> = "product", cascade = { </a:t>
-            </a:r>
-            <a:r>
-              <a:rPr lang="en-GB" sz="1500" dirty="0" err="1">
-                <a:latin typeface="Courier New" panose="02070309020205020404" pitchFamily="49" charset="0"/>
-                <a:cs typeface="Courier New" panose="02070309020205020404" pitchFamily="49" charset="0"/>
-              </a:rPr>
-              <a:t>CascadeType.PERSIST</a:t>
-            </a:r>
-            <a:r>
-              <a:rPr lang="en-GB" sz="1500" dirty="0">
-                <a:latin typeface="Courier New" panose="02070309020205020404" pitchFamily="49" charset="0"/>
-                <a:cs typeface="Courier New" panose="02070309020205020404" pitchFamily="49" charset="0"/>
-              </a:rPr>
-              <a:t>, </a:t>
-            </a:r>
-            <a:r>
-              <a:rPr lang="en-GB" sz="1500" dirty="0" err="1">
-                <a:latin typeface="Courier New" panose="02070309020205020404" pitchFamily="49" charset="0"/>
-                <a:cs typeface="Courier New" panose="02070309020205020404" pitchFamily="49" charset="0"/>
-              </a:rPr>
-              <a:t>CascadeType.REMOVE</a:t>
-            </a:r>
-            <a:r>
-              <a:rPr lang="en-GB" sz="1500" dirty="0">
-                <a:latin typeface="Courier New" panose="02070309020205020404" pitchFamily="49" charset="0"/>
-                <a:cs typeface="Courier New" panose="02070309020205020404" pitchFamily="49" charset="0"/>
-              </a:rPr>
-              <a:t>,</a:t>
-            </a:r>
-            <a:br>
-              <a:rPr lang="en-GB" sz="1500" dirty="0">
-                <a:latin typeface="Courier New" panose="02070309020205020404" pitchFamily="49" charset="0"/>
-                <a:cs typeface="Courier New" panose="02070309020205020404" pitchFamily="49" charset="0"/>
-              </a:rPr>
-            </a:br>
-            <a:r>
-              <a:rPr lang="en-GB" sz="1500" dirty="0">
-                <a:latin typeface="Courier New" panose="02070309020205020404" pitchFamily="49" charset="0"/>
-                <a:cs typeface="Courier New" panose="02070309020205020404" pitchFamily="49" charset="0"/>
-              </a:rPr>
-              <a:t>            </a:t>
-            </a:r>
-            <a:r>
-              <a:rPr lang="en-GB" sz="1500" dirty="0" err="1">
-                <a:latin typeface="Courier New" panose="02070309020205020404" pitchFamily="49" charset="0"/>
-                <a:cs typeface="Courier New" panose="02070309020205020404" pitchFamily="49" charset="0"/>
-              </a:rPr>
-              <a:t>CascadeType.REFRESH</a:t>
-            </a:r>
-            <a:r>
-              <a:rPr lang="en-GB" sz="1500" dirty="0">
-                <a:latin typeface="Courier New" panose="02070309020205020404" pitchFamily="49" charset="0"/>
-                <a:cs typeface="Courier New" panose="02070309020205020404" pitchFamily="49" charset="0"/>
-              </a:rPr>
-              <a:t> }, fetch = </a:t>
-            </a:r>
-            <a:r>
-              <a:rPr lang="en-GB" sz="1500" dirty="0" err="1">
-                <a:latin typeface="Courier New" panose="02070309020205020404" pitchFamily="49" charset="0"/>
-                <a:cs typeface="Courier New" panose="02070309020205020404" pitchFamily="49" charset="0"/>
-              </a:rPr>
-              <a:t>FetchType.EAGER</a:t>
+              <a:t>FetchType.Lazy</a:t>
             </a:r>
             <a:r>
               <a:rPr lang="en-GB" sz="1500" dirty="0">
@@ -4998,49 +4906,120 @@
                 <a:latin typeface="Courier New" panose="02070309020205020404" pitchFamily="49" charset="0"/>
                 <a:cs typeface="Courier New" panose="02070309020205020404" pitchFamily="49" charset="0"/>
               </a:rPr>
-              <a:t>@</a:t>
+              <a:t>@NamedQuery(name="Questionnaire.findByProdId", query = "SELECT q FROM Questionnaire q WHERE </a:t>
             </a:r>
             <a:r>
               <a:rPr lang="en-GB" sz="1100" dirty="0" err="1">
                 <a:latin typeface="Courier New" panose="02070309020205020404" pitchFamily="49" charset="0"/>
                 <a:cs typeface="Courier New" panose="02070309020205020404" pitchFamily="49" charset="0"/>
               </a:rPr>
-              <a:t>NamedQuery</a:t>
+              <a:t>q.relatedProduct</a:t>
             </a:r>
             <a:r>
               <a:rPr lang="en-GB" sz="1100" dirty="0">
                 <a:latin typeface="Courier New" panose="02070309020205020404" pitchFamily="49" charset="0"/>
                 <a:cs typeface="Courier New" panose="02070309020205020404" pitchFamily="49" charset="0"/>
               </a:rPr>
-              <a:t>(name="</a:t>
+              <a:t> = ?1 ")</a:t>
+            </a:r>
+            <a:br>
+              <a:rPr lang="en-GB" sz="1100" dirty="0">
+                <a:latin typeface="Courier New" panose="02070309020205020404" pitchFamily="49" charset="0"/>
+                <a:cs typeface="Courier New" panose="02070309020205020404" pitchFamily="49" charset="0"/>
+              </a:rPr>
+            </a:br>
+            <a:r>
+              <a:rPr lang="en-GB" sz="1100" dirty="0">
+                <a:latin typeface="Courier New" panose="02070309020205020404" pitchFamily="49" charset="0"/>
+                <a:cs typeface="Courier New" panose="02070309020205020404" pitchFamily="49" charset="0"/>
+              </a:rPr>
+              <a:t>@NamedQuery(name="Questionnaire.findAllQuestionnaires", query = "SELECT q FROM Questionnaire q")</a:t>
+            </a:r>
+            <a:br>
+              <a:rPr lang="en-GB" sz="1100" dirty="0">
+                <a:latin typeface="Courier New" panose="02070309020205020404" pitchFamily="49" charset="0"/>
+                <a:cs typeface="Courier New" panose="02070309020205020404" pitchFamily="49" charset="0"/>
+              </a:rPr>
+            </a:br>
+            <a:r>
+              <a:rPr lang="en-GB" sz="1100" dirty="0">
+                <a:latin typeface="Courier New" panose="02070309020205020404" pitchFamily="49" charset="0"/>
+                <a:cs typeface="Courier New" panose="02070309020205020404" pitchFamily="49" charset="0"/>
+              </a:rPr>
+              <a:t>public class Questionnaire implements Serializable {</a:t>
+            </a:r>
+            <a:br>
+              <a:rPr lang="en-GB" sz="1100" dirty="0">
+                <a:latin typeface="Courier New" panose="02070309020205020404" pitchFamily="49" charset="0"/>
+                <a:cs typeface="Courier New" panose="02070309020205020404" pitchFamily="49" charset="0"/>
+              </a:rPr>
+            </a:br>
+            <a:r>
+              <a:rPr lang="en-GB" sz="1100" dirty="0">
+                <a:latin typeface="Courier New" panose="02070309020205020404" pitchFamily="49" charset="0"/>
+                <a:cs typeface="Courier New" panose="02070309020205020404" pitchFamily="49" charset="0"/>
+              </a:rPr>
+              <a:t>    private static final long </a:t>
             </a:r>
             <a:r>
               <a:rPr lang="en-GB" sz="1100" dirty="0" err="1">
                 <a:latin typeface="Courier New" panose="02070309020205020404" pitchFamily="49" charset="0"/>
                 <a:cs typeface="Courier New" panose="02070309020205020404" pitchFamily="49" charset="0"/>
               </a:rPr>
-              <a:t>Questionnaire.findByProdId</a:t>
+              <a:t>serialVersionUID</a:t>
             </a:r>
             <a:r>
               <a:rPr lang="en-GB" sz="1100" dirty="0">
                 <a:latin typeface="Courier New" panose="02070309020205020404" pitchFamily="49" charset="0"/>
                 <a:cs typeface="Courier New" panose="02070309020205020404" pitchFamily="49" charset="0"/>
               </a:rPr>
-              <a:t>", query = "SELECT q FROM Questionnaire q WHERE </a:t>
+              <a:t> = 1L;</a:t>
+            </a:r>
+            <a:br>
+              <a:rPr lang="en-GB" sz="1100" dirty="0">
+                <a:latin typeface="Courier New" panose="02070309020205020404" pitchFamily="49" charset="0"/>
+                <a:cs typeface="Courier New" panose="02070309020205020404" pitchFamily="49" charset="0"/>
+              </a:rPr>
+            </a:br>
+            <a:br>
+              <a:rPr lang="en-GB" sz="1100" dirty="0">
+                <a:latin typeface="Courier New" panose="02070309020205020404" pitchFamily="49" charset="0"/>
+                <a:cs typeface="Courier New" panose="02070309020205020404" pitchFamily="49" charset="0"/>
+              </a:rPr>
+            </a:br>
+            <a:r>
+              <a:rPr lang="en-GB" sz="1100" dirty="0">
+                <a:latin typeface="Courier New" panose="02070309020205020404" pitchFamily="49" charset="0"/>
+                <a:cs typeface="Courier New" panose="02070309020205020404" pitchFamily="49" charset="0"/>
+              </a:rPr>
+              <a:t>    @Id</a:t>
+            </a:r>
+            <a:br>
+              <a:rPr lang="en-GB" sz="1100" dirty="0">
+                <a:latin typeface="Courier New" panose="02070309020205020404" pitchFamily="49" charset="0"/>
+                <a:cs typeface="Courier New" panose="02070309020205020404" pitchFamily="49" charset="0"/>
+              </a:rPr>
+            </a:br>
+            <a:r>
+              <a:rPr lang="en-GB" sz="1100" dirty="0">
+                <a:latin typeface="Courier New" panose="02070309020205020404" pitchFamily="49" charset="0"/>
+                <a:cs typeface="Courier New" panose="02070309020205020404" pitchFamily="49" charset="0"/>
+              </a:rPr>
+              <a:t>    @GeneratedValue(strategy = </a:t>
             </a:r>
             <a:r>
               <a:rPr lang="en-GB" sz="1100" dirty="0" err="1">
                 <a:latin typeface="Courier New" panose="02070309020205020404" pitchFamily="49" charset="0"/>
                 <a:cs typeface="Courier New" panose="02070309020205020404" pitchFamily="49" charset="0"/>
               </a:rPr>
-              <a:t>q.relatedProduct</a:t>
+              <a:t>GenerationType.IDENTITY</a:t>
             </a:r>
             <a:r>
               <a:rPr lang="en-GB" sz="1100" dirty="0">
                 <a:latin typeface="Courier New" panose="02070309020205020404" pitchFamily="49" charset="0"/>
                 <a:cs typeface="Courier New" panose="02070309020205020404" pitchFamily="49" charset="0"/>
               </a:rPr>
-              <a:t> = ?1 ")</a:t>
+              <a:t>)</a:t>
             </a:r>
             <a:br>
               <a:rPr lang="en-GB" sz="1100" dirty="0">
@@ -5053,82 +5032,143 @@
                 <a:latin typeface="Courier New" panose="02070309020205020404" pitchFamily="49" charset="0"/>
                 <a:cs typeface="Courier New" panose="02070309020205020404" pitchFamily="49" charset="0"/>
               </a:rPr>
-              <a:t>@</a:t>
+              <a:t>    private int id;</a:t>
+            </a:r>
+            <a:br>
+              <a:rPr lang="en-GB" sz="1100" dirty="0">
+                <a:latin typeface="Courier New" panose="02070309020205020404" pitchFamily="49" charset="0"/>
+                <a:cs typeface="Courier New" panose="02070309020205020404" pitchFamily="49" charset="0"/>
+              </a:rPr>
+            </a:br>
+            <a:br>
+              <a:rPr lang="en-GB" sz="1100" dirty="0">
+                <a:latin typeface="Courier New" panose="02070309020205020404" pitchFamily="49" charset="0"/>
+                <a:cs typeface="Courier New" panose="02070309020205020404" pitchFamily="49" charset="0"/>
+              </a:rPr>
+            </a:br>
+            <a:r>
+              <a:rPr lang="en-GB" sz="1100" dirty="0">
+                <a:latin typeface="Courier New" panose="02070309020205020404" pitchFamily="49" charset="0"/>
+                <a:cs typeface="Courier New" panose="02070309020205020404" pitchFamily="49" charset="0"/>
+              </a:rPr>
+              <a:t>    @OneToOne(fetch = </a:t>
             </a:r>
             <a:r>
               <a:rPr lang="en-GB" sz="1100" dirty="0" err="1">
                 <a:latin typeface="Courier New" panose="02070309020205020404" pitchFamily="49" charset="0"/>
                 <a:cs typeface="Courier New" panose="02070309020205020404" pitchFamily="49" charset="0"/>
               </a:rPr>
-              <a:t>NamedQuery</a:t>
+              <a:t>FetchType.EAGER</a:t>
             </a:r>
             <a:r>
               <a:rPr lang="en-GB" sz="1100" dirty="0">
                 <a:latin typeface="Courier New" panose="02070309020205020404" pitchFamily="49" charset="0"/>
                 <a:cs typeface="Courier New" panose="02070309020205020404" pitchFamily="49" charset="0"/>
               </a:rPr>
-              <a:t>(name="</a:t>
+              <a:t>, </a:t>
             </a:r>
             <a:r>
               <a:rPr lang="en-GB" sz="1100" dirty="0" err="1">
                 <a:latin typeface="Courier New" panose="02070309020205020404" pitchFamily="49" charset="0"/>
                 <a:cs typeface="Courier New" panose="02070309020205020404" pitchFamily="49" charset="0"/>
               </a:rPr>
-              <a:t>Questionnaire.findAllQuestionnaires</a:t>
+              <a:t>orphanRemoval</a:t>
             </a:r>
             <a:r>
               <a:rPr lang="en-GB" sz="1100" dirty="0">
                 <a:latin typeface="Courier New" panose="02070309020205020404" pitchFamily="49" charset="0"/>
                 <a:cs typeface="Courier New" panose="02070309020205020404" pitchFamily="49" charset="0"/>
               </a:rPr>
-              <a:t>", query = "SELECT q FROM Questionnaire q")</a:t>
-            </a:r>
-            <a:br>
+              <a:t> = true, cascade = { </a:t>
+            </a:r>
+            <a:r>
+              <a:rPr lang="en-GB" sz="1100" dirty="0" err="1">
+                <a:latin typeface="Courier New" panose="02070309020205020404" pitchFamily="49" charset="0"/>
+                <a:cs typeface="Courier New" panose="02070309020205020404" pitchFamily="49" charset="0"/>
+              </a:rPr>
+              <a:t>CascadeType.PERSIST</a:t>
+            </a:r>
+            <a:r>
               <a:rPr lang="en-GB" sz="1100" dirty="0">
                 <a:latin typeface="Courier New" panose="02070309020205020404" pitchFamily="49" charset="0"/>
                 <a:cs typeface="Courier New" panose="02070309020205020404" pitchFamily="49" charset="0"/>
               </a:rPr>
-            </a:br>
-            <a:r>
+              <a:t>})</a:t>
+            </a:r>
+            <a:br>
               <a:rPr lang="en-GB" sz="1100" dirty="0">
                 <a:latin typeface="Courier New" panose="02070309020205020404" pitchFamily="49" charset="0"/>
                 <a:cs typeface="Courier New" panose="02070309020205020404" pitchFamily="49" charset="0"/>
               </a:rPr>
-              <a:t>public class Questionnaire implements Serializable {</a:t>
-            </a:r>
-            <a:br>
+            </a:br>
+            <a:r>
               <a:rPr lang="en-GB" sz="1100" dirty="0">
                 <a:latin typeface="Courier New" panose="02070309020205020404" pitchFamily="49" charset="0"/>
                 <a:cs typeface="Courier New" panose="02070309020205020404" pitchFamily="49" charset="0"/>
               </a:rPr>
-            </a:br>
+              <a:t>    private Product </a:t>
+            </a:r>
+            <a:r>
+              <a:rPr lang="en-GB" sz="1100" dirty="0" err="1">
+                <a:latin typeface="Courier New" panose="02070309020205020404" pitchFamily="49" charset="0"/>
+                <a:cs typeface="Courier New" panose="02070309020205020404" pitchFamily="49" charset="0"/>
+              </a:rPr>
+              <a:t>relatedProduct</a:t>
+            </a:r>
             <a:r>
               <a:rPr lang="en-GB" sz="1100" dirty="0">
                 <a:latin typeface="Courier New" panose="02070309020205020404" pitchFamily="49" charset="0"/>
                 <a:cs typeface="Courier New" panose="02070309020205020404" pitchFamily="49" charset="0"/>
               </a:rPr>
-              <a:t>    private static final long </a:t>
+              <a:t>;</a:t>
+            </a:r>
+            <a:br>
+              <a:rPr lang="en-GB" sz="1100" dirty="0">
+                <a:latin typeface="Courier New" panose="02070309020205020404" pitchFamily="49" charset="0"/>
+                <a:cs typeface="Courier New" panose="02070309020205020404" pitchFamily="49" charset="0"/>
+              </a:rPr>
+            </a:br>
+            <a:br>
+              <a:rPr lang="en-GB" sz="1100" dirty="0">
+                <a:latin typeface="Courier New" panose="02070309020205020404" pitchFamily="49" charset="0"/>
+                <a:cs typeface="Courier New" panose="02070309020205020404" pitchFamily="49" charset="0"/>
+              </a:rPr>
+            </a:br>
+            <a:r>
+              <a:rPr lang="en-GB" sz="1100" dirty="0">
+                <a:latin typeface="Courier New" panose="02070309020205020404" pitchFamily="49" charset="0"/>
+                <a:cs typeface="Courier New" panose="02070309020205020404" pitchFamily="49" charset="0"/>
+              </a:rPr>
+              <a:t>    @OneToMany(mappedBy = "questionnaire", cascade = { </a:t>
             </a:r>
             <a:r>
               <a:rPr lang="en-GB" sz="1100" dirty="0" err="1">
                 <a:latin typeface="Courier New" panose="02070309020205020404" pitchFamily="49" charset="0"/>
                 <a:cs typeface="Courier New" panose="02070309020205020404" pitchFamily="49" charset="0"/>
               </a:rPr>
-              <a:t>serialVersionUID</a:t>
+              <a:t>CascadeType.PERSIST</a:t>
             </a:r>
             <a:r>
               <a:rPr lang="en-GB" sz="1100" dirty="0">
                 <a:latin typeface="Courier New" panose="02070309020205020404" pitchFamily="49" charset="0"/>
                 <a:cs typeface="Courier New" panose="02070309020205020404" pitchFamily="49" charset="0"/>
               </a:rPr>
-              <a:t> = 1L;</a:t>
-            </a:r>
-            <a:br>
+              <a:t> }, </a:t>
+            </a:r>
+            <a:r>
+              <a:rPr lang="en-GB" sz="1100" dirty="0" err="1">
+                <a:latin typeface="Courier New" panose="02070309020205020404" pitchFamily="49" charset="0"/>
+                <a:cs typeface="Courier New" panose="02070309020205020404" pitchFamily="49" charset="0"/>
+              </a:rPr>
+              <a:t>orphanRemoval</a:t>
+            </a:r>
+            <a:r>
               <a:rPr lang="en-GB" sz="1100" dirty="0">
                 <a:latin typeface="Courier New" panose="02070309020205020404" pitchFamily="49" charset="0"/>
                 <a:cs typeface="Courier New" panose="02070309020205020404" pitchFamily="49" charset="0"/>
               </a:rPr>
-            </a:br>
+              <a:t> = true)</a:t>
+            </a:r>
             <a:br>
               <a:rPr lang="en-GB" sz="1100" dirty="0">
                 <a:latin typeface="Courier New" panose="02070309020205020404" pitchFamily="49" charset="0"/>
@@ -5140,7 +5180,7 @@
                 <a:latin typeface="Courier New" panose="02070309020205020404" pitchFamily="49" charset="0"/>
                 <a:cs typeface="Courier New" panose="02070309020205020404" pitchFamily="49" charset="0"/>
               </a:rPr>
-              <a:t>    @Id</a:t>
+              <a:t>    private List&lt;Question&gt; questions;</a:t>
             </a:r>
             <a:br>
               <a:rPr lang="en-GB" sz="1100" dirty="0">
@@ -5148,40 +5188,46 @@
                 <a:cs typeface="Courier New" panose="02070309020205020404" pitchFamily="49" charset="0"/>
               </a:rPr>
             </a:br>
-            <a:r>
+            <a:br>
               <a:rPr lang="en-GB" sz="1100" dirty="0">
                 <a:latin typeface="Courier New" panose="02070309020205020404" pitchFamily="49" charset="0"/>
                 <a:cs typeface="Courier New" panose="02070309020205020404" pitchFamily="49" charset="0"/>
               </a:rPr>
-              <a:t>    @</a:t>
+            </a:br>
+            <a:r>
+              <a:rPr lang="en-GB" sz="1100" dirty="0">
+                <a:latin typeface="Courier New" panose="02070309020205020404" pitchFamily="49" charset="0"/>
+                <a:cs typeface="Courier New" panose="02070309020205020404" pitchFamily="49" charset="0"/>
+              </a:rPr>
+              <a:t>    @OneToMany(mappedBy = "</a:t>
             </a:r>
             <a:r>
               <a:rPr lang="en-GB" sz="1100" dirty="0" err="1">
                 <a:latin typeface="Courier New" panose="02070309020205020404" pitchFamily="49" charset="0"/>
                 <a:cs typeface="Courier New" panose="02070309020205020404" pitchFamily="49" charset="0"/>
               </a:rPr>
-              <a:t>GeneratedValue</a:t>
+              <a:t>relatedQuestionnaire</a:t>
             </a:r>
             <a:r>
               <a:rPr lang="en-GB" sz="1100" dirty="0">
                 <a:latin typeface="Courier New" panose="02070309020205020404" pitchFamily="49" charset="0"/>
                 <a:cs typeface="Courier New" panose="02070309020205020404" pitchFamily="49" charset="0"/>
               </a:rPr>
-              <a:t>(strategy = </a:t>
+              <a:t>", cascade = {</a:t>
             </a:r>
             <a:r>
               <a:rPr lang="en-GB" sz="1100" dirty="0" err="1">
                 <a:latin typeface="Courier New" panose="02070309020205020404" pitchFamily="49" charset="0"/>
                 <a:cs typeface="Courier New" panose="02070309020205020404" pitchFamily="49" charset="0"/>
               </a:rPr>
-              <a:t>GenerationType.IDENTITY</a:t>
+              <a:t>CascadeType.REFRESH</a:t>
             </a:r>
             <a:r>
               <a:rPr lang="en-GB" sz="1100" dirty="0">
                 <a:latin typeface="Courier New" panose="02070309020205020404" pitchFamily="49" charset="0"/>
                 <a:cs typeface="Courier New" panose="02070309020205020404" pitchFamily="49" charset="0"/>
               </a:rPr>
-              <a:t>)</a:t>
+              <a:t>})</a:t>
             </a:r>
             <a:br>
               <a:rPr lang="en-GB" sz="1100" dirty="0">
@@ -5194,327 +5240,7 @@
                 <a:latin typeface="Courier New" panose="02070309020205020404" pitchFamily="49" charset="0"/>
                 <a:cs typeface="Courier New" panose="02070309020205020404" pitchFamily="49" charset="0"/>
               </a:rPr>
-              <a:t>    private int id;</a:t>
-            </a:r>
-            <a:br>
-              <a:rPr lang="en-GB" sz="1100" dirty="0">
-                <a:latin typeface="Courier New" panose="02070309020205020404" pitchFamily="49" charset="0"/>
-                <a:cs typeface="Courier New" panose="02070309020205020404" pitchFamily="49" charset="0"/>
-              </a:rPr>
-            </a:br>
-            <a:br>
-              <a:rPr lang="en-GB" sz="1100" dirty="0">
-                <a:latin typeface="Courier New" panose="02070309020205020404" pitchFamily="49" charset="0"/>
-                <a:cs typeface="Courier New" panose="02070309020205020404" pitchFamily="49" charset="0"/>
-              </a:rPr>
-            </a:br>
-            <a:r>
-              <a:rPr lang="en-GB" sz="1100" dirty="0">
-                <a:latin typeface="Courier New" panose="02070309020205020404" pitchFamily="49" charset="0"/>
-                <a:cs typeface="Courier New" panose="02070309020205020404" pitchFamily="49" charset="0"/>
-              </a:rPr>
-              <a:t>    @</a:t>
-            </a:r>
-            <a:r>
-              <a:rPr lang="en-GB" sz="1100" dirty="0" err="1">
-                <a:latin typeface="Courier New" panose="02070309020205020404" pitchFamily="49" charset="0"/>
-                <a:cs typeface="Courier New" panose="02070309020205020404" pitchFamily="49" charset="0"/>
-              </a:rPr>
-              <a:t>OneToOne</a:t>
-            </a:r>
-            <a:r>
-              <a:rPr lang="en-GB" sz="1100" dirty="0">
-                <a:latin typeface="Courier New" panose="02070309020205020404" pitchFamily="49" charset="0"/>
-                <a:cs typeface="Courier New" panose="02070309020205020404" pitchFamily="49" charset="0"/>
-              </a:rPr>
-              <a:t>(fetch = </a:t>
-            </a:r>
-            <a:r>
-              <a:rPr lang="en-GB" sz="1100" dirty="0" err="1">
-                <a:latin typeface="Courier New" panose="02070309020205020404" pitchFamily="49" charset="0"/>
-                <a:cs typeface="Courier New" panose="02070309020205020404" pitchFamily="49" charset="0"/>
-              </a:rPr>
-              <a:t>FetchType.EAGER</a:t>
-            </a:r>
-            <a:r>
-              <a:rPr lang="en-GB" sz="1100" dirty="0">
-                <a:latin typeface="Courier New" panose="02070309020205020404" pitchFamily="49" charset="0"/>
-                <a:cs typeface="Courier New" panose="02070309020205020404" pitchFamily="49" charset="0"/>
-              </a:rPr>
-              <a:t>, </a:t>
-            </a:r>
-            <a:r>
-              <a:rPr lang="en-GB" sz="1100" dirty="0" err="1">
-                <a:latin typeface="Courier New" panose="02070309020205020404" pitchFamily="49" charset="0"/>
-                <a:cs typeface="Courier New" panose="02070309020205020404" pitchFamily="49" charset="0"/>
-              </a:rPr>
-              <a:t>orphanRemoval</a:t>
-            </a:r>
-            <a:r>
-              <a:rPr lang="en-GB" sz="1100" dirty="0">
-                <a:latin typeface="Courier New" panose="02070309020205020404" pitchFamily="49" charset="0"/>
-                <a:cs typeface="Courier New" panose="02070309020205020404" pitchFamily="49" charset="0"/>
-              </a:rPr>
-              <a:t> = true, cascade = { </a:t>
-            </a:r>
-            <a:r>
-              <a:rPr lang="en-GB" sz="1100" dirty="0" err="1">
-                <a:latin typeface="Courier New" panose="02070309020205020404" pitchFamily="49" charset="0"/>
-                <a:cs typeface="Courier New" panose="02070309020205020404" pitchFamily="49" charset="0"/>
-              </a:rPr>
-              <a:t>CascadeType.PERSIST</a:t>
-            </a:r>
-            <a:r>
-              <a:rPr lang="en-GB" sz="1100" dirty="0">
-                <a:latin typeface="Courier New" panose="02070309020205020404" pitchFamily="49" charset="0"/>
-                <a:cs typeface="Courier New" panose="02070309020205020404" pitchFamily="49" charset="0"/>
-              </a:rPr>
-              <a:t>, </a:t>
-            </a:r>
-            <a:r>
-              <a:rPr lang="en-GB" sz="1100" dirty="0" err="1">
-                <a:latin typeface="Courier New" panose="02070309020205020404" pitchFamily="49" charset="0"/>
-                <a:cs typeface="Courier New" panose="02070309020205020404" pitchFamily="49" charset="0"/>
-              </a:rPr>
-              <a:t>CascadeType.REMOVE</a:t>
-            </a:r>
-            <a:r>
-              <a:rPr lang="en-GB" sz="1100" dirty="0">
-                <a:latin typeface="Courier New" panose="02070309020205020404" pitchFamily="49" charset="0"/>
-                <a:cs typeface="Courier New" panose="02070309020205020404" pitchFamily="49" charset="0"/>
-              </a:rPr>
-              <a:t> })</a:t>
-            </a:r>
-            <a:br>
-              <a:rPr lang="en-GB" sz="1100" dirty="0">
-                <a:latin typeface="Courier New" panose="02070309020205020404" pitchFamily="49" charset="0"/>
-                <a:cs typeface="Courier New" panose="02070309020205020404" pitchFamily="49" charset="0"/>
-              </a:rPr>
-            </a:br>
-            <a:r>
-              <a:rPr lang="en-GB" sz="1100" dirty="0">
-                <a:latin typeface="Courier New" panose="02070309020205020404" pitchFamily="49" charset="0"/>
-                <a:cs typeface="Courier New" panose="02070309020205020404" pitchFamily="49" charset="0"/>
-              </a:rPr>
-              <a:t>    private Product </a:t>
-            </a:r>
-            <a:r>
-              <a:rPr lang="en-GB" sz="1100" dirty="0" err="1">
-                <a:latin typeface="Courier New" panose="02070309020205020404" pitchFamily="49" charset="0"/>
-                <a:cs typeface="Courier New" panose="02070309020205020404" pitchFamily="49" charset="0"/>
-              </a:rPr>
-              <a:t>relatedProduct</a:t>
-            </a:r>
-            <a:r>
-              <a:rPr lang="en-GB" sz="1100" dirty="0">
-                <a:latin typeface="Courier New" panose="02070309020205020404" pitchFamily="49" charset="0"/>
-                <a:cs typeface="Courier New" panose="02070309020205020404" pitchFamily="49" charset="0"/>
-              </a:rPr>
-              <a:t>;</a:t>
-            </a:r>
-            <a:br>
-              <a:rPr lang="en-GB" sz="1100" dirty="0">
-                <a:latin typeface="Courier New" panose="02070309020205020404" pitchFamily="49" charset="0"/>
-                <a:cs typeface="Courier New" panose="02070309020205020404" pitchFamily="49" charset="0"/>
-              </a:rPr>
-            </a:br>
-            <a:br>
-              <a:rPr lang="en-GB" sz="1100" dirty="0">
-                <a:latin typeface="Courier New" panose="02070309020205020404" pitchFamily="49" charset="0"/>
-                <a:cs typeface="Courier New" panose="02070309020205020404" pitchFamily="49" charset="0"/>
-              </a:rPr>
-            </a:br>
-            <a:r>
-              <a:rPr lang="en-GB" sz="1100" dirty="0">
-                <a:latin typeface="Courier New" panose="02070309020205020404" pitchFamily="49" charset="0"/>
-                <a:cs typeface="Courier New" panose="02070309020205020404" pitchFamily="49" charset="0"/>
-              </a:rPr>
-              <a:t>    @</a:t>
-            </a:r>
-            <a:r>
-              <a:rPr lang="en-GB" sz="1100" dirty="0" err="1">
-                <a:latin typeface="Courier New" panose="02070309020205020404" pitchFamily="49" charset="0"/>
-                <a:cs typeface="Courier New" panose="02070309020205020404" pitchFamily="49" charset="0"/>
-              </a:rPr>
-              <a:t>OneToMany</a:t>
-            </a:r>
-            <a:r>
-              <a:rPr lang="en-GB" sz="1100" dirty="0">
-                <a:latin typeface="Courier New" panose="02070309020205020404" pitchFamily="49" charset="0"/>
-                <a:cs typeface="Courier New" panose="02070309020205020404" pitchFamily="49" charset="0"/>
-              </a:rPr>
-              <a:t>(</a:t>
-            </a:r>
-            <a:r>
-              <a:rPr lang="en-GB" sz="1100" dirty="0" err="1">
-                <a:latin typeface="Courier New" panose="02070309020205020404" pitchFamily="49" charset="0"/>
-                <a:cs typeface="Courier New" panose="02070309020205020404" pitchFamily="49" charset="0"/>
-              </a:rPr>
-              <a:t>mappedBy</a:t>
-            </a:r>
-            <a:r>
-              <a:rPr lang="en-GB" sz="1100" dirty="0">
-                <a:latin typeface="Courier New" panose="02070309020205020404" pitchFamily="49" charset="0"/>
-                <a:cs typeface="Courier New" panose="02070309020205020404" pitchFamily="49" charset="0"/>
-              </a:rPr>
-              <a:t> = "questionnaire", cascade = { </a:t>
-            </a:r>
-            <a:r>
-              <a:rPr lang="en-GB" sz="1100" dirty="0" err="1">
-                <a:latin typeface="Courier New" panose="02070309020205020404" pitchFamily="49" charset="0"/>
-                <a:cs typeface="Courier New" panose="02070309020205020404" pitchFamily="49" charset="0"/>
-              </a:rPr>
-              <a:t>CascadeType.PERSIST</a:t>
-            </a:r>
-            <a:r>
-              <a:rPr lang="en-GB" sz="1100" dirty="0">
-                <a:latin typeface="Courier New" panose="02070309020205020404" pitchFamily="49" charset="0"/>
-                <a:cs typeface="Courier New" panose="02070309020205020404" pitchFamily="49" charset="0"/>
-              </a:rPr>
-              <a:t> }, </a:t>
-            </a:r>
-            <a:r>
-              <a:rPr lang="en-GB" sz="1100" dirty="0" err="1">
-                <a:latin typeface="Courier New" panose="02070309020205020404" pitchFamily="49" charset="0"/>
-                <a:cs typeface="Courier New" panose="02070309020205020404" pitchFamily="49" charset="0"/>
-              </a:rPr>
-              <a:t>orphanRemoval</a:t>
-            </a:r>
-            <a:r>
-              <a:rPr lang="en-GB" sz="1100" dirty="0">
-                <a:latin typeface="Courier New" panose="02070309020205020404" pitchFamily="49" charset="0"/>
-                <a:cs typeface="Courier New" panose="02070309020205020404" pitchFamily="49" charset="0"/>
-              </a:rPr>
-              <a:t> = true)</a:t>
-            </a:r>
-            <a:br>
-              <a:rPr lang="en-GB" sz="1100" dirty="0">
-                <a:latin typeface="Courier New" panose="02070309020205020404" pitchFamily="49" charset="0"/>
-                <a:cs typeface="Courier New" panose="02070309020205020404" pitchFamily="49" charset="0"/>
-              </a:rPr>
-            </a:br>
-            <a:r>
-              <a:rPr lang="en-GB" sz="1100" dirty="0">
-                <a:latin typeface="Courier New" panose="02070309020205020404" pitchFamily="49" charset="0"/>
-                <a:cs typeface="Courier New" panose="02070309020205020404" pitchFamily="49" charset="0"/>
-              </a:rPr>
-              <a:t>    private List&lt;Question&gt; questions;</a:t>
-            </a:r>
-            <a:br>
-              <a:rPr lang="en-GB" sz="1100" dirty="0">
-                <a:latin typeface="Courier New" panose="02070309020205020404" pitchFamily="49" charset="0"/>
-                <a:cs typeface="Courier New" panose="02070309020205020404" pitchFamily="49" charset="0"/>
-              </a:rPr>
-            </a:br>
-            <a:br>
-              <a:rPr lang="en-GB" sz="1100" dirty="0">
-                <a:latin typeface="Courier New" panose="02070309020205020404" pitchFamily="49" charset="0"/>
-                <a:cs typeface="Courier New" panose="02070309020205020404" pitchFamily="49" charset="0"/>
-              </a:rPr>
-            </a:br>
-            <a:r>
-              <a:rPr lang="en-GB" sz="1100" dirty="0">
-                <a:latin typeface="Courier New" panose="02070309020205020404" pitchFamily="49" charset="0"/>
-                <a:cs typeface="Courier New" panose="02070309020205020404" pitchFamily="49" charset="0"/>
-              </a:rPr>
-              <a:t>    @</a:t>
-            </a:r>
-            <a:r>
-              <a:rPr lang="en-GB" sz="1100" dirty="0" err="1">
-                <a:latin typeface="Courier New" panose="02070309020205020404" pitchFamily="49" charset="0"/>
-                <a:cs typeface="Courier New" panose="02070309020205020404" pitchFamily="49" charset="0"/>
-              </a:rPr>
-              <a:t>OneToMany</a:t>
-            </a:r>
-            <a:r>
-              <a:rPr lang="en-GB" sz="1100" dirty="0">
-                <a:latin typeface="Courier New" panose="02070309020205020404" pitchFamily="49" charset="0"/>
-                <a:cs typeface="Courier New" panose="02070309020205020404" pitchFamily="49" charset="0"/>
-              </a:rPr>
-              <a:t>(</a:t>
-            </a:r>
-            <a:r>
-              <a:rPr lang="en-GB" sz="1100" dirty="0" err="1">
-                <a:latin typeface="Courier New" panose="02070309020205020404" pitchFamily="49" charset="0"/>
-                <a:cs typeface="Courier New" panose="02070309020205020404" pitchFamily="49" charset="0"/>
-              </a:rPr>
-              <a:t>mappedBy</a:t>
-            </a:r>
-            <a:r>
-              <a:rPr lang="en-GB" sz="1100" dirty="0">
-                <a:latin typeface="Courier New" panose="02070309020205020404" pitchFamily="49" charset="0"/>
-                <a:cs typeface="Courier New" panose="02070309020205020404" pitchFamily="49" charset="0"/>
-              </a:rPr>
-              <a:t> = "</a:t>
-            </a:r>
-            <a:r>
-              <a:rPr lang="en-GB" sz="1100" dirty="0" err="1">
-                <a:latin typeface="Courier New" panose="02070309020205020404" pitchFamily="49" charset="0"/>
-                <a:cs typeface="Courier New" panose="02070309020205020404" pitchFamily="49" charset="0"/>
-              </a:rPr>
-              <a:t>relatedQuestionnaire</a:t>
-            </a:r>
-            <a:r>
-              <a:rPr lang="en-GB" sz="1100" dirty="0">
-                <a:latin typeface="Courier New" panose="02070309020205020404" pitchFamily="49" charset="0"/>
-                <a:cs typeface="Courier New" panose="02070309020205020404" pitchFamily="49" charset="0"/>
-              </a:rPr>
-              <a:t>", cascade = {</a:t>
-            </a:r>
-            <a:r>
-              <a:rPr lang="en-GB" sz="1100" dirty="0" err="1">
-                <a:latin typeface="Courier New" panose="02070309020205020404" pitchFamily="49" charset="0"/>
-                <a:cs typeface="Courier New" panose="02070309020205020404" pitchFamily="49" charset="0"/>
-              </a:rPr>
-              <a:t>CascadeType.REFRESH</a:t>
-            </a:r>
-            <a:r>
-              <a:rPr lang="en-GB" sz="1100" dirty="0">
-                <a:latin typeface="Courier New" panose="02070309020205020404" pitchFamily="49" charset="0"/>
-                <a:cs typeface="Courier New" panose="02070309020205020404" pitchFamily="49" charset="0"/>
-              </a:rPr>
-              <a:t>})</a:t>
-            </a:r>
-            <a:br>
-              <a:rPr lang="en-GB" sz="1100" dirty="0">
-                <a:latin typeface="Courier New" panose="02070309020205020404" pitchFamily="49" charset="0"/>
-                <a:cs typeface="Courier New" panose="02070309020205020404" pitchFamily="49" charset="0"/>
-              </a:rPr>
-            </a:br>
-            <a:r>
-              <a:rPr lang="en-GB" sz="1100" dirty="0">
-                <a:latin typeface="Courier New" panose="02070309020205020404" pitchFamily="49" charset="0"/>
-                <a:cs typeface="Courier New" panose="02070309020205020404" pitchFamily="49" charset="0"/>
-              </a:rPr>
-              <a:t>    @</a:t>
-            </a:r>
-            <a:r>
-              <a:rPr lang="en-GB" sz="1100" dirty="0" err="1">
-                <a:latin typeface="Courier New" panose="02070309020205020404" pitchFamily="49" charset="0"/>
-                <a:cs typeface="Courier New" panose="02070309020205020404" pitchFamily="49" charset="0"/>
-              </a:rPr>
-              <a:t>OrderBy</a:t>
-            </a:r>
-            <a:r>
-              <a:rPr lang="en-GB" sz="1100" dirty="0">
-                <a:latin typeface="Courier New" panose="02070309020205020404" pitchFamily="49" charset="0"/>
-                <a:cs typeface="Courier New" panose="02070309020205020404" pitchFamily="49" charset="0"/>
-              </a:rPr>
-              <a:t>("</a:t>
-            </a:r>
-            <a:r>
-              <a:rPr lang="en-GB" sz="1100" dirty="0" err="1">
-                <a:latin typeface="Courier New" panose="02070309020205020404" pitchFamily="49" charset="0"/>
-                <a:cs typeface="Courier New" panose="02070309020205020404" pitchFamily="49" charset="0"/>
-              </a:rPr>
-              <a:t>pointsEarned</a:t>
-            </a:r>
-            <a:r>
-              <a:rPr lang="en-GB" sz="1100" dirty="0">
-                <a:latin typeface="Courier New" panose="02070309020205020404" pitchFamily="49" charset="0"/>
-                <a:cs typeface="Courier New" panose="02070309020205020404" pitchFamily="49" charset="0"/>
-              </a:rPr>
-              <a:t> DESC")</a:t>
+              <a:t>    @OrderBy("pointsEarned DESC")</a:t>
             </a:r>
             <a:br>
               <a:rPr lang="en-GB" sz="1100" dirty="0">
@@ -7800,461 +7526,366 @@
                 <a:latin typeface="Courier New" panose="02070309020205020404" pitchFamily="49" charset="0"/>
                 <a:cs typeface="Courier New" panose="02070309020205020404" pitchFamily="49" charset="0"/>
               </a:rPr>
-              <a:t>@</a:t>
+              <a:t>@NamedQuery(name = "</a:t>
             </a:r>
             <a:r>
               <a:rPr lang="en-GB" sz="1200" dirty="0" err="1">
                 <a:latin typeface="Courier New" panose="02070309020205020404" pitchFamily="49" charset="0"/>
                 <a:cs typeface="Courier New" panose="02070309020205020404" pitchFamily="49" charset="0"/>
               </a:rPr>
-              <a:t>NamedQuery</a:t>
-            </a:r>
-            <a:r>
-              <a:rPr lang="en-GB" sz="1200" dirty="0">
-                <a:latin typeface="Courier New" panose="02070309020205020404" pitchFamily="49" charset="0"/>
-                <a:cs typeface="Courier New" panose="02070309020205020404" pitchFamily="49" charset="0"/>
-              </a:rPr>
-              <a:t>(name = "</a:t>
+              <a:t>User.checkCredentials</a:t>
+            </a:r>
+            <a:r>
+              <a:rPr lang="en-GB" sz="1200" dirty="0">
+                <a:latin typeface="Courier New" panose="02070309020205020404" pitchFamily="49" charset="0"/>
+                <a:cs typeface="Courier New" panose="02070309020205020404" pitchFamily="49" charset="0"/>
+              </a:rPr>
+              <a:t>", query = "SELECT r FROM User r  WHERE (</a:t>
             </a:r>
             <a:r>
               <a:rPr lang="en-GB" sz="1200" dirty="0" err="1">
                 <a:latin typeface="Courier New" panose="02070309020205020404" pitchFamily="49" charset="0"/>
                 <a:cs typeface="Courier New" panose="02070309020205020404" pitchFamily="49" charset="0"/>
               </a:rPr>
-              <a:t>User.checkCredentials</a:t>
-            </a:r>
-            <a:r>
-              <a:rPr lang="en-GB" sz="1200" dirty="0">
-                <a:latin typeface="Courier New" panose="02070309020205020404" pitchFamily="49" charset="0"/>
-                <a:cs typeface="Courier New" panose="02070309020205020404" pitchFamily="49" charset="0"/>
-              </a:rPr>
-              <a:t>", query = "SELECT r FROM User r  WHERE (</a:t>
+              <a:t>r.username</a:t>
+            </a:r>
+            <a:r>
+              <a:rPr lang="en-GB" sz="1200" dirty="0">
+                <a:latin typeface="Courier New" panose="02070309020205020404" pitchFamily="49" charset="0"/>
+                <a:cs typeface="Courier New" panose="02070309020205020404" pitchFamily="49" charset="0"/>
+              </a:rPr>
+              <a:t> = ?1 or </a:t>
             </a:r>
             <a:r>
               <a:rPr lang="en-GB" sz="1200" dirty="0" err="1">
                 <a:latin typeface="Courier New" panose="02070309020205020404" pitchFamily="49" charset="0"/>
                 <a:cs typeface="Courier New" panose="02070309020205020404" pitchFamily="49" charset="0"/>
               </a:rPr>
-              <a:t>r.username</a:t>
-            </a:r>
-            <a:r>
-              <a:rPr lang="en-GB" sz="1200" dirty="0">
-                <a:latin typeface="Courier New" panose="02070309020205020404" pitchFamily="49" charset="0"/>
-                <a:cs typeface="Courier New" panose="02070309020205020404" pitchFamily="49" charset="0"/>
-              </a:rPr>
-              <a:t> = ?1 or </a:t>
+              <a:t>r.email</a:t>
+            </a:r>
+            <a:r>
+              <a:rPr lang="en-GB" sz="1200" dirty="0">
+                <a:latin typeface="Courier New" panose="02070309020205020404" pitchFamily="49" charset="0"/>
+                <a:cs typeface="Courier New" panose="02070309020205020404" pitchFamily="49" charset="0"/>
+              </a:rPr>
+              <a:t> = ?1) and </a:t>
             </a:r>
             <a:r>
               <a:rPr lang="en-GB" sz="1200" dirty="0" err="1">
                 <a:latin typeface="Courier New" panose="02070309020205020404" pitchFamily="49" charset="0"/>
                 <a:cs typeface="Courier New" panose="02070309020205020404" pitchFamily="49" charset="0"/>
               </a:rPr>
-              <a:t>r.email</a:t>
-            </a:r>
-            <a:r>
-              <a:rPr lang="en-GB" sz="1200" dirty="0">
-                <a:latin typeface="Courier New" panose="02070309020205020404" pitchFamily="49" charset="0"/>
-                <a:cs typeface="Courier New" panose="02070309020205020404" pitchFamily="49" charset="0"/>
-              </a:rPr>
-              <a:t> = ?1) and </a:t>
+              <a:t>r.password</a:t>
+            </a:r>
+            <a:r>
+              <a:rPr lang="en-GB" sz="1200" dirty="0">
+                <a:latin typeface="Courier New" panose="02070309020205020404" pitchFamily="49" charset="0"/>
+                <a:cs typeface="Courier New" panose="02070309020205020404" pitchFamily="49" charset="0"/>
+              </a:rPr>
+              <a:t> = ?2")</a:t>
+            </a:r>
+            <a:br>
+              <a:rPr lang="en-GB" sz="1200" dirty="0">
+                <a:latin typeface="Courier New" panose="02070309020205020404" pitchFamily="49" charset="0"/>
+                <a:cs typeface="Courier New" panose="02070309020205020404" pitchFamily="49" charset="0"/>
+              </a:rPr>
+            </a:br>
+            <a:r>
+              <a:rPr lang="en-GB" sz="1200" dirty="0">
+                <a:latin typeface="Courier New" panose="02070309020205020404" pitchFamily="49" charset="0"/>
+                <a:cs typeface="Courier New" panose="02070309020205020404" pitchFamily="49" charset="0"/>
+              </a:rPr>
+              <a:t>public class User implements Serializable {</a:t>
+            </a:r>
+            <a:br>
+              <a:rPr lang="en-GB" sz="1200" dirty="0">
+                <a:latin typeface="Courier New" panose="02070309020205020404" pitchFamily="49" charset="0"/>
+                <a:cs typeface="Courier New" panose="02070309020205020404" pitchFamily="49" charset="0"/>
+              </a:rPr>
+            </a:br>
+            <a:r>
+              <a:rPr lang="en-GB" sz="1200" dirty="0">
+                <a:latin typeface="Courier New" panose="02070309020205020404" pitchFamily="49" charset="0"/>
+                <a:cs typeface="Courier New" panose="02070309020205020404" pitchFamily="49" charset="0"/>
+              </a:rPr>
+              <a:t>    private static final long </a:t>
             </a:r>
             <a:r>
               <a:rPr lang="en-GB" sz="1200" dirty="0" err="1">
                 <a:latin typeface="Courier New" panose="02070309020205020404" pitchFamily="49" charset="0"/>
                 <a:cs typeface="Courier New" panose="02070309020205020404" pitchFamily="49" charset="0"/>
               </a:rPr>
-              <a:t>r.password</a:t>
-            </a:r>
-            <a:r>
-              <a:rPr lang="en-GB" sz="1200" dirty="0">
-                <a:latin typeface="Courier New" panose="02070309020205020404" pitchFamily="49" charset="0"/>
-                <a:cs typeface="Courier New" panose="02070309020205020404" pitchFamily="49" charset="0"/>
-              </a:rPr>
-              <a:t> = ?2")</a:t>
-            </a:r>
-            <a:br>
-              <a:rPr lang="en-GB" sz="1200" dirty="0">
-                <a:latin typeface="Courier New" panose="02070309020205020404" pitchFamily="49" charset="0"/>
-                <a:cs typeface="Courier New" panose="02070309020205020404" pitchFamily="49" charset="0"/>
-              </a:rPr>
-            </a:br>
-            <a:r>
-              <a:rPr lang="en-GB" sz="1200" dirty="0">
-                <a:latin typeface="Courier New" panose="02070309020205020404" pitchFamily="49" charset="0"/>
-                <a:cs typeface="Courier New" panose="02070309020205020404" pitchFamily="49" charset="0"/>
-              </a:rPr>
-              <a:t>public class User implements Serializable {</a:t>
-            </a:r>
-            <a:br>
-              <a:rPr lang="en-GB" sz="1200" dirty="0">
-                <a:latin typeface="Courier New" panose="02070309020205020404" pitchFamily="49" charset="0"/>
-                <a:cs typeface="Courier New" panose="02070309020205020404" pitchFamily="49" charset="0"/>
-              </a:rPr>
-            </a:br>
-            <a:r>
-              <a:rPr lang="en-GB" sz="1200" dirty="0">
-                <a:latin typeface="Courier New" panose="02070309020205020404" pitchFamily="49" charset="0"/>
-                <a:cs typeface="Courier New" panose="02070309020205020404" pitchFamily="49" charset="0"/>
-              </a:rPr>
-              <a:t>    private static final long </a:t>
+              <a:t>serialVersionUID</a:t>
+            </a:r>
+            <a:r>
+              <a:rPr lang="en-GB" sz="1200" dirty="0">
+                <a:latin typeface="Courier New" panose="02070309020205020404" pitchFamily="49" charset="0"/>
+                <a:cs typeface="Courier New" panose="02070309020205020404" pitchFamily="49" charset="0"/>
+              </a:rPr>
+              <a:t> = 1L;</a:t>
+            </a:r>
+            <a:br>
+              <a:rPr lang="en-GB" sz="1200" dirty="0">
+                <a:latin typeface="Courier New" panose="02070309020205020404" pitchFamily="49" charset="0"/>
+                <a:cs typeface="Courier New" panose="02070309020205020404" pitchFamily="49" charset="0"/>
+              </a:rPr>
+            </a:br>
+            <a:br>
+              <a:rPr lang="en-GB" sz="1200" dirty="0">
+                <a:latin typeface="Courier New" panose="02070309020205020404" pitchFamily="49" charset="0"/>
+                <a:cs typeface="Courier New" panose="02070309020205020404" pitchFamily="49" charset="0"/>
+              </a:rPr>
+            </a:br>
+            <a:r>
+              <a:rPr lang="en-GB" sz="1200" dirty="0">
+                <a:latin typeface="Courier New" panose="02070309020205020404" pitchFamily="49" charset="0"/>
+                <a:cs typeface="Courier New" panose="02070309020205020404" pitchFamily="49" charset="0"/>
+              </a:rPr>
+              <a:t>    @Id</a:t>
+            </a:r>
+            <a:br>
+              <a:rPr lang="en-GB" sz="1200" dirty="0">
+                <a:latin typeface="Courier New" panose="02070309020205020404" pitchFamily="49" charset="0"/>
+                <a:cs typeface="Courier New" panose="02070309020205020404" pitchFamily="49" charset="0"/>
+              </a:rPr>
+            </a:br>
+            <a:r>
+              <a:rPr lang="en-GB" sz="1200" dirty="0">
+                <a:latin typeface="Courier New" panose="02070309020205020404" pitchFamily="49" charset="0"/>
+                <a:cs typeface="Courier New" panose="02070309020205020404" pitchFamily="49" charset="0"/>
+              </a:rPr>
+              <a:t>    @GeneratedValue(strategy = </a:t>
             </a:r>
             <a:r>
               <a:rPr lang="en-GB" sz="1200" dirty="0" err="1">
                 <a:latin typeface="Courier New" panose="02070309020205020404" pitchFamily="49" charset="0"/>
                 <a:cs typeface="Courier New" panose="02070309020205020404" pitchFamily="49" charset="0"/>
               </a:rPr>
-              <a:t>serialVersionUID</a:t>
-            </a:r>
-            <a:r>
-              <a:rPr lang="en-GB" sz="1200" dirty="0">
-                <a:latin typeface="Courier New" panose="02070309020205020404" pitchFamily="49" charset="0"/>
-                <a:cs typeface="Courier New" panose="02070309020205020404" pitchFamily="49" charset="0"/>
-              </a:rPr>
-              <a:t> = 1L;</a:t>
-            </a:r>
-            <a:br>
-              <a:rPr lang="en-GB" sz="1200" dirty="0">
-                <a:latin typeface="Courier New" panose="02070309020205020404" pitchFamily="49" charset="0"/>
-                <a:cs typeface="Courier New" panose="02070309020205020404" pitchFamily="49" charset="0"/>
-              </a:rPr>
-            </a:br>
-            <a:br>
-              <a:rPr lang="en-GB" sz="1200" dirty="0">
-                <a:latin typeface="Courier New" panose="02070309020205020404" pitchFamily="49" charset="0"/>
-                <a:cs typeface="Courier New" panose="02070309020205020404" pitchFamily="49" charset="0"/>
-              </a:rPr>
-            </a:br>
-            <a:r>
-              <a:rPr lang="en-GB" sz="1200" dirty="0">
-                <a:latin typeface="Courier New" panose="02070309020205020404" pitchFamily="49" charset="0"/>
-                <a:cs typeface="Courier New" panose="02070309020205020404" pitchFamily="49" charset="0"/>
-              </a:rPr>
-              <a:t>    @Id</a:t>
-            </a:r>
-            <a:br>
-              <a:rPr lang="en-GB" sz="1200" dirty="0">
-                <a:latin typeface="Courier New" panose="02070309020205020404" pitchFamily="49" charset="0"/>
-                <a:cs typeface="Courier New" panose="02070309020205020404" pitchFamily="49" charset="0"/>
-              </a:rPr>
-            </a:br>
-            <a:r>
-              <a:rPr lang="en-GB" sz="1200" dirty="0">
-                <a:latin typeface="Courier New" panose="02070309020205020404" pitchFamily="49" charset="0"/>
-                <a:cs typeface="Courier New" panose="02070309020205020404" pitchFamily="49" charset="0"/>
-              </a:rPr>
-              <a:t>    @</a:t>
+              <a:t>GenerationType.IDENTITY</a:t>
+            </a:r>
+            <a:r>
+              <a:rPr lang="en-GB" sz="1200" dirty="0">
+                <a:latin typeface="Courier New" panose="02070309020205020404" pitchFamily="49" charset="0"/>
+                <a:cs typeface="Courier New" panose="02070309020205020404" pitchFamily="49" charset="0"/>
+              </a:rPr>
+              <a:t>)</a:t>
+            </a:r>
+            <a:br>
+              <a:rPr lang="en-GB" sz="1200" dirty="0">
+                <a:latin typeface="Courier New" panose="02070309020205020404" pitchFamily="49" charset="0"/>
+                <a:cs typeface="Courier New" panose="02070309020205020404" pitchFamily="49" charset="0"/>
+              </a:rPr>
+            </a:br>
+            <a:r>
+              <a:rPr lang="en-GB" sz="1200" dirty="0">
+                <a:latin typeface="Courier New" panose="02070309020205020404" pitchFamily="49" charset="0"/>
+                <a:cs typeface="Courier New" panose="02070309020205020404" pitchFamily="49" charset="0"/>
+              </a:rPr>
+              <a:t>    private int id;</a:t>
+            </a:r>
+            <a:br>
+              <a:rPr lang="en-GB" sz="1200" dirty="0">
+                <a:latin typeface="Courier New" panose="02070309020205020404" pitchFamily="49" charset="0"/>
+                <a:cs typeface="Courier New" panose="02070309020205020404" pitchFamily="49" charset="0"/>
+              </a:rPr>
+            </a:br>
+            <a:r>
+              <a:rPr lang="en-GB" sz="1200" dirty="0">
+                <a:latin typeface="Courier New" panose="02070309020205020404" pitchFamily="49" charset="0"/>
+                <a:cs typeface="Courier New" panose="02070309020205020404" pitchFamily="49" charset="0"/>
+              </a:rPr>
+              <a:t>    @Column(unique = true)</a:t>
+            </a:r>
+            <a:br>
+              <a:rPr lang="en-GB" sz="1200" dirty="0">
+                <a:latin typeface="Courier New" panose="02070309020205020404" pitchFamily="49" charset="0"/>
+                <a:cs typeface="Courier New" panose="02070309020205020404" pitchFamily="49" charset="0"/>
+              </a:rPr>
+            </a:br>
+            <a:r>
+              <a:rPr lang="en-GB" sz="1200" dirty="0">
+                <a:latin typeface="Courier New" panose="02070309020205020404" pitchFamily="49" charset="0"/>
+                <a:cs typeface="Courier New" panose="02070309020205020404" pitchFamily="49" charset="0"/>
+              </a:rPr>
+              <a:t>    private String username;</a:t>
+            </a:r>
+            <a:br>
+              <a:rPr lang="en-GB" sz="1200" dirty="0">
+                <a:latin typeface="Courier New" panose="02070309020205020404" pitchFamily="49" charset="0"/>
+                <a:cs typeface="Courier New" panose="02070309020205020404" pitchFamily="49" charset="0"/>
+              </a:rPr>
+            </a:br>
+            <a:r>
+              <a:rPr lang="en-GB" sz="1200" dirty="0">
+                <a:latin typeface="Courier New" panose="02070309020205020404" pitchFamily="49" charset="0"/>
+                <a:cs typeface="Courier New" panose="02070309020205020404" pitchFamily="49" charset="0"/>
+              </a:rPr>
+              <a:t>    @Column(unique = true)</a:t>
+            </a:r>
+            <a:br>
+              <a:rPr lang="en-GB" sz="1200" dirty="0">
+                <a:latin typeface="Courier New" panose="02070309020205020404" pitchFamily="49" charset="0"/>
+                <a:cs typeface="Courier New" panose="02070309020205020404" pitchFamily="49" charset="0"/>
+              </a:rPr>
+            </a:br>
+            <a:r>
+              <a:rPr lang="en-GB" sz="1200" dirty="0">
+                <a:latin typeface="Courier New" panose="02070309020205020404" pitchFamily="49" charset="0"/>
+                <a:cs typeface="Courier New" panose="02070309020205020404" pitchFamily="49" charset="0"/>
+              </a:rPr>
+              <a:t>    private String email;</a:t>
+            </a:r>
+            <a:br>
+              <a:rPr lang="en-GB" sz="1200" dirty="0">
+                <a:latin typeface="Courier New" panose="02070309020205020404" pitchFamily="49" charset="0"/>
+                <a:cs typeface="Courier New" panose="02070309020205020404" pitchFamily="49" charset="0"/>
+              </a:rPr>
+            </a:br>
+            <a:br>
+              <a:rPr lang="en-GB" sz="1200" dirty="0">
+                <a:latin typeface="Courier New" panose="02070309020205020404" pitchFamily="49" charset="0"/>
+                <a:cs typeface="Courier New" panose="02070309020205020404" pitchFamily="49" charset="0"/>
+              </a:rPr>
+            </a:br>
+            <a:r>
+              <a:rPr lang="en-GB" sz="1200" dirty="0">
+                <a:latin typeface="Courier New" panose="02070309020205020404" pitchFamily="49" charset="0"/>
+                <a:cs typeface="Courier New" panose="02070309020205020404" pitchFamily="49" charset="0"/>
+              </a:rPr>
+              <a:t>    private String password;</a:t>
+            </a:r>
+            <a:br>
+              <a:rPr lang="en-GB" sz="1200" dirty="0">
+                <a:latin typeface="Courier New" panose="02070309020205020404" pitchFamily="49" charset="0"/>
+                <a:cs typeface="Courier New" panose="02070309020205020404" pitchFamily="49" charset="0"/>
+              </a:rPr>
+            </a:br>
+            <a:r>
+              <a:rPr lang="en-GB" sz="1200" dirty="0">
+                <a:latin typeface="Courier New" panose="02070309020205020404" pitchFamily="49" charset="0"/>
+                <a:cs typeface="Courier New" panose="02070309020205020404" pitchFamily="49" charset="0"/>
+              </a:rPr>
+              <a:t>    private String name;</a:t>
+            </a:r>
+            <a:br>
+              <a:rPr lang="en-GB" sz="1200" dirty="0">
+                <a:latin typeface="Courier New" panose="02070309020205020404" pitchFamily="49" charset="0"/>
+                <a:cs typeface="Courier New" panose="02070309020205020404" pitchFamily="49" charset="0"/>
+              </a:rPr>
+            </a:br>
+            <a:r>
+              <a:rPr lang="en-GB" sz="1200" dirty="0">
+                <a:latin typeface="Courier New" panose="02070309020205020404" pitchFamily="49" charset="0"/>
+                <a:cs typeface="Courier New" panose="02070309020205020404" pitchFamily="49" charset="0"/>
+              </a:rPr>
+              <a:t>    private String surname;</a:t>
+            </a:r>
+            <a:br>
+              <a:rPr lang="en-GB" sz="1200" dirty="0">
+                <a:latin typeface="Courier New" panose="02070309020205020404" pitchFamily="49" charset="0"/>
+                <a:cs typeface="Courier New" panose="02070309020205020404" pitchFamily="49" charset="0"/>
+              </a:rPr>
+            </a:br>
+            <a:r>
+              <a:rPr lang="en-GB" sz="1200" dirty="0">
+                <a:latin typeface="Courier New" panose="02070309020205020404" pitchFamily="49" charset="0"/>
+                <a:cs typeface="Courier New" panose="02070309020205020404" pitchFamily="49" charset="0"/>
+              </a:rPr>
+              <a:t>    private Boolean </a:t>
             </a:r>
             <a:r>
               <a:rPr lang="en-GB" sz="1200" dirty="0" err="1">
                 <a:latin typeface="Courier New" panose="02070309020205020404" pitchFamily="49" charset="0"/>
                 <a:cs typeface="Courier New" panose="02070309020205020404" pitchFamily="49" charset="0"/>
               </a:rPr>
-              <a:t>GeneratedValue</a:t>
-            </a:r>
-            <a:r>
-              <a:rPr lang="en-GB" sz="1200" dirty="0">
-                <a:latin typeface="Courier New" panose="02070309020205020404" pitchFamily="49" charset="0"/>
-                <a:cs typeface="Courier New" panose="02070309020205020404" pitchFamily="49" charset="0"/>
-              </a:rPr>
-              <a:t>(strategy = </a:t>
+              <a:t>is_blocked</a:t>
+            </a:r>
+            <a:r>
+              <a:rPr lang="en-GB" sz="1200" dirty="0">
+                <a:latin typeface="Courier New" panose="02070309020205020404" pitchFamily="49" charset="0"/>
+                <a:cs typeface="Courier New" panose="02070309020205020404" pitchFamily="49" charset="0"/>
+              </a:rPr>
+              <a:t>;</a:t>
+            </a:r>
+            <a:br>
+              <a:rPr lang="en-GB" sz="1200" dirty="0">
+                <a:latin typeface="Courier New" panose="02070309020205020404" pitchFamily="49" charset="0"/>
+                <a:cs typeface="Courier New" panose="02070309020205020404" pitchFamily="49" charset="0"/>
+              </a:rPr>
+            </a:br>
+            <a:r>
+              <a:rPr lang="en-GB" sz="1200" dirty="0">
+                <a:latin typeface="Courier New" panose="02070309020205020404" pitchFamily="49" charset="0"/>
+                <a:cs typeface="Courier New" panose="02070309020205020404" pitchFamily="49" charset="0"/>
+              </a:rPr>
+              <a:t>    private int points;</a:t>
+            </a:r>
+            <a:br>
+              <a:rPr lang="en-GB" sz="1200" dirty="0">
+                <a:latin typeface="Courier New" panose="02070309020205020404" pitchFamily="49" charset="0"/>
+                <a:cs typeface="Courier New" panose="02070309020205020404" pitchFamily="49" charset="0"/>
+              </a:rPr>
+            </a:br>
+            <a:r>
+              <a:rPr lang="en-GB" sz="1200" dirty="0">
+                <a:latin typeface="Courier New" panose="02070309020205020404" pitchFamily="49" charset="0"/>
+                <a:cs typeface="Courier New" panose="02070309020205020404" pitchFamily="49" charset="0"/>
+              </a:rPr>
+              <a:t>    private </a:t>
             </a:r>
             <a:r>
               <a:rPr lang="en-GB" sz="1200" dirty="0" err="1">
                 <a:latin typeface="Courier New" panose="02070309020205020404" pitchFamily="49" charset="0"/>
                 <a:cs typeface="Courier New" panose="02070309020205020404" pitchFamily="49" charset="0"/>
               </a:rPr>
-              <a:t>GenerationType.IDENTITY</a:t>
-            </a:r>
-            <a:r>
-              <a:rPr lang="en-GB" sz="1200" dirty="0">
-                <a:latin typeface="Courier New" panose="02070309020205020404" pitchFamily="49" charset="0"/>
-                <a:cs typeface="Courier New" panose="02070309020205020404" pitchFamily="49" charset="0"/>
-              </a:rPr>
-              <a:t>)</a:t>
-            </a:r>
-            <a:br>
-              <a:rPr lang="en-GB" sz="1200" dirty="0">
-                <a:latin typeface="Courier New" panose="02070309020205020404" pitchFamily="49" charset="0"/>
-                <a:cs typeface="Courier New" panose="02070309020205020404" pitchFamily="49" charset="0"/>
-              </a:rPr>
-            </a:br>
-            <a:r>
-              <a:rPr lang="en-GB" sz="1200" dirty="0">
-                <a:latin typeface="Courier New" panose="02070309020205020404" pitchFamily="49" charset="0"/>
-                <a:cs typeface="Courier New" panose="02070309020205020404" pitchFamily="49" charset="0"/>
-              </a:rPr>
-              <a:t>    private int id;</a:t>
-            </a:r>
-            <a:br>
-              <a:rPr lang="en-GB" sz="1200" dirty="0">
-                <a:latin typeface="Courier New" panose="02070309020205020404" pitchFamily="49" charset="0"/>
-                <a:cs typeface="Courier New" panose="02070309020205020404" pitchFamily="49" charset="0"/>
-              </a:rPr>
-            </a:br>
-            <a:r>
-              <a:rPr lang="en-GB" sz="1200" dirty="0">
-                <a:latin typeface="Courier New" panose="02070309020205020404" pitchFamily="49" charset="0"/>
-                <a:cs typeface="Courier New" panose="02070309020205020404" pitchFamily="49" charset="0"/>
-              </a:rPr>
-              <a:t>    @Column(unique = true)</a:t>
-            </a:r>
-            <a:br>
-              <a:rPr lang="en-GB" sz="1200" dirty="0">
-                <a:latin typeface="Courier New" panose="02070309020205020404" pitchFamily="49" charset="0"/>
-                <a:cs typeface="Courier New" panose="02070309020205020404" pitchFamily="49" charset="0"/>
-              </a:rPr>
-            </a:br>
-            <a:r>
-              <a:rPr lang="en-GB" sz="1200" dirty="0">
-                <a:latin typeface="Courier New" panose="02070309020205020404" pitchFamily="49" charset="0"/>
-                <a:cs typeface="Courier New" panose="02070309020205020404" pitchFamily="49" charset="0"/>
-              </a:rPr>
-              <a:t>    private String username;</a:t>
-            </a:r>
-            <a:br>
-              <a:rPr lang="en-GB" sz="1200" dirty="0">
-                <a:latin typeface="Courier New" panose="02070309020205020404" pitchFamily="49" charset="0"/>
-                <a:cs typeface="Courier New" panose="02070309020205020404" pitchFamily="49" charset="0"/>
-              </a:rPr>
-            </a:br>
-            <a:r>
-              <a:rPr lang="en-GB" sz="1200" dirty="0">
-                <a:latin typeface="Courier New" panose="02070309020205020404" pitchFamily="49" charset="0"/>
-                <a:cs typeface="Courier New" panose="02070309020205020404" pitchFamily="49" charset="0"/>
-              </a:rPr>
-              <a:t>    @Column(unique = true)</a:t>
-            </a:r>
-            <a:br>
-              <a:rPr lang="en-GB" sz="1200" dirty="0">
-                <a:latin typeface="Courier New" panose="02070309020205020404" pitchFamily="49" charset="0"/>
-                <a:cs typeface="Courier New" panose="02070309020205020404" pitchFamily="49" charset="0"/>
-              </a:rPr>
-            </a:br>
-            <a:r>
-              <a:rPr lang="en-GB" sz="1200" dirty="0">
-                <a:latin typeface="Courier New" panose="02070309020205020404" pitchFamily="49" charset="0"/>
-                <a:cs typeface="Courier New" panose="02070309020205020404" pitchFamily="49" charset="0"/>
-              </a:rPr>
-              <a:t>    private String email;</a:t>
-            </a:r>
-            <a:br>
-              <a:rPr lang="en-GB" sz="1200" dirty="0">
-                <a:latin typeface="Courier New" panose="02070309020205020404" pitchFamily="49" charset="0"/>
-                <a:cs typeface="Courier New" panose="02070309020205020404" pitchFamily="49" charset="0"/>
-              </a:rPr>
-            </a:br>
-            <a:br>
-              <a:rPr lang="en-GB" sz="1200" dirty="0">
-                <a:latin typeface="Courier New" panose="02070309020205020404" pitchFamily="49" charset="0"/>
-                <a:cs typeface="Courier New" panose="02070309020205020404" pitchFamily="49" charset="0"/>
-              </a:rPr>
-            </a:br>
-            <a:r>
-              <a:rPr lang="en-GB" sz="1200" dirty="0">
-                <a:latin typeface="Courier New" panose="02070309020205020404" pitchFamily="49" charset="0"/>
-                <a:cs typeface="Courier New" panose="02070309020205020404" pitchFamily="49" charset="0"/>
-              </a:rPr>
-              <a:t>    @</a:t>
+              <a:t>LocalDateTime</a:t>
+            </a:r>
+            <a:r>
+              <a:rPr lang="en-GB" sz="1200" dirty="0">
+                <a:latin typeface="Courier New" panose="02070309020205020404" pitchFamily="49" charset="0"/>
+                <a:cs typeface="Courier New" panose="02070309020205020404" pitchFamily="49" charset="0"/>
+              </a:rPr>
+              <a:t> </a:t>
             </a:r>
             <a:r>
               <a:rPr lang="en-GB" sz="1200" dirty="0" err="1">
                 <a:latin typeface="Courier New" panose="02070309020205020404" pitchFamily="49" charset="0"/>
                 <a:cs typeface="Courier New" panose="02070309020205020404" pitchFamily="49" charset="0"/>
               </a:rPr>
-              <a:t>OneToMany</a:t>
-            </a:r>
-            <a:br>
-              <a:rPr lang="en-GB" sz="1200" dirty="0">
-                <a:latin typeface="Courier New" panose="02070309020205020404" pitchFamily="49" charset="0"/>
-                <a:cs typeface="Courier New" panose="02070309020205020404" pitchFamily="49" charset="0"/>
-              </a:rPr>
-            </a:br>
-            <a:r>
-              <a:rPr lang="en-GB" sz="1200" dirty="0">
-                <a:latin typeface="Courier New" panose="02070309020205020404" pitchFamily="49" charset="0"/>
-                <a:cs typeface="Courier New" panose="02070309020205020404" pitchFamily="49" charset="0"/>
-              </a:rPr>
-              <a:t>    private List&lt;</a:t>
+              <a:t>last_login</a:t>
+            </a:r>
+            <a:r>
+              <a:rPr lang="en-GB" sz="1200" dirty="0">
+                <a:latin typeface="Courier New" panose="02070309020205020404" pitchFamily="49" charset="0"/>
+                <a:cs typeface="Courier New" panose="02070309020205020404" pitchFamily="49" charset="0"/>
+              </a:rPr>
+              <a:t>;</a:t>
+            </a:r>
+            <a:br>
+              <a:rPr lang="en-GB" sz="1200" dirty="0">
+                <a:latin typeface="Courier New" panose="02070309020205020404" pitchFamily="49" charset="0"/>
+                <a:cs typeface="Courier New" panose="02070309020205020404" pitchFamily="49" charset="0"/>
+              </a:rPr>
+            </a:br>
+            <a:br>
+              <a:rPr lang="en-GB" sz="1200" dirty="0">
+                <a:latin typeface="Courier New" panose="02070309020205020404" pitchFamily="49" charset="0"/>
+                <a:cs typeface="Courier New" panose="02070309020205020404" pitchFamily="49" charset="0"/>
+              </a:rPr>
+            </a:br>
+            <a:r>
+              <a:rPr lang="en-GB" sz="1200" dirty="0">
+                <a:latin typeface="Courier New" panose="02070309020205020404" pitchFamily="49" charset="0"/>
+                <a:cs typeface="Courier New" panose="02070309020205020404" pitchFamily="49" charset="0"/>
+              </a:rPr>
+              <a:t>    @OneToMany(fetch = </a:t>
             </a:r>
             <a:r>
               <a:rPr lang="en-GB" sz="1200" dirty="0" err="1">
                 <a:latin typeface="Courier New" panose="02070309020205020404" pitchFamily="49" charset="0"/>
                 <a:cs typeface="Courier New" panose="02070309020205020404" pitchFamily="49" charset="0"/>
               </a:rPr>
-              <a:t>UserAnswer</a:t>
-            </a:r>
-            <a:r>
-              <a:rPr lang="en-GB" sz="1200" dirty="0">
-                <a:latin typeface="Courier New" panose="02070309020205020404" pitchFamily="49" charset="0"/>
-                <a:cs typeface="Courier New" panose="02070309020205020404" pitchFamily="49" charset="0"/>
-              </a:rPr>
-              <a:t>&gt; answers;</a:t>
-            </a:r>
-            <a:br>
-              <a:rPr lang="en-GB" sz="1200" dirty="0">
-                <a:latin typeface="Courier New" panose="02070309020205020404" pitchFamily="49" charset="0"/>
-                <a:cs typeface="Courier New" panose="02070309020205020404" pitchFamily="49" charset="0"/>
-              </a:rPr>
-            </a:br>
-            <a:br>
-              <a:rPr lang="en-GB" sz="1200" dirty="0">
-                <a:latin typeface="Courier New" panose="02070309020205020404" pitchFamily="49" charset="0"/>
-                <a:cs typeface="Courier New" panose="02070309020205020404" pitchFamily="49" charset="0"/>
-              </a:rPr>
-            </a:br>
-            <a:r>
-              <a:rPr lang="en-GB" sz="1200" dirty="0">
-                <a:latin typeface="Courier New" panose="02070309020205020404" pitchFamily="49" charset="0"/>
-                <a:cs typeface="Courier New" panose="02070309020205020404" pitchFamily="49" charset="0"/>
-              </a:rPr>
-              <a:t>    private String password;</a:t>
-            </a:r>
-            <a:br>
-              <a:rPr lang="en-GB" sz="1200" dirty="0">
-                <a:latin typeface="Courier New" panose="02070309020205020404" pitchFamily="49" charset="0"/>
-                <a:cs typeface="Courier New" panose="02070309020205020404" pitchFamily="49" charset="0"/>
-              </a:rPr>
-            </a:br>
-            <a:r>
-              <a:rPr lang="en-GB" sz="1200" dirty="0">
-                <a:latin typeface="Courier New" panose="02070309020205020404" pitchFamily="49" charset="0"/>
-                <a:cs typeface="Courier New" panose="02070309020205020404" pitchFamily="49" charset="0"/>
-              </a:rPr>
-              <a:t>    private String name;</a:t>
-            </a:r>
-            <a:br>
-              <a:rPr lang="en-GB" sz="1200" dirty="0">
-                <a:latin typeface="Courier New" panose="02070309020205020404" pitchFamily="49" charset="0"/>
-                <a:cs typeface="Courier New" panose="02070309020205020404" pitchFamily="49" charset="0"/>
-              </a:rPr>
-            </a:br>
-            <a:r>
-              <a:rPr lang="en-GB" sz="1200" dirty="0">
-                <a:latin typeface="Courier New" panose="02070309020205020404" pitchFamily="49" charset="0"/>
-                <a:cs typeface="Courier New" panose="02070309020205020404" pitchFamily="49" charset="0"/>
-              </a:rPr>
-              <a:t>    private String surname;</a:t>
-            </a:r>
-            <a:br>
-              <a:rPr lang="en-GB" sz="1200" dirty="0">
-                <a:latin typeface="Courier New" panose="02070309020205020404" pitchFamily="49" charset="0"/>
-                <a:cs typeface="Courier New" panose="02070309020205020404" pitchFamily="49" charset="0"/>
-              </a:rPr>
-            </a:br>
-            <a:r>
-              <a:rPr lang="en-GB" sz="1200" dirty="0">
-                <a:latin typeface="Courier New" panose="02070309020205020404" pitchFamily="49" charset="0"/>
-                <a:cs typeface="Courier New" panose="02070309020205020404" pitchFamily="49" charset="0"/>
-              </a:rPr>
-              <a:t>    private Boolean </a:t>
-            </a:r>
-            <a:r>
-              <a:rPr lang="en-GB" sz="1200" dirty="0" err="1">
-                <a:latin typeface="Courier New" panose="02070309020205020404" pitchFamily="49" charset="0"/>
-                <a:cs typeface="Courier New" panose="02070309020205020404" pitchFamily="49" charset="0"/>
-              </a:rPr>
-              <a:t>is_blocked</a:t>
-            </a:r>
-            <a:r>
-              <a:rPr lang="en-GB" sz="1200" dirty="0">
-                <a:latin typeface="Courier New" panose="02070309020205020404" pitchFamily="49" charset="0"/>
-                <a:cs typeface="Courier New" panose="02070309020205020404" pitchFamily="49" charset="0"/>
-              </a:rPr>
-              <a:t>;</a:t>
-            </a:r>
-            <a:br>
-              <a:rPr lang="en-GB" sz="1200" dirty="0">
-                <a:latin typeface="Courier New" panose="02070309020205020404" pitchFamily="49" charset="0"/>
-                <a:cs typeface="Courier New" panose="02070309020205020404" pitchFamily="49" charset="0"/>
-              </a:rPr>
-            </a:br>
-            <a:r>
-              <a:rPr lang="en-GB" sz="1200" dirty="0">
-                <a:latin typeface="Courier New" panose="02070309020205020404" pitchFamily="49" charset="0"/>
-                <a:cs typeface="Courier New" panose="02070309020205020404" pitchFamily="49" charset="0"/>
-              </a:rPr>
-              <a:t>    private int points;</a:t>
-            </a:r>
-            <a:br>
-              <a:rPr lang="en-GB" sz="1200" dirty="0">
-                <a:latin typeface="Courier New" panose="02070309020205020404" pitchFamily="49" charset="0"/>
-                <a:cs typeface="Courier New" panose="02070309020205020404" pitchFamily="49" charset="0"/>
-              </a:rPr>
-            </a:br>
-            <a:r>
-              <a:rPr lang="en-GB" sz="1200" dirty="0">
-                <a:latin typeface="Courier New" panose="02070309020205020404" pitchFamily="49" charset="0"/>
-                <a:cs typeface="Courier New" panose="02070309020205020404" pitchFamily="49" charset="0"/>
-              </a:rPr>
-              <a:t>    private </a:t>
-            </a:r>
-            <a:r>
-              <a:rPr lang="en-GB" sz="1200" dirty="0" err="1">
-                <a:latin typeface="Courier New" panose="02070309020205020404" pitchFamily="49" charset="0"/>
-                <a:cs typeface="Courier New" panose="02070309020205020404" pitchFamily="49" charset="0"/>
-              </a:rPr>
-              <a:t>LocalDateTime</a:t>
-            </a:r>
-            <a:r>
-              <a:rPr lang="en-GB" sz="1200" dirty="0">
-                <a:latin typeface="Courier New" panose="02070309020205020404" pitchFamily="49" charset="0"/>
-                <a:cs typeface="Courier New" panose="02070309020205020404" pitchFamily="49" charset="0"/>
-              </a:rPr>
-              <a:t> </a:t>
-            </a:r>
-            <a:r>
-              <a:rPr lang="en-GB" sz="1200" dirty="0" err="1">
-                <a:latin typeface="Courier New" panose="02070309020205020404" pitchFamily="49" charset="0"/>
-                <a:cs typeface="Courier New" panose="02070309020205020404" pitchFamily="49" charset="0"/>
-              </a:rPr>
-              <a:t>last_login</a:t>
-            </a:r>
-            <a:r>
-              <a:rPr lang="en-GB" sz="1200" dirty="0">
-                <a:latin typeface="Courier New" panose="02070309020205020404" pitchFamily="49" charset="0"/>
-                <a:cs typeface="Courier New" panose="02070309020205020404" pitchFamily="49" charset="0"/>
-              </a:rPr>
-              <a:t>;</a:t>
-            </a:r>
-            <a:br>
-              <a:rPr lang="en-GB" sz="1200" dirty="0">
-                <a:latin typeface="Courier New" panose="02070309020205020404" pitchFamily="49" charset="0"/>
-                <a:cs typeface="Courier New" panose="02070309020205020404" pitchFamily="49" charset="0"/>
-              </a:rPr>
-            </a:br>
-            <a:br>
-              <a:rPr lang="en-GB" sz="1200" dirty="0">
-                <a:latin typeface="Courier New" panose="02070309020205020404" pitchFamily="49" charset="0"/>
-                <a:cs typeface="Courier New" panose="02070309020205020404" pitchFamily="49" charset="0"/>
-              </a:rPr>
-            </a:br>
-            <a:r>
-              <a:rPr lang="en-GB" sz="1200" dirty="0">
-                <a:latin typeface="Courier New" panose="02070309020205020404" pitchFamily="49" charset="0"/>
-                <a:cs typeface="Courier New" panose="02070309020205020404" pitchFamily="49" charset="0"/>
-              </a:rPr>
-              <a:t>    @</a:t>
-            </a:r>
-            <a:r>
-              <a:rPr lang="en-GB" sz="1200" dirty="0" err="1">
-                <a:latin typeface="Courier New" panose="02070309020205020404" pitchFamily="49" charset="0"/>
-                <a:cs typeface="Courier New" panose="02070309020205020404" pitchFamily="49" charset="0"/>
-              </a:rPr>
-              <a:t>OneToMany</a:t>
-            </a:r>
-            <a:r>
-              <a:rPr lang="en-GB" sz="1200" dirty="0">
-                <a:latin typeface="Courier New" panose="02070309020205020404" pitchFamily="49" charset="0"/>
-                <a:cs typeface="Courier New" panose="02070309020205020404" pitchFamily="49" charset="0"/>
-              </a:rPr>
-              <a:t>(fetch = </a:t>
-            </a:r>
-            <a:r>
-              <a:rPr lang="en-GB" sz="1200" dirty="0" err="1">
-                <a:latin typeface="Courier New" panose="02070309020205020404" pitchFamily="49" charset="0"/>
-                <a:cs typeface="Courier New" panose="02070309020205020404" pitchFamily="49" charset="0"/>
-              </a:rPr>
-              <a:t>FetchType.EAGER</a:t>
+              <a:t>FetchType.Lazy</a:t>
             </a:r>
             <a:r>
               <a:rPr lang="en-GB" sz="1200" dirty="0">
@@ -8929,35 +8560,48 @@
                 <a:latin typeface="Courier New" panose="02070309020205020404" pitchFamily="49" charset="0"/>
                 <a:cs typeface="Courier New" panose="02070309020205020404" pitchFamily="49" charset="0"/>
               </a:rPr>
-              <a:t>@</a:t>
+              <a:t>@NamedQuery(name="UserAnswer.findByQuestionnaire", query = "SELECT a FROM </a:t>
             </a:r>
             <a:r>
               <a:rPr lang="en-GB" sz="1200" dirty="0" err="1">
                 <a:latin typeface="Courier New" panose="02070309020205020404" pitchFamily="49" charset="0"/>
                 <a:cs typeface="Courier New" panose="02070309020205020404" pitchFamily="49" charset="0"/>
               </a:rPr>
-              <a:t>NamedQuery</a:t>
-            </a:r>
-            <a:r>
-              <a:rPr lang="en-GB" sz="1200" dirty="0">
-                <a:latin typeface="Courier New" panose="02070309020205020404" pitchFamily="49" charset="0"/>
-                <a:cs typeface="Courier New" panose="02070309020205020404" pitchFamily="49" charset="0"/>
-              </a:rPr>
-              <a:t>(name="</a:t>
+              <a:t>UserAnswer</a:t>
+            </a:r>
+            <a:r>
+              <a:rPr lang="en-GB" sz="1200" dirty="0">
+                <a:latin typeface="Courier New" panose="02070309020205020404" pitchFamily="49" charset="0"/>
+                <a:cs typeface="Courier New" panose="02070309020205020404" pitchFamily="49" charset="0"/>
+              </a:rPr>
+              <a:t> a WHERE </a:t>
             </a:r>
             <a:r>
               <a:rPr lang="en-GB" sz="1200" dirty="0" err="1">
                 <a:latin typeface="Courier New" panose="02070309020205020404" pitchFamily="49" charset="0"/>
                 <a:cs typeface="Courier New" panose="02070309020205020404" pitchFamily="49" charset="0"/>
               </a:rPr>
-              <a:t>UserAnswer.findByQuestionnaire</a:t>
-            </a:r>
-            <a:r>
-              <a:rPr lang="en-GB" sz="1200" dirty="0">
-                <a:latin typeface="Courier New" panose="02070309020205020404" pitchFamily="49" charset="0"/>
-                <a:cs typeface="Courier New" panose="02070309020205020404" pitchFamily="49" charset="0"/>
-              </a:rPr>
-              <a:t>", query = "SELECT a FROM </a:t>
+              <a:t>a.relatedQuestionnaire</a:t>
+            </a:r>
+            <a:r>
+              <a:rPr lang="en-GB" sz="1200" dirty="0">
+                <a:latin typeface="Courier New" panose="02070309020205020404" pitchFamily="49" charset="0"/>
+                <a:cs typeface="Courier New" panose="02070309020205020404" pitchFamily="49" charset="0"/>
+              </a:rPr>
+              <a:t> = ?1")</a:t>
+            </a:r>
+            <a:br>
+              <a:rPr lang="en-GB" sz="1200" dirty="0">
+                <a:latin typeface="Courier New" panose="02070309020205020404" pitchFamily="49" charset="0"/>
+                <a:cs typeface="Courier New" panose="02070309020205020404" pitchFamily="49" charset="0"/>
+              </a:rPr>
+            </a:br>
+            <a:r>
+              <a:rPr lang="en-GB" sz="1200" dirty="0">
+                <a:latin typeface="Courier New" panose="02070309020205020404" pitchFamily="49" charset="0"/>
+                <a:cs typeface="Courier New" panose="02070309020205020404" pitchFamily="49" charset="0"/>
+              </a:rPr>
+              <a:t>public class </a:t>
             </a:r>
             <a:r>
               <a:rPr lang="en-GB" sz="1200" dirty="0" err="1">
@@ -8971,147 +8615,270 @@
                 <a:latin typeface="Courier New" panose="02070309020205020404" pitchFamily="49" charset="0"/>
                 <a:cs typeface="Courier New" panose="02070309020205020404" pitchFamily="49" charset="0"/>
               </a:rPr>
-              <a:t> a WHERE </a:t>
+              <a:t> {</a:t>
+            </a:r>
+            <a:br>
+              <a:rPr lang="en-GB" sz="1200" dirty="0">
+                <a:latin typeface="Courier New" panose="02070309020205020404" pitchFamily="49" charset="0"/>
+                <a:cs typeface="Courier New" panose="02070309020205020404" pitchFamily="49" charset="0"/>
+              </a:rPr>
+            </a:br>
+            <a:br>
+              <a:rPr lang="en-GB" sz="1200" dirty="0">
+                <a:latin typeface="Courier New" panose="02070309020205020404" pitchFamily="49" charset="0"/>
+                <a:cs typeface="Courier New" panose="02070309020205020404" pitchFamily="49" charset="0"/>
+              </a:rPr>
+            </a:br>
+            <a:r>
+              <a:rPr lang="en-GB" sz="1200" dirty="0">
+                <a:latin typeface="Courier New" panose="02070309020205020404" pitchFamily="49" charset="0"/>
+                <a:cs typeface="Courier New" panose="02070309020205020404" pitchFamily="49" charset="0"/>
+              </a:rPr>
+              <a:t>    @Id</a:t>
+            </a:r>
+            <a:br>
+              <a:rPr lang="en-GB" sz="1200" dirty="0">
+                <a:latin typeface="Courier New" panose="02070309020205020404" pitchFamily="49" charset="0"/>
+                <a:cs typeface="Courier New" panose="02070309020205020404" pitchFamily="49" charset="0"/>
+              </a:rPr>
+            </a:br>
+            <a:r>
+              <a:rPr lang="en-GB" sz="1200" dirty="0">
+                <a:latin typeface="Courier New" panose="02070309020205020404" pitchFamily="49" charset="0"/>
+                <a:cs typeface="Courier New" panose="02070309020205020404" pitchFamily="49" charset="0"/>
+              </a:rPr>
+              <a:t>    @GeneratedValue(strategy = </a:t>
             </a:r>
             <a:r>
               <a:rPr lang="en-GB" sz="1200" dirty="0" err="1">
                 <a:latin typeface="Courier New" panose="02070309020205020404" pitchFamily="49" charset="0"/>
                 <a:cs typeface="Courier New" panose="02070309020205020404" pitchFamily="49" charset="0"/>
               </a:rPr>
-              <a:t>a.relatedQuestionnaire</a:t>
-            </a:r>
-            <a:r>
-              <a:rPr lang="en-GB" sz="1200" dirty="0">
-                <a:latin typeface="Courier New" panose="02070309020205020404" pitchFamily="49" charset="0"/>
-                <a:cs typeface="Courier New" panose="02070309020205020404" pitchFamily="49" charset="0"/>
-              </a:rPr>
-              <a:t> = ?1")</a:t>
-            </a:r>
-            <a:br>
-              <a:rPr lang="en-GB" sz="1200" dirty="0">
-                <a:latin typeface="Courier New" panose="02070309020205020404" pitchFamily="49" charset="0"/>
-                <a:cs typeface="Courier New" panose="02070309020205020404" pitchFamily="49" charset="0"/>
-              </a:rPr>
-            </a:br>
-            <a:r>
-              <a:rPr lang="en-GB" sz="1200" dirty="0">
-                <a:latin typeface="Courier New" panose="02070309020205020404" pitchFamily="49" charset="0"/>
-                <a:cs typeface="Courier New" panose="02070309020205020404" pitchFamily="49" charset="0"/>
-              </a:rPr>
-              <a:t>public class </a:t>
+              <a:t>GenerationType.AUTO</a:t>
+            </a:r>
+            <a:r>
+              <a:rPr lang="en-GB" sz="1200" dirty="0">
+                <a:latin typeface="Courier New" panose="02070309020205020404" pitchFamily="49" charset="0"/>
+                <a:cs typeface="Courier New" panose="02070309020205020404" pitchFamily="49" charset="0"/>
+              </a:rPr>
+              <a:t>)</a:t>
+            </a:r>
+            <a:br>
+              <a:rPr lang="en-GB" sz="1200" dirty="0">
+                <a:latin typeface="Courier New" panose="02070309020205020404" pitchFamily="49" charset="0"/>
+                <a:cs typeface="Courier New" panose="02070309020205020404" pitchFamily="49" charset="0"/>
+              </a:rPr>
+            </a:br>
+            <a:r>
+              <a:rPr lang="en-GB" sz="1200" dirty="0">
+                <a:latin typeface="Courier New" panose="02070309020205020404" pitchFamily="49" charset="0"/>
+                <a:cs typeface="Courier New" panose="02070309020205020404" pitchFamily="49" charset="0"/>
+              </a:rPr>
+              <a:t>    private long id;</a:t>
+            </a:r>
+            <a:br>
+              <a:rPr lang="en-GB" sz="1200" dirty="0">
+                <a:latin typeface="Courier New" panose="02070309020205020404" pitchFamily="49" charset="0"/>
+                <a:cs typeface="Courier New" panose="02070309020205020404" pitchFamily="49" charset="0"/>
+              </a:rPr>
+            </a:br>
+            <a:br>
+              <a:rPr lang="en-GB" sz="1200" dirty="0">
+                <a:latin typeface="Courier New" panose="02070309020205020404" pitchFamily="49" charset="0"/>
+                <a:cs typeface="Courier New" panose="02070309020205020404" pitchFamily="49" charset="0"/>
+              </a:rPr>
+            </a:br>
+            <a:r>
+              <a:rPr lang="en-GB" sz="1200" dirty="0">
+                <a:latin typeface="Courier New" panose="02070309020205020404" pitchFamily="49" charset="0"/>
+                <a:cs typeface="Courier New" panose="02070309020205020404" pitchFamily="49" charset="0"/>
+              </a:rPr>
+              <a:t>    private int </a:t>
             </a:r>
             <a:r>
               <a:rPr lang="en-GB" sz="1200" dirty="0" err="1">
                 <a:latin typeface="Courier New" panose="02070309020205020404" pitchFamily="49" charset="0"/>
                 <a:cs typeface="Courier New" panose="02070309020205020404" pitchFamily="49" charset="0"/>
               </a:rPr>
-              <a:t>UserAnswer</a:t>
-            </a:r>
-            <a:r>
-              <a:rPr lang="en-GB" sz="1200" dirty="0">
-                <a:latin typeface="Courier New" panose="02070309020205020404" pitchFamily="49" charset="0"/>
-                <a:cs typeface="Courier New" panose="02070309020205020404" pitchFamily="49" charset="0"/>
-              </a:rPr>
-              <a:t> {</a:t>
-            </a:r>
-            <a:br>
-              <a:rPr lang="en-GB" sz="1200" dirty="0">
-                <a:latin typeface="Courier New" panose="02070309020205020404" pitchFamily="49" charset="0"/>
-                <a:cs typeface="Courier New" panose="02070309020205020404" pitchFamily="49" charset="0"/>
-              </a:rPr>
-            </a:br>
-            <a:br>
-              <a:rPr lang="en-GB" sz="1200" dirty="0">
-                <a:latin typeface="Courier New" panose="02070309020205020404" pitchFamily="49" charset="0"/>
-                <a:cs typeface="Courier New" panose="02070309020205020404" pitchFamily="49" charset="0"/>
-              </a:rPr>
-            </a:br>
-            <a:r>
-              <a:rPr lang="en-GB" sz="1200" dirty="0">
-                <a:latin typeface="Courier New" panose="02070309020205020404" pitchFamily="49" charset="0"/>
-                <a:cs typeface="Courier New" panose="02070309020205020404" pitchFamily="49" charset="0"/>
-              </a:rPr>
-              <a:t>    @Id</a:t>
-            </a:r>
-            <a:br>
-              <a:rPr lang="en-GB" sz="1200" dirty="0">
-                <a:latin typeface="Courier New" panose="02070309020205020404" pitchFamily="49" charset="0"/>
-                <a:cs typeface="Courier New" panose="02070309020205020404" pitchFamily="49" charset="0"/>
-              </a:rPr>
-            </a:br>
-            <a:r>
-              <a:rPr lang="en-GB" sz="1200" dirty="0">
-                <a:latin typeface="Courier New" panose="02070309020205020404" pitchFamily="49" charset="0"/>
-                <a:cs typeface="Courier New" panose="02070309020205020404" pitchFamily="49" charset="0"/>
-              </a:rPr>
-              <a:t>    @</a:t>
+              <a:t>pointsEarned</a:t>
+            </a:r>
+            <a:r>
+              <a:rPr lang="en-GB" sz="1200" dirty="0">
+                <a:latin typeface="Courier New" panose="02070309020205020404" pitchFamily="49" charset="0"/>
+                <a:cs typeface="Courier New" panose="02070309020205020404" pitchFamily="49" charset="0"/>
+              </a:rPr>
+              <a:t>;</a:t>
+            </a:r>
+            <a:br>
+              <a:rPr lang="en-GB" sz="1200" dirty="0">
+                <a:latin typeface="Courier New" panose="02070309020205020404" pitchFamily="49" charset="0"/>
+                <a:cs typeface="Courier New" panose="02070309020205020404" pitchFamily="49" charset="0"/>
+              </a:rPr>
+            </a:br>
+            <a:br>
+              <a:rPr lang="en-GB" sz="1200" dirty="0">
+                <a:latin typeface="Courier New" panose="02070309020205020404" pitchFamily="49" charset="0"/>
+                <a:cs typeface="Courier New" panose="02070309020205020404" pitchFamily="49" charset="0"/>
+              </a:rPr>
+            </a:br>
+            <a:r>
+              <a:rPr lang="en-GB" sz="1200" dirty="0">
+                <a:latin typeface="Courier New" panose="02070309020205020404" pitchFamily="49" charset="0"/>
+                <a:cs typeface="Courier New" panose="02070309020205020404" pitchFamily="49" charset="0"/>
+              </a:rPr>
+              <a:t>    @ElementCollection</a:t>
+            </a:r>
+            <a:br>
+              <a:rPr lang="en-GB" sz="1200" dirty="0">
+                <a:latin typeface="Courier New" panose="02070309020205020404" pitchFamily="49" charset="0"/>
+                <a:cs typeface="Courier New" panose="02070309020205020404" pitchFamily="49" charset="0"/>
+              </a:rPr>
+            </a:br>
+            <a:r>
+              <a:rPr lang="en-GB" sz="1200" dirty="0">
+                <a:latin typeface="Courier New" panose="02070309020205020404" pitchFamily="49" charset="0"/>
+                <a:cs typeface="Courier New" panose="02070309020205020404" pitchFamily="49" charset="0"/>
+              </a:rPr>
+              <a:t>    private Map&lt;Question, String&gt; answers;</a:t>
+            </a:r>
+            <a:br>
+              <a:rPr lang="en-GB" sz="1200" dirty="0">
+                <a:latin typeface="Courier New" panose="02070309020205020404" pitchFamily="49" charset="0"/>
+                <a:cs typeface="Courier New" panose="02070309020205020404" pitchFamily="49" charset="0"/>
+              </a:rPr>
+            </a:br>
+            <a:br>
+              <a:rPr lang="en-GB" sz="1200" dirty="0">
+                <a:latin typeface="Courier New" panose="02070309020205020404" pitchFamily="49" charset="0"/>
+                <a:cs typeface="Courier New" panose="02070309020205020404" pitchFamily="49" charset="0"/>
+              </a:rPr>
+            </a:br>
+            <a:r>
+              <a:rPr lang="en-GB" sz="1200" dirty="0">
+                <a:latin typeface="Courier New" panose="02070309020205020404" pitchFamily="49" charset="0"/>
+                <a:cs typeface="Courier New" panose="02070309020205020404" pitchFamily="49" charset="0"/>
+              </a:rPr>
+              <a:t>    @ManyToOne(cascade = {</a:t>
             </a:r>
             <a:r>
               <a:rPr lang="en-GB" sz="1200" dirty="0" err="1">
                 <a:latin typeface="Courier New" panose="02070309020205020404" pitchFamily="49" charset="0"/>
                 <a:cs typeface="Courier New" panose="02070309020205020404" pitchFamily="49" charset="0"/>
               </a:rPr>
-              <a:t>GeneratedValue</a:t>
-            </a:r>
-            <a:r>
-              <a:rPr lang="en-GB" sz="1200" dirty="0">
-                <a:latin typeface="Courier New" panose="02070309020205020404" pitchFamily="49" charset="0"/>
-                <a:cs typeface="Courier New" panose="02070309020205020404" pitchFamily="49" charset="0"/>
-              </a:rPr>
-              <a:t>(strategy = </a:t>
+              <a:t>CascadeType.REFRESH</a:t>
+            </a:r>
+            <a:r>
+              <a:rPr lang="en-GB" sz="1200" dirty="0">
+                <a:latin typeface="Courier New" panose="02070309020205020404" pitchFamily="49" charset="0"/>
+                <a:cs typeface="Courier New" panose="02070309020205020404" pitchFamily="49" charset="0"/>
+              </a:rPr>
+              <a:t>})</a:t>
+            </a:r>
+          </a:p>
+          <a:p>
+            <a:pPr marL="0" indent="0">
+              <a:spcBef>
+                <a:spcPts val="0"/>
+              </a:spcBef>
+              <a:buNone/>
+            </a:pPr>
+            <a:r>
+              <a:rPr lang="en-GB" sz="1200" dirty="0">
+                <a:latin typeface="Courier New" panose="02070309020205020404" pitchFamily="49" charset="0"/>
+                <a:cs typeface="Courier New" panose="02070309020205020404" pitchFamily="49" charset="0"/>
+              </a:rPr>
+              <a:t>    private Questionnaire </a:t>
             </a:r>
             <a:r>
               <a:rPr lang="en-GB" sz="1200" dirty="0" err="1">
                 <a:latin typeface="Courier New" panose="02070309020205020404" pitchFamily="49" charset="0"/>
                 <a:cs typeface="Courier New" panose="02070309020205020404" pitchFamily="49" charset="0"/>
               </a:rPr>
-              <a:t>GenerationType.AUTO</a:t>
-            </a:r>
-            <a:r>
-              <a:rPr lang="en-GB" sz="1200" dirty="0">
-                <a:latin typeface="Courier New" panose="02070309020205020404" pitchFamily="49" charset="0"/>
-                <a:cs typeface="Courier New" panose="02070309020205020404" pitchFamily="49" charset="0"/>
-              </a:rPr>
-              <a:t>)</a:t>
-            </a:r>
-            <a:br>
-              <a:rPr lang="en-GB" sz="1200" dirty="0">
-                <a:latin typeface="Courier New" panose="02070309020205020404" pitchFamily="49" charset="0"/>
-                <a:cs typeface="Courier New" panose="02070309020205020404" pitchFamily="49" charset="0"/>
-              </a:rPr>
-            </a:br>
-            <a:r>
-              <a:rPr lang="en-GB" sz="1200" dirty="0">
-                <a:latin typeface="Courier New" panose="02070309020205020404" pitchFamily="49" charset="0"/>
-                <a:cs typeface="Courier New" panose="02070309020205020404" pitchFamily="49" charset="0"/>
-              </a:rPr>
-              <a:t>    private long id;</a:t>
-            </a:r>
-            <a:br>
-              <a:rPr lang="en-GB" sz="1200" dirty="0">
-                <a:latin typeface="Courier New" panose="02070309020205020404" pitchFamily="49" charset="0"/>
-                <a:cs typeface="Courier New" panose="02070309020205020404" pitchFamily="49" charset="0"/>
-              </a:rPr>
-            </a:br>
-            <a:br>
-              <a:rPr lang="en-GB" sz="1200" dirty="0">
-                <a:latin typeface="Courier New" panose="02070309020205020404" pitchFamily="49" charset="0"/>
-                <a:cs typeface="Courier New" panose="02070309020205020404" pitchFamily="49" charset="0"/>
-              </a:rPr>
-            </a:br>
-            <a:r>
-              <a:rPr lang="en-GB" sz="1200" dirty="0">
-                <a:latin typeface="Courier New" panose="02070309020205020404" pitchFamily="49" charset="0"/>
-                <a:cs typeface="Courier New" panose="02070309020205020404" pitchFamily="49" charset="0"/>
-              </a:rPr>
-              <a:t>    private int </a:t>
+              <a:t>relatedQuestionnaire</a:t>
+            </a:r>
+            <a:r>
+              <a:rPr lang="en-GB" sz="1200" dirty="0">
+                <a:latin typeface="Courier New" panose="02070309020205020404" pitchFamily="49" charset="0"/>
+                <a:cs typeface="Courier New" panose="02070309020205020404" pitchFamily="49" charset="0"/>
+              </a:rPr>
+              <a:t>;</a:t>
+            </a:r>
+          </a:p>
+          <a:p>
+            <a:pPr marL="0" indent="0">
+              <a:spcBef>
+                <a:spcPts val="0"/>
+              </a:spcBef>
+              <a:buNone/>
+            </a:pPr>
+            <a:endParaRPr lang="en-GB" sz="1200" dirty="0">
+              <a:latin typeface="Courier New" panose="02070309020205020404" pitchFamily="49" charset="0"/>
+              <a:cs typeface="Courier New" panose="02070309020205020404" pitchFamily="49" charset="0"/>
+            </a:endParaRPr>
+          </a:p>
+          <a:p>
+            <a:pPr marL="0" indent="0">
+              <a:spcBef>
+                <a:spcPts val="0"/>
+              </a:spcBef>
+              <a:buNone/>
+            </a:pPr>
+            <a:r>
+              <a:rPr lang="en-GB" sz="1200" dirty="0">
+                <a:latin typeface="Courier New" panose="02070309020205020404" pitchFamily="49" charset="0"/>
+                <a:cs typeface="Courier New" panose="02070309020205020404" pitchFamily="49" charset="0"/>
+              </a:rPr>
+              <a:t>    @ManyToOne(cascade = { </a:t>
             </a:r>
             <a:r>
               <a:rPr lang="en-GB" sz="1200" dirty="0" err="1">
                 <a:latin typeface="Courier New" panose="02070309020205020404" pitchFamily="49" charset="0"/>
                 <a:cs typeface="Courier New" panose="02070309020205020404" pitchFamily="49" charset="0"/>
               </a:rPr>
-              <a:t>pointsEarned</a:t>
+              <a:t>CascadeType.MERGE</a:t>
+            </a:r>
+            <a:r>
+              <a:rPr lang="en-GB" sz="1200" dirty="0">
+                <a:latin typeface="Courier New" panose="02070309020205020404" pitchFamily="49" charset="0"/>
+                <a:cs typeface="Courier New" panose="02070309020205020404" pitchFamily="49" charset="0"/>
+              </a:rPr>
+              <a:t>, </a:t>
+            </a:r>
+            <a:r>
+              <a:rPr lang="en-GB" sz="1200" dirty="0" err="1">
+                <a:latin typeface="Courier New" panose="02070309020205020404" pitchFamily="49" charset="0"/>
+                <a:cs typeface="Courier New" panose="02070309020205020404" pitchFamily="49" charset="0"/>
+              </a:rPr>
+              <a:t>CascadeType.REFRESH</a:t>
+            </a:r>
+            <a:r>
+              <a:rPr lang="en-GB" sz="1200" dirty="0">
+                <a:latin typeface="Courier New" panose="02070309020205020404" pitchFamily="49" charset="0"/>
+                <a:cs typeface="Courier New" panose="02070309020205020404" pitchFamily="49" charset="0"/>
+              </a:rPr>
+              <a:t>})</a:t>
+            </a:r>
+          </a:p>
+          <a:p>
+            <a:pPr marL="0" indent="0">
+              <a:spcBef>
+                <a:spcPts val="0"/>
+              </a:spcBef>
+              <a:buNone/>
+            </a:pPr>
+            <a:r>
+              <a:rPr lang="en-GB" sz="1200" dirty="0">
+                <a:latin typeface="Courier New" panose="02070309020205020404" pitchFamily="49" charset="0"/>
+                <a:cs typeface="Courier New" panose="02070309020205020404" pitchFamily="49" charset="0"/>
+              </a:rPr>
+              <a:t>    private User </a:t>
+            </a:r>
+            <a:r>
+              <a:rPr lang="en-GB" sz="1200" dirty="0" err="1">
+                <a:latin typeface="Courier New" panose="02070309020205020404" pitchFamily="49" charset="0"/>
+                <a:cs typeface="Courier New" panose="02070309020205020404" pitchFamily="49" charset="0"/>
+              </a:rPr>
+              <a:t>relatedUser</a:t>
             </a:r>
             <a:r>
               <a:rPr lang="en-GB" sz="1200" dirty="0">
@@ -9120,150 +8887,61 @@
               </a:rPr>
               <a:t>;</a:t>
             </a:r>
-            <a:br>
-              <a:rPr lang="en-GB" sz="1200" dirty="0">
-                <a:latin typeface="Courier New" panose="02070309020205020404" pitchFamily="49" charset="0"/>
-                <a:cs typeface="Courier New" panose="02070309020205020404" pitchFamily="49" charset="0"/>
-              </a:rPr>
-            </a:br>
-            <a:br>
-              <a:rPr lang="en-GB" sz="1200" dirty="0">
-                <a:latin typeface="Courier New" panose="02070309020205020404" pitchFamily="49" charset="0"/>
-                <a:cs typeface="Courier New" panose="02070309020205020404" pitchFamily="49" charset="0"/>
-              </a:rPr>
-            </a:br>
-            <a:r>
-              <a:rPr lang="en-GB" sz="1200" dirty="0">
-                <a:latin typeface="Courier New" panose="02070309020205020404" pitchFamily="49" charset="0"/>
-                <a:cs typeface="Courier New" panose="02070309020205020404" pitchFamily="49" charset="0"/>
-              </a:rPr>
-              <a:t>    @</a:t>
+          </a:p>
+          <a:p>
+            <a:pPr marL="0" indent="0">
+              <a:spcBef>
+                <a:spcPts val="0"/>
+              </a:spcBef>
+              <a:buNone/>
+            </a:pPr>
+            <a:endParaRPr lang="en-GB" sz="1200" dirty="0">
+              <a:latin typeface="Courier New" panose="02070309020205020404" pitchFamily="49" charset="0"/>
+              <a:cs typeface="Courier New" panose="02070309020205020404" pitchFamily="49" charset="0"/>
+            </a:endParaRPr>
+          </a:p>
+          <a:p>
+            <a:pPr marL="0" indent="0">
+              <a:spcBef>
+                <a:spcPts val="0"/>
+              </a:spcBef>
+              <a:buNone/>
+            </a:pPr>
+            <a:r>
+              <a:rPr lang="en-GB" sz="1200" dirty="0">
+                <a:latin typeface="Courier New" panose="02070309020205020404" pitchFamily="49" charset="0"/>
+                <a:cs typeface="Courier New" panose="02070309020205020404" pitchFamily="49" charset="0"/>
+              </a:rPr>
+              <a:t>    @Enumerated(EnumType.STRING)</a:t>
+            </a:r>
+          </a:p>
+          <a:p>
+            <a:pPr marL="0" indent="0">
+              <a:spcBef>
+                <a:spcPts val="0"/>
+              </a:spcBef>
+              <a:buNone/>
+            </a:pPr>
+            <a:r>
+              <a:rPr lang="en-GB" sz="1200" dirty="0">
+                <a:latin typeface="Courier New" panose="02070309020205020404" pitchFamily="49" charset="0"/>
+                <a:cs typeface="Courier New" panose="02070309020205020404" pitchFamily="49" charset="0"/>
+              </a:rPr>
+              <a:t>    private </a:t>
             </a:r>
             <a:r>
               <a:rPr lang="en-GB" sz="1200" dirty="0" err="1">
                 <a:latin typeface="Courier New" panose="02070309020205020404" pitchFamily="49" charset="0"/>
                 <a:cs typeface="Courier New" panose="02070309020205020404" pitchFamily="49" charset="0"/>
               </a:rPr>
-              <a:t>ElementCollection</a:t>
-            </a:r>
-            <a:br>
-              <a:rPr lang="en-GB" sz="1200" dirty="0">
-                <a:latin typeface="Courier New" panose="02070309020205020404" pitchFamily="49" charset="0"/>
-                <a:cs typeface="Courier New" panose="02070309020205020404" pitchFamily="49" charset="0"/>
-              </a:rPr>
-            </a:br>
-            <a:r>
-              <a:rPr lang="en-GB" sz="1200" dirty="0">
-                <a:latin typeface="Courier New" panose="02070309020205020404" pitchFamily="49" charset="0"/>
-                <a:cs typeface="Courier New" panose="02070309020205020404" pitchFamily="49" charset="0"/>
-              </a:rPr>
-              <a:t>    private Map&lt;Question, String&gt; answers;</a:t>
-            </a:r>
-            <a:br>
-              <a:rPr lang="en-GB" sz="1200" dirty="0">
-                <a:latin typeface="Courier New" panose="02070309020205020404" pitchFamily="49" charset="0"/>
-                <a:cs typeface="Courier New" panose="02070309020205020404" pitchFamily="49" charset="0"/>
-              </a:rPr>
-            </a:br>
-            <a:br>
-              <a:rPr lang="en-GB" sz="1200" dirty="0">
-                <a:latin typeface="Courier New" panose="02070309020205020404" pitchFamily="49" charset="0"/>
-                <a:cs typeface="Courier New" panose="02070309020205020404" pitchFamily="49" charset="0"/>
-              </a:rPr>
-            </a:br>
-            <a:r>
-              <a:rPr lang="en-GB" sz="1200" dirty="0">
-                <a:latin typeface="Courier New" panose="02070309020205020404" pitchFamily="49" charset="0"/>
-                <a:cs typeface="Courier New" panose="02070309020205020404" pitchFamily="49" charset="0"/>
-              </a:rPr>
-              <a:t>    @</a:t>
-            </a:r>
-            <a:r>
-              <a:rPr lang="en-GB" sz="1200" dirty="0" err="1">
-                <a:latin typeface="Courier New" panose="02070309020205020404" pitchFamily="49" charset="0"/>
-                <a:cs typeface="Courier New" panose="02070309020205020404" pitchFamily="49" charset="0"/>
-              </a:rPr>
-              <a:t>ManyToOne</a:t>
-            </a:r>
-            <a:br>
-              <a:rPr lang="en-GB" sz="1200" dirty="0">
-                <a:latin typeface="Courier New" panose="02070309020205020404" pitchFamily="49" charset="0"/>
-                <a:cs typeface="Courier New" panose="02070309020205020404" pitchFamily="49" charset="0"/>
-              </a:rPr>
-            </a:br>
-            <a:r>
-              <a:rPr lang="en-GB" sz="1200" dirty="0">
-                <a:latin typeface="Courier New" panose="02070309020205020404" pitchFamily="49" charset="0"/>
-                <a:cs typeface="Courier New" panose="02070309020205020404" pitchFamily="49" charset="0"/>
-              </a:rPr>
-              <a:t>    private Questionnaire </a:t>
-            </a:r>
-            <a:r>
-              <a:rPr lang="en-GB" sz="1200" dirty="0" err="1">
-                <a:latin typeface="Courier New" panose="02070309020205020404" pitchFamily="49" charset="0"/>
-                <a:cs typeface="Courier New" panose="02070309020205020404" pitchFamily="49" charset="0"/>
-              </a:rPr>
-              <a:t>relatedQuestionnaire</a:t>
-            </a:r>
-            <a:r>
-              <a:rPr lang="en-GB" sz="1200" dirty="0">
-                <a:latin typeface="Courier New" panose="02070309020205020404" pitchFamily="49" charset="0"/>
-                <a:cs typeface="Courier New" panose="02070309020205020404" pitchFamily="49" charset="0"/>
-              </a:rPr>
-              <a:t>;</a:t>
-            </a:r>
-            <a:br>
-              <a:rPr lang="en-GB" sz="1200" dirty="0">
-                <a:latin typeface="Courier New" panose="02070309020205020404" pitchFamily="49" charset="0"/>
-                <a:cs typeface="Courier New" panose="02070309020205020404" pitchFamily="49" charset="0"/>
-              </a:rPr>
-            </a:br>
-            <a:br>
-              <a:rPr lang="en-GB" sz="1200" dirty="0">
-                <a:latin typeface="Courier New" panose="02070309020205020404" pitchFamily="49" charset="0"/>
-                <a:cs typeface="Courier New" panose="02070309020205020404" pitchFamily="49" charset="0"/>
-              </a:rPr>
-            </a:br>
-            <a:r>
-              <a:rPr lang="en-GB" sz="1200" dirty="0">
-                <a:latin typeface="Courier New" panose="02070309020205020404" pitchFamily="49" charset="0"/>
-                <a:cs typeface="Courier New" panose="02070309020205020404" pitchFamily="49" charset="0"/>
-              </a:rPr>
-              <a:t>    @</a:t>
-            </a:r>
-            <a:r>
-              <a:rPr lang="en-GB" sz="1200" dirty="0" err="1">
-                <a:latin typeface="Courier New" panose="02070309020205020404" pitchFamily="49" charset="0"/>
-                <a:cs typeface="Courier New" panose="02070309020205020404" pitchFamily="49" charset="0"/>
-              </a:rPr>
-              <a:t>ManyToOne</a:t>
-            </a:r>
-            <a:br>
-              <a:rPr lang="en-GB" sz="1200" dirty="0">
-                <a:latin typeface="Courier New" panose="02070309020205020404" pitchFamily="49" charset="0"/>
-                <a:cs typeface="Courier New" panose="02070309020205020404" pitchFamily="49" charset="0"/>
-              </a:rPr>
-            </a:br>
-            <a:r>
-              <a:rPr lang="en-GB" sz="1200" dirty="0">
-                <a:latin typeface="Courier New" panose="02070309020205020404" pitchFamily="49" charset="0"/>
-                <a:cs typeface="Courier New" panose="02070309020205020404" pitchFamily="49" charset="0"/>
-              </a:rPr>
-              <a:t>    private User </a:t>
-            </a:r>
-            <a:r>
-              <a:rPr lang="en-GB" sz="1200" dirty="0" err="1">
-                <a:latin typeface="Courier New" panose="02070309020205020404" pitchFamily="49" charset="0"/>
-                <a:cs typeface="Courier New" panose="02070309020205020404" pitchFamily="49" charset="0"/>
-              </a:rPr>
-              <a:t>relatedUser</a:t>
-            </a:r>
-            <a:r>
-              <a:rPr lang="en-GB" sz="1200" dirty="0">
-                <a:latin typeface="Courier New" panose="02070309020205020404" pitchFamily="49" charset="0"/>
-                <a:cs typeface="Courier New" panose="02070309020205020404" pitchFamily="49" charset="0"/>
-              </a:rPr>
-              <a:t>;</a:t>
+              <a:t>AnswerStatus</a:t>
+            </a:r>
+            <a:r>
+              <a:rPr lang="en-GB" sz="1200" dirty="0">
+                <a:latin typeface="Courier New" panose="02070309020205020404" pitchFamily="49" charset="0"/>
+                <a:cs typeface="Courier New" panose="02070309020205020404" pitchFamily="49" charset="0"/>
+              </a:rPr>
+              <a:t> status;</a:t>
             </a:r>
             <a:br>
               <a:rPr lang="en-GB" sz="1200" dirty="0">
@@ -9715,6 +9393,49 @@
               </a:rPr>
               <a:t>) {</a:t>
             </a:r>
+          </a:p>
+          <a:p>
+            <a:pPr marL="0" indent="0">
+              <a:spcBef>
+                <a:spcPts val="0"/>
+              </a:spcBef>
+              <a:buNone/>
+            </a:pPr>
+            <a:r>
+              <a:rPr lang="en-GB" sz="1200" dirty="0">
+                <a:latin typeface="Courier New" panose="02070309020205020404" pitchFamily="49" charset="0"/>
+                <a:cs typeface="Courier New" panose="02070309020205020404" pitchFamily="49" charset="0"/>
+              </a:rPr>
+              <a:t>        </a:t>
+            </a:r>
+            <a:r>
+              <a:rPr lang="en-GB" sz="1200" dirty="0" err="1">
+                <a:latin typeface="Courier New" panose="02070309020205020404" pitchFamily="49" charset="0"/>
+                <a:cs typeface="Courier New" panose="02070309020205020404" pitchFamily="49" charset="0"/>
+              </a:rPr>
+              <a:t>this.relatedUser</a:t>
+            </a:r>
+            <a:r>
+              <a:rPr lang="en-GB" sz="1200" dirty="0">
+                <a:latin typeface="Courier New" panose="02070309020205020404" pitchFamily="49" charset="0"/>
+                <a:cs typeface="Courier New" panose="02070309020205020404" pitchFamily="49" charset="0"/>
+              </a:rPr>
+              <a:t> = </a:t>
+            </a:r>
+            <a:r>
+              <a:rPr lang="en-GB" sz="1200" dirty="0" err="1">
+                <a:latin typeface="Courier New" panose="02070309020205020404" pitchFamily="49" charset="0"/>
+                <a:cs typeface="Courier New" panose="02070309020205020404" pitchFamily="49" charset="0"/>
+              </a:rPr>
+              <a:t>relatedUser</a:t>
+            </a:r>
+            <a:r>
+              <a:rPr lang="en-GB" sz="1200" dirty="0">
+                <a:latin typeface="Courier New" panose="02070309020205020404" pitchFamily="49" charset="0"/>
+                <a:cs typeface="Courier New" panose="02070309020205020404" pitchFamily="49" charset="0"/>
+              </a:rPr>
+              <a:t>;</a:t>
+            </a:r>
             <a:br>
               <a:rPr lang="en-GB" sz="1200" dirty="0">
                 <a:latin typeface="Courier New" panose="02070309020205020404" pitchFamily="49" charset="0"/>
@@ -9741,47 +9462,6 @@
                 <a:cs typeface="Courier New" panose="02070309020205020404" pitchFamily="49" charset="0"/>
               </a:rPr>
               <a:t> != null) {</a:t>
-            </a:r>
-            <a:br>
-              <a:rPr lang="en-GB" sz="1200" dirty="0">
-                <a:latin typeface="Courier New" panose="02070309020205020404" pitchFamily="49" charset="0"/>
-                <a:cs typeface="Courier New" panose="02070309020205020404" pitchFamily="49" charset="0"/>
-              </a:rPr>
-            </a:br>
-            <a:r>
-              <a:rPr lang="en-GB" sz="1200" dirty="0">
-                <a:latin typeface="Courier New" panose="02070309020205020404" pitchFamily="49" charset="0"/>
-                <a:cs typeface="Courier New" panose="02070309020205020404" pitchFamily="49" charset="0"/>
-              </a:rPr>
-              <a:t>            </a:t>
-            </a:r>
-            <a:r>
-              <a:rPr lang="en-GB" sz="1200" dirty="0" err="1">
-                <a:latin typeface="Courier New" panose="02070309020205020404" pitchFamily="49" charset="0"/>
-                <a:cs typeface="Courier New" panose="02070309020205020404" pitchFamily="49" charset="0"/>
-              </a:rPr>
-              <a:t>this.relatedUser</a:t>
-            </a:r>
-            <a:r>
-              <a:rPr lang="en-GB" sz="1200" dirty="0">
-                <a:latin typeface="Courier New" panose="02070309020205020404" pitchFamily="49" charset="0"/>
-                <a:cs typeface="Courier New" panose="02070309020205020404" pitchFamily="49" charset="0"/>
-              </a:rPr>
-              <a:t> = </a:t>
-            </a:r>
-            <a:r>
-              <a:rPr lang="en-GB" sz="1200" dirty="0" err="1">
-                <a:latin typeface="Courier New" panose="02070309020205020404" pitchFamily="49" charset="0"/>
-                <a:cs typeface="Courier New" panose="02070309020205020404" pitchFamily="49" charset="0"/>
-              </a:rPr>
-              <a:t>relatedUser</a:t>
-            </a:r>
-            <a:r>
-              <a:rPr lang="en-GB" sz="1200" dirty="0">
-                <a:latin typeface="Courier New" panose="02070309020205020404" pitchFamily="49" charset="0"/>
-                <a:cs typeface="Courier New" panose="02070309020205020404" pitchFamily="49" charset="0"/>
-              </a:rPr>
-              <a:t>;</a:t>
             </a:r>
             <a:br>
               <a:rPr lang="en-GB" sz="1200" dirty="0">
@@ -11049,7 +10729,7 @@
         </p:spPr>
         <p:txBody>
           <a:bodyPr>
-            <a:normAutofit fontScale="92500" lnSpcReduction="20000"/>
+            <a:normAutofit fontScale="85000" lnSpcReduction="20000"/>
           </a:bodyPr>
           <a:lstStyle/>
           <a:p>
@@ -11173,6 +10853,14 @@
               <a:rPr lang="en-GB" sz="2000" dirty="0"/>
               <a:t>Registration</a:t>
             </a:r>
+          </a:p>
+          <a:p>
+            <a:pPr lvl="1"/>
+            <a:r>
+              <a:rPr lang="en-GB" sz="2000" dirty="0" err="1"/>
+              <a:t>SeeImg</a:t>
+            </a:r>
+            <a:endParaRPr lang="en-GB" sz="2000" dirty="0"/>
           </a:p>
           <a:p>
             <a:pPr lvl="1"/>
@@ -11202,7 +10890,7 @@
         </p:spPr>
         <p:txBody>
           <a:bodyPr>
-            <a:normAutofit fontScale="92500" lnSpcReduction="20000"/>
+            <a:normAutofit fontScale="85000" lnSpcReduction="20000"/>
           </a:bodyPr>
           <a:lstStyle/>
           <a:p>
@@ -11247,15 +10935,16 @@
             <a:pPr lvl="1"/>
             <a:r>
               <a:rPr lang="en-GB" sz="2000" dirty="0"/>
-              <a:t>Greetings</a:t>
+              <a:t>Home</a:t>
             </a:r>
           </a:p>
           <a:p>
             <a:pPr lvl="1"/>
             <a:r>
-              <a:rPr lang="en-GB" sz="2000" dirty="0"/>
-              <a:t>Home</a:t>
-            </a:r>
+              <a:rPr lang="en-GB" sz="2000" dirty="0" err="1"/>
+              <a:t>InspectQuestionnaire</a:t>
+            </a:r>
+            <a:endParaRPr lang="en-GB" sz="2000" dirty="0"/>
           </a:p>
           <a:p>
             <a:pPr lvl="1"/>
@@ -11271,6 +10960,14 @@
           <a:p>
             <a:pPr lvl="1"/>
             <a:r>
+              <a:rPr lang="en-GB" sz="2000" dirty="0" err="1"/>
+              <a:t>QuestionnaireCompleted</a:t>
+            </a:r>
+            <a:endParaRPr lang="en-GB" sz="2000" dirty="0"/>
+          </a:p>
+          <a:p>
+            <a:pPr lvl="1"/>
+            <a:r>
               <a:rPr lang="en-GB" sz="2000" dirty="0"/>
               <a:t>QuestionnairePt1</a:t>
             </a:r>
@@ -11293,9 +10990,31 @@
             <a:pPr lvl="1"/>
             <a:r>
               <a:rPr lang="en-GB" sz="2000" dirty="0" err="1"/>
+              <a:t>SeeImg</a:t>
+            </a:r>
+            <a:endParaRPr lang="en-GB" sz="2000" dirty="0"/>
+          </a:p>
+          <a:p>
+            <a:pPr lvl="1"/>
+            <a:r>
+              <a:rPr lang="en-GB" sz="2000" dirty="0" err="1"/>
               <a:t>WriteReview</a:t>
             </a:r>
             <a:endParaRPr lang="en-GB" sz="2000" dirty="0"/>
+          </a:p>
+          <a:p>
+            <a:pPr lvl="1"/>
+            <a:r>
+              <a:rPr lang="en-GB" sz="2000" dirty="0"/>
+              <a:t>Blocked</a:t>
+            </a:r>
+          </a:p>
+          <a:p>
+            <a:pPr lvl="1"/>
+            <a:r>
+              <a:rPr lang="en-GB" sz="2000" dirty="0"/>
+              <a:t>index</a:t>
+            </a:r>
           </a:p>
           <a:p>
             <a:pPr lvl="1"/>

--- a/DB2project.pptx
+++ b/DB2project.pptx
@@ -5,7 +5,7 @@
     <p:sldMasterId id="2147483660" r:id="rId1"/>
   </p:sldMasterIdLst>
   <p:notesMasterIdLst>
-    <p:notesMasterId r:id="rId26"/>
+    <p:notesMasterId r:id="rId30"/>
   </p:notesMasterIdLst>
   <p:sldIdLst>
     <p:sldId id="256" r:id="rId2"/>
@@ -32,6 +32,10 @@
     <p:sldId id="286" r:id="rId23"/>
     <p:sldId id="290" r:id="rId24"/>
     <p:sldId id="285" r:id="rId25"/>
+    <p:sldId id="310" r:id="rId26"/>
+    <p:sldId id="311" r:id="rId27"/>
+    <p:sldId id="312" r:id="rId28"/>
+    <p:sldId id="313" r:id="rId29"/>
   </p:sldIdLst>
   <p:sldSz cx="9144000" cy="6858000" type="screen4x3"/>
   <p:notesSz cx="6858000" cy="9144000"/>
@@ -5027,13 +5031,8 @@
           <a:p>
             <a:r>
               <a:rPr lang="en-GB" dirty="0"/>
-              <a:t>Entity </a:t>
-            </a:r>
-            <a:r>
-              <a:rPr lang="en-GB" dirty="0" err="1"/>
-              <a:t>Adim</a:t>
-            </a:r>
-            <a:endParaRPr lang="en-GB" dirty="0"/>
+              <a:t>Entity Admin</a:t>
+            </a:r>
           </a:p>
         </p:txBody>
       </p:sp>
@@ -5332,6 +5331,12 @@
                 <a:cs typeface="Courier New" panose="02070309020205020404" pitchFamily="49" charset="0"/>
               </a:rPr>
             </a:br>
+            <a:br>
+              <a:rPr lang="en-GB" sz="1500" dirty="0">
+                <a:latin typeface="Courier New" panose="02070309020205020404" pitchFamily="49" charset="0"/>
+                <a:cs typeface="Courier New" panose="02070309020205020404" pitchFamily="49" charset="0"/>
+              </a:rPr>
+            </a:br>
             <a:r>
               <a:rPr lang="en-GB" sz="1500" dirty="0">
                 <a:latin typeface="Courier New" panose="02070309020205020404" pitchFamily="49" charset="0"/>
@@ -5358,6 +5363,12 @@
                 <a:cs typeface="Courier New" panose="02070309020205020404" pitchFamily="49" charset="0"/>
               </a:rPr>
             </a:br>
+            <a:br>
+              <a:rPr lang="en-GB" sz="1500" dirty="0">
+                <a:latin typeface="Courier New" panose="02070309020205020404" pitchFamily="49" charset="0"/>
+                <a:cs typeface="Courier New" panose="02070309020205020404" pitchFamily="49" charset="0"/>
+              </a:rPr>
+            </a:br>
             <a:r>
               <a:rPr lang="en-GB" sz="1500" dirty="0">
                 <a:latin typeface="Courier New" panose="02070309020205020404" pitchFamily="49" charset="0"/>
@@ -5384,28 +5395,6 @@
               </a:rPr>
               <a:t>}</a:t>
             </a:r>
-            <a:br>
-              <a:rPr lang="en-GB" sz="1500" dirty="0">
-                <a:latin typeface="Courier New" panose="02070309020205020404" pitchFamily="49" charset="0"/>
-                <a:cs typeface="Courier New" panose="02070309020205020404" pitchFamily="49" charset="0"/>
-              </a:rPr>
-            </a:br>
-            <a:endParaRPr lang="en-GB" sz="1500" dirty="0">
-              <a:latin typeface="Courier New" panose="02070309020205020404" pitchFamily="49" charset="0"/>
-              <a:cs typeface="Courier New" panose="02070309020205020404" pitchFamily="49" charset="0"/>
-            </a:endParaRPr>
-          </a:p>
-          <a:p>
-            <a:pPr marL="0" indent="0">
-              <a:spcBef>
-                <a:spcPts val="0"/>
-              </a:spcBef>
-              <a:buNone/>
-            </a:pPr>
-            <a:endParaRPr lang="en-GB" sz="1500" dirty="0">
-              <a:latin typeface="Courier New" panose="02070309020205020404" pitchFamily="49" charset="0"/>
-              <a:cs typeface="Courier New" panose="02070309020205020404" pitchFamily="49" charset="0"/>
-            </a:endParaRPr>
           </a:p>
         </p:txBody>
       </p:sp>
@@ -5520,13 +5509,27 @@
                 <a:latin typeface="Courier New" panose="02070309020205020404" pitchFamily="49" charset="0"/>
                 <a:cs typeface="Courier New" panose="02070309020205020404" pitchFamily="49" charset="0"/>
               </a:rPr>
-              <a:t>@NamedQuery(name = "</a:t>
+              <a:t>@</a:t>
             </a:r>
             <a:r>
               <a:rPr lang="en-GB" sz="1500" dirty="0" err="1">
                 <a:latin typeface="Courier New" panose="02070309020205020404" pitchFamily="49" charset="0"/>
                 <a:cs typeface="Courier New" panose="02070309020205020404" pitchFamily="49" charset="0"/>
               </a:rPr>
+              <a:t>NamedQuery</a:t>
+            </a:r>
+            <a:r>
+              <a:rPr lang="en-GB" sz="1500" dirty="0">
+                <a:latin typeface="Courier New" panose="02070309020205020404" pitchFamily="49" charset="0"/>
+                <a:cs typeface="Courier New" panose="02070309020205020404" pitchFamily="49" charset="0"/>
+              </a:rPr>
+              <a:t>(name = "</a:t>
+            </a:r>
+            <a:r>
+              <a:rPr lang="en-GB" sz="1500" dirty="0" err="1">
+                <a:latin typeface="Courier New" panose="02070309020205020404" pitchFamily="49" charset="0"/>
+                <a:cs typeface="Courier New" panose="02070309020205020404" pitchFamily="49" charset="0"/>
+              </a:rPr>
               <a:t>Product.findProductOfTheDay</a:t>
             </a:r>
             <a:r>
@@ -5620,13 +5623,27 @@
                 <a:latin typeface="Courier New" panose="02070309020205020404" pitchFamily="49" charset="0"/>
                 <a:cs typeface="Courier New" panose="02070309020205020404" pitchFamily="49" charset="0"/>
               </a:rPr>
-              <a:t>    @GeneratedValue(strategy = </a:t>
+              <a:t>    @</a:t>
             </a:r>
             <a:r>
               <a:rPr lang="en-GB" sz="1500" dirty="0" err="1">
                 <a:latin typeface="Courier New" panose="02070309020205020404" pitchFamily="49" charset="0"/>
                 <a:cs typeface="Courier New" panose="02070309020205020404" pitchFamily="49" charset="0"/>
               </a:rPr>
+              <a:t>GeneratedValue</a:t>
+            </a:r>
+            <a:r>
+              <a:rPr lang="en-GB" sz="1500" dirty="0">
+                <a:latin typeface="Courier New" panose="02070309020205020404" pitchFamily="49" charset="0"/>
+                <a:cs typeface="Courier New" panose="02070309020205020404" pitchFamily="49" charset="0"/>
+              </a:rPr>
+              <a:t>(strategy = </a:t>
+            </a:r>
+            <a:r>
+              <a:rPr lang="en-GB" sz="1500" dirty="0" err="1">
+                <a:latin typeface="Courier New" panose="02070309020205020404" pitchFamily="49" charset="0"/>
+                <a:cs typeface="Courier New" panose="02070309020205020404" pitchFamily="49" charset="0"/>
+              </a:rPr>
               <a:t>GenerationType.IDENTITY</a:t>
             </a:r>
             <a:r>
@@ -5731,19 +5748,6 @@
                 <a:latin typeface="Courier New" panose="02070309020205020404" pitchFamily="49" charset="0"/>
                 <a:cs typeface="Courier New" panose="02070309020205020404" pitchFamily="49" charset="0"/>
               </a:rPr>
-              <a:t>    //@Temporal(TemporalType.DATE)</a:t>
-            </a:r>
-            <a:br>
-              <a:rPr lang="en-GB" sz="1500" dirty="0">
-                <a:latin typeface="Courier New" panose="02070309020205020404" pitchFamily="49" charset="0"/>
-                <a:cs typeface="Courier New" panose="02070309020205020404" pitchFamily="49" charset="0"/>
-              </a:rPr>
-            </a:br>
-            <a:r>
-              <a:rPr lang="en-GB" sz="1500" dirty="0">
-                <a:latin typeface="Courier New" panose="02070309020205020404" pitchFamily="49" charset="0"/>
-                <a:cs typeface="Courier New" panose="02070309020205020404" pitchFamily="49" charset="0"/>
-              </a:rPr>
               <a:t>    @Column(unique = true)</a:t>
             </a:r>
             <a:br>
@@ -5804,13 +5808,41 @@
                 <a:latin typeface="Courier New" panose="02070309020205020404" pitchFamily="49" charset="0"/>
                 <a:cs typeface="Courier New" panose="02070309020205020404" pitchFamily="49" charset="0"/>
               </a:rPr>
-              <a:t>    @OneToOne(mappedBy = "</a:t>
+              <a:t>    @</a:t>
             </a:r>
             <a:r>
               <a:rPr lang="en-GB" sz="1500" dirty="0" err="1">
                 <a:latin typeface="Courier New" panose="02070309020205020404" pitchFamily="49" charset="0"/>
                 <a:cs typeface="Courier New" panose="02070309020205020404" pitchFamily="49" charset="0"/>
               </a:rPr>
+              <a:t>OneToOne</a:t>
+            </a:r>
+            <a:r>
+              <a:rPr lang="en-GB" sz="1500" dirty="0">
+                <a:latin typeface="Courier New" panose="02070309020205020404" pitchFamily="49" charset="0"/>
+                <a:cs typeface="Courier New" panose="02070309020205020404" pitchFamily="49" charset="0"/>
+              </a:rPr>
+              <a:t>(</a:t>
+            </a:r>
+            <a:r>
+              <a:rPr lang="en-GB" sz="1500" dirty="0" err="1">
+                <a:latin typeface="Courier New" panose="02070309020205020404" pitchFamily="49" charset="0"/>
+                <a:cs typeface="Courier New" panose="02070309020205020404" pitchFamily="49" charset="0"/>
+              </a:rPr>
+              <a:t>mappedBy</a:t>
+            </a:r>
+            <a:r>
+              <a:rPr lang="en-GB" sz="1500" dirty="0">
+                <a:latin typeface="Courier New" panose="02070309020205020404" pitchFamily="49" charset="0"/>
+                <a:cs typeface="Courier New" panose="02070309020205020404" pitchFamily="49" charset="0"/>
+              </a:rPr>
+              <a:t> = "</a:t>
+            </a:r>
+            <a:r>
+              <a:rPr lang="en-GB" sz="1500" dirty="0" err="1">
+                <a:latin typeface="Courier New" panose="02070309020205020404" pitchFamily="49" charset="0"/>
+                <a:cs typeface="Courier New" panose="02070309020205020404" pitchFamily="49" charset="0"/>
+              </a:rPr>
               <a:t>relatedProduct</a:t>
             </a:r>
             <a:r>
@@ -5839,20 +5871,121 @@
                 <a:latin typeface="Courier New" panose="02070309020205020404" pitchFamily="49" charset="0"/>
                 <a:cs typeface="Courier New" panose="02070309020205020404" pitchFamily="49" charset="0"/>
               </a:rPr>
-              <a:t>CascadeType.PERSIST</a:t>
-            </a:r>
-            <a:r>
-              <a:rPr lang="en-GB" sz="1500" dirty="0">
-                <a:latin typeface="Courier New" panose="02070309020205020404" pitchFamily="49" charset="0"/>
-                <a:cs typeface="Courier New" panose="02070309020205020404" pitchFamily="49" charset="0"/>
-              </a:rPr>
-              <a:t>, </a:t>
+              <a:t>CascadeType.ALL</a:t>
+            </a:r>
+            <a:r>
+              <a:rPr lang="en-GB" sz="1500" dirty="0">
+                <a:latin typeface="Courier New" panose="02070309020205020404" pitchFamily="49" charset="0"/>
+                <a:cs typeface="Courier New" panose="02070309020205020404" pitchFamily="49" charset="0"/>
+              </a:rPr>
+              <a:t> }, </a:t>
             </a:r>
             <a:r>
               <a:rPr lang="en-GB" sz="1500" dirty="0" err="1">
                 <a:latin typeface="Courier New" panose="02070309020205020404" pitchFamily="49" charset="0"/>
                 <a:cs typeface="Courier New" panose="02070309020205020404" pitchFamily="49" charset="0"/>
               </a:rPr>
+              <a:t>orphanRemoval</a:t>
+            </a:r>
+            <a:r>
+              <a:rPr lang="en-GB" sz="1500" dirty="0">
+                <a:latin typeface="Courier New" panose="02070309020205020404" pitchFamily="49" charset="0"/>
+                <a:cs typeface="Courier New" panose="02070309020205020404" pitchFamily="49" charset="0"/>
+              </a:rPr>
+              <a:t> = true)</a:t>
+            </a:r>
+            <a:br>
+              <a:rPr lang="en-GB" sz="1500" dirty="0">
+                <a:latin typeface="Courier New" panose="02070309020205020404" pitchFamily="49" charset="0"/>
+                <a:cs typeface="Courier New" panose="02070309020205020404" pitchFamily="49" charset="0"/>
+              </a:rPr>
+            </a:br>
+            <a:r>
+              <a:rPr lang="en-GB" sz="1500" dirty="0">
+                <a:latin typeface="Courier New" panose="02070309020205020404" pitchFamily="49" charset="0"/>
+                <a:cs typeface="Courier New" panose="02070309020205020404" pitchFamily="49" charset="0"/>
+              </a:rPr>
+              <a:t>    @</a:t>
+            </a:r>
+            <a:r>
+              <a:rPr lang="en-GB" sz="1500" dirty="0" err="1">
+                <a:latin typeface="Courier New" panose="02070309020205020404" pitchFamily="49" charset="0"/>
+                <a:cs typeface="Courier New" panose="02070309020205020404" pitchFamily="49" charset="0"/>
+              </a:rPr>
+              <a:t>JoinColumn</a:t>
+            </a:r>
+            <a:r>
+              <a:rPr lang="en-GB" sz="1500" dirty="0">
+                <a:latin typeface="Courier New" panose="02070309020205020404" pitchFamily="49" charset="0"/>
+                <a:cs typeface="Courier New" panose="02070309020205020404" pitchFamily="49" charset="0"/>
+              </a:rPr>
+              <a:t>(unique = true)</a:t>
+            </a:r>
+            <a:br>
+              <a:rPr lang="en-GB" sz="1500" dirty="0">
+                <a:latin typeface="Courier New" panose="02070309020205020404" pitchFamily="49" charset="0"/>
+                <a:cs typeface="Courier New" panose="02070309020205020404" pitchFamily="49" charset="0"/>
+              </a:rPr>
+            </a:br>
+            <a:r>
+              <a:rPr lang="en-GB" sz="1500" dirty="0">
+                <a:latin typeface="Courier New" panose="02070309020205020404" pitchFamily="49" charset="0"/>
+                <a:cs typeface="Courier New" panose="02070309020205020404" pitchFamily="49" charset="0"/>
+              </a:rPr>
+              <a:t>    private Questionnaire questionnaire;</a:t>
+            </a:r>
+            <a:br>
+              <a:rPr lang="en-GB" sz="1500" dirty="0">
+                <a:latin typeface="Courier New" panose="02070309020205020404" pitchFamily="49" charset="0"/>
+                <a:cs typeface="Courier New" panose="02070309020205020404" pitchFamily="49" charset="0"/>
+              </a:rPr>
+            </a:br>
+            <a:br>
+              <a:rPr lang="en-GB" sz="1500" dirty="0">
+                <a:latin typeface="Courier New" panose="02070309020205020404" pitchFamily="49" charset="0"/>
+                <a:cs typeface="Courier New" panose="02070309020205020404" pitchFamily="49" charset="0"/>
+              </a:rPr>
+            </a:br>
+            <a:r>
+              <a:rPr lang="en-GB" sz="1500" dirty="0">
+                <a:latin typeface="Courier New" panose="02070309020205020404" pitchFamily="49" charset="0"/>
+                <a:cs typeface="Courier New" panose="02070309020205020404" pitchFamily="49" charset="0"/>
+              </a:rPr>
+              <a:t>    @</a:t>
+            </a:r>
+            <a:r>
+              <a:rPr lang="en-GB" sz="1500" dirty="0" err="1">
+                <a:latin typeface="Courier New" panose="02070309020205020404" pitchFamily="49" charset="0"/>
+                <a:cs typeface="Courier New" panose="02070309020205020404" pitchFamily="49" charset="0"/>
+              </a:rPr>
+              <a:t>OneToMany</a:t>
+            </a:r>
+            <a:r>
+              <a:rPr lang="en-GB" sz="1500" dirty="0">
+                <a:latin typeface="Courier New" panose="02070309020205020404" pitchFamily="49" charset="0"/>
+                <a:cs typeface="Courier New" panose="02070309020205020404" pitchFamily="49" charset="0"/>
+              </a:rPr>
+              <a:t>(</a:t>
+            </a:r>
+            <a:r>
+              <a:rPr lang="en-GB" sz="1500" dirty="0" err="1">
+                <a:latin typeface="Courier New" panose="02070309020205020404" pitchFamily="49" charset="0"/>
+                <a:cs typeface="Courier New" panose="02070309020205020404" pitchFamily="49" charset="0"/>
+              </a:rPr>
+              <a:t>mappedBy</a:t>
+            </a:r>
+            <a:r>
+              <a:rPr lang="en-GB" sz="1500" dirty="0">
+                <a:latin typeface="Courier New" panose="02070309020205020404" pitchFamily="49" charset="0"/>
+                <a:cs typeface="Courier New" panose="02070309020205020404" pitchFamily="49" charset="0"/>
+              </a:rPr>
+              <a:t> = "product", cascade = { </a:t>
+            </a:r>
+            <a:r>
+              <a:rPr lang="en-GB" sz="1500" dirty="0" err="1">
+                <a:latin typeface="Courier New" panose="02070309020205020404" pitchFamily="49" charset="0"/>
+                <a:cs typeface="Courier New" panose="02070309020205020404" pitchFamily="49" charset="0"/>
+              </a:rPr>
               <a:t>CascadeType.REMOVE</a:t>
             </a:r>
             <a:r>
@@ -5860,101 +5993,41 @@
                 <a:latin typeface="Courier New" panose="02070309020205020404" pitchFamily="49" charset="0"/>
                 <a:cs typeface="Courier New" panose="02070309020205020404" pitchFamily="49" charset="0"/>
               </a:rPr>
-              <a:t> }, </a:t>
+              <a:t>,</a:t>
+            </a:r>
+            <a:br>
+              <a:rPr lang="en-GB" sz="1500" dirty="0">
+                <a:latin typeface="Courier New" panose="02070309020205020404" pitchFamily="49" charset="0"/>
+                <a:cs typeface="Courier New" panose="02070309020205020404" pitchFamily="49" charset="0"/>
+              </a:rPr>
+            </a:br>
+            <a:r>
+              <a:rPr lang="en-GB" sz="1500" dirty="0">
+                <a:latin typeface="Courier New" panose="02070309020205020404" pitchFamily="49" charset="0"/>
+                <a:cs typeface="Courier New" panose="02070309020205020404" pitchFamily="49" charset="0"/>
+              </a:rPr>
+              <a:t>            </a:t>
             </a:r>
             <a:r>
               <a:rPr lang="en-GB" sz="1500" dirty="0" err="1">
                 <a:latin typeface="Courier New" panose="02070309020205020404" pitchFamily="49" charset="0"/>
                 <a:cs typeface="Courier New" panose="02070309020205020404" pitchFamily="49" charset="0"/>
               </a:rPr>
-              <a:t>orphanRemoval</a:t>
-            </a:r>
-            <a:r>
-              <a:rPr lang="en-GB" sz="1500" dirty="0">
-                <a:latin typeface="Courier New" panose="02070309020205020404" pitchFamily="49" charset="0"/>
-                <a:cs typeface="Courier New" panose="02070309020205020404" pitchFamily="49" charset="0"/>
-              </a:rPr>
-              <a:t> = true)</a:t>
-            </a:r>
-            <a:br>
-              <a:rPr lang="en-GB" sz="1500" dirty="0">
-                <a:latin typeface="Courier New" panose="02070309020205020404" pitchFamily="49" charset="0"/>
-                <a:cs typeface="Courier New" panose="02070309020205020404" pitchFamily="49" charset="0"/>
-              </a:rPr>
-            </a:br>
-            <a:r>
-              <a:rPr lang="en-GB" sz="1500" dirty="0">
-                <a:latin typeface="Courier New" panose="02070309020205020404" pitchFamily="49" charset="0"/>
-                <a:cs typeface="Courier New" panose="02070309020205020404" pitchFamily="49" charset="0"/>
-              </a:rPr>
-              <a:t>    private Questionnaire questionnaire;</a:t>
-            </a:r>
-            <a:br>
-              <a:rPr lang="en-GB" sz="1500" dirty="0">
-                <a:latin typeface="Courier New" panose="02070309020205020404" pitchFamily="49" charset="0"/>
-                <a:cs typeface="Courier New" panose="02070309020205020404" pitchFamily="49" charset="0"/>
-              </a:rPr>
-            </a:br>
-            <a:br>
-              <a:rPr lang="en-GB" sz="1500" dirty="0">
-                <a:latin typeface="Courier New" panose="02070309020205020404" pitchFamily="49" charset="0"/>
-                <a:cs typeface="Courier New" panose="02070309020205020404" pitchFamily="49" charset="0"/>
-              </a:rPr>
-            </a:br>
-            <a:r>
-              <a:rPr lang="en-GB" sz="1500" dirty="0">
-                <a:latin typeface="Courier New" panose="02070309020205020404" pitchFamily="49" charset="0"/>
-                <a:cs typeface="Courier New" panose="02070309020205020404" pitchFamily="49" charset="0"/>
-              </a:rPr>
-              <a:t>    @OneToMany(mappedBy = "product", cascade = {</a:t>
+              <a:t>CascadeType.REFRESH</a:t>
+            </a:r>
+            <a:r>
+              <a:rPr lang="en-GB" sz="1500" dirty="0">
+                <a:latin typeface="Courier New" panose="02070309020205020404" pitchFamily="49" charset="0"/>
+                <a:cs typeface="Courier New" panose="02070309020205020404" pitchFamily="49" charset="0"/>
+              </a:rPr>
+              <a:t> }, fetch = </a:t>
             </a:r>
             <a:r>
               <a:rPr lang="en-GB" sz="1500" dirty="0" err="1">
                 <a:latin typeface="Courier New" panose="02070309020205020404" pitchFamily="49" charset="0"/>
                 <a:cs typeface="Courier New" panose="02070309020205020404" pitchFamily="49" charset="0"/>
               </a:rPr>
-              <a:t>CascadeType.REMOVE</a:t>
-            </a:r>
-            <a:r>
-              <a:rPr lang="en-GB" sz="1500" dirty="0">
-                <a:latin typeface="Courier New" panose="02070309020205020404" pitchFamily="49" charset="0"/>
-                <a:cs typeface="Courier New" panose="02070309020205020404" pitchFamily="49" charset="0"/>
-              </a:rPr>
-              <a:t>,</a:t>
-            </a:r>
-            <a:br>
-              <a:rPr lang="en-GB" sz="1500" dirty="0">
-                <a:latin typeface="Courier New" panose="02070309020205020404" pitchFamily="49" charset="0"/>
-                <a:cs typeface="Courier New" panose="02070309020205020404" pitchFamily="49" charset="0"/>
-              </a:rPr>
-            </a:br>
-            <a:r>
-              <a:rPr lang="en-GB" sz="1500" dirty="0">
-                <a:latin typeface="Courier New" panose="02070309020205020404" pitchFamily="49" charset="0"/>
-                <a:cs typeface="Courier New" panose="02070309020205020404" pitchFamily="49" charset="0"/>
-              </a:rPr>
-              <a:t>            </a:t>
-            </a:r>
-            <a:r>
-              <a:rPr lang="en-GB" sz="1500" dirty="0" err="1">
-                <a:latin typeface="Courier New" panose="02070309020205020404" pitchFamily="49" charset="0"/>
-                <a:cs typeface="Courier New" panose="02070309020205020404" pitchFamily="49" charset="0"/>
-              </a:rPr>
-              <a:t>CascadeType.REFRESH</a:t>
-            </a:r>
-            <a:r>
-              <a:rPr lang="en-GB" sz="1500" dirty="0">
-                <a:latin typeface="Courier New" panose="02070309020205020404" pitchFamily="49" charset="0"/>
-                <a:cs typeface="Courier New" panose="02070309020205020404" pitchFamily="49" charset="0"/>
-              </a:rPr>
-              <a:t> }, fetch = </a:t>
-            </a:r>
-            <a:r>
-              <a:rPr lang="en-GB" sz="1500" dirty="0" err="1">
-                <a:latin typeface="Courier New" panose="02070309020205020404" pitchFamily="49" charset="0"/>
-                <a:cs typeface="Courier New" panose="02070309020205020404" pitchFamily="49" charset="0"/>
-              </a:rPr>
-              <a:t>FetchType.Lazy</a:t>
+              <a:t>FetchType.EAGER</a:t>
             </a:r>
             <a:r>
               <a:rPr lang="en-GB" sz="1500" dirty="0">
@@ -6759,16 +6832,6 @@
               </a:rPr>
               <a:t>}</a:t>
             </a:r>
-            <a:br>
-              <a:rPr lang="en-GB" sz="1500" dirty="0">
-                <a:latin typeface="Courier New" panose="02070309020205020404" pitchFamily="49" charset="0"/>
-                <a:cs typeface="Courier New" panose="02070309020205020404" pitchFamily="49" charset="0"/>
-              </a:rPr>
-            </a:br>
-            <a:endParaRPr lang="en-GB" sz="1500" dirty="0">
-              <a:latin typeface="Courier New" panose="02070309020205020404" pitchFamily="49" charset="0"/>
-              <a:cs typeface="Courier New" panose="02070309020205020404" pitchFamily="49" charset="0"/>
-            </a:endParaRPr>
           </a:p>
         </p:txBody>
       </p:sp>
@@ -6896,13 +6959,41 @@
                 <a:latin typeface="Courier New" panose="02070309020205020404" pitchFamily="49" charset="0"/>
                 <a:cs typeface="Courier New" panose="02070309020205020404" pitchFamily="49" charset="0"/>
               </a:rPr>
-              <a:t>@NamedQuery(name="Questionnaire.findByProdId", query = "SELECT q FROM Questionnaire q WHERE </a:t>
+              <a:t>@</a:t>
             </a:r>
             <a:r>
               <a:rPr lang="en-GB" sz="1100" dirty="0" err="1">
                 <a:latin typeface="Courier New" panose="02070309020205020404" pitchFamily="49" charset="0"/>
                 <a:cs typeface="Courier New" panose="02070309020205020404" pitchFamily="49" charset="0"/>
               </a:rPr>
+              <a:t>NamedQuery</a:t>
+            </a:r>
+            <a:r>
+              <a:rPr lang="en-GB" sz="1100" dirty="0">
+                <a:latin typeface="Courier New" panose="02070309020205020404" pitchFamily="49" charset="0"/>
+                <a:cs typeface="Courier New" panose="02070309020205020404" pitchFamily="49" charset="0"/>
+              </a:rPr>
+              <a:t>(name="</a:t>
+            </a:r>
+            <a:r>
+              <a:rPr lang="en-GB" sz="1100" dirty="0" err="1">
+                <a:latin typeface="Courier New" panose="02070309020205020404" pitchFamily="49" charset="0"/>
+                <a:cs typeface="Courier New" panose="02070309020205020404" pitchFamily="49" charset="0"/>
+              </a:rPr>
+              <a:t>Questionnaire.findByProdId</a:t>
+            </a:r>
+            <a:r>
+              <a:rPr lang="en-GB" sz="1100" dirty="0">
+                <a:latin typeface="Courier New" panose="02070309020205020404" pitchFamily="49" charset="0"/>
+                <a:cs typeface="Courier New" panose="02070309020205020404" pitchFamily="49" charset="0"/>
+              </a:rPr>
+              <a:t>", query = "SELECT q FROM Questionnaire q WHERE </a:t>
+            </a:r>
+            <a:r>
+              <a:rPr lang="en-GB" sz="1100" dirty="0" err="1">
+                <a:latin typeface="Courier New" panose="02070309020205020404" pitchFamily="49" charset="0"/>
+                <a:cs typeface="Courier New" panose="02070309020205020404" pitchFamily="49" charset="0"/>
+              </a:rPr>
               <a:t>q.relatedProduct</a:t>
             </a:r>
             <a:r>
@@ -6923,19 +7014,47 @@
                 <a:latin typeface="Courier New" panose="02070309020205020404" pitchFamily="49" charset="0"/>
                 <a:cs typeface="Courier New" panose="02070309020205020404" pitchFamily="49" charset="0"/>
               </a:rPr>
-              <a:t>@NamedQuery(name="Questionnaire.findAllQuestionnaires", query = "SELECT q FROM Questionnaire q")</a:t>
-            </a:r>
-            <a:br>
+              <a:t>@</a:t>
+            </a:r>
+            <a:r>
+              <a:rPr lang="en-GB" sz="1100" dirty="0" err="1">
+                <a:latin typeface="Courier New" panose="02070309020205020404" pitchFamily="49" charset="0"/>
+                <a:cs typeface="Courier New" panose="02070309020205020404" pitchFamily="49" charset="0"/>
+              </a:rPr>
+              <a:t>NamedQuery</a:t>
+            </a:r>
+            <a:r>
               <a:rPr lang="en-GB" sz="1100" dirty="0">
                 <a:latin typeface="Courier New" panose="02070309020205020404" pitchFamily="49" charset="0"/>
                 <a:cs typeface="Courier New" panose="02070309020205020404" pitchFamily="49" charset="0"/>
               </a:rPr>
-            </a:br>
+              <a:t>(name="</a:t>
+            </a:r>
+            <a:r>
+              <a:rPr lang="en-GB" sz="1100" dirty="0" err="1">
+                <a:latin typeface="Courier New" panose="02070309020205020404" pitchFamily="49" charset="0"/>
+                <a:cs typeface="Courier New" panose="02070309020205020404" pitchFamily="49" charset="0"/>
+              </a:rPr>
+              <a:t>Questionnaire.findAllQuestionnaires</a:t>
+            </a:r>
             <a:r>
               <a:rPr lang="en-GB" sz="1100" dirty="0">
                 <a:latin typeface="Courier New" panose="02070309020205020404" pitchFamily="49" charset="0"/>
                 <a:cs typeface="Courier New" panose="02070309020205020404" pitchFamily="49" charset="0"/>
               </a:rPr>
+              <a:t>", query = "SELECT q FROM Questionnaire q")</a:t>
+            </a:r>
+            <a:br>
+              <a:rPr lang="en-GB" sz="1100" dirty="0">
+                <a:latin typeface="Courier New" panose="02070309020205020404" pitchFamily="49" charset="0"/>
+                <a:cs typeface="Courier New" panose="02070309020205020404" pitchFamily="49" charset="0"/>
+              </a:rPr>
+            </a:br>
+            <a:r>
+              <a:rPr lang="en-GB" sz="1100" dirty="0">
+                <a:latin typeface="Courier New" panose="02070309020205020404" pitchFamily="49" charset="0"/>
+                <a:cs typeface="Courier New" panose="02070309020205020404" pitchFamily="49" charset="0"/>
+              </a:rPr>
               <a:t>public class Questionnaire implements Serializable {</a:t>
             </a:r>
             <a:br>
@@ -6952,25 +7071,93 @@
               <a:t>    private static final long </a:t>
             </a:r>
             <a:r>
+              <a:rPr lang="en-GB" sz="1100" i="1" dirty="0" err="1">
+                <a:latin typeface="Courier New" panose="02070309020205020404" pitchFamily="49" charset="0"/>
+                <a:cs typeface="Courier New" panose="02070309020205020404" pitchFamily="49" charset="0"/>
+              </a:rPr>
+              <a:t>serialVersionUID</a:t>
+            </a:r>
+            <a:r>
+              <a:rPr lang="en-GB" sz="1100" i="1" dirty="0">
+                <a:latin typeface="Courier New" panose="02070309020205020404" pitchFamily="49" charset="0"/>
+                <a:cs typeface="Courier New" panose="02070309020205020404" pitchFamily="49" charset="0"/>
+              </a:rPr>
+              <a:t> </a:t>
+            </a:r>
+            <a:r>
+              <a:rPr lang="en-GB" sz="1100" dirty="0">
+                <a:latin typeface="Courier New" panose="02070309020205020404" pitchFamily="49" charset="0"/>
+                <a:cs typeface="Courier New" panose="02070309020205020404" pitchFamily="49" charset="0"/>
+              </a:rPr>
+              <a:t>= 1L;</a:t>
+            </a:r>
+            <a:br>
+              <a:rPr lang="en-GB" sz="1100" dirty="0">
+                <a:latin typeface="Courier New" panose="02070309020205020404" pitchFamily="49" charset="0"/>
+                <a:cs typeface="Courier New" panose="02070309020205020404" pitchFamily="49" charset="0"/>
+              </a:rPr>
+            </a:br>
+            <a:br>
+              <a:rPr lang="en-GB" sz="1100" dirty="0">
+                <a:latin typeface="Courier New" panose="02070309020205020404" pitchFamily="49" charset="0"/>
+                <a:cs typeface="Courier New" panose="02070309020205020404" pitchFamily="49" charset="0"/>
+              </a:rPr>
+            </a:br>
+            <a:r>
+              <a:rPr lang="en-GB" sz="1100" dirty="0">
+                <a:latin typeface="Courier New" panose="02070309020205020404" pitchFamily="49" charset="0"/>
+                <a:cs typeface="Courier New" panose="02070309020205020404" pitchFamily="49" charset="0"/>
+              </a:rPr>
+              <a:t>    @Id</a:t>
+            </a:r>
+            <a:br>
+              <a:rPr lang="en-GB" sz="1100" dirty="0">
+                <a:latin typeface="Courier New" panose="02070309020205020404" pitchFamily="49" charset="0"/>
+                <a:cs typeface="Courier New" panose="02070309020205020404" pitchFamily="49" charset="0"/>
+              </a:rPr>
+            </a:br>
+            <a:r>
+              <a:rPr lang="en-GB" sz="1100" dirty="0">
+                <a:latin typeface="Courier New" panose="02070309020205020404" pitchFamily="49" charset="0"/>
+                <a:cs typeface="Courier New" panose="02070309020205020404" pitchFamily="49" charset="0"/>
+              </a:rPr>
+              <a:t>    @</a:t>
+            </a:r>
+            <a:r>
               <a:rPr lang="en-GB" sz="1100" dirty="0" err="1">
                 <a:latin typeface="Courier New" panose="02070309020205020404" pitchFamily="49" charset="0"/>
                 <a:cs typeface="Courier New" panose="02070309020205020404" pitchFamily="49" charset="0"/>
               </a:rPr>
-              <a:t>serialVersionUID</a:t>
+              <a:t>GeneratedValue</a:t>
             </a:r>
             <a:r>
               <a:rPr lang="en-GB" sz="1100" dirty="0">
                 <a:latin typeface="Courier New" panose="02070309020205020404" pitchFamily="49" charset="0"/>
                 <a:cs typeface="Courier New" panose="02070309020205020404" pitchFamily="49" charset="0"/>
               </a:rPr>
-              <a:t> = 1L;</a:t>
-            </a:r>
-            <a:br>
+              <a:t>(strategy = </a:t>
+            </a:r>
+            <a:r>
+              <a:rPr lang="en-GB" sz="1100" dirty="0" err="1">
+                <a:latin typeface="Courier New" panose="02070309020205020404" pitchFamily="49" charset="0"/>
+                <a:cs typeface="Courier New" panose="02070309020205020404" pitchFamily="49" charset="0"/>
+              </a:rPr>
+              <a:t>GenerationType.</a:t>
+            </a:r>
+            <a:r>
+              <a:rPr lang="en-GB" sz="1100" i="1" dirty="0" err="1">
+                <a:latin typeface="Courier New" panose="02070309020205020404" pitchFamily="49" charset="0"/>
+                <a:cs typeface="Courier New" panose="02070309020205020404" pitchFamily="49" charset="0"/>
+              </a:rPr>
+              <a:t>IDENTITY</a:t>
+            </a:r>
+            <a:r>
               <a:rPr lang="en-GB" sz="1100" dirty="0">
                 <a:latin typeface="Courier New" panose="02070309020205020404" pitchFamily="49" charset="0"/>
                 <a:cs typeface="Courier New" panose="02070309020205020404" pitchFamily="49" charset="0"/>
               </a:rPr>
-            </a:br>
+              <a:t>)</a:t>
+            </a:r>
             <a:br>
               <a:rPr lang="en-GB" sz="1100" dirty="0">
                 <a:latin typeface="Courier New" panose="02070309020205020404" pitchFamily="49" charset="0"/>
@@ -6982,7 +7169,7 @@
                 <a:latin typeface="Courier New" panose="02070309020205020404" pitchFamily="49" charset="0"/>
                 <a:cs typeface="Courier New" panose="02070309020205020404" pitchFamily="49" charset="0"/>
               </a:rPr>
-              <a:t>    @Id</a:t>
+              <a:t>    private int id;</a:t>
             </a:r>
             <a:br>
               <a:rPr lang="en-GB" sz="1100" dirty="0">
@@ -6990,39 +7177,67 @@
                 <a:cs typeface="Courier New" panose="02070309020205020404" pitchFamily="49" charset="0"/>
               </a:rPr>
             </a:br>
-            <a:r>
+            <a:br>
               <a:rPr lang="en-GB" sz="1100" dirty="0">
                 <a:latin typeface="Courier New" panose="02070309020205020404" pitchFamily="49" charset="0"/>
                 <a:cs typeface="Courier New" panose="02070309020205020404" pitchFamily="49" charset="0"/>
               </a:rPr>
-              <a:t>    @GeneratedValue(strategy = </a:t>
+            </a:br>
+            <a:r>
+              <a:rPr lang="en-GB" sz="1100" dirty="0">
+                <a:latin typeface="Courier New" panose="02070309020205020404" pitchFamily="49" charset="0"/>
+                <a:cs typeface="Courier New" panose="02070309020205020404" pitchFamily="49" charset="0"/>
+              </a:rPr>
+              <a:t>    @</a:t>
             </a:r>
             <a:r>
               <a:rPr lang="en-GB" sz="1100" dirty="0" err="1">
                 <a:latin typeface="Courier New" panose="02070309020205020404" pitchFamily="49" charset="0"/>
                 <a:cs typeface="Courier New" panose="02070309020205020404" pitchFamily="49" charset="0"/>
               </a:rPr>
-              <a:t>GenerationType.IDENTITY</a:t>
+              <a:t>OneToOne</a:t>
             </a:r>
             <a:r>
               <a:rPr lang="en-GB" sz="1100" dirty="0">
                 <a:latin typeface="Courier New" panose="02070309020205020404" pitchFamily="49" charset="0"/>
                 <a:cs typeface="Courier New" panose="02070309020205020404" pitchFamily="49" charset="0"/>
               </a:rPr>
-              <a:t>)</a:t>
-            </a:r>
-            <a:br>
+              <a:t>(fetch = </a:t>
+            </a:r>
+            <a:r>
+              <a:rPr lang="en-GB" sz="1100" dirty="0" err="1">
+                <a:latin typeface="Courier New" panose="02070309020205020404" pitchFamily="49" charset="0"/>
+                <a:cs typeface="Courier New" panose="02070309020205020404" pitchFamily="49" charset="0"/>
+              </a:rPr>
+              <a:t>FetchType.</a:t>
+            </a:r>
+            <a:r>
+              <a:rPr lang="en-GB" sz="1100" i="1" dirty="0" err="1">
+                <a:latin typeface="Courier New" panose="02070309020205020404" pitchFamily="49" charset="0"/>
+                <a:cs typeface="Courier New" panose="02070309020205020404" pitchFamily="49" charset="0"/>
+              </a:rPr>
+              <a:t>EAGER</a:t>
+            </a:r>
+            <a:r>
               <a:rPr lang="en-GB" sz="1100" dirty="0">
                 <a:latin typeface="Courier New" panose="02070309020205020404" pitchFamily="49" charset="0"/>
                 <a:cs typeface="Courier New" panose="02070309020205020404" pitchFamily="49" charset="0"/>
               </a:rPr>
-            </a:br>
+              <a:t>, </a:t>
+            </a:r>
+            <a:r>
+              <a:rPr lang="en-GB" sz="1100" dirty="0" err="1">
+                <a:latin typeface="Courier New" panose="02070309020205020404" pitchFamily="49" charset="0"/>
+                <a:cs typeface="Courier New" panose="02070309020205020404" pitchFamily="49" charset="0"/>
+              </a:rPr>
+              <a:t>orphanRemoval</a:t>
+            </a:r>
             <a:r>
               <a:rPr lang="en-GB" sz="1100" dirty="0">
                 <a:latin typeface="Courier New" panose="02070309020205020404" pitchFamily="49" charset="0"/>
                 <a:cs typeface="Courier New" panose="02070309020205020404" pitchFamily="49" charset="0"/>
               </a:rPr>
-              <a:t>    private int id;</a:t>
+              <a:t> = true)</a:t>
             </a:r>
             <a:br>
               <a:rPr lang="en-GB" sz="1100" dirty="0">
@@ -7030,31 +7245,134 @@
                 <a:cs typeface="Courier New" panose="02070309020205020404" pitchFamily="49" charset="0"/>
               </a:rPr>
             </a:br>
-            <a:br>
+            <a:r>
               <a:rPr lang="en-GB" sz="1100" dirty="0">
                 <a:latin typeface="Courier New" panose="02070309020205020404" pitchFamily="49" charset="0"/>
                 <a:cs typeface="Courier New" panose="02070309020205020404" pitchFamily="49" charset="0"/>
               </a:rPr>
-            </a:br>
+              <a:t>    @</a:t>
+            </a:r>
+            <a:r>
+              <a:rPr lang="en-GB" sz="1100" dirty="0" err="1">
+                <a:latin typeface="Courier New" panose="02070309020205020404" pitchFamily="49" charset="0"/>
+                <a:cs typeface="Courier New" panose="02070309020205020404" pitchFamily="49" charset="0"/>
+              </a:rPr>
+              <a:t>JoinColumn</a:t>
+            </a:r>
             <a:r>
               <a:rPr lang="en-GB" sz="1100" dirty="0">
                 <a:latin typeface="Courier New" panose="02070309020205020404" pitchFamily="49" charset="0"/>
                 <a:cs typeface="Courier New" panose="02070309020205020404" pitchFamily="49" charset="0"/>
               </a:rPr>
-              <a:t>    @OneToOne(fetch = </a:t>
+              <a:t>(unique = true)</a:t>
+            </a:r>
+            <a:br>
+              <a:rPr lang="en-GB" sz="1100" dirty="0">
+                <a:latin typeface="Courier New" panose="02070309020205020404" pitchFamily="49" charset="0"/>
+                <a:cs typeface="Courier New" panose="02070309020205020404" pitchFamily="49" charset="0"/>
+              </a:rPr>
+            </a:br>
+            <a:r>
+              <a:rPr lang="en-GB" sz="1100" dirty="0">
+                <a:latin typeface="Courier New" panose="02070309020205020404" pitchFamily="49" charset="0"/>
+                <a:cs typeface="Courier New" panose="02070309020205020404" pitchFamily="49" charset="0"/>
+              </a:rPr>
+              <a:t>    private Product </a:t>
             </a:r>
             <a:r>
               <a:rPr lang="en-GB" sz="1100" dirty="0" err="1">
                 <a:latin typeface="Courier New" panose="02070309020205020404" pitchFamily="49" charset="0"/>
                 <a:cs typeface="Courier New" panose="02070309020205020404" pitchFamily="49" charset="0"/>
               </a:rPr>
-              <a:t>FetchType.EAGER</a:t>
+              <a:t>relatedProduct</a:t>
             </a:r>
             <a:r>
               <a:rPr lang="en-GB" sz="1100" dirty="0">
                 <a:latin typeface="Courier New" panose="02070309020205020404" pitchFamily="49" charset="0"/>
                 <a:cs typeface="Courier New" panose="02070309020205020404" pitchFamily="49" charset="0"/>
               </a:rPr>
+              <a:t>;</a:t>
+            </a:r>
+            <a:br>
+              <a:rPr lang="en-GB" sz="1100" dirty="0">
+                <a:latin typeface="Courier New" panose="02070309020205020404" pitchFamily="49" charset="0"/>
+                <a:cs typeface="Courier New" panose="02070309020205020404" pitchFamily="49" charset="0"/>
+              </a:rPr>
+            </a:br>
+            <a:br>
+              <a:rPr lang="en-GB" sz="1100" dirty="0">
+                <a:latin typeface="Courier New" panose="02070309020205020404" pitchFamily="49" charset="0"/>
+                <a:cs typeface="Courier New" panose="02070309020205020404" pitchFamily="49" charset="0"/>
+              </a:rPr>
+            </a:br>
+            <a:r>
+              <a:rPr lang="en-GB" sz="1100" dirty="0">
+                <a:latin typeface="Courier New" panose="02070309020205020404" pitchFamily="49" charset="0"/>
+                <a:cs typeface="Courier New" panose="02070309020205020404" pitchFamily="49" charset="0"/>
+              </a:rPr>
+              <a:t>    @</a:t>
+            </a:r>
+            <a:r>
+              <a:rPr lang="en-GB" sz="1100" dirty="0" err="1">
+                <a:latin typeface="Courier New" panose="02070309020205020404" pitchFamily="49" charset="0"/>
+                <a:cs typeface="Courier New" panose="02070309020205020404" pitchFamily="49" charset="0"/>
+              </a:rPr>
+              <a:t>OneToMany</a:t>
+            </a:r>
+            <a:r>
+              <a:rPr lang="en-GB" sz="1100" dirty="0">
+                <a:latin typeface="Courier New" panose="02070309020205020404" pitchFamily="49" charset="0"/>
+                <a:cs typeface="Courier New" panose="02070309020205020404" pitchFamily="49" charset="0"/>
+              </a:rPr>
+              <a:t>(</a:t>
+            </a:r>
+            <a:r>
+              <a:rPr lang="en-GB" sz="1100" dirty="0" err="1">
+                <a:latin typeface="Courier New" panose="02070309020205020404" pitchFamily="49" charset="0"/>
+                <a:cs typeface="Courier New" panose="02070309020205020404" pitchFamily="49" charset="0"/>
+              </a:rPr>
+              <a:t>mappedBy</a:t>
+            </a:r>
+            <a:r>
+              <a:rPr lang="en-GB" sz="1100" dirty="0">
+                <a:latin typeface="Courier New" panose="02070309020205020404" pitchFamily="49" charset="0"/>
+                <a:cs typeface="Courier New" panose="02070309020205020404" pitchFamily="49" charset="0"/>
+              </a:rPr>
+              <a:t> = "questionnaire", </a:t>
+            </a:r>
+            <a:r>
+              <a:rPr lang="en-GB" sz="1100" dirty="0" err="1">
+                <a:latin typeface="Courier New" panose="02070309020205020404" pitchFamily="49" charset="0"/>
+                <a:cs typeface="Courier New" panose="02070309020205020404" pitchFamily="49" charset="0"/>
+              </a:rPr>
+              <a:t>orphanRemoval</a:t>
+            </a:r>
+            <a:r>
+              <a:rPr lang="en-GB" sz="1100" dirty="0">
+                <a:latin typeface="Courier New" panose="02070309020205020404" pitchFamily="49" charset="0"/>
+                <a:cs typeface="Courier New" panose="02070309020205020404" pitchFamily="49" charset="0"/>
+              </a:rPr>
+              <a:t> = true, cascade = { </a:t>
+            </a:r>
+            <a:r>
+              <a:rPr lang="en-GB" sz="1100" dirty="0" err="1">
+                <a:latin typeface="Courier New" panose="02070309020205020404" pitchFamily="49" charset="0"/>
+                <a:cs typeface="Courier New" panose="02070309020205020404" pitchFamily="49" charset="0"/>
+              </a:rPr>
+              <a:t>CascadeType.</a:t>
+            </a:r>
+            <a:r>
+              <a:rPr lang="en-GB" sz="1100" i="1" dirty="0" err="1">
+                <a:latin typeface="Courier New" panose="02070309020205020404" pitchFamily="49" charset="0"/>
+                <a:cs typeface="Courier New" panose="02070309020205020404" pitchFamily="49" charset="0"/>
+              </a:rPr>
+              <a:t>PERSIST</a:t>
+            </a:r>
+            <a:r>
+              <a:rPr lang="en-GB" sz="1100" dirty="0">
+                <a:latin typeface="Courier New" panose="02070309020205020404" pitchFamily="49" charset="0"/>
+                <a:cs typeface="Courier New" panose="02070309020205020404" pitchFamily="49" charset="0"/>
+              </a:rPr>
               <a:t>, </a:t>
             </a:r>
             <a:r>
@@ -7062,6 +7380,80 @@
                 <a:latin typeface="Courier New" panose="02070309020205020404" pitchFamily="49" charset="0"/>
                 <a:cs typeface="Courier New" panose="02070309020205020404" pitchFamily="49" charset="0"/>
               </a:rPr>
+              <a:t>CascadeType.</a:t>
+            </a:r>
+            <a:r>
+              <a:rPr lang="en-GB" sz="1100" i="1" dirty="0" err="1">
+                <a:latin typeface="Courier New" panose="02070309020205020404" pitchFamily="49" charset="0"/>
+                <a:cs typeface="Courier New" panose="02070309020205020404" pitchFamily="49" charset="0"/>
+              </a:rPr>
+              <a:t>REFRESH</a:t>
+            </a:r>
+            <a:r>
+              <a:rPr lang="en-GB" sz="1100" i="1" dirty="0">
+                <a:latin typeface="Courier New" panose="02070309020205020404" pitchFamily="49" charset="0"/>
+                <a:cs typeface="Courier New" panose="02070309020205020404" pitchFamily="49" charset="0"/>
+              </a:rPr>
+              <a:t> </a:t>
+            </a:r>
+            <a:r>
+              <a:rPr lang="en-GB" sz="1100" dirty="0">
+                <a:latin typeface="Courier New" panose="02070309020205020404" pitchFamily="49" charset="0"/>
+                <a:cs typeface="Courier New" panose="02070309020205020404" pitchFamily="49" charset="0"/>
+              </a:rPr>
+              <a:t>})</a:t>
+            </a:r>
+            <a:br>
+              <a:rPr lang="en-GB" sz="1100" dirty="0">
+                <a:latin typeface="Courier New" panose="02070309020205020404" pitchFamily="49" charset="0"/>
+                <a:cs typeface="Courier New" panose="02070309020205020404" pitchFamily="49" charset="0"/>
+              </a:rPr>
+            </a:br>
+            <a:r>
+              <a:rPr lang="en-GB" sz="1100" dirty="0">
+                <a:latin typeface="Courier New" panose="02070309020205020404" pitchFamily="49" charset="0"/>
+                <a:cs typeface="Courier New" panose="02070309020205020404" pitchFamily="49" charset="0"/>
+              </a:rPr>
+              <a:t>    private List&lt;Question&gt; questions;</a:t>
+            </a:r>
+            <a:br>
+              <a:rPr lang="en-GB" sz="1100" dirty="0">
+                <a:latin typeface="Courier New" panose="02070309020205020404" pitchFamily="49" charset="0"/>
+                <a:cs typeface="Courier New" panose="02070309020205020404" pitchFamily="49" charset="0"/>
+              </a:rPr>
+            </a:br>
+            <a:br>
+              <a:rPr lang="en-GB" sz="1100" dirty="0">
+                <a:latin typeface="Courier New" panose="02070309020205020404" pitchFamily="49" charset="0"/>
+                <a:cs typeface="Courier New" panose="02070309020205020404" pitchFamily="49" charset="0"/>
+              </a:rPr>
+            </a:br>
+            <a:r>
+              <a:rPr lang="en-GB" sz="1100" dirty="0">
+                <a:latin typeface="Courier New" panose="02070309020205020404" pitchFamily="49" charset="0"/>
+                <a:cs typeface="Courier New" panose="02070309020205020404" pitchFamily="49" charset="0"/>
+              </a:rPr>
+              <a:t>    @</a:t>
+            </a:r>
+            <a:r>
+              <a:rPr lang="en-GB" sz="1100" dirty="0" err="1">
+                <a:latin typeface="Courier New" panose="02070309020205020404" pitchFamily="49" charset="0"/>
+                <a:cs typeface="Courier New" panose="02070309020205020404" pitchFamily="49" charset="0"/>
+              </a:rPr>
+              <a:t>OneToMany</a:t>
+            </a:r>
+            <a:r>
+              <a:rPr lang="en-GB" sz="1100" dirty="0">
+                <a:latin typeface="Courier New" panose="02070309020205020404" pitchFamily="49" charset="0"/>
+                <a:cs typeface="Courier New" panose="02070309020205020404" pitchFamily="49" charset="0"/>
+              </a:rPr>
+              <a:t>(</a:t>
+            </a:r>
+            <a:r>
+              <a:rPr lang="en-GB" sz="1100" dirty="0" err="1">
+                <a:latin typeface="Courier New" panose="02070309020205020404" pitchFamily="49" charset="0"/>
+                <a:cs typeface="Courier New" panose="02070309020205020404" pitchFamily="49" charset="0"/>
+              </a:rPr>
               <a:t>orphanRemoval</a:t>
             </a:r>
             <a:r>
@@ -7069,20 +7461,55 @@
                 <a:latin typeface="Courier New" panose="02070309020205020404" pitchFamily="49" charset="0"/>
                 <a:cs typeface="Courier New" panose="02070309020205020404" pitchFamily="49" charset="0"/>
               </a:rPr>
-              <a:t> = true, cascade = { </a:t>
+              <a:t> = true, </a:t>
             </a:r>
             <a:r>
               <a:rPr lang="en-GB" sz="1100" dirty="0" err="1">
                 <a:latin typeface="Courier New" panose="02070309020205020404" pitchFamily="49" charset="0"/>
                 <a:cs typeface="Courier New" panose="02070309020205020404" pitchFamily="49" charset="0"/>
               </a:rPr>
-              <a:t>CascadeType.PERSIST</a:t>
+              <a:t>mappedBy</a:t>
             </a:r>
             <a:r>
               <a:rPr lang="en-GB" sz="1100" dirty="0">
                 <a:latin typeface="Courier New" panose="02070309020205020404" pitchFamily="49" charset="0"/>
                 <a:cs typeface="Courier New" panose="02070309020205020404" pitchFamily="49" charset="0"/>
               </a:rPr>
+              <a:t> = "</a:t>
+            </a:r>
+            <a:r>
+              <a:rPr lang="en-GB" sz="1100" dirty="0" err="1">
+                <a:latin typeface="Courier New" panose="02070309020205020404" pitchFamily="49" charset="0"/>
+                <a:cs typeface="Courier New" panose="02070309020205020404" pitchFamily="49" charset="0"/>
+              </a:rPr>
+              <a:t>relatedQuestionnaire</a:t>
+            </a:r>
+            <a:r>
+              <a:rPr lang="en-GB" sz="1100" dirty="0">
+                <a:latin typeface="Courier New" panose="02070309020205020404" pitchFamily="49" charset="0"/>
+                <a:cs typeface="Courier New" panose="02070309020205020404" pitchFamily="49" charset="0"/>
+              </a:rPr>
+              <a:t>", cascade = {</a:t>
+            </a:r>
+            <a:r>
+              <a:rPr lang="en-GB" sz="1100" dirty="0" err="1">
+                <a:latin typeface="Courier New" panose="02070309020205020404" pitchFamily="49" charset="0"/>
+                <a:cs typeface="Courier New" panose="02070309020205020404" pitchFamily="49" charset="0"/>
+              </a:rPr>
+              <a:t>CascadeType.</a:t>
+            </a:r>
+            <a:r>
+              <a:rPr lang="en-GB" sz="1100" i="1" dirty="0" err="1">
+                <a:latin typeface="Courier New" panose="02070309020205020404" pitchFamily="49" charset="0"/>
+                <a:cs typeface="Courier New" panose="02070309020205020404" pitchFamily="49" charset="0"/>
+              </a:rPr>
+              <a:t>REFRESH</a:t>
+            </a:r>
+            <a:r>
+              <a:rPr lang="en-GB" sz="1100" dirty="0">
+                <a:latin typeface="Courier New" panose="02070309020205020404" pitchFamily="49" charset="0"/>
+                <a:cs typeface="Courier New" panose="02070309020205020404" pitchFamily="49" charset="0"/>
+              </a:rPr>
               <a:t>})</a:t>
             </a:r>
             <a:br>
@@ -7096,28 +7523,36 @@
                 <a:latin typeface="Courier New" panose="02070309020205020404" pitchFamily="49" charset="0"/>
                 <a:cs typeface="Courier New" panose="02070309020205020404" pitchFamily="49" charset="0"/>
               </a:rPr>
-              <a:t>    private Product </a:t>
+              <a:t>    @</a:t>
             </a:r>
             <a:r>
               <a:rPr lang="en-GB" sz="1100" dirty="0" err="1">
                 <a:latin typeface="Courier New" panose="02070309020205020404" pitchFamily="49" charset="0"/>
                 <a:cs typeface="Courier New" panose="02070309020205020404" pitchFamily="49" charset="0"/>
               </a:rPr>
-              <a:t>relatedProduct</a:t>
+              <a:t>OrderBy</a:t>
             </a:r>
             <a:r>
               <a:rPr lang="en-GB" sz="1100" dirty="0">
                 <a:latin typeface="Courier New" panose="02070309020205020404" pitchFamily="49" charset="0"/>
                 <a:cs typeface="Courier New" panose="02070309020205020404" pitchFamily="49" charset="0"/>
               </a:rPr>
-              <a:t>;</a:t>
-            </a:r>
-            <a:br>
+              <a:t>("</a:t>
+            </a:r>
+            <a:r>
+              <a:rPr lang="en-GB" sz="1100" dirty="0" err="1">
+                <a:latin typeface="Courier New" panose="02070309020205020404" pitchFamily="49" charset="0"/>
+                <a:cs typeface="Courier New" panose="02070309020205020404" pitchFamily="49" charset="0"/>
+              </a:rPr>
+              <a:t>pointsEarned</a:t>
+            </a:r>
+            <a:r>
               <a:rPr lang="en-GB" sz="1100" dirty="0">
                 <a:latin typeface="Courier New" panose="02070309020205020404" pitchFamily="49" charset="0"/>
                 <a:cs typeface="Courier New" panose="02070309020205020404" pitchFamily="49" charset="0"/>
               </a:rPr>
-            </a:br>
+              <a:t> DESC")</a:t>
+            </a:r>
             <a:br>
               <a:rPr lang="en-GB" sz="1100" dirty="0">
                 <a:latin typeface="Courier New" panose="02070309020205020404" pitchFamily="49" charset="0"/>
@@ -7129,401 +7564,225 @@
                 <a:latin typeface="Courier New" panose="02070309020205020404" pitchFamily="49" charset="0"/>
                 <a:cs typeface="Courier New" panose="02070309020205020404" pitchFamily="49" charset="0"/>
               </a:rPr>
-              <a:t>    @OneToMany(mappedBy = "questionnaire", cascade = { </a:t>
+              <a:t>    private List&lt;</a:t>
             </a:r>
             <a:r>
               <a:rPr lang="en-GB" sz="1100" dirty="0" err="1">
                 <a:latin typeface="Courier New" panose="02070309020205020404" pitchFamily="49" charset="0"/>
                 <a:cs typeface="Courier New" panose="02070309020205020404" pitchFamily="49" charset="0"/>
               </a:rPr>
-              <a:t>CascadeType.PERSIST</a:t>
+              <a:t>UserAnswer</a:t>
             </a:r>
             <a:r>
               <a:rPr lang="en-GB" sz="1100" dirty="0">
                 <a:latin typeface="Courier New" panose="02070309020205020404" pitchFamily="49" charset="0"/>
                 <a:cs typeface="Courier New" panose="02070309020205020404" pitchFamily="49" charset="0"/>
               </a:rPr>
-              <a:t> }, </a:t>
-            </a:r>
-            <a:r>
-              <a:rPr lang="en-GB" sz="1100" dirty="0" err="1">
-                <a:latin typeface="Courier New" panose="02070309020205020404" pitchFamily="49" charset="0"/>
-                <a:cs typeface="Courier New" panose="02070309020205020404" pitchFamily="49" charset="0"/>
-              </a:rPr>
-              <a:t>orphanRemoval</a:t>
-            </a:r>
-            <a:r>
-              <a:rPr lang="en-GB" sz="1100" dirty="0">
-                <a:latin typeface="Courier New" panose="02070309020205020404" pitchFamily="49" charset="0"/>
-                <a:cs typeface="Courier New" panose="02070309020205020404" pitchFamily="49" charset="0"/>
-              </a:rPr>
-              <a:t> = true)</a:t>
-            </a:r>
-            <a:br>
-              <a:rPr lang="en-GB" sz="1100" dirty="0">
-                <a:latin typeface="Courier New" panose="02070309020205020404" pitchFamily="49" charset="0"/>
-                <a:cs typeface="Courier New" panose="02070309020205020404" pitchFamily="49" charset="0"/>
-              </a:rPr>
-            </a:br>
-            <a:r>
-              <a:rPr lang="en-GB" sz="1100" dirty="0">
-                <a:latin typeface="Courier New" panose="02070309020205020404" pitchFamily="49" charset="0"/>
-                <a:cs typeface="Courier New" panose="02070309020205020404" pitchFamily="49" charset="0"/>
-              </a:rPr>
-              <a:t>    private List&lt;Question&gt; questions;</a:t>
-            </a:r>
-            <a:br>
-              <a:rPr lang="en-GB" sz="1100" dirty="0">
-                <a:latin typeface="Courier New" panose="02070309020205020404" pitchFamily="49" charset="0"/>
-                <a:cs typeface="Courier New" panose="02070309020205020404" pitchFamily="49" charset="0"/>
-              </a:rPr>
-            </a:br>
-            <a:br>
-              <a:rPr lang="en-GB" sz="1100" dirty="0">
-                <a:latin typeface="Courier New" panose="02070309020205020404" pitchFamily="49" charset="0"/>
-                <a:cs typeface="Courier New" panose="02070309020205020404" pitchFamily="49" charset="0"/>
-              </a:rPr>
-            </a:br>
-            <a:r>
-              <a:rPr lang="en-GB" sz="1100" dirty="0">
-                <a:latin typeface="Courier New" panose="02070309020205020404" pitchFamily="49" charset="0"/>
-                <a:cs typeface="Courier New" panose="02070309020205020404" pitchFamily="49" charset="0"/>
-              </a:rPr>
-              <a:t>    @OneToMany(mappedBy = "</a:t>
-            </a:r>
-            <a:r>
-              <a:rPr lang="en-GB" sz="1100" dirty="0" err="1">
-                <a:latin typeface="Courier New" panose="02070309020205020404" pitchFamily="49" charset="0"/>
-                <a:cs typeface="Courier New" panose="02070309020205020404" pitchFamily="49" charset="0"/>
-              </a:rPr>
-              <a:t>relatedQuestionnaire</a:t>
-            </a:r>
-            <a:r>
-              <a:rPr lang="en-GB" sz="1100" dirty="0">
-                <a:latin typeface="Courier New" panose="02070309020205020404" pitchFamily="49" charset="0"/>
-                <a:cs typeface="Courier New" panose="02070309020205020404" pitchFamily="49" charset="0"/>
-              </a:rPr>
-              <a:t>", cascade = {</a:t>
-            </a:r>
-            <a:r>
-              <a:rPr lang="en-GB" sz="1100" dirty="0" err="1">
-                <a:latin typeface="Courier New" panose="02070309020205020404" pitchFamily="49" charset="0"/>
-                <a:cs typeface="Courier New" panose="02070309020205020404" pitchFamily="49" charset="0"/>
-              </a:rPr>
-              <a:t>CascadeType.REFRESH</a:t>
-            </a:r>
-            <a:r>
-              <a:rPr lang="en-GB" sz="1100" dirty="0">
-                <a:latin typeface="Courier New" panose="02070309020205020404" pitchFamily="49" charset="0"/>
-                <a:cs typeface="Courier New" panose="02070309020205020404" pitchFamily="49" charset="0"/>
-              </a:rPr>
-              <a:t>})</a:t>
-            </a:r>
-            <a:br>
-              <a:rPr lang="en-GB" sz="1100" dirty="0">
-                <a:latin typeface="Courier New" panose="02070309020205020404" pitchFamily="49" charset="0"/>
-                <a:cs typeface="Courier New" panose="02070309020205020404" pitchFamily="49" charset="0"/>
-              </a:rPr>
-            </a:br>
-            <a:r>
-              <a:rPr lang="en-GB" sz="1100" dirty="0">
-                <a:latin typeface="Courier New" panose="02070309020205020404" pitchFamily="49" charset="0"/>
-                <a:cs typeface="Courier New" panose="02070309020205020404" pitchFamily="49" charset="0"/>
-              </a:rPr>
-              <a:t>    @OrderBy("pointsEarned DESC")</a:t>
-            </a:r>
-            <a:br>
-              <a:rPr lang="en-GB" sz="1100" dirty="0">
-                <a:latin typeface="Courier New" panose="02070309020205020404" pitchFamily="49" charset="0"/>
-                <a:cs typeface="Courier New" panose="02070309020205020404" pitchFamily="49" charset="0"/>
-              </a:rPr>
-            </a:br>
-            <a:r>
-              <a:rPr lang="en-GB" sz="1100" dirty="0">
-                <a:latin typeface="Courier New" panose="02070309020205020404" pitchFamily="49" charset="0"/>
-                <a:cs typeface="Courier New" panose="02070309020205020404" pitchFamily="49" charset="0"/>
-              </a:rPr>
-              <a:t>    private List&lt;</a:t>
-            </a:r>
-            <a:r>
-              <a:rPr lang="en-GB" sz="1100" dirty="0" err="1">
-                <a:latin typeface="Courier New" panose="02070309020205020404" pitchFamily="49" charset="0"/>
-                <a:cs typeface="Courier New" panose="02070309020205020404" pitchFamily="49" charset="0"/>
-              </a:rPr>
-              <a:t>UserAnswer</a:t>
-            </a:r>
-            <a:r>
-              <a:rPr lang="en-GB" sz="1100" dirty="0">
-                <a:latin typeface="Courier New" panose="02070309020205020404" pitchFamily="49" charset="0"/>
-                <a:cs typeface="Courier New" panose="02070309020205020404" pitchFamily="49" charset="0"/>
-              </a:rPr>
               <a:t>&gt; answers;</a:t>
             </a:r>
-            <a:br>
-              <a:rPr lang="en-GB" sz="1100" dirty="0">
-                <a:latin typeface="Courier New" panose="02070309020205020404" pitchFamily="49" charset="0"/>
-                <a:cs typeface="Courier New" panose="02070309020205020404" pitchFamily="49" charset="0"/>
-              </a:rPr>
-            </a:br>
-            <a:br>
-              <a:rPr lang="en-GB" sz="1100" dirty="0">
-                <a:latin typeface="Courier New" panose="02070309020205020404" pitchFamily="49" charset="0"/>
-                <a:cs typeface="Courier New" panose="02070309020205020404" pitchFamily="49" charset="0"/>
-              </a:rPr>
-            </a:br>
-            <a:r>
-              <a:rPr lang="en-GB" sz="1100" dirty="0">
-                <a:latin typeface="Courier New" panose="02070309020205020404" pitchFamily="49" charset="0"/>
-                <a:cs typeface="Courier New" panose="02070309020205020404" pitchFamily="49" charset="0"/>
-              </a:rPr>
-              <a:t>    private int </a:t>
-            </a:r>
-            <a:r>
-              <a:rPr lang="en-GB" sz="1100" dirty="0" err="1">
-                <a:latin typeface="Courier New" panose="02070309020205020404" pitchFamily="49" charset="0"/>
-                <a:cs typeface="Courier New" panose="02070309020205020404" pitchFamily="49" charset="0"/>
-              </a:rPr>
-              <a:t>numMarketingQuestions</a:t>
-            </a:r>
-            <a:r>
-              <a:rPr lang="en-GB" sz="1100" dirty="0">
-                <a:latin typeface="Courier New" panose="02070309020205020404" pitchFamily="49" charset="0"/>
-                <a:cs typeface="Courier New" panose="02070309020205020404" pitchFamily="49" charset="0"/>
-              </a:rPr>
-              <a:t>;</a:t>
-            </a:r>
-            <a:br>
-              <a:rPr lang="en-GB" sz="1100" dirty="0">
-                <a:latin typeface="Courier New" panose="02070309020205020404" pitchFamily="49" charset="0"/>
-                <a:cs typeface="Courier New" panose="02070309020205020404" pitchFamily="49" charset="0"/>
-              </a:rPr>
-            </a:br>
-            <a:r>
-              <a:rPr lang="en-GB" sz="1100" dirty="0">
-                <a:latin typeface="Courier New" panose="02070309020205020404" pitchFamily="49" charset="0"/>
-                <a:cs typeface="Courier New" panose="02070309020205020404" pitchFamily="49" charset="0"/>
-              </a:rPr>
-              <a:t>    private int </a:t>
-            </a:r>
-            <a:r>
-              <a:rPr lang="en-GB" sz="1100" dirty="0" err="1">
-                <a:latin typeface="Courier New" panose="02070309020205020404" pitchFamily="49" charset="0"/>
-                <a:cs typeface="Courier New" panose="02070309020205020404" pitchFamily="49" charset="0"/>
-              </a:rPr>
-              <a:t>numFixedQuestions</a:t>
-            </a:r>
-            <a:r>
-              <a:rPr lang="en-GB" sz="1100" dirty="0">
-                <a:latin typeface="Courier New" panose="02070309020205020404" pitchFamily="49" charset="0"/>
-                <a:cs typeface="Courier New" panose="02070309020205020404" pitchFamily="49" charset="0"/>
-              </a:rPr>
-              <a:t>;</a:t>
-            </a:r>
-            <a:br>
-              <a:rPr lang="en-GB" sz="1100" dirty="0">
-                <a:latin typeface="Courier New" panose="02070309020205020404" pitchFamily="49" charset="0"/>
-                <a:cs typeface="Courier New" panose="02070309020205020404" pitchFamily="49" charset="0"/>
-              </a:rPr>
-            </a:br>
-            <a:br>
-              <a:rPr lang="en-GB" sz="1100" dirty="0">
-                <a:latin typeface="Courier New" panose="02070309020205020404" pitchFamily="49" charset="0"/>
-                <a:cs typeface="Courier New" panose="02070309020205020404" pitchFamily="49" charset="0"/>
-              </a:rPr>
-            </a:br>
-            <a:r>
-              <a:rPr lang="en-GB" sz="1100" dirty="0">
-                <a:latin typeface="Courier New" panose="02070309020205020404" pitchFamily="49" charset="0"/>
-                <a:cs typeface="Courier New" panose="02070309020205020404" pitchFamily="49" charset="0"/>
-              </a:rPr>
-              <a:t>    public Questionnaire() {</a:t>
-            </a:r>
-            <a:br>
-              <a:rPr lang="en-GB" sz="1100" dirty="0">
-                <a:latin typeface="Courier New" panose="02070309020205020404" pitchFamily="49" charset="0"/>
-                <a:cs typeface="Courier New" panose="02070309020205020404" pitchFamily="49" charset="0"/>
-              </a:rPr>
-            </a:br>
-            <a:r>
-              <a:rPr lang="en-GB" sz="1100" dirty="0">
-                <a:latin typeface="Courier New" panose="02070309020205020404" pitchFamily="49" charset="0"/>
-                <a:cs typeface="Courier New" panose="02070309020205020404" pitchFamily="49" charset="0"/>
-              </a:rPr>
-              <a:t>        </a:t>
-            </a:r>
-            <a:r>
-              <a:rPr lang="en-GB" sz="1100" dirty="0" err="1">
-                <a:latin typeface="Courier New" panose="02070309020205020404" pitchFamily="49" charset="0"/>
-                <a:cs typeface="Courier New" panose="02070309020205020404" pitchFamily="49" charset="0"/>
-              </a:rPr>
-              <a:t>this.questions</a:t>
-            </a:r>
-            <a:r>
-              <a:rPr lang="en-GB" sz="1100" dirty="0">
-                <a:latin typeface="Courier New" panose="02070309020205020404" pitchFamily="49" charset="0"/>
-                <a:cs typeface="Courier New" panose="02070309020205020404" pitchFamily="49" charset="0"/>
-              </a:rPr>
-              <a:t> = new </a:t>
-            </a:r>
-            <a:r>
-              <a:rPr lang="en-GB" sz="1100" dirty="0" err="1">
-                <a:latin typeface="Courier New" panose="02070309020205020404" pitchFamily="49" charset="0"/>
-                <a:cs typeface="Courier New" panose="02070309020205020404" pitchFamily="49" charset="0"/>
-              </a:rPr>
-              <a:t>ArrayList</a:t>
-            </a:r>
-            <a:r>
-              <a:rPr lang="en-GB" sz="1100" dirty="0">
-                <a:latin typeface="Courier New" panose="02070309020205020404" pitchFamily="49" charset="0"/>
-                <a:cs typeface="Courier New" panose="02070309020205020404" pitchFamily="49" charset="0"/>
-              </a:rPr>
-              <a:t>&lt;&gt;();</a:t>
-            </a:r>
-            <a:br>
-              <a:rPr lang="en-GB" sz="1100" dirty="0">
-                <a:latin typeface="Courier New" panose="02070309020205020404" pitchFamily="49" charset="0"/>
-                <a:cs typeface="Courier New" panose="02070309020205020404" pitchFamily="49" charset="0"/>
-              </a:rPr>
-            </a:br>
-            <a:r>
-              <a:rPr lang="en-GB" sz="1100" dirty="0">
-                <a:latin typeface="Courier New" panose="02070309020205020404" pitchFamily="49" charset="0"/>
-                <a:cs typeface="Courier New" panose="02070309020205020404" pitchFamily="49" charset="0"/>
-              </a:rPr>
-              <a:t>        </a:t>
-            </a:r>
-            <a:r>
-              <a:rPr lang="en-GB" sz="1100" dirty="0" err="1">
-                <a:latin typeface="Courier New" panose="02070309020205020404" pitchFamily="49" charset="0"/>
-                <a:cs typeface="Courier New" panose="02070309020205020404" pitchFamily="49" charset="0"/>
-              </a:rPr>
-              <a:t>this.answers</a:t>
-            </a:r>
-            <a:r>
-              <a:rPr lang="en-GB" sz="1100" dirty="0">
-                <a:latin typeface="Courier New" panose="02070309020205020404" pitchFamily="49" charset="0"/>
-                <a:cs typeface="Courier New" panose="02070309020205020404" pitchFamily="49" charset="0"/>
-              </a:rPr>
-              <a:t> = new </a:t>
-            </a:r>
-            <a:r>
-              <a:rPr lang="en-GB" sz="1100" dirty="0" err="1">
-                <a:latin typeface="Courier New" panose="02070309020205020404" pitchFamily="49" charset="0"/>
-                <a:cs typeface="Courier New" panose="02070309020205020404" pitchFamily="49" charset="0"/>
-              </a:rPr>
-              <a:t>ArrayList</a:t>
-            </a:r>
-            <a:r>
-              <a:rPr lang="en-GB" sz="1100" dirty="0">
-                <a:latin typeface="Courier New" panose="02070309020205020404" pitchFamily="49" charset="0"/>
-                <a:cs typeface="Courier New" panose="02070309020205020404" pitchFamily="49" charset="0"/>
-              </a:rPr>
-              <a:t>&lt;&gt;();</a:t>
-            </a:r>
-            <a:br>
-              <a:rPr lang="en-GB" sz="1100" dirty="0">
-                <a:latin typeface="Courier New" panose="02070309020205020404" pitchFamily="49" charset="0"/>
-                <a:cs typeface="Courier New" panose="02070309020205020404" pitchFamily="49" charset="0"/>
-              </a:rPr>
-            </a:br>
-            <a:r>
-              <a:rPr lang="en-GB" sz="1100" dirty="0">
-                <a:latin typeface="Courier New" panose="02070309020205020404" pitchFamily="49" charset="0"/>
-                <a:cs typeface="Courier New" panose="02070309020205020404" pitchFamily="49" charset="0"/>
-              </a:rPr>
-              <a:t>        </a:t>
-            </a:r>
-            <a:r>
-              <a:rPr lang="en-GB" sz="1100" dirty="0" err="1">
-                <a:latin typeface="Courier New" panose="02070309020205020404" pitchFamily="49" charset="0"/>
-                <a:cs typeface="Courier New" panose="02070309020205020404" pitchFamily="49" charset="0"/>
-              </a:rPr>
-              <a:t>numMarketingQuestions</a:t>
-            </a:r>
-            <a:r>
-              <a:rPr lang="en-GB" sz="1100" dirty="0">
-                <a:latin typeface="Courier New" panose="02070309020205020404" pitchFamily="49" charset="0"/>
-                <a:cs typeface="Courier New" panose="02070309020205020404" pitchFamily="49" charset="0"/>
-              </a:rPr>
-              <a:t> = 0;</a:t>
-            </a:r>
-            <a:br>
-              <a:rPr lang="en-GB" sz="1100" dirty="0">
-                <a:latin typeface="Courier New" panose="02070309020205020404" pitchFamily="49" charset="0"/>
-                <a:cs typeface="Courier New" panose="02070309020205020404" pitchFamily="49" charset="0"/>
-              </a:rPr>
-            </a:br>
-            <a:r>
-              <a:rPr lang="en-GB" sz="1100" dirty="0">
-                <a:latin typeface="Courier New" panose="02070309020205020404" pitchFamily="49" charset="0"/>
-                <a:cs typeface="Courier New" panose="02070309020205020404" pitchFamily="49" charset="0"/>
-              </a:rPr>
-              <a:t>        </a:t>
-            </a:r>
-            <a:r>
-              <a:rPr lang="en-GB" sz="1100" dirty="0" err="1">
-                <a:latin typeface="Courier New" panose="02070309020205020404" pitchFamily="49" charset="0"/>
-                <a:cs typeface="Courier New" panose="02070309020205020404" pitchFamily="49" charset="0"/>
-              </a:rPr>
-              <a:t>numFixedQuestions</a:t>
-            </a:r>
-            <a:r>
-              <a:rPr lang="en-GB" sz="1100" dirty="0">
-                <a:latin typeface="Courier New" panose="02070309020205020404" pitchFamily="49" charset="0"/>
-                <a:cs typeface="Courier New" panose="02070309020205020404" pitchFamily="49" charset="0"/>
-              </a:rPr>
-              <a:t> = 0;</a:t>
-            </a:r>
-            <a:br>
-              <a:rPr lang="en-GB" sz="1100" dirty="0">
-                <a:latin typeface="Courier New" panose="02070309020205020404" pitchFamily="49" charset="0"/>
-                <a:cs typeface="Courier New" panose="02070309020205020404" pitchFamily="49" charset="0"/>
-              </a:rPr>
-            </a:br>
-            <a:r>
-              <a:rPr lang="en-GB" sz="1100" dirty="0">
-                <a:latin typeface="Courier New" panose="02070309020205020404" pitchFamily="49" charset="0"/>
-                <a:cs typeface="Courier New" panose="02070309020205020404" pitchFamily="49" charset="0"/>
-              </a:rPr>
-              <a:t>        </a:t>
-            </a:r>
-            <a:r>
-              <a:rPr lang="en-GB" sz="1100" dirty="0" err="1">
-                <a:latin typeface="Courier New" panose="02070309020205020404" pitchFamily="49" charset="0"/>
-                <a:cs typeface="Courier New" panose="02070309020205020404" pitchFamily="49" charset="0"/>
-              </a:rPr>
-              <a:t>this.createFixedQuestions</a:t>
-            </a:r>
-            <a:r>
-              <a:rPr lang="en-GB" sz="1100" dirty="0">
-                <a:latin typeface="Courier New" panose="02070309020205020404" pitchFamily="49" charset="0"/>
-                <a:cs typeface="Courier New" panose="02070309020205020404" pitchFamily="49" charset="0"/>
-              </a:rPr>
-              <a:t>();</a:t>
-            </a:r>
-            <a:br>
-              <a:rPr lang="en-GB" sz="1100" dirty="0">
-                <a:latin typeface="Courier New" panose="02070309020205020404" pitchFamily="49" charset="0"/>
-                <a:cs typeface="Courier New" panose="02070309020205020404" pitchFamily="49" charset="0"/>
-              </a:rPr>
-            </a:br>
-            <a:r>
-              <a:rPr lang="en-GB" sz="1100" dirty="0">
-                <a:latin typeface="Courier New" panose="02070309020205020404" pitchFamily="49" charset="0"/>
-                <a:cs typeface="Courier New" panose="02070309020205020404" pitchFamily="49" charset="0"/>
-              </a:rPr>
-              <a:t>    }</a:t>
-            </a:r>
-            <a:br>
-              <a:rPr lang="en-GB" sz="1100" dirty="0">
-                <a:latin typeface="Courier New" panose="02070309020205020404" pitchFamily="49" charset="0"/>
-                <a:cs typeface="Courier New" panose="02070309020205020404" pitchFamily="49" charset="0"/>
-              </a:rPr>
-            </a:br>
+          </a:p>
+          <a:p>
+            <a:pPr marL="0" indent="0">
+              <a:spcBef>
+                <a:spcPts val="0"/>
+              </a:spcBef>
+              <a:buNone/>
+            </a:pPr>
             <a:endParaRPr lang="en-GB" sz="1100" dirty="0">
               <a:latin typeface="Courier New" panose="02070309020205020404" pitchFamily="49" charset="0"/>
               <a:cs typeface="Courier New" panose="02070309020205020404" pitchFamily="49" charset="0"/>
             </a:endParaRPr>
+          </a:p>
+          <a:p>
+            <a:pPr marL="0" indent="0">
+              <a:spcBef>
+                <a:spcPts val="0"/>
+              </a:spcBef>
+              <a:buNone/>
+            </a:pPr>
+            <a:r>
+              <a:rPr lang="en-GB" sz="1100" dirty="0">
+                <a:latin typeface="Courier New" panose="02070309020205020404" pitchFamily="49" charset="0"/>
+                <a:cs typeface="Courier New" panose="02070309020205020404" pitchFamily="49" charset="0"/>
+              </a:rPr>
+              <a:t>public Questionnaire() {</a:t>
+            </a:r>
+            <a:br>
+              <a:rPr lang="en-GB" sz="1100" dirty="0">
+                <a:latin typeface="Courier New" panose="02070309020205020404" pitchFamily="49" charset="0"/>
+                <a:cs typeface="Courier New" panose="02070309020205020404" pitchFamily="49" charset="0"/>
+              </a:rPr>
+            </a:br>
+            <a:r>
+              <a:rPr lang="en-GB" sz="1100" dirty="0">
+                <a:latin typeface="Courier New" panose="02070309020205020404" pitchFamily="49" charset="0"/>
+                <a:cs typeface="Courier New" panose="02070309020205020404" pitchFamily="49" charset="0"/>
+              </a:rPr>
+              <a:t>    </a:t>
+            </a:r>
+            <a:r>
+              <a:rPr lang="en-GB" sz="1100" dirty="0" err="1">
+                <a:latin typeface="Courier New" panose="02070309020205020404" pitchFamily="49" charset="0"/>
+                <a:cs typeface="Courier New" panose="02070309020205020404" pitchFamily="49" charset="0"/>
+              </a:rPr>
+              <a:t>this.questions</a:t>
+            </a:r>
+            <a:r>
+              <a:rPr lang="en-GB" sz="1100" dirty="0">
+                <a:latin typeface="Courier New" panose="02070309020205020404" pitchFamily="49" charset="0"/>
+                <a:cs typeface="Courier New" panose="02070309020205020404" pitchFamily="49" charset="0"/>
+              </a:rPr>
+              <a:t> = new </a:t>
+            </a:r>
+            <a:r>
+              <a:rPr lang="en-GB" sz="1100" dirty="0" err="1">
+                <a:latin typeface="Courier New" panose="02070309020205020404" pitchFamily="49" charset="0"/>
+                <a:cs typeface="Courier New" panose="02070309020205020404" pitchFamily="49" charset="0"/>
+              </a:rPr>
+              <a:t>ArrayList</a:t>
+            </a:r>
+            <a:r>
+              <a:rPr lang="en-GB" sz="1100" dirty="0">
+                <a:latin typeface="Courier New" panose="02070309020205020404" pitchFamily="49" charset="0"/>
+                <a:cs typeface="Courier New" panose="02070309020205020404" pitchFamily="49" charset="0"/>
+              </a:rPr>
+              <a:t>&lt;&gt;();</a:t>
+            </a:r>
+            <a:br>
+              <a:rPr lang="en-GB" sz="1100" dirty="0">
+                <a:latin typeface="Courier New" panose="02070309020205020404" pitchFamily="49" charset="0"/>
+                <a:cs typeface="Courier New" panose="02070309020205020404" pitchFamily="49" charset="0"/>
+              </a:rPr>
+            </a:br>
+            <a:r>
+              <a:rPr lang="en-GB" sz="1100" dirty="0">
+                <a:latin typeface="Courier New" panose="02070309020205020404" pitchFamily="49" charset="0"/>
+                <a:cs typeface="Courier New" panose="02070309020205020404" pitchFamily="49" charset="0"/>
+              </a:rPr>
+              <a:t>    </a:t>
+            </a:r>
+            <a:r>
+              <a:rPr lang="en-GB" sz="1100" dirty="0" err="1">
+                <a:latin typeface="Courier New" panose="02070309020205020404" pitchFamily="49" charset="0"/>
+                <a:cs typeface="Courier New" panose="02070309020205020404" pitchFamily="49" charset="0"/>
+              </a:rPr>
+              <a:t>this.answers</a:t>
+            </a:r>
+            <a:r>
+              <a:rPr lang="en-GB" sz="1100" dirty="0">
+                <a:latin typeface="Courier New" panose="02070309020205020404" pitchFamily="49" charset="0"/>
+                <a:cs typeface="Courier New" panose="02070309020205020404" pitchFamily="49" charset="0"/>
+              </a:rPr>
+              <a:t> = new </a:t>
+            </a:r>
+            <a:r>
+              <a:rPr lang="en-GB" sz="1100" dirty="0" err="1">
+                <a:latin typeface="Courier New" panose="02070309020205020404" pitchFamily="49" charset="0"/>
+                <a:cs typeface="Courier New" panose="02070309020205020404" pitchFamily="49" charset="0"/>
+              </a:rPr>
+              <a:t>ArrayList</a:t>
+            </a:r>
+            <a:r>
+              <a:rPr lang="en-GB" sz="1100" dirty="0">
+                <a:latin typeface="Courier New" panose="02070309020205020404" pitchFamily="49" charset="0"/>
+                <a:cs typeface="Courier New" panose="02070309020205020404" pitchFamily="49" charset="0"/>
+              </a:rPr>
+              <a:t>&lt;&gt;();</a:t>
+            </a:r>
+            <a:br>
+              <a:rPr lang="en-GB" sz="1100" dirty="0">
+                <a:latin typeface="Courier New" panose="02070309020205020404" pitchFamily="49" charset="0"/>
+                <a:cs typeface="Courier New" panose="02070309020205020404" pitchFamily="49" charset="0"/>
+              </a:rPr>
+            </a:br>
+            <a:r>
+              <a:rPr lang="en-GB" sz="1100" dirty="0">
+                <a:latin typeface="Courier New" panose="02070309020205020404" pitchFamily="49" charset="0"/>
+                <a:cs typeface="Courier New" panose="02070309020205020404" pitchFamily="49" charset="0"/>
+              </a:rPr>
+              <a:t>    //     </a:t>
+            </a:r>
+            <a:r>
+              <a:rPr lang="en-GB" sz="1100" dirty="0" err="1">
+                <a:latin typeface="Courier New" panose="02070309020205020404" pitchFamily="49" charset="0"/>
+                <a:cs typeface="Courier New" panose="02070309020205020404" pitchFamily="49" charset="0"/>
+              </a:rPr>
+              <a:t>numMarketingQuestions</a:t>
+            </a:r>
+            <a:r>
+              <a:rPr lang="en-GB" sz="1100" dirty="0">
+                <a:latin typeface="Courier New" panose="02070309020205020404" pitchFamily="49" charset="0"/>
+                <a:cs typeface="Courier New" panose="02070309020205020404" pitchFamily="49" charset="0"/>
+              </a:rPr>
+              <a:t> = 0;</a:t>
+            </a:r>
+            <a:br>
+              <a:rPr lang="en-GB" sz="1100" dirty="0">
+                <a:latin typeface="Courier New" panose="02070309020205020404" pitchFamily="49" charset="0"/>
+                <a:cs typeface="Courier New" panose="02070309020205020404" pitchFamily="49" charset="0"/>
+              </a:rPr>
+            </a:br>
+            <a:r>
+              <a:rPr lang="en-GB" sz="1100" dirty="0">
+                <a:latin typeface="Courier New" panose="02070309020205020404" pitchFamily="49" charset="0"/>
+                <a:cs typeface="Courier New" panose="02070309020205020404" pitchFamily="49" charset="0"/>
+              </a:rPr>
+              <a:t> //   </a:t>
+            </a:r>
+            <a:r>
+              <a:rPr lang="en-GB" sz="1100" dirty="0" err="1">
+                <a:latin typeface="Courier New" panose="02070309020205020404" pitchFamily="49" charset="0"/>
+                <a:cs typeface="Courier New" panose="02070309020205020404" pitchFamily="49" charset="0"/>
+              </a:rPr>
+              <a:t>numFixedQuestions</a:t>
+            </a:r>
+            <a:r>
+              <a:rPr lang="en-GB" sz="1100" dirty="0">
+                <a:latin typeface="Courier New" panose="02070309020205020404" pitchFamily="49" charset="0"/>
+                <a:cs typeface="Courier New" panose="02070309020205020404" pitchFamily="49" charset="0"/>
+              </a:rPr>
+              <a:t> = 0;</a:t>
+            </a:r>
+            <a:br>
+              <a:rPr lang="en-GB" sz="1100" dirty="0">
+                <a:latin typeface="Courier New" panose="02070309020205020404" pitchFamily="49" charset="0"/>
+                <a:cs typeface="Courier New" panose="02070309020205020404" pitchFamily="49" charset="0"/>
+              </a:rPr>
+            </a:br>
+            <a:r>
+              <a:rPr lang="en-GB" sz="1100" dirty="0">
+                <a:latin typeface="Courier New" panose="02070309020205020404" pitchFamily="49" charset="0"/>
+                <a:cs typeface="Courier New" panose="02070309020205020404" pitchFamily="49" charset="0"/>
+              </a:rPr>
+              <a:t>    </a:t>
+            </a:r>
+            <a:r>
+              <a:rPr lang="en-GB" sz="1100" dirty="0" err="1">
+                <a:latin typeface="Courier New" panose="02070309020205020404" pitchFamily="49" charset="0"/>
+                <a:cs typeface="Courier New" panose="02070309020205020404" pitchFamily="49" charset="0"/>
+              </a:rPr>
+              <a:t>this.createFixedQuestions</a:t>
+            </a:r>
+            <a:r>
+              <a:rPr lang="en-GB" sz="1100" dirty="0">
+                <a:latin typeface="Courier New" panose="02070309020205020404" pitchFamily="49" charset="0"/>
+                <a:cs typeface="Courier New" panose="02070309020205020404" pitchFamily="49" charset="0"/>
+              </a:rPr>
+              <a:t>();</a:t>
+            </a:r>
+            <a:br>
+              <a:rPr lang="en-GB" sz="1100" dirty="0">
+                <a:latin typeface="Courier New" panose="02070309020205020404" pitchFamily="49" charset="0"/>
+                <a:cs typeface="Courier New" panose="02070309020205020404" pitchFamily="49" charset="0"/>
+              </a:rPr>
+            </a:br>
+            <a:r>
+              <a:rPr lang="en-GB" sz="1100" dirty="0">
+                <a:latin typeface="Courier New" panose="02070309020205020404" pitchFamily="49" charset="0"/>
+                <a:cs typeface="Courier New" panose="02070309020205020404" pitchFamily="49" charset="0"/>
+              </a:rPr>
+              <a:t>}</a:t>
+            </a:r>
           </a:p>
         </p:txBody>
       </p:sp>
@@ -7665,7 +7924,7 @@
         </p:nvSpPr>
         <p:spPr>
           <a:xfrm>
-            <a:off x="1" y="1434164"/>
+            <a:off x="0" y="1259992"/>
             <a:ext cx="9144000" cy="5342021"/>
           </a:xfrm>
         </p:spPr>
@@ -7681,897 +7940,885 @@
               </a:spcBef>
               <a:buNone/>
             </a:pPr>
-            <a:br>
-              <a:rPr lang="en-GB" sz="800" dirty="0">
-                <a:latin typeface="Courier New" panose="02070309020205020404" pitchFamily="49" charset="0"/>
-                <a:cs typeface="Courier New" panose="02070309020205020404" pitchFamily="49" charset="0"/>
-              </a:rPr>
-            </a:br>
-            <a:r>
-              <a:rPr lang="en-GB" sz="800" dirty="0">
-                <a:latin typeface="Courier New" panose="02070309020205020404" pitchFamily="49" charset="0"/>
-                <a:cs typeface="Courier New" panose="02070309020205020404" pitchFamily="49" charset="0"/>
-              </a:rPr>
-              <a:t>    private void </a:t>
-            </a:r>
-            <a:r>
-              <a:rPr lang="en-GB" sz="800" dirty="0" err="1">
+            <a:r>
+              <a:rPr lang="en-GB" sz="1000" dirty="0">
+                <a:latin typeface="Courier New" panose="02070309020205020404" pitchFamily="49" charset="0"/>
+                <a:cs typeface="Courier New" panose="02070309020205020404" pitchFamily="49" charset="0"/>
+              </a:rPr>
+              <a:t> private void </a:t>
+            </a:r>
+            <a:r>
+              <a:rPr lang="en-GB" sz="1000" dirty="0" err="1">
                 <a:latin typeface="Courier New" panose="02070309020205020404" pitchFamily="49" charset="0"/>
                 <a:cs typeface="Courier New" panose="02070309020205020404" pitchFamily="49" charset="0"/>
               </a:rPr>
               <a:t>createFixedQuestions</a:t>
             </a:r>
             <a:r>
-              <a:rPr lang="en-GB" sz="800" dirty="0">
+              <a:rPr lang="en-GB" sz="1000" dirty="0">
                 <a:latin typeface="Courier New" panose="02070309020205020404" pitchFamily="49" charset="0"/>
                 <a:cs typeface="Courier New" panose="02070309020205020404" pitchFamily="49" charset="0"/>
               </a:rPr>
               <a:t>() {</a:t>
             </a:r>
             <a:br>
-              <a:rPr lang="en-GB" sz="800" dirty="0">
-                <a:latin typeface="Courier New" panose="02070309020205020404" pitchFamily="49" charset="0"/>
-                <a:cs typeface="Courier New" panose="02070309020205020404" pitchFamily="49" charset="0"/>
-              </a:rPr>
-            </a:br>
-            <a:r>
-              <a:rPr lang="en-GB" sz="800" dirty="0">
+              <a:rPr lang="en-GB" sz="1000" dirty="0">
+                <a:latin typeface="Courier New" panose="02070309020205020404" pitchFamily="49" charset="0"/>
+                <a:cs typeface="Courier New" panose="02070309020205020404" pitchFamily="49" charset="0"/>
+              </a:rPr>
+            </a:br>
+            <a:r>
+              <a:rPr lang="en-GB" sz="1000" dirty="0">
                 <a:latin typeface="Courier New" panose="02070309020205020404" pitchFamily="49" charset="0"/>
                 <a:cs typeface="Courier New" panose="02070309020205020404" pitchFamily="49" charset="0"/>
               </a:rPr>
               <a:t>        List&lt;Question&gt; </a:t>
             </a:r>
             <a:r>
-              <a:rPr lang="en-GB" sz="800" dirty="0" err="1">
+              <a:rPr lang="en-GB" sz="1000" dirty="0" err="1">
                 <a:latin typeface="Courier New" panose="02070309020205020404" pitchFamily="49" charset="0"/>
                 <a:cs typeface="Courier New" panose="02070309020205020404" pitchFamily="49" charset="0"/>
               </a:rPr>
               <a:t>fixedQuestions</a:t>
             </a:r>
             <a:r>
-              <a:rPr lang="en-GB" sz="800" dirty="0">
+              <a:rPr lang="en-GB" sz="1000" dirty="0">
                 <a:latin typeface="Courier New" panose="02070309020205020404" pitchFamily="49" charset="0"/>
                 <a:cs typeface="Courier New" panose="02070309020205020404" pitchFamily="49" charset="0"/>
               </a:rPr>
               <a:t> = new </a:t>
             </a:r>
             <a:r>
-              <a:rPr lang="en-GB" sz="800" dirty="0" err="1">
+              <a:rPr lang="en-GB" sz="1000" dirty="0" err="1">
                 <a:latin typeface="Courier New" panose="02070309020205020404" pitchFamily="49" charset="0"/>
                 <a:cs typeface="Courier New" panose="02070309020205020404" pitchFamily="49" charset="0"/>
               </a:rPr>
               <a:t>ArrayList</a:t>
             </a:r>
             <a:r>
-              <a:rPr lang="en-GB" sz="800" dirty="0">
+              <a:rPr lang="en-GB" sz="1000" dirty="0">
                 <a:latin typeface="Courier New" panose="02070309020205020404" pitchFamily="49" charset="0"/>
                 <a:cs typeface="Courier New" panose="02070309020205020404" pitchFamily="49" charset="0"/>
               </a:rPr>
               <a:t>&lt;&gt;();</a:t>
             </a:r>
             <a:br>
-              <a:rPr lang="en-GB" sz="800" dirty="0">
-                <a:latin typeface="Courier New" panose="02070309020205020404" pitchFamily="49" charset="0"/>
-                <a:cs typeface="Courier New" panose="02070309020205020404" pitchFamily="49" charset="0"/>
-              </a:rPr>
-            </a:br>
-            <a:r>
-              <a:rPr lang="en-GB" sz="800" dirty="0">
+              <a:rPr lang="en-GB" sz="1000" dirty="0">
+                <a:latin typeface="Courier New" panose="02070309020205020404" pitchFamily="49" charset="0"/>
+                <a:cs typeface="Courier New" panose="02070309020205020404" pitchFamily="49" charset="0"/>
+              </a:rPr>
+            </a:br>
+            <a:r>
+              <a:rPr lang="en-GB" sz="1000" dirty="0">
                 <a:latin typeface="Courier New" panose="02070309020205020404" pitchFamily="49" charset="0"/>
                 <a:cs typeface="Courier New" panose="02070309020205020404" pitchFamily="49" charset="0"/>
               </a:rPr>
               <a:t>        Question q1 = new Question();</a:t>
             </a:r>
             <a:br>
-              <a:rPr lang="en-GB" sz="800" dirty="0">
-                <a:latin typeface="Courier New" panose="02070309020205020404" pitchFamily="49" charset="0"/>
-                <a:cs typeface="Courier New" panose="02070309020205020404" pitchFamily="49" charset="0"/>
-              </a:rPr>
-            </a:br>
-            <a:r>
-              <a:rPr lang="en-GB" sz="800" dirty="0">
+              <a:rPr lang="en-GB" sz="1000" dirty="0">
+                <a:latin typeface="Courier New" panose="02070309020205020404" pitchFamily="49" charset="0"/>
+                <a:cs typeface="Courier New" panose="02070309020205020404" pitchFamily="49" charset="0"/>
+              </a:rPr>
+            </a:br>
+            <a:r>
+              <a:rPr lang="en-GB" sz="1000" dirty="0">
                 <a:latin typeface="Courier New" panose="02070309020205020404" pitchFamily="49" charset="0"/>
                 <a:cs typeface="Courier New" panose="02070309020205020404" pitchFamily="49" charset="0"/>
               </a:rPr>
               <a:t>        q1.setDescription("My age is..");</a:t>
             </a:r>
             <a:br>
-              <a:rPr lang="en-GB" sz="800" dirty="0">
-                <a:latin typeface="Courier New" panose="02070309020205020404" pitchFamily="49" charset="0"/>
-                <a:cs typeface="Courier New" panose="02070309020205020404" pitchFamily="49" charset="0"/>
-              </a:rPr>
-            </a:br>
-            <a:r>
-              <a:rPr lang="en-GB" sz="800" dirty="0">
+              <a:rPr lang="en-GB" sz="1000" dirty="0">
+                <a:latin typeface="Courier New" panose="02070309020205020404" pitchFamily="49" charset="0"/>
+                <a:cs typeface="Courier New" panose="02070309020205020404" pitchFamily="49" charset="0"/>
+              </a:rPr>
+            </a:br>
+            <a:r>
+              <a:rPr lang="en-GB" sz="1000" dirty="0">
                 <a:latin typeface="Courier New" panose="02070309020205020404" pitchFamily="49" charset="0"/>
                 <a:cs typeface="Courier New" panose="02070309020205020404" pitchFamily="49" charset="0"/>
               </a:rPr>
               <a:t>        q1.setType(</a:t>
             </a:r>
             <a:r>
-              <a:rPr lang="en-GB" sz="800" dirty="0" err="1">
+              <a:rPr lang="en-GB" sz="1000" dirty="0" err="1">
                 <a:latin typeface="Courier New" panose="02070309020205020404" pitchFamily="49" charset="0"/>
                 <a:cs typeface="Courier New" panose="02070309020205020404" pitchFamily="49" charset="0"/>
               </a:rPr>
               <a:t>QuestionType.FIXED</a:t>
             </a:r>
             <a:r>
-              <a:rPr lang="en-GB" sz="800" dirty="0">
+              <a:rPr lang="en-GB" sz="1000" dirty="0">
                 <a:latin typeface="Courier New" panose="02070309020205020404" pitchFamily="49" charset="0"/>
                 <a:cs typeface="Courier New" panose="02070309020205020404" pitchFamily="49" charset="0"/>
               </a:rPr>
               <a:t>);</a:t>
             </a:r>
             <a:br>
-              <a:rPr lang="en-GB" sz="800" dirty="0">
-                <a:latin typeface="Courier New" panose="02070309020205020404" pitchFamily="49" charset="0"/>
-                <a:cs typeface="Courier New" panose="02070309020205020404" pitchFamily="49" charset="0"/>
-              </a:rPr>
-            </a:br>
-            <a:r>
-              <a:rPr lang="en-GB" sz="800" dirty="0">
+              <a:rPr lang="en-GB" sz="1000" dirty="0">
+                <a:latin typeface="Courier New" panose="02070309020205020404" pitchFamily="49" charset="0"/>
+                <a:cs typeface="Courier New" panose="02070309020205020404" pitchFamily="49" charset="0"/>
+              </a:rPr>
+            </a:br>
+            <a:r>
+              <a:rPr lang="en-GB" sz="1000" dirty="0">
                 <a:latin typeface="Courier New" panose="02070309020205020404" pitchFamily="49" charset="0"/>
                 <a:cs typeface="Courier New" panose="02070309020205020404" pitchFamily="49" charset="0"/>
               </a:rPr>
               <a:t>        </a:t>
             </a:r>
             <a:r>
-              <a:rPr lang="en-GB" sz="800" dirty="0" err="1">
+              <a:rPr lang="en-GB" sz="1000" dirty="0" err="1">
                 <a:latin typeface="Courier New" panose="02070309020205020404" pitchFamily="49" charset="0"/>
                 <a:cs typeface="Courier New" panose="02070309020205020404" pitchFamily="49" charset="0"/>
               </a:rPr>
               <a:t>fixedQuestions.add</a:t>
             </a:r>
             <a:r>
-              <a:rPr lang="en-GB" sz="800" dirty="0">
+              <a:rPr lang="en-GB" sz="1000" dirty="0">
                 <a:latin typeface="Courier New" panose="02070309020205020404" pitchFamily="49" charset="0"/>
                 <a:cs typeface="Courier New" panose="02070309020205020404" pitchFamily="49" charset="0"/>
               </a:rPr>
               <a:t>(q1);</a:t>
             </a:r>
             <a:br>
-              <a:rPr lang="en-GB" sz="800" dirty="0">
-                <a:latin typeface="Courier New" panose="02070309020205020404" pitchFamily="49" charset="0"/>
-                <a:cs typeface="Courier New" panose="02070309020205020404" pitchFamily="49" charset="0"/>
-              </a:rPr>
-            </a:br>
-            <a:r>
-              <a:rPr lang="en-GB" sz="800" dirty="0">
+              <a:rPr lang="en-GB" sz="1000" dirty="0">
+                <a:latin typeface="Courier New" panose="02070309020205020404" pitchFamily="49" charset="0"/>
+                <a:cs typeface="Courier New" panose="02070309020205020404" pitchFamily="49" charset="0"/>
+              </a:rPr>
+            </a:br>
+            <a:r>
+              <a:rPr lang="en-GB" sz="1000" dirty="0">
                 <a:latin typeface="Courier New" panose="02070309020205020404" pitchFamily="49" charset="0"/>
                 <a:cs typeface="Courier New" panose="02070309020205020404" pitchFamily="49" charset="0"/>
               </a:rPr>
               <a:t>        Question q2 = new Question();</a:t>
             </a:r>
             <a:br>
-              <a:rPr lang="en-GB" sz="800" dirty="0">
-                <a:latin typeface="Courier New" panose="02070309020205020404" pitchFamily="49" charset="0"/>
-                <a:cs typeface="Courier New" panose="02070309020205020404" pitchFamily="49" charset="0"/>
-              </a:rPr>
-            </a:br>
-            <a:r>
-              <a:rPr lang="en-GB" sz="800" dirty="0">
+              <a:rPr lang="en-GB" sz="1000" dirty="0">
+                <a:latin typeface="Courier New" panose="02070309020205020404" pitchFamily="49" charset="0"/>
+                <a:cs typeface="Courier New" panose="02070309020205020404" pitchFamily="49" charset="0"/>
+              </a:rPr>
+            </a:br>
+            <a:r>
+              <a:rPr lang="en-GB" sz="1000" dirty="0">
                 <a:latin typeface="Courier New" panose="02070309020205020404" pitchFamily="49" charset="0"/>
                 <a:cs typeface="Courier New" panose="02070309020205020404" pitchFamily="49" charset="0"/>
               </a:rPr>
               <a:t>        q2.setDescription("I identify my gender as..");</a:t>
             </a:r>
             <a:br>
-              <a:rPr lang="en-GB" sz="800" dirty="0">
-                <a:latin typeface="Courier New" panose="02070309020205020404" pitchFamily="49" charset="0"/>
-                <a:cs typeface="Courier New" panose="02070309020205020404" pitchFamily="49" charset="0"/>
-              </a:rPr>
-            </a:br>
-            <a:r>
-              <a:rPr lang="en-GB" sz="800" dirty="0">
+              <a:rPr lang="en-GB" sz="1000" dirty="0">
+                <a:latin typeface="Courier New" panose="02070309020205020404" pitchFamily="49" charset="0"/>
+                <a:cs typeface="Courier New" panose="02070309020205020404" pitchFamily="49" charset="0"/>
+              </a:rPr>
+            </a:br>
+            <a:r>
+              <a:rPr lang="en-GB" sz="1000" dirty="0">
                 <a:latin typeface="Courier New" panose="02070309020205020404" pitchFamily="49" charset="0"/>
                 <a:cs typeface="Courier New" panose="02070309020205020404" pitchFamily="49" charset="0"/>
               </a:rPr>
               <a:t>        q2.setType(</a:t>
             </a:r>
             <a:r>
-              <a:rPr lang="en-GB" sz="800" dirty="0" err="1">
+              <a:rPr lang="en-GB" sz="1000" dirty="0" err="1">
                 <a:latin typeface="Courier New" panose="02070309020205020404" pitchFamily="49" charset="0"/>
                 <a:cs typeface="Courier New" panose="02070309020205020404" pitchFamily="49" charset="0"/>
               </a:rPr>
               <a:t>QuestionType.FIXED</a:t>
             </a:r>
             <a:r>
-              <a:rPr lang="en-GB" sz="800" dirty="0">
+              <a:rPr lang="en-GB" sz="1000" dirty="0">
                 <a:latin typeface="Courier New" panose="02070309020205020404" pitchFamily="49" charset="0"/>
                 <a:cs typeface="Courier New" panose="02070309020205020404" pitchFamily="49" charset="0"/>
               </a:rPr>
               <a:t>);</a:t>
             </a:r>
             <a:br>
-              <a:rPr lang="en-GB" sz="800" dirty="0">
-                <a:latin typeface="Courier New" panose="02070309020205020404" pitchFamily="49" charset="0"/>
-                <a:cs typeface="Courier New" panose="02070309020205020404" pitchFamily="49" charset="0"/>
-              </a:rPr>
-            </a:br>
-            <a:r>
-              <a:rPr lang="en-GB" sz="800" dirty="0">
+              <a:rPr lang="en-GB" sz="1000" dirty="0">
+                <a:latin typeface="Courier New" panose="02070309020205020404" pitchFamily="49" charset="0"/>
+                <a:cs typeface="Courier New" panose="02070309020205020404" pitchFamily="49" charset="0"/>
+              </a:rPr>
+            </a:br>
+            <a:r>
+              <a:rPr lang="en-GB" sz="1000" dirty="0">
                 <a:latin typeface="Courier New" panose="02070309020205020404" pitchFamily="49" charset="0"/>
                 <a:cs typeface="Courier New" panose="02070309020205020404" pitchFamily="49" charset="0"/>
               </a:rPr>
               <a:t>        </a:t>
             </a:r>
             <a:r>
-              <a:rPr lang="en-GB" sz="800" dirty="0" err="1">
+              <a:rPr lang="en-GB" sz="1000" dirty="0" err="1">
                 <a:latin typeface="Courier New" panose="02070309020205020404" pitchFamily="49" charset="0"/>
                 <a:cs typeface="Courier New" panose="02070309020205020404" pitchFamily="49" charset="0"/>
               </a:rPr>
               <a:t>fixedQuestions.add</a:t>
             </a:r>
             <a:r>
-              <a:rPr lang="en-GB" sz="800" dirty="0">
+              <a:rPr lang="en-GB" sz="1000" dirty="0">
                 <a:latin typeface="Courier New" panose="02070309020205020404" pitchFamily="49" charset="0"/>
                 <a:cs typeface="Courier New" panose="02070309020205020404" pitchFamily="49" charset="0"/>
               </a:rPr>
               <a:t>(q2);</a:t>
             </a:r>
             <a:br>
-              <a:rPr lang="en-GB" sz="800" dirty="0">
-                <a:latin typeface="Courier New" panose="02070309020205020404" pitchFamily="49" charset="0"/>
-                <a:cs typeface="Courier New" panose="02070309020205020404" pitchFamily="49" charset="0"/>
-              </a:rPr>
-            </a:br>
-            <a:r>
-              <a:rPr lang="en-GB" sz="800" dirty="0">
+              <a:rPr lang="en-GB" sz="1000" dirty="0">
+                <a:latin typeface="Courier New" panose="02070309020205020404" pitchFamily="49" charset="0"/>
+                <a:cs typeface="Courier New" panose="02070309020205020404" pitchFamily="49" charset="0"/>
+              </a:rPr>
+            </a:br>
+            <a:r>
+              <a:rPr lang="en-GB" sz="1000" dirty="0">
                 <a:latin typeface="Courier New" panose="02070309020205020404" pitchFamily="49" charset="0"/>
                 <a:cs typeface="Courier New" panose="02070309020205020404" pitchFamily="49" charset="0"/>
               </a:rPr>
               <a:t>        Question q3 = new Question();</a:t>
             </a:r>
             <a:br>
-              <a:rPr lang="en-GB" sz="800" dirty="0">
-                <a:latin typeface="Courier New" panose="02070309020205020404" pitchFamily="49" charset="0"/>
-                <a:cs typeface="Courier New" panose="02070309020205020404" pitchFamily="49" charset="0"/>
-              </a:rPr>
-            </a:br>
-            <a:r>
-              <a:rPr lang="en-GB" sz="800" dirty="0">
+              <a:rPr lang="en-GB" sz="1000" dirty="0">
+                <a:latin typeface="Courier New" panose="02070309020205020404" pitchFamily="49" charset="0"/>
+                <a:cs typeface="Courier New" panose="02070309020205020404" pitchFamily="49" charset="0"/>
+              </a:rPr>
+            </a:br>
+            <a:r>
+              <a:rPr lang="en-GB" sz="1000" dirty="0">
                 <a:latin typeface="Courier New" panose="02070309020205020404" pitchFamily="49" charset="0"/>
                 <a:cs typeface="Courier New" panose="02070309020205020404" pitchFamily="49" charset="0"/>
               </a:rPr>
               <a:t>        q3.setDescription("My expertise level is.. [Low, Medium, High]");</a:t>
             </a:r>
             <a:br>
-              <a:rPr lang="en-GB" sz="800" dirty="0">
-                <a:latin typeface="Courier New" panose="02070309020205020404" pitchFamily="49" charset="0"/>
-                <a:cs typeface="Courier New" panose="02070309020205020404" pitchFamily="49" charset="0"/>
-              </a:rPr>
-            </a:br>
-            <a:r>
-              <a:rPr lang="en-GB" sz="800" dirty="0">
+              <a:rPr lang="en-GB" sz="1000" dirty="0">
+                <a:latin typeface="Courier New" panose="02070309020205020404" pitchFamily="49" charset="0"/>
+                <a:cs typeface="Courier New" panose="02070309020205020404" pitchFamily="49" charset="0"/>
+              </a:rPr>
+            </a:br>
+            <a:r>
+              <a:rPr lang="en-GB" sz="1000" dirty="0">
                 <a:latin typeface="Courier New" panose="02070309020205020404" pitchFamily="49" charset="0"/>
                 <a:cs typeface="Courier New" panose="02070309020205020404" pitchFamily="49" charset="0"/>
               </a:rPr>
               <a:t>        q3.setType(</a:t>
             </a:r>
             <a:r>
-              <a:rPr lang="en-GB" sz="800" dirty="0" err="1">
+              <a:rPr lang="en-GB" sz="1000" dirty="0" err="1">
                 <a:latin typeface="Courier New" panose="02070309020205020404" pitchFamily="49" charset="0"/>
                 <a:cs typeface="Courier New" panose="02070309020205020404" pitchFamily="49" charset="0"/>
               </a:rPr>
               <a:t>QuestionType.FIXED</a:t>
             </a:r>
             <a:r>
-              <a:rPr lang="en-GB" sz="800" dirty="0">
+              <a:rPr lang="en-GB" sz="1000" dirty="0">
                 <a:latin typeface="Courier New" panose="02070309020205020404" pitchFamily="49" charset="0"/>
                 <a:cs typeface="Courier New" panose="02070309020205020404" pitchFamily="49" charset="0"/>
               </a:rPr>
               <a:t>);</a:t>
             </a:r>
             <a:br>
-              <a:rPr lang="en-GB" sz="800" dirty="0">
-                <a:latin typeface="Courier New" panose="02070309020205020404" pitchFamily="49" charset="0"/>
-                <a:cs typeface="Courier New" panose="02070309020205020404" pitchFamily="49" charset="0"/>
-              </a:rPr>
-            </a:br>
-            <a:r>
-              <a:rPr lang="en-GB" sz="800" dirty="0">
+              <a:rPr lang="en-GB" sz="1000" dirty="0">
+                <a:latin typeface="Courier New" panose="02070309020205020404" pitchFamily="49" charset="0"/>
+                <a:cs typeface="Courier New" panose="02070309020205020404" pitchFamily="49" charset="0"/>
+              </a:rPr>
+            </a:br>
+            <a:r>
+              <a:rPr lang="en-GB" sz="1000" dirty="0">
                 <a:latin typeface="Courier New" panose="02070309020205020404" pitchFamily="49" charset="0"/>
                 <a:cs typeface="Courier New" panose="02070309020205020404" pitchFamily="49" charset="0"/>
               </a:rPr>
               <a:t>        </a:t>
             </a:r>
             <a:r>
-              <a:rPr lang="en-GB" sz="800" dirty="0" err="1">
+              <a:rPr lang="en-GB" sz="1000" dirty="0" err="1">
                 <a:latin typeface="Courier New" panose="02070309020205020404" pitchFamily="49" charset="0"/>
                 <a:cs typeface="Courier New" panose="02070309020205020404" pitchFamily="49" charset="0"/>
               </a:rPr>
               <a:t>fixedQuestions.add</a:t>
             </a:r>
             <a:r>
-              <a:rPr lang="en-GB" sz="800" dirty="0">
+              <a:rPr lang="en-GB" sz="1000" dirty="0">
                 <a:latin typeface="Courier New" panose="02070309020205020404" pitchFamily="49" charset="0"/>
                 <a:cs typeface="Courier New" panose="02070309020205020404" pitchFamily="49" charset="0"/>
               </a:rPr>
               <a:t>(q3);</a:t>
             </a:r>
             <a:br>
-              <a:rPr lang="en-GB" sz="800" dirty="0">
-                <a:latin typeface="Courier New" panose="02070309020205020404" pitchFamily="49" charset="0"/>
-                <a:cs typeface="Courier New" panose="02070309020205020404" pitchFamily="49" charset="0"/>
-              </a:rPr>
-            </a:br>
-            <a:br>
-              <a:rPr lang="en-GB" sz="800" dirty="0">
-                <a:latin typeface="Courier New" panose="02070309020205020404" pitchFamily="49" charset="0"/>
-                <a:cs typeface="Courier New" panose="02070309020205020404" pitchFamily="49" charset="0"/>
-              </a:rPr>
-            </a:br>
-            <a:r>
-              <a:rPr lang="en-GB" sz="800" dirty="0">
+              <a:rPr lang="en-GB" sz="1000" dirty="0">
+                <a:latin typeface="Courier New" panose="02070309020205020404" pitchFamily="49" charset="0"/>
+                <a:cs typeface="Courier New" panose="02070309020205020404" pitchFamily="49" charset="0"/>
+              </a:rPr>
+            </a:br>
+            <a:br>
+              <a:rPr lang="en-GB" sz="1000" dirty="0">
+                <a:latin typeface="Courier New" panose="02070309020205020404" pitchFamily="49" charset="0"/>
+                <a:cs typeface="Courier New" panose="02070309020205020404" pitchFamily="49" charset="0"/>
+              </a:rPr>
+            </a:br>
+            <a:r>
+              <a:rPr lang="en-GB" sz="1000" dirty="0">
                 <a:latin typeface="Courier New" panose="02070309020205020404" pitchFamily="49" charset="0"/>
                 <a:cs typeface="Courier New" panose="02070309020205020404" pitchFamily="49" charset="0"/>
               </a:rPr>
               <a:t>        </a:t>
             </a:r>
             <a:r>
-              <a:rPr lang="en-GB" sz="800" dirty="0" err="1">
+              <a:rPr lang="en-GB" sz="1000" dirty="0" err="1">
                 <a:latin typeface="Courier New" panose="02070309020205020404" pitchFamily="49" charset="0"/>
                 <a:cs typeface="Courier New" panose="02070309020205020404" pitchFamily="49" charset="0"/>
               </a:rPr>
               <a:t>this.setFixedQuestions</a:t>
             </a:r>
             <a:r>
-              <a:rPr lang="en-GB" sz="800" dirty="0">
+              <a:rPr lang="en-GB" sz="1000" dirty="0">
                 <a:latin typeface="Courier New" panose="02070309020205020404" pitchFamily="49" charset="0"/>
                 <a:cs typeface="Courier New" panose="02070309020205020404" pitchFamily="49" charset="0"/>
               </a:rPr>
               <a:t>(</a:t>
             </a:r>
             <a:r>
-              <a:rPr lang="en-GB" sz="800" dirty="0" err="1">
+              <a:rPr lang="en-GB" sz="1000" dirty="0" err="1">
                 <a:latin typeface="Courier New" panose="02070309020205020404" pitchFamily="49" charset="0"/>
                 <a:cs typeface="Courier New" panose="02070309020205020404" pitchFamily="49" charset="0"/>
               </a:rPr>
               <a:t>fixedQuestions</a:t>
             </a:r>
             <a:r>
-              <a:rPr lang="en-GB" sz="800" dirty="0">
+              <a:rPr lang="en-GB" sz="1000" dirty="0">
                 <a:latin typeface="Courier New" panose="02070309020205020404" pitchFamily="49" charset="0"/>
                 <a:cs typeface="Courier New" panose="02070309020205020404" pitchFamily="49" charset="0"/>
               </a:rPr>
               <a:t>);</a:t>
             </a:r>
             <a:br>
-              <a:rPr lang="en-GB" sz="800" dirty="0">
-                <a:latin typeface="Courier New" panose="02070309020205020404" pitchFamily="49" charset="0"/>
-                <a:cs typeface="Courier New" panose="02070309020205020404" pitchFamily="49" charset="0"/>
-              </a:rPr>
-            </a:br>
-            <a:r>
-              <a:rPr lang="en-GB" sz="800" dirty="0">
+              <a:rPr lang="en-GB" sz="1000" dirty="0">
+                <a:latin typeface="Courier New" panose="02070309020205020404" pitchFamily="49" charset="0"/>
+                <a:cs typeface="Courier New" panose="02070309020205020404" pitchFamily="49" charset="0"/>
+              </a:rPr>
+            </a:br>
+            <a:r>
+              <a:rPr lang="en-GB" sz="1000" dirty="0">
                 <a:latin typeface="Courier New" panose="02070309020205020404" pitchFamily="49" charset="0"/>
                 <a:cs typeface="Courier New" panose="02070309020205020404" pitchFamily="49" charset="0"/>
               </a:rPr>
               <a:t>    }</a:t>
             </a:r>
             <a:br>
-              <a:rPr lang="en-GB" sz="800" dirty="0">
-                <a:latin typeface="Courier New" panose="02070309020205020404" pitchFamily="49" charset="0"/>
-                <a:cs typeface="Courier New" panose="02070309020205020404" pitchFamily="49" charset="0"/>
-              </a:rPr>
-            </a:br>
-            <a:br>
-              <a:rPr lang="en-GB" sz="800" dirty="0">
-                <a:latin typeface="Courier New" panose="02070309020205020404" pitchFamily="49" charset="0"/>
-                <a:cs typeface="Courier New" panose="02070309020205020404" pitchFamily="49" charset="0"/>
-              </a:rPr>
-            </a:br>
-            <a:r>
-              <a:rPr lang="en-GB" sz="800" dirty="0">
+              <a:rPr lang="en-GB" sz="1000" dirty="0">
+                <a:latin typeface="Courier New" panose="02070309020205020404" pitchFamily="49" charset="0"/>
+                <a:cs typeface="Courier New" panose="02070309020205020404" pitchFamily="49" charset="0"/>
+              </a:rPr>
+            </a:br>
+            <a:br>
+              <a:rPr lang="en-GB" sz="1000" dirty="0">
+                <a:latin typeface="Courier New" panose="02070309020205020404" pitchFamily="49" charset="0"/>
+                <a:cs typeface="Courier New" panose="02070309020205020404" pitchFamily="49" charset="0"/>
+              </a:rPr>
+            </a:br>
+            <a:r>
+              <a:rPr lang="en-GB" sz="1000" dirty="0">
                 <a:latin typeface="Courier New" panose="02070309020205020404" pitchFamily="49" charset="0"/>
                 <a:cs typeface="Courier New" panose="02070309020205020404" pitchFamily="49" charset="0"/>
               </a:rPr>
               <a:t>    public void </a:t>
             </a:r>
             <a:r>
-              <a:rPr lang="en-GB" sz="800" dirty="0" err="1">
+              <a:rPr lang="en-GB" sz="1000" dirty="0" err="1">
                 <a:latin typeface="Courier New" panose="02070309020205020404" pitchFamily="49" charset="0"/>
                 <a:cs typeface="Courier New" panose="02070309020205020404" pitchFamily="49" charset="0"/>
               </a:rPr>
               <a:t>setFixedQuestions</a:t>
             </a:r>
             <a:r>
-              <a:rPr lang="en-GB" sz="800" dirty="0">
+              <a:rPr lang="en-GB" sz="1000" dirty="0">
                 <a:latin typeface="Courier New" panose="02070309020205020404" pitchFamily="49" charset="0"/>
                 <a:cs typeface="Courier New" panose="02070309020205020404" pitchFamily="49" charset="0"/>
               </a:rPr>
               <a:t>(List&lt;Question&gt; </a:t>
             </a:r>
             <a:r>
-              <a:rPr lang="en-GB" sz="800" dirty="0" err="1">
+              <a:rPr lang="en-GB" sz="1000" dirty="0" err="1">
                 <a:latin typeface="Courier New" panose="02070309020205020404" pitchFamily="49" charset="0"/>
                 <a:cs typeface="Courier New" panose="02070309020205020404" pitchFamily="49" charset="0"/>
               </a:rPr>
               <a:t>fixedQuestions</a:t>
             </a:r>
             <a:r>
-              <a:rPr lang="en-GB" sz="800" dirty="0">
+              <a:rPr lang="en-GB" sz="1000" dirty="0">
                 <a:latin typeface="Courier New" panose="02070309020205020404" pitchFamily="49" charset="0"/>
                 <a:cs typeface="Courier New" panose="02070309020205020404" pitchFamily="49" charset="0"/>
               </a:rPr>
               <a:t>) {</a:t>
             </a:r>
             <a:br>
-              <a:rPr lang="en-GB" sz="800" dirty="0">
-                <a:latin typeface="Courier New" panose="02070309020205020404" pitchFamily="49" charset="0"/>
-                <a:cs typeface="Courier New" panose="02070309020205020404" pitchFamily="49" charset="0"/>
-              </a:rPr>
-            </a:br>
-            <a:r>
-              <a:rPr lang="en-GB" sz="800" dirty="0">
+              <a:rPr lang="en-GB" sz="1000" dirty="0">
+                <a:latin typeface="Courier New" panose="02070309020205020404" pitchFamily="49" charset="0"/>
+                <a:cs typeface="Courier New" panose="02070309020205020404" pitchFamily="49" charset="0"/>
+              </a:rPr>
+            </a:br>
+            <a:r>
+              <a:rPr lang="en-GB" sz="1000" dirty="0">
                 <a:latin typeface="Courier New" panose="02070309020205020404" pitchFamily="49" charset="0"/>
                 <a:cs typeface="Courier New" panose="02070309020205020404" pitchFamily="49" charset="0"/>
               </a:rPr>
               <a:t>        </a:t>
             </a:r>
             <a:r>
-              <a:rPr lang="en-GB" sz="800" dirty="0" err="1">
+              <a:rPr lang="en-GB" sz="1000" dirty="0" err="1">
                 <a:latin typeface="Courier New" panose="02070309020205020404" pitchFamily="49" charset="0"/>
                 <a:cs typeface="Courier New" panose="02070309020205020404" pitchFamily="49" charset="0"/>
               </a:rPr>
               <a:t>fixedQuestions.forEach</a:t>
             </a:r>
             <a:r>
-              <a:rPr lang="en-GB" sz="800" dirty="0">
+              <a:rPr lang="en-GB" sz="1000" dirty="0">
                 <a:latin typeface="Courier New" panose="02070309020205020404" pitchFamily="49" charset="0"/>
                 <a:cs typeface="Courier New" panose="02070309020205020404" pitchFamily="49" charset="0"/>
               </a:rPr>
               <a:t>(el -&gt; {</a:t>
             </a:r>
             <a:br>
-              <a:rPr lang="en-GB" sz="800" dirty="0">
-                <a:latin typeface="Courier New" panose="02070309020205020404" pitchFamily="49" charset="0"/>
-                <a:cs typeface="Courier New" panose="02070309020205020404" pitchFamily="49" charset="0"/>
-              </a:rPr>
-            </a:br>
-            <a:r>
-              <a:rPr lang="en-GB" sz="800" dirty="0">
+              <a:rPr lang="en-GB" sz="1000" dirty="0">
+                <a:latin typeface="Courier New" panose="02070309020205020404" pitchFamily="49" charset="0"/>
+                <a:cs typeface="Courier New" panose="02070309020205020404" pitchFamily="49" charset="0"/>
+              </a:rPr>
+            </a:br>
+            <a:r>
+              <a:rPr lang="en-GB" sz="1000" dirty="0">
                 <a:latin typeface="Courier New" panose="02070309020205020404" pitchFamily="49" charset="0"/>
                 <a:cs typeface="Courier New" panose="02070309020205020404" pitchFamily="49" charset="0"/>
               </a:rPr>
               <a:t>            if(</a:t>
             </a:r>
             <a:r>
-              <a:rPr lang="en-GB" sz="800" dirty="0" err="1">
+              <a:rPr lang="en-GB" sz="1000" dirty="0" err="1">
                 <a:latin typeface="Courier New" panose="02070309020205020404" pitchFamily="49" charset="0"/>
                 <a:cs typeface="Courier New" panose="02070309020205020404" pitchFamily="49" charset="0"/>
               </a:rPr>
               <a:t>el.getType</a:t>
             </a:r>
             <a:r>
-              <a:rPr lang="en-GB" sz="800" dirty="0">
+              <a:rPr lang="en-GB" sz="1000" dirty="0">
                 <a:latin typeface="Courier New" panose="02070309020205020404" pitchFamily="49" charset="0"/>
                 <a:cs typeface="Courier New" panose="02070309020205020404" pitchFamily="49" charset="0"/>
               </a:rPr>
               <a:t>().equals(</a:t>
             </a:r>
             <a:r>
-              <a:rPr lang="en-GB" sz="800" dirty="0" err="1">
+              <a:rPr lang="en-GB" sz="1000" dirty="0" err="1">
                 <a:latin typeface="Courier New" panose="02070309020205020404" pitchFamily="49" charset="0"/>
                 <a:cs typeface="Courier New" panose="02070309020205020404" pitchFamily="49" charset="0"/>
               </a:rPr>
               <a:t>QuestionType.FIXED</a:t>
             </a:r>
             <a:r>
-              <a:rPr lang="en-GB" sz="800" dirty="0">
+              <a:rPr lang="en-GB" sz="1000" dirty="0">
                 <a:latin typeface="Courier New" panose="02070309020205020404" pitchFamily="49" charset="0"/>
                 <a:cs typeface="Courier New" panose="02070309020205020404" pitchFamily="49" charset="0"/>
               </a:rPr>
               <a:t>)) {</a:t>
             </a:r>
             <a:br>
-              <a:rPr lang="en-GB" sz="800" dirty="0">
-                <a:latin typeface="Courier New" panose="02070309020205020404" pitchFamily="49" charset="0"/>
-                <a:cs typeface="Courier New" panose="02070309020205020404" pitchFamily="49" charset="0"/>
-              </a:rPr>
-            </a:br>
-            <a:r>
-              <a:rPr lang="en-GB" sz="800" dirty="0">
+              <a:rPr lang="en-GB" sz="1000" dirty="0">
+                <a:latin typeface="Courier New" panose="02070309020205020404" pitchFamily="49" charset="0"/>
+                <a:cs typeface="Courier New" panose="02070309020205020404" pitchFamily="49" charset="0"/>
+              </a:rPr>
+            </a:br>
+            <a:r>
+              <a:rPr lang="en-GB" sz="1000" dirty="0">
                 <a:latin typeface="Courier New" panose="02070309020205020404" pitchFamily="49" charset="0"/>
                 <a:cs typeface="Courier New" panose="02070309020205020404" pitchFamily="49" charset="0"/>
               </a:rPr>
               <a:t>                </a:t>
             </a:r>
             <a:r>
-              <a:rPr lang="en-GB" sz="800" dirty="0" err="1">
+              <a:rPr lang="en-GB" sz="1000" dirty="0" err="1">
                 <a:latin typeface="Courier New" panose="02070309020205020404" pitchFamily="49" charset="0"/>
                 <a:cs typeface="Courier New" panose="02070309020205020404" pitchFamily="49" charset="0"/>
               </a:rPr>
               <a:t>el.setQuestionnaire</a:t>
             </a:r>
             <a:r>
-              <a:rPr lang="en-GB" sz="800" dirty="0">
+              <a:rPr lang="en-GB" sz="1000" dirty="0">
                 <a:latin typeface="Courier New" panose="02070309020205020404" pitchFamily="49" charset="0"/>
                 <a:cs typeface="Courier New" panose="02070309020205020404" pitchFamily="49" charset="0"/>
               </a:rPr>
               <a:t>(this);</a:t>
             </a:r>
             <a:br>
-              <a:rPr lang="en-GB" sz="800" dirty="0">
-                <a:latin typeface="Courier New" panose="02070309020205020404" pitchFamily="49" charset="0"/>
-                <a:cs typeface="Courier New" panose="02070309020205020404" pitchFamily="49" charset="0"/>
-              </a:rPr>
-            </a:br>
-            <a:r>
-              <a:rPr lang="en-GB" sz="800" dirty="0">
+              <a:rPr lang="en-GB" sz="1000" dirty="0">
+                <a:latin typeface="Courier New" panose="02070309020205020404" pitchFamily="49" charset="0"/>
+                <a:cs typeface="Courier New" panose="02070309020205020404" pitchFamily="49" charset="0"/>
+              </a:rPr>
+            </a:br>
+            <a:r>
+              <a:rPr lang="en-GB" sz="1000" dirty="0">
                 <a:latin typeface="Courier New" panose="02070309020205020404" pitchFamily="49" charset="0"/>
                 <a:cs typeface="Courier New" panose="02070309020205020404" pitchFamily="49" charset="0"/>
               </a:rPr>
               <a:t>                </a:t>
             </a:r>
             <a:r>
-              <a:rPr lang="en-GB" sz="800" dirty="0" err="1">
+              <a:rPr lang="en-GB" sz="1000" dirty="0" err="1">
                 <a:latin typeface="Courier New" panose="02070309020205020404" pitchFamily="49" charset="0"/>
                 <a:cs typeface="Courier New" panose="02070309020205020404" pitchFamily="49" charset="0"/>
               </a:rPr>
               <a:t>this.questions.add</a:t>
             </a:r>
             <a:r>
-              <a:rPr lang="en-GB" sz="800" dirty="0">
+              <a:rPr lang="en-GB" sz="1000" dirty="0">
                 <a:latin typeface="Courier New" panose="02070309020205020404" pitchFamily="49" charset="0"/>
                 <a:cs typeface="Courier New" panose="02070309020205020404" pitchFamily="49" charset="0"/>
               </a:rPr>
               <a:t>(el);</a:t>
             </a:r>
             <a:br>
-              <a:rPr lang="en-GB" sz="800" dirty="0">
-                <a:latin typeface="Courier New" panose="02070309020205020404" pitchFamily="49" charset="0"/>
-                <a:cs typeface="Courier New" panose="02070309020205020404" pitchFamily="49" charset="0"/>
-              </a:rPr>
-            </a:br>
-            <a:r>
-              <a:rPr lang="en-GB" sz="800" dirty="0">
-                <a:latin typeface="Courier New" panose="02070309020205020404" pitchFamily="49" charset="0"/>
-                <a:cs typeface="Courier New" panose="02070309020205020404" pitchFamily="49" charset="0"/>
-              </a:rPr>
-              <a:t>                </a:t>
-            </a:r>
-            <a:r>
-              <a:rPr lang="en-GB" sz="800" dirty="0" err="1">
+              <a:rPr lang="en-GB" sz="1000" dirty="0">
+                <a:latin typeface="Courier New" panose="02070309020205020404" pitchFamily="49" charset="0"/>
+                <a:cs typeface="Courier New" panose="02070309020205020404" pitchFamily="49" charset="0"/>
+              </a:rPr>
+            </a:br>
+            <a:r>
+              <a:rPr lang="en-GB" sz="1000" dirty="0">
+                <a:latin typeface="Courier New" panose="02070309020205020404" pitchFamily="49" charset="0"/>
+                <a:cs typeface="Courier New" panose="02070309020205020404" pitchFamily="49" charset="0"/>
+              </a:rPr>
+              <a:t>               // </a:t>
+            </a:r>
+            <a:r>
+              <a:rPr lang="en-GB" sz="1000" dirty="0" err="1">
                 <a:latin typeface="Courier New" panose="02070309020205020404" pitchFamily="49" charset="0"/>
                 <a:cs typeface="Courier New" panose="02070309020205020404" pitchFamily="49" charset="0"/>
               </a:rPr>
               <a:t>this.numFixedQuestions</a:t>
             </a:r>
             <a:r>
-              <a:rPr lang="en-GB" sz="800" dirty="0">
+              <a:rPr lang="en-GB" sz="1000" dirty="0">
                 <a:latin typeface="Courier New" panose="02070309020205020404" pitchFamily="49" charset="0"/>
                 <a:cs typeface="Courier New" panose="02070309020205020404" pitchFamily="49" charset="0"/>
               </a:rPr>
               <a:t>++;</a:t>
             </a:r>
             <a:br>
-              <a:rPr lang="en-GB" sz="800" dirty="0">
-                <a:latin typeface="Courier New" panose="02070309020205020404" pitchFamily="49" charset="0"/>
-                <a:cs typeface="Courier New" panose="02070309020205020404" pitchFamily="49" charset="0"/>
-              </a:rPr>
-            </a:br>
-            <a:r>
-              <a:rPr lang="en-GB" sz="800" dirty="0">
+              <a:rPr lang="en-GB" sz="1000" dirty="0">
+                <a:latin typeface="Courier New" panose="02070309020205020404" pitchFamily="49" charset="0"/>
+                <a:cs typeface="Courier New" panose="02070309020205020404" pitchFamily="49" charset="0"/>
+              </a:rPr>
+            </a:br>
+            <a:r>
+              <a:rPr lang="en-GB" sz="1000" dirty="0">
                 <a:latin typeface="Courier New" panose="02070309020205020404" pitchFamily="49" charset="0"/>
                 <a:cs typeface="Courier New" panose="02070309020205020404" pitchFamily="49" charset="0"/>
               </a:rPr>
               <a:t>            }</a:t>
             </a:r>
             <a:br>
-              <a:rPr lang="en-GB" sz="800" dirty="0">
-                <a:latin typeface="Courier New" panose="02070309020205020404" pitchFamily="49" charset="0"/>
-                <a:cs typeface="Courier New" panose="02070309020205020404" pitchFamily="49" charset="0"/>
-              </a:rPr>
-            </a:br>
-            <a:r>
-              <a:rPr lang="en-GB" sz="800" dirty="0">
+              <a:rPr lang="en-GB" sz="1000" dirty="0">
+                <a:latin typeface="Courier New" panose="02070309020205020404" pitchFamily="49" charset="0"/>
+                <a:cs typeface="Courier New" panose="02070309020205020404" pitchFamily="49" charset="0"/>
+              </a:rPr>
+            </a:br>
+            <a:r>
+              <a:rPr lang="en-GB" sz="1000" dirty="0">
                 <a:latin typeface="Courier New" panose="02070309020205020404" pitchFamily="49" charset="0"/>
                 <a:cs typeface="Courier New" panose="02070309020205020404" pitchFamily="49" charset="0"/>
               </a:rPr>
               <a:t>        });</a:t>
             </a:r>
             <a:br>
-              <a:rPr lang="en-GB" sz="800" dirty="0">
-                <a:latin typeface="Courier New" panose="02070309020205020404" pitchFamily="49" charset="0"/>
-                <a:cs typeface="Courier New" panose="02070309020205020404" pitchFamily="49" charset="0"/>
-              </a:rPr>
-            </a:br>
-            <a:r>
-              <a:rPr lang="en-GB" sz="800" dirty="0">
+              <a:rPr lang="en-GB" sz="1000" dirty="0">
+                <a:latin typeface="Courier New" panose="02070309020205020404" pitchFamily="49" charset="0"/>
+                <a:cs typeface="Courier New" panose="02070309020205020404" pitchFamily="49" charset="0"/>
+              </a:rPr>
+            </a:br>
+            <a:r>
+              <a:rPr lang="en-GB" sz="1000" dirty="0">
                 <a:latin typeface="Courier New" panose="02070309020205020404" pitchFamily="49" charset="0"/>
                 <a:cs typeface="Courier New" panose="02070309020205020404" pitchFamily="49" charset="0"/>
               </a:rPr>
               <a:t>    }</a:t>
             </a:r>
             <a:br>
-              <a:rPr lang="en-GB" sz="800" dirty="0">
-                <a:latin typeface="Courier New" panose="02070309020205020404" pitchFamily="49" charset="0"/>
-                <a:cs typeface="Courier New" panose="02070309020205020404" pitchFamily="49" charset="0"/>
-              </a:rPr>
-            </a:br>
-            <a:br>
-              <a:rPr lang="en-GB" sz="800" dirty="0">
-                <a:latin typeface="Courier New" panose="02070309020205020404" pitchFamily="49" charset="0"/>
-                <a:cs typeface="Courier New" panose="02070309020205020404" pitchFamily="49" charset="0"/>
-              </a:rPr>
-            </a:br>
-            <a:r>
-              <a:rPr lang="en-GB" sz="800" dirty="0">
+              <a:rPr lang="en-GB" sz="1000" dirty="0">
+                <a:latin typeface="Courier New" panose="02070309020205020404" pitchFamily="49" charset="0"/>
+                <a:cs typeface="Courier New" panose="02070309020205020404" pitchFamily="49" charset="0"/>
+              </a:rPr>
+            </a:br>
+            <a:br>
+              <a:rPr lang="en-GB" sz="1000" dirty="0">
+                <a:latin typeface="Courier New" panose="02070309020205020404" pitchFamily="49" charset="0"/>
+                <a:cs typeface="Courier New" panose="02070309020205020404" pitchFamily="49" charset="0"/>
+              </a:rPr>
+            </a:br>
+            <a:r>
+              <a:rPr lang="en-GB" sz="1000" dirty="0">
                 <a:latin typeface="Courier New" panose="02070309020205020404" pitchFamily="49" charset="0"/>
                 <a:cs typeface="Courier New" panose="02070309020205020404" pitchFamily="49" charset="0"/>
               </a:rPr>
               <a:t>    public void </a:t>
             </a:r>
             <a:r>
-              <a:rPr lang="en-GB" sz="800" dirty="0" err="1">
+              <a:rPr lang="en-GB" sz="1000" dirty="0" err="1">
                 <a:latin typeface="Courier New" panose="02070309020205020404" pitchFamily="49" charset="0"/>
                 <a:cs typeface="Courier New" panose="02070309020205020404" pitchFamily="49" charset="0"/>
               </a:rPr>
               <a:t>addMarketingQuestion</a:t>
             </a:r>
             <a:r>
-              <a:rPr lang="en-GB" sz="800" dirty="0">
+              <a:rPr lang="en-GB" sz="1000" dirty="0">
                 <a:latin typeface="Courier New" panose="02070309020205020404" pitchFamily="49" charset="0"/>
                 <a:cs typeface="Courier New" panose="02070309020205020404" pitchFamily="49" charset="0"/>
               </a:rPr>
               <a:t>(Question q) {</a:t>
             </a:r>
             <a:br>
-              <a:rPr lang="en-GB" sz="800" dirty="0">
-                <a:latin typeface="Courier New" panose="02070309020205020404" pitchFamily="49" charset="0"/>
-                <a:cs typeface="Courier New" panose="02070309020205020404" pitchFamily="49" charset="0"/>
-              </a:rPr>
-            </a:br>
-            <a:r>
-              <a:rPr lang="en-GB" sz="800" dirty="0">
+              <a:rPr lang="en-GB" sz="1000" dirty="0">
+                <a:latin typeface="Courier New" panose="02070309020205020404" pitchFamily="49" charset="0"/>
+                <a:cs typeface="Courier New" panose="02070309020205020404" pitchFamily="49" charset="0"/>
+              </a:rPr>
+            </a:br>
+            <a:r>
+              <a:rPr lang="en-GB" sz="1000" dirty="0">
                 <a:latin typeface="Courier New" panose="02070309020205020404" pitchFamily="49" charset="0"/>
                 <a:cs typeface="Courier New" panose="02070309020205020404" pitchFamily="49" charset="0"/>
               </a:rPr>
               <a:t>        if(</a:t>
             </a:r>
             <a:r>
-              <a:rPr lang="en-GB" sz="800" dirty="0" err="1">
+              <a:rPr lang="en-GB" sz="1000" dirty="0" err="1">
                 <a:latin typeface="Courier New" panose="02070309020205020404" pitchFamily="49" charset="0"/>
                 <a:cs typeface="Courier New" panose="02070309020205020404" pitchFamily="49" charset="0"/>
               </a:rPr>
               <a:t>q.getType</a:t>
             </a:r>
             <a:r>
-              <a:rPr lang="en-GB" sz="800" dirty="0">
+              <a:rPr lang="en-GB" sz="1000" dirty="0">
                 <a:latin typeface="Courier New" panose="02070309020205020404" pitchFamily="49" charset="0"/>
                 <a:cs typeface="Courier New" panose="02070309020205020404" pitchFamily="49" charset="0"/>
               </a:rPr>
               <a:t>().equals(</a:t>
             </a:r>
             <a:r>
-              <a:rPr lang="en-GB" sz="800" dirty="0" err="1">
+              <a:rPr lang="en-GB" sz="1000" dirty="0" err="1">
                 <a:latin typeface="Courier New" panose="02070309020205020404" pitchFamily="49" charset="0"/>
                 <a:cs typeface="Courier New" panose="02070309020205020404" pitchFamily="49" charset="0"/>
               </a:rPr>
               <a:t>QuestionType.MARKETING</a:t>
             </a:r>
             <a:r>
-              <a:rPr lang="en-GB" sz="800" dirty="0">
+              <a:rPr lang="en-GB" sz="1000" dirty="0">
                 <a:latin typeface="Courier New" panose="02070309020205020404" pitchFamily="49" charset="0"/>
                 <a:cs typeface="Courier New" panose="02070309020205020404" pitchFamily="49" charset="0"/>
               </a:rPr>
               <a:t>)) {</a:t>
             </a:r>
             <a:br>
-              <a:rPr lang="en-GB" sz="800" dirty="0">
-                <a:latin typeface="Courier New" panose="02070309020205020404" pitchFamily="49" charset="0"/>
-                <a:cs typeface="Courier New" panose="02070309020205020404" pitchFamily="49" charset="0"/>
-              </a:rPr>
-            </a:br>
-            <a:r>
-              <a:rPr lang="en-GB" sz="800" dirty="0">
+              <a:rPr lang="en-GB" sz="1000" dirty="0">
+                <a:latin typeface="Courier New" panose="02070309020205020404" pitchFamily="49" charset="0"/>
+                <a:cs typeface="Courier New" panose="02070309020205020404" pitchFamily="49" charset="0"/>
+              </a:rPr>
+            </a:br>
+            <a:r>
+              <a:rPr lang="en-GB" sz="1000" dirty="0">
                 <a:latin typeface="Courier New" panose="02070309020205020404" pitchFamily="49" charset="0"/>
                 <a:cs typeface="Courier New" panose="02070309020205020404" pitchFamily="49" charset="0"/>
               </a:rPr>
               <a:t>            </a:t>
             </a:r>
             <a:r>
-              <a:rPr lang="en-GB" sz="800" dirty="0" err="1">
+              <a:rPr lang="en-GB" sz="1000" dirty="0" err="1">
                 <a:latin typeface="Courier New" panose="02070309020205020404" pitchFamily="49" charset="0"/>
                 <a:cs typeface="Courier New" panose="02070309020205020404" pitchFamily="49" charset="0"/>
               </a:rPr>
               <a:t>this.questions.add</a:t>
             </a:r>
             <a:r>
-              <a:rPr lang="en-GB" sz="800" dirty="0">
+              <a:rPr lang="en-GB" sz="1000" dirty="0">
                 <a:latin typeface="Courier New" panose="02070309020205020404" pitchFamily="49" charset="0"/>
                 <a:cs typeface="Courier New" panose="02070309020205020404" pitchFamily="49" charset="0"/>
               </a:rPr>
               <a:t>(q);</a:t>
             </a:r>
             <a:br>
-              <a:rPr lang="en-GB" sz="800" dirty="0">
-                <a:latin typeface="Courier New" panose="02070309020205020404" pitchFamily="49" charset="0"/>
-                <a:cs typeface="Courier New" panose="02070309020205020404" pitchFamily="49" charset="0"/>
-              </a:rPr>
-            </a:br>
-            <a:r>
-              <a:rPr lang="en-GB" sz="800" dirty="0">
+              <a:rPr lang="en-GB" sz="1000" dirty="0">
+                <a:latin typeface="Courier New" panose="02070309020205020404" pitchFamily="49" charset="0"/>
+                <a:cs typeface="Courier New" panose="02070309020205020404" pitchFamily="49" charset="0"/>
+              </a:rPr>
+            </a:br>
+            <a:r>
+              <a:rPr lang="en-GB" sz="1000" dirty="0">
                 <a:latin typeface="Courier New" panose="02070309020205020404" pitchFamily="49" charset="0"/>
                 <a:cs typeface="Courier New" panose="02070309020205020404" pitchFamily="49" charset="0"/>
               </a:rPr>
               <a:t>            </a:t>
             </a:r>
             <a:r>
-              <a:rPr lang="en-GB" sz="800" dirty="0" err="1">
+              <a:rPr lang="en-GB" sz="1000" dirty="0" err="1">
                 <a:latin typeface="Courier New" panose="02070309020205020404" pitchFamily="49" charset="0"/>
                 <a:cs typeface="Courier New" panose="02070309020205020404" pitchFamily="49" charset="0"/>
               </a:rPr>
               <a:t>q.setQuestionnaire</a:t>
             </a:r>
             <a:r>
-              <a:rPr lang="en-GB" sz="800" dirty="0">
+              <a:rPr lang="en-GB" sz="1000" dirty="0">
                 <a:latin typeface="Courier New" panose="02070309020205020404" pitchFamily="49" charset="0"/>
                 <a:cs typeface="Courier New" panose="02070309020205020404" pitchFamily="49" charset="0"/>
               </a:rPr>
               <a:t>(this);</a:t>
             </a:r>
             <a:br>
-              <a:rPr lang="en-GB" sz="800" dirty="0">
-                <a:latin typeface="Courier New" panose="02070309020205020404" pitchFamily="49" charset="0"/>
-                <a:cs typeface="Courier New" panose="02070309020205020404" pitchFamily="49" charset="0"/>
-              </a:rPr>
-            </a:br>
-            <a:r>
-              <a:rPr lang="en-GB" sz="800" dirty="0">
-                <a:latin typeface="Courier New" panose="02070309020205020404" pitchFamily="49" charset="0"/>
-                <a:cs typeface="Courier New" panose="02070309020205020404" pitchFamily="49" charset="0"/>
-              </a:rPr>
-              <a:t>            </a:t>
-            </a:r>
-            <a:r>
-              <a:rPr lang="en-GB" sz="800" dirty="0" err="1">
+              <a:rPr lang="en-GB" sz="1000" dirty="0">
+                <a:latin typeface="Courier New" panose="02070309020205020404" pitchFamily="49" charset="0"/>
+                <a:cs typeface="Courier New" panose="02070309020205020404" pitchFamily="49" charset="0"/>
+              </a:rPr>
+            </a:br>
+            <a:r>
+              <a:rPr lang="en-GB" sz="1000" dirty="0">
+                <a:latin typeface="Courier New" panose="02070309020205020404" pitchFamily="49" charset="0"/>
+                <a:cs typeface="Courier New" panose="02070309020205020404" pitchFamily="49" charset="0"/>
+              </a:rPr>
+              <a:t>            //</a:t>
+            </a:r>
+            <a:r>
+              <a:rPr lang="en-GB" sz="1000" dirty="0" err="1">
                 <a:latin typeface="Courier New" panose="02070309020205020404" pitchFamily="49" charset="0"/>
                 <a:cs typeface="Courier New" panose="02070309020205020404" pitchFamily="49" charset="0"/>
               </a:rPr>
               <a:t>this.numMarketingQuestions</a:t>
             </a:r>
             <a:r>
-              <a:rPr lang="en-GB" sz="800" dirty="0">
+              <a:rPr lang="en-GB" sz="1000" dirty="0">
                 <a:latin typeface="Courier New" panose="02070309020205020404" pitchFamily="49" charset="0"/>
                 <a:cs typeface="Courier New" panose="02070309020205020404" pitchFamily="49" charset="0"/>
               </a:rPr>
               <a:t>++;</a:t>
             </a:r>
             <a:br>
-              <a:rPr lang="en-GB" sz="800" dirty="0">
-                <a:latin typeface="Courier New" panose="02070309020205020404" pitchFamily="49" charset="0"/>
-                <a:cs typeface="Courier New" panose="02070309020205020404" pitchFamily="49" charset="0"/>
-              </a:rPr>
-            </a:br>
-            <a:r>
-              <a:rPr lang="en-GB" sz="800" dirty="0">
+              <a:rPr lang="en-GB" sz="1000" dirty="0">
+                <a:latin typeface="Courier New" panose="02070309020205020404" pitchFamily="49" charset="0"/>
+                <a:cs typeface="Courier New" panose="02070309020205020404" pitchFamily="49" charset="0"/>
+              </a:rPr>
+            </a:br>
+            <a:r>
+              <a:rPr lang="en-GB" sz="1000" dirty="0">
                 <a:latin typeface="Courier New" panose="02070309020205020404" pitchFamily="49" charset="0"/>
                 <a:cs typeface="Courier New" panose="02070309020205020404" pitchFamily="49" charset="0"/>
               </a:rPr>
               <a:t>        }</a:t>
             </a:r>
             <a:br>
-              <a:rPr lang="en-GB" sz="800" dirty="0">
-                <a:latin typeface="Courier New" panose="02070309020205020404" pitchFamily="49" charset="0"/>
-                <a:cs typeface="Courier New" panose="02070309020205020404" pitchFamily="49" charset="0"/>
-              </a:rPr>
-            </a:br>
-            <a:r>
-              <a:rPr lang="en-GB" sz="800" dirty="0">
+              <a:rPr lang="en-GB" sz="1000" dirty="0">
+                <a:latin typeface="Courier New" panose="02070309020205020404" pitchFamily="49" charset="0"/>
+                <a:cs typeface="Courier New" panose="02070309020205020404" pitchFamily="49" charset="0"/>
+              </a:rPr>
+            </a:br>
+            <a:r>
+              <a:rPr lang="en-GB" sz="1000" dirty="0">
                 <a:latin typeface="Courier New" panose="02070309020205020404" pitchFamily="49" charset="0"/>
                 <a:cs typeface="Courier New" panose="02070309020205020404" pitchFamily="49" charset="0"/>
               </a:rPr>
               <a:t>    }</a:t>
             </a:r>
             <a:br>
-              <a:rPr lang="en-GB" sz="800" dirty="0">
-                <a:latin typeface="Courier New" panose="02070309020205020404" pitchFamily="49" charset="0"/>
-                <a:cs typeface="Courier New" panose="02070309020205020404" pitchFamily="49" charset="0"/>
-              </a:rPr>
-            </a:br>
-            <a:br>
-              <a:rPr lang="en-GB" sz="800" dirty="0">
-                <a:latin typeface="Courier New" panose="02070309020205020404" pitchFamily="49" charset="0"/>
-                <a:cs typeface="Courier New" panose="02070309020205020404" pitchFamily="49" charset="0"/>
-              </a:rPr>
-            </a:br>
-            <a:r>
-              <a:rPr lang="en-GB" sz="800" dirty="0">
+              <a:rPr lang="en-GB" sz="1000" dirty="0">
+                <a:latin typeface="Courier New" panose="02070309020205020404" pitchFamily="49" charset="0"/>
+                <a:cs typeface="Courier New" panose="02070309020205020404" pitchFamily="49" charset="0"/>
+              </a:rPr>
+            </a:br>
+            <a:br>
+              <a:rPr lang="en-GB" sz="1000" dirty="0">
+                <a:latin typeface="Courier New" panose="02070309020205020404" pitchFamily="49" charset="0"/>
+                <a:cs typeface="Courier New" panose="02070309020205020404" pitchFamily="49" charset="0"/>
+              </a:rPr>
+            </a:br>
+            <a:r>
+              <a:rPr lang="en-GB" sz="1000" dirty="0">
                 <a:latin typeface="Courier New" panose="02070309020205020404" pitchFamily="49" charset="0"/>
                 <a:cs typeface="Courier New" panose="02070309020205020404" pitchFamily="49" charset="0"/>
               </a:rPr>
               <a:t>    public void </a:t>
             </a:r>
             <a:r>
-              <a:rPr lang="en-GB" sz="800" dirty="0" err="1">
+              <a:rPr lang="en-GB" sz="1000" dirty="0" err="1">
                 <a:latin typeface="Courier New" panose="02070309020205020404" pitchFamily="49" charset="0"/>
                 <a:cs typeface="Courier New" panose="02070309020205020404" pitchFamily="49" charset="0"/>
               </a:rPr>
               <a:t>addAnswer</a:t>
             </a:r>
             <a:r>
-              <a:rPr lang="en-GB" sz="800" dirty="0">
+              <a:rPr lang="en-GB" sz="1000" dirty="0">
                 <a:latin typeface="Courier New" panose="02070309020205020404" pitchFamily="49" charset="0"/>
                 <a:cs typeface="Courier New" panose="02070309020205020404" pitchFamily="49" charset="0"/>
               </a:rPr>
               <a:t>(</a:t>
             </a:r>
             <a:r>
-              <a:rPr lang="en-GB" sz="800" dirty="0" err="1">
+              <a:rPr lang="en-GB" sz="1000" dirty="0" err="1">
                 <a:latin typeface="Courier New" panose="02070309020205020404" pitchFamily="49" charset="0"/>
                 <a:cs typeface="Courier New" panose="02070309020205020404" pitchFamily="49" charset="0"/>
               </a:rPr>
               <a:t>UserAnswer</a:t>
             </a:r>
             <a:r>
-              <a:rPr lang="en-GB" sz="800" dirty="0">
+              <a:rPr lang="en-GB" sz="1000" dirty="0">
                 <a:latin typeface="Courier New" panose="02070309020205020404" pitchFamily="49" charset="0"/>
                 <a:cs typeface="Courier New" panose="02070309020205020404" pitchFamily="49" charset="0"/>
               </a:rPr>
               <a:t> answer) {</a:t>
             </a:r>
             <a:br>
-              <a:rPr lang="en-GB" sz="800" dirty="0">
-                <a:latin typeface="Courier New" panose="02070309020205020404" pitchFamily="49" charset="0"/>
-                <a:cs typeface="Courier New" panose="02070309020205020404" pitchFamily="49" charset="0"/>
-              </a:rPr>
-            </a:br>
-            <a:r>
-              <a:rPr lang="en-GB" sz="800" dirty="0">
+              <a:rPr lang="en-GB" sz="1000" dirty="0">
+                <a:latin typeface="Courier New" panose="02070309020205020404" pitchFamily="49" charset="0"/>
+                <a:cs typeface="Courier New" panose="02070309020205020404" pitchFamily="49" charset="0"/>
+              </a:rPr>
+            </a:br>
+            <a:r>
+              <a:rPr lang="en-GB" sz="1000" dirty="0">
                 <a:latin typeface="Courier New" panose="02070309020205020404" pitchFamily="49" charset="0"/>
                 <a:cs typeface="Courier New" panose="02070309020205020404" pitchFamily="49" charset="0"/>
               </a:rPr>
               <a:t>        </a:t>
             </a:r>
             <a:r>
-              <a:rPr lang="en-GB" sz="800" dirty="0" err="1">
+              <a:rPr lang="en-GB" sz="1000" dirty="0" err="1">
                 <a:latin typeface="Courier New" panose="02070309020205020404" pitchFamily="49" charset="0"/>
                 <a:cs typeface="Courier New" panose="02070309020205020404" pitchFamily="49" charset="0"/>
               </a:rPr>
               <a:t>this.answers.add</a:t>
             </a:r>
             <a:r>
-              <a:rPr lang="en-GB" sz="800" dirty="0">
+              <a:rPr lang="en-GB" sz="1000" dirty="0">
                 <a:latin typeface="Courier New" panose="02070309020205020404" pitchFamily="49" charset="0"/>
                 <a:cs typeface="Courier New" panose="02070309020205020404" pitchFamily="49" charset="0"/>
               </a:rPr>
               <a:t>(answer);</a:t>
             </a:r>
             <a:br>
-              <a:rPr lang="en-GB" sz="800" dirty="0">
-                <a:latin typeface="Courier New" panose="02070309020205020404" pitchFamily="49" charset="0"/>
-                <a:cs typeface="Courier New" panose="02070309020205020404" pitchFamily="49" charset="0"/>
-              </a:rPr>
-            </a:br>
-            <a:r>
-              <a:rPr lang="en-GB" sz="800" dirty="0">
+              <a:rPr lang="en-GB" sz="1000" dirty="0">
+                <a:latin typeface="Courier New" panose="02070309020205020404" pitchFamily="49" charset="0"/>
+                <a:cs typeface="Courier New" panose="02070309020205020404" pitchFamily="49" charset="0"/>
+              </a:rPr>
+            </a:br>
+            <a:r>
+              <a:rPr lang="en-GB" sz="1000" dirty="0">
                 <a:latin typeface="Courier New" panose="02070309020205020404" pitchFamily="49" charset="0"/>
                 <a:cs typeface="Courier New" panose="02070309020205020404" pitchFamily="49" charset="0"/>
               </a:rPr>
               <a:t>    }</a:t>
             </a:r>
             <a:br>
-              <a:rPr lang="en-GB" sz="800" dirty="0">
-                <a:latin typeface="Courier New" panose="02070309020205020404" pitchFamily="49" charset="0"/>
-                <a:cs typeface="Courier New" panose="02070309020205020404" pitchFamily="49" charset="0"/>
-              </a:rPr>
-            </a:br>
-            <a:r>
-              <a:rPr lang="en-GB" sz="800" dirty="0">
+              <a:rPr lang="en-GB" sz="1000" dirty="0">
+                <a:latin typeface="Courier New" panose="02070309020205020404" pitchFamily="49" charset="0"/>
+                <a:cs typeface="Courier New" panose="02070309020205020404" pitchFamily="49" charset="0"/>
+              </a:rPr>
+            </a:br>
+            <a:r>
+              <a:rPr lang="en-GB" sz="1000" dirty="0">
                 <a:latin typeface="Courier New" panose="02070309020205020404" pitchFamily="49" charset="0"/>
                 <a:cs typeface="Courier New" panose="02070309020205020404" pitchFamily="49" charset="0"/>
               </a:rPr>
               <a:t>}</a:t>
             </a:r>
-            <a:br>
-              <a:rPr lang="en-GB" sz="800" dirty="0">
-                <a:latin typeface="Courier New" panose="02070309020205020404" pitchFamily="49" charset="0"/>
-                <a:cs typeface="Courier New" panose="02070309020205020404" pitchFamily="49" charset="0"/>
-              </a:rPr>
-            </a:br>
-            <a:endParaRPr lang="en-GB" sz="1100" dirty="0">
+            <a:endParaRPr lang="en-GB" sz="1400" dirty="0">
               <a:latin typeface="Courier New" panose="02070309020205020404" pitchFamily="49" charset="0"/>
               <a:cs typeface="Courier New" panose="02070309020205020404" pitchFamily="49" charset="0"/>
             </a:endParaRPr>
@@ -8648,7 +8895,7 @@
         </p:spPr>
         <p:txBody>
           <a:bodyPr>
-            <a:normAutofit fontScale="70000" lnSpcReduction="20000"/>
+            <a:normAutofit fontScale="92500" lnSpcReduction="20000"/>
           </a:bodyPr>
           <a:lstStyle/>
           <a:p>
@@ -8663,649 +8910,463 @@
                 <a:latin typeface="Courier New" panose="02070309020205020404" pitchFamily="49" charset="0"/>
                 <a:cs typeface="Courier New" panose="02070309020205020404" pitchFamily="49" charset="0"/>
               </a:rPr>
-              <a:t>package </a:t>
+              <a:t>@Entity</a:t>
+            </a:r>
+            <a:br>
+              <a:rPr lang="en-GB" sz="1500" dirty="0">
+                <a:latin typeface="Courier New" panose="02070309020205020404" pitchFamily="49" charset="0"/>
+                <a:cs typeface="Courier New" panose="02070309020205020404" pitchFamily="49" charset="0"/>
+              </a:rPr>
+            </a:br>
+            <a:r>
+              <a:rPr lang="en-GB" sz="1500" dirty="0">
+                <a:latin typeface="Courier New" panose="02070309020205020404" pitchFamily="49" charset="0"/>
+                <a:cs typeface="Courier New" panose="02070309020205020404" pitchFamily="49" charset="0"/>
+              </a:rPr>
+              <a:t>@Getter</a:t>
+            </a:r>
+            <a:br>
+              <a:rPr lang="en-GB" sz="1500" dirty="0">
+                <a:latin typeface="Courier New" panose="02070309020205020404" pitchFamily="49" charset="0"/>
+                <a:cs typeface="Courier New" panose="02070309020205020404" pitchFamily="49" charset="0"/>
+              </a:rPr>
+            </a:br>
+            <a:r>
+              <a:rPr lang="en-GB" sz="1500" dirty="0">
+                <a:latin typeface="Courier New" panose="02070309020205020404" pitchFamily="49" charset="0"/>
+                <a:cs typeface="Courier New" panose="02070309020205020404" pitchFamily="49" charset="0"/>
+              </a:rPr>
+              <a:t>@Setter</a:t>
+            </a:r>
+            <a:br>
+              <a:rPr lang="en-GB" sz="1500" dirty="0">
+                <a:latin typeface="Courier New" panose="02070309020205020404" pitchFamily="49" charset="0"/>
+                <a:cs typeface="Courier New" panose="02070309020205020404" pitchFamily="49" charset="0"/>
+              </a:rPr>
+            </a:br>
+            <a:r>
+              <a:rPr lang="en-GB" sz="1500" dirty="0">
+                <a:latin typeface="Courier New" panose="02070309020205020404" pitchFamily="49" charset="0"/>
+                <a:cs typeface="Courier New" panose="02070309020205020404" pitchFamily="49" charset="0"/>
+              </a:rPr>
+              <a:t>public class Review implements Serializable {</a:t>
+            </a:r>
+            <a:br>
+              <a:rPr lang="en-GB" sz="1500" dirty="0">
+                <a:latin typeface="Courier New" panose="02070309020205020404" pitchFamily="49" charset="0"/>
+                <a:cs typeface="Courier New" panose="02070309020205020404" pitchFamily="49" charset="0"/>
+              </a:rPr>
+            </a:br>
+            <a:r>
+              <a:rPr lang="en-GB" sz="1500" dirty="0">
+                <a:latin typeface="Courier New" panose="02070309020205020404" pitchFamily="49" charset="0"/>
+                <a:cs typeface="Courier New" panose="02070309020205020404" pitchFamily="49" charset="0"/>
+              </a:rPr>
+              <a:t>    private static final long </a:t>
             </a:r>
             <a:r>
               <a:rPr lang="en-GB" sz="1500" dirty="0" err="1">
                 <a:latin typeface="Courier New" panose="02070309020205020404" pitchFamily="49" charset="0"/>
                 <a:cs typeface="Courier New" panose="02070309020205020404" pitchFamily="49" charset="0"/>
               </a:rPr>
-              <a:t>it.polimi.project.ejb.entities</a:t>
-            </a:r>
-            <a:r>
-              <a:rPr lang="en-GB" sz="1500" dirty="0">
-                <a:latin typeface="Courier New" panose="02070309020205020404" pitchFamily="49" charset="0"/>
-                <a:cs typeface="Courier New" panose="02070309020205020404" pitchFamily="49" charset="0"/>
-              </a:rPr>
-              <a:t>;</a:t>
-            </a:r>
-            <a:br>
-              <a:rPr lang="en-GB" sz="1500" dirty="0">
-                <a:latin typeface="Courier New" panose="02070309020205020404" pitchFamily="49" charset="0"/>
-                <a:cs typeface="Courier New" panose="02070309020205020404" pitchFamily="49" charset="0"/>
-              </a:rPr>
-            </a:br>
-            <a:br>
-              <a:rPr lang="en-GB" sz="1500" dirty="0">
-                <a:latin typeface="Courier New" panose="02070309020205020404" pitchFamily="49" charset="0"/>
-                <a:cs typeface="Courier New" panose="02070309020205020404" pitchFamily="49" charset="0"/>
-              </a:rPr>
-            </a:br>
-            <a:r>
-              <a:rPr lang="en-GB" sz="1500" dirty="0">
-                <a:latin typeface="Courier New" panose="02070309020205020404" pitchFamily="49" charset="0"/>
-                <a:cs typeface="Courier New" panose="02070309020205020404" pitchFamily="49" charset="0"/>
-              </a:rPr>
-              <a:t>import </a:t>
+              <a:t>serialVersionUID</a:t>
+            </a:r>
+            <a:r>
+              <a:rPr lang="en-GB" sz="1500" dirty="0">
+                <a:latin typeface="Courier New" panose="02070309020205020404" pitchFamily="49" charset="0"/>
+                <a:cs typeface="Courier New" panose="02070309020205020404" pitchFamily="49" charset="0"/>
+              </a:rPr>
+              <a:t> = 1L;</a:t>
+            </a:r>
+            <a:br>
+              <a:rPr lang="en-GB" sz="1500" dirty="0">
+                <a:latin typeface="Courier New" panose="02070309020205020404" pitchFamily="49" charset="0"/>
+                <a:cs typeface="Courier New" panose="02070309020205020404" pitchFamily="49" charset="0"/>
+              </a:rPr>
+            </a:br>
+            <a:br>
+              <a:rPr lang="en-GB" sz="1500" dirty="0">
+                <a:latin typeface="Courier New" panose="02070309020205020404" pitchFamily="49" charset="0"/>
+                <a:cs typeface="Courier New" panose="02070309020205020404" pitchFamily="49" charset="0"/>
+              </a:rPr>
+            </a:br>
+            <a:r>
+              <a:rPr lang="en-GB" sz="1500" dirty="0">
+                <a:latin typeface="Courier New" panose="02070309020205020404" pitchFamily="49" charset="0"/>
+                <a:cs typeface="Courier New" panose="02070309020205020404" pitchFamily="49" charset="0"/>
+              </a:rPr>
+              <a:t>    @Id</a:t>
+            </a:r>
+            <a:br>
+              <a:rPr lang="en-GB" sz="1500" dirty="0">
+                <a:latin typeface="Courier New" panose="02070309020205020404" pitchFamily="49" charset="0"/>
+                <a:cs typeface="Courier New" panose="02070309020205020404" pitchFamily="49" charset="0"/>
+              </a:rPr>
+            </a:br>
+            <a:r>
+              <a:rPr lang="en-GB" sz="1500" dirty="0">
+                <a:latin typeface="Courier New" panose="02070309020205020404" pitchFamily="49" charset="0"/>
+                <a:cs typeface="Courier New" panose="02070309020205020404" pitchFamily="49" charset="0"/>
+              </a:rPr>
+              <a:t>    @</a:t>
             </a:r>
             <a:r>
               <a:rPr lang="en-GB" sz="1500" dirty="0" err="1">
                 <a:latin typeface="Courier New" panose="02070309020205020404" pitchFamily="49" charset="0"/>
                 <a:cs typeface="Courier New" panose="02070309020205020404" pitchFamily="49" charset="0"/>
               </a:rPr>
-              <a:t>lombok.Data</a:t>
-            </a:r>
-            <a:r>
-              <a:rPr lang="en-GB" sz="1500" dirty="0">
-                <a:latin typeface="Courier New" panose="02070309020205020404" pitchFamily="49" charset="0"/>
-                <a:cs typeface="Courier New" panose="02070309020205020404" pitchFamily="49" charset="0"/>
-              </a:rPr>
-              <a:t>;</a:t>
-            </a:r>
-            <a:br>
-              <a:rPr lang="en-GB" sz="1500" dirty="0">
-                <a:latin typeface="Courier New" panose="02070309020205020404" pitchFamily="49" charset="0"/>
-                <a:cs typeface="Courier New" panose="02070309020205020404" pitchFamily="49" charset="0"/>
-              </a:rPr>
-            </a:br>
-            <a:r>
-              <a:rPr lang="en-GB" sz="1500" dirty="0">
-                <a:latin typeface="Courier New" panose="02070309020205020404" pitchFamily="49" charset="0"/>
-                <a:cs typeface="Courier New" panose="02070309020205020404" pitchFamily="49" charset="0"/>
-              </a:rPr>
-              <a:t>import </a:t>
+              <a:t>GeneratedValue</a:t>
+            </a:r>
+            <a:r>
+              <a:rPr lang="en-GB" sz="1500" dirty="0">
+                <a:latin typeface="Courier New" panose="02070309020205020404" pitchFamily="49" charset="0"/>
+                <a:cs typeface="Courier New" panose="02070309020205020404" pitchFamily="49" charset="0"/>
+              </a:rPr>
+              <a:t>(strategy = </a:t>
             </a:r>
             <a:r>
               <a:rPr lang="en-GB" sz="1500" dirty="0" err="1">
                 <a:latin typeface="Courier New" panose="02070309020205020404" pitchFamily="49" charset="0"/>
                 <a:cs typeface="Courier New" panose="02070309020205020404" pitchFamily="49" charset="0"/>
               </a:rPr>
-              <a:t>lombok.Getter</a:t>
-            </a:r>
-            <a:r>
-              <a:rPr lang="en-GB" sz="1500" dirty="0">
-                <a:latin typeface="Courier New" panose="02070309020205020404" pitchFamily="49" charset="0"/>
-                <a:cs typeface="Courier New" panose="02070309020205020404" pitchFamily="49" charset="0"/>
-              </a:rPr>
-              <a:t>;</a:t>
-            </a:r>
-            <a:br>
-              <a:rPr lang="en-GB" sz="1500" dirty="0">
-                <a:latin typeface="Courier New" panose="02070309020205020404" pitchFamily="49" charset="0"/>
-                <a:cs typeface="Courier New" panose="02070309020205020404" pitchFamily="49" charset="0"/>
-              </a:rPr>
-            </a:br>
-            <a:r>
-              <a:rPr lang="en-GB" sz="1500" dirty="0">
-                <a:latin typeface="Courier New" panose="02070309020205020404" pitchFamily="49" charset="0"/>
-                <a:cs typeface="Courier New" panose="02070309020205020404" pitchFamily="49" charset="0"/>
-              </a:rPr>
-              <a:t>import </a:t>
+              <a:t>GenerationType.IDENTITY</a:t>
+            </a:r>
+            <a:r>
+              <a:rPr lang="en-GB" sz="1500" dirty="0">
+                <a:latin typeface="Courier New" panose="02070309020205020404" pitchFamily="49" charset="0"/>
+                <a:cs typeface="Courier New" panose="02070309020205020404" pitchFamily="49" charset="0"/>
+              </a:rPr>
+              <a:t>)</a:t>
+            </a:r>
+            <a:br>
+              <a:rPr lang="en-GB" sz="1500" dirty="0">
+                <a:latin typeface="Courier New" panose="02070309020205020404" pitchFamily="49" charset="0"/>
+                <a:cs typeface="Courier New" panose="02070309020205020404" pitchFamily="49" charset="0"/>
+              </a:rPr>
+            </a:br>
+            <a:r>
+              <a:rPr lang="en-GB" sz="1500" dirty="0">
+                <a:latin typeface="Courier New" panose="02070309020205020404" pitchFamily="49" charset="0"/>
+                <a:cs typeface="Courier New" panose="02070309020205020404" pitchFamily="49" charset="0"/>
+              </a:rPr>
+              <a:t>    private int id;</a:t>
+            </a:r>
+            <a:br>
+              <a:rPr lang="en-GB" sz="1500" dirty="0">
+                <a:latin typeface="Courier New" panose="02070309020205020404" pitchFamily="49" charset="0"/>
+                <a:cs typeface="Courier New" panose="02070309020205020404" pitchFamily="49" charset="0"/>
+              </a:rPr>
+            </a:br>
+            <a:br>
+              <a:rPr lang="en-GB" sz="1500" dirty="0">
+                <a:latin typeface="Courier New" panose="02070309020205020404" pitchFamily="49" charset="0"/>
+                <a:cs typeface="Courier New" panose="02070309020205020404" pitchFamily="49" charset="0"/>
+              </a:rPr>
+            </a:br>
+            <a:r>
+              <a:rPr lang="en-GB" sz="1500" dirty="0">
+                <a:latin typeface="Courier New" panose="02070309020205020404" pitchFamily="49" charset="0"/>
+                <a:cs typeface="Courier New" panose="02070309020205020404" pitchFamily="49" charset="0"/>
+              </a:rPr>
+              <a:t>    private </a:t>
             </a:r>
             <a:r>
               <a:rPr lang="en-GB" sz="1500" dirty="0" err="1">
                 <a:latin typeface="Courier New" panose="02070309020205020404" pitchFamily="49" charset="0"/>
                 <a:cs typeface="Courier New" panose="02070309020205020404" pitchFamily="49" charset="0"/>
               </a:rPr>
-              <a:t>lombok.Setter</a:t>
-            </a:r>
-            <a:r>
-              <a:rPr lang="en-GB" sz="1500" dirty="0">
-                <a:latin typeface="Courier New" panose="02070309020205020404" pitchFamily="49" charset="0"/>
-                <a:cs typeface="Courier New" panose="02070309020205020404" pitchFamily="49" charset="0"/>
-              </a:rPr>
-              <a:t>;</a:t>
-            </a:r>
-            <a:br>
-              <a:rPr lang="en-GB" sz="1500" dirty="0">
-                <a:latin typeface="Courier New" panose="02070309020205020404" pitchFamily="49" charset="0"/>
-                <a:cs typeface="Courier New" panose="02070309020205020404" pitchFamily="49" charset="0"/>
-              </a:rPr>
-            </a:br>
-            <a:br>
-              <a:rPr lang="en-GB" sz="1500" dirty="0">
-                <a:latin typeface="Courier New" panose="02070309020205020404" pitchFamily="49" charset="0"/>
-                <a:cs typeface="Courier New" panose="02070309020205020404" pitchFamily="49" charset="0"/>
-              </a:rPr>
-            </a:br>
-            <a:r>
-              <a:rPr lang="en-GB" sz="1500" dirty="0">
-                <a:latin typeface="Courier New" panose="02070309020205020404" pitchFamily="49" charset="0"/>
-                <a:cs typeface="Courier New" panose="02070309020205020404" pitchFamily="49" charset="0"/>
-              </a:rPr>
-              <a:t>import </a:t>
+              <a:t>LocalDate</a:t>
+            </a:r>
+            <a:r>
+              <a:rPr lang="en-GB" sz="1500" dirty="0">
+                <a:latin typeface="Courier New" panose="02070309020205020404" pitchFamily="49" charset="0"/>
+                <a:cs typeface="Courier New" panose="02070309020205020404" pitchFamily="49" charset="0"/>
+              </a:rPr>
+              <a:t> date;</a:t>
+            </a:r>
+            <a:br>
+              <a:rPr lang="en-GB" sz="1500" dirty="0">
+                <a:latin typeface="Courier New" panose="02070309020205020404" pitchFamily="49" charset="0"/>
+                <a:cs typeface="Courier New" panose="02070309020205020404" pitchFamily="49" charset="0"/>
+              </a:rPr>
+            </a:br>
+            <a:br>
+              <a:rPr lang="en-GB" sz="1500" dirty="0">
+                <a:latin typeface="Courier New" panose="02070309020205020404" pitchFamily="49" charset="0"/>
+                <a:cs typeface="Courier New" panose="02070309020205020404" pitchFamily="49" charset="0"/>
+              </a:rPr>
+            </a:br>
+            <a:r>
+              <a:rPr lang="en-GB" sz="1500" dirty="0">
+                <a:latin typeface="Courier New" panose="02070309020205020404" pitchFamily="49" charset="0"/>
+                <a:cs typeface="Courier New" panose="02070309020205020404" pitchFamily="49" charset="0"/>
+              </a:rPr>
+              <a:t>    private String description;</a:t>
+            </a:r>
+            <a:br>
+              <a:rPr lang="en-GB" sz="1500" dirty="0">
+                <a:latin typeface="Courier New" panose="02070309020205020404" pitchFamily="49" charset="0"/>
+                <a:cs typeface="Courier New" panose="02070309020205020404" pitchFamily="49" charset="0"/>
+              </a:rPr>
+            </a:br>
+            <a:br>
+              <a:rPr lang="en-GB" sz="1500" dirty="0">
+                <a:latin typeface="Courier New" panose="02070309020205020404" pitchFamily="49" charset="0"/>
+                <a:cs typeface="Courier New" panose="02070309020205020404" pitchFamily="49" charset="0"/>
+              </a:rPr>
+            </a:br>
+            <a:r>
+              <a:rPr lang="en-GB" sz="1500" dirty="0">
+                <a:latin typeface="Courier New" panose="02070309020205020404" pitchFamily="49" charset="0"/>
+                <a:cs typeface="Courier New" panose="02070309020205020404" pitchFamily="49" charset="0"/>
+              </a:rPr>
+              <a:t>    @</a:t>
             </a:r>
             <a:r>
               <a:rPr lang="en-GB" sz="1500" dirty="0" err="1">
                 <a:latin typeface="Courier New" panose="02070309020205020404" pitchFamily="49" charset="0"/>
                 <a:cs typeface="Courier New" panose="02070309020205020404" pitchFamily="49" charset="0"/>
               </a:rPr>
-              <a:t>javax.persistence</a:t>
-            </a:r>
-            <a:r>
-              <a:rPr lang="en-GB" sz="1500" dirty="0">
-                <a:latin typeface="Courier New" panose="02070309020205020404" pitchFamily="49" charset="0"/>
-                <a:cs typeface="Courier New" panose="02070309020205020404" pitchFamily="49" charset="0"/>
-              </a:rPr>
-              <a:t>.*;</a:t>
-            </a:r>
-            <a:br>
-              <a:rPr lang="en-GB" sz="1500" dirty="0">
-                <a:latin typeface="Courier New" panose="02070309020205020404" pitchFamily="49" charset="0"/>
-                <a:cs typeface="Courier New" panose="02070309020205020404" pitchFamily="49" charset="0"/>
-              </a:rPr>
-            </a:br>
-            <a:r>
-              <a:rPr lang="en-GB" sz="1500" dirty="0">
-                <a:latin typeface="Courier New" panose="02070309020205020404" pitchFamily="49" charset="0"/>
-                <a:cs typeface="Courier New" panose="02070309020205020404" pitchFamily="49" charset="0"/>
-              </a:rPr>
-              <a:t>import </a:t>
+              <a:t>ManyToOne</a:t>
+            </a:r>
+            <a:br>
+              <a:rPr lang="en-GB" sz="1500" dirty="0">
+                <a:latin typeface="Courier New" panose="02070309020205020404" pitchFamily="49" charset="0"/>
+                <a:cs typeface="Courier New" panose="02070309020205020404" pitchFamily="49" charset="0"/>
+              </a:rPr>
+            </a:br>
+            <a:r>
+              <a:rPr lang="en-GB" sz="1500" dirty="0">
+                <a:latin typeface="Courier New" panose="02070309020205020404" pitchFamily="49" charset="0"/>
+                <a:cs typeface="Courier New" panose="02070309020205020404" pitchFamily="49" charset="0"/>
+              </a:rPr>
+              <a:t>    @</a:t>
             </a:r>
             <a:r>
               <a:rPr lang="en-GB" sz="1500" dirty="0" err="1">
                 <a:latin typeface="Courier New" panose="02070309020205020404" pitchFamily="49" charset="0"/>
                 <a:cs typeface="Courier New" panose="02070309020205020404" pitchFamily="49" charset="0"/>
               </a:rPr>
-              <a:t>java.io.Serializable</a:t>
-            </a:r>
-            <a:r>
-              <a:rPr lang="en-GB" sz="1500" dirty="0">
-                <a:latin typeface="Courier New" panose="02070309020205020404" pitchFamily="49" charset="0"/>
-                <a:cs typeface="Courier New" panose="02070309020205020404" pitchFamily="49" charset="0"/>
-              </a:rPr>
-              <a:t>;</a:t>
-            </a:r>
-            <a:br>
-              <a:rPr lang="en-GB" sz="1500" dirty="0">
-                <a:latin typeface="Courier New" panose="02070309020205020404" pitchFamily="49" charset="0"/>
-                <a:cs typeface="Courier New" panose="02070309020205020404" pitchFamily="49" charset="0"/>
-              </a:rPr>
-            </a:br>
-            <a:r>
-              <a:rPr lang="en-GB" sz="1500" dirty="0">
-                <a:latin typeface="Courier New" panose="02070309020205020404" pitchFamily="49" charset="0"/>
-                <a:cs typeface="Courier New" panose="02070309020205020404" pitchFamily="49" charset="0"/>
-              </a:rPr>
-              <a:t>import </a:t>
+              <a:t>JoinColumn</a:t>
+            </a:r>
+            <a:r>
+              <a:rPr lang="en-GB" sz="1500" dirty="0">
+                <a:latin typeface="Courier New" panose="02070309020205020404" pitchFamily="49" charset="0"/>
+                <a:cs typeface="Courier New" panose="02070309020205020404" pitchFamily="49" charset="0"/>
+              </a:rPr>
+              <a:t>(unique = true)</a:t>
+            </a:r>
+            <a:br>
+              <a:rPr lang="en-GB" sz="1500" dirty="0">
+                <a:latin typeface="Courier New" panose="02070309020205020404" pitchFamily="49" charset="0"/>
+                <a:cs typeface="Courier New" panose="02070309020205020404" pitchFamily="49" charset="0"/>
+              </a:rPr>
+            </a:br>
+            <a:r>
+              <a:rPr lang="en-GB" sz="1500" dirty="0">
+                <a:latin typeface="Courier New" panose="02070309020205020404" pitchFamily="49" charset="0"/>
+                <a:cs typeface="Courier New" panose="02070309020205020404" pitchFamily="49" charset="0"/>
+              </a:rPr>
+              <a:t>    private User user;</a:t>
+            </a:r>
+            <a:br>
+              <a:rPr lang="en-GB" sz="1500" dirty="0">
+                <a:latin typeface="Courier New" panose="02070309020205020404" pitchFamily="49" charset="0"/>
+                <a:cs typeface="Courier New" panose="02070309020205020404" pitchFamily="49" charset="0"/>
+              </a:rPr>
+            </a:br>
+            <a:br>
+              <a:rPr lang="en-GB" sz="1500" dirty="0">
+                <a:latin typeface="Courier New" panose="02070309020205020404" pitchFamily="49" charset="0"/>
+                <a:cs typeface="Courier New" panose="02070309020205020404" pitchFamily="49" charset="0"/>
+              </a:rPr>
+            </a:br>
+            <a:r>
+              <a:rPr lang="en-GB" sz="1500" dirty="0">
+                <a:latin typeface="Courier New" panose="02070309020205020404" pitchFamily="49" charset="0"/>
+                <a:cs typeface="Courier New" panose="02070309020205020404" pitchFamily="49" charset="0"/>
+              </a:rPr>
+              <a:t>    @</a:t>
             </a:r>
             <a:r>
               <a:rPr lang="en-GB" sz="1500" dirty="0" err="1">
                 <a:latin typeface="Courier New" panose="02070309020205020404" pitchFamily="49" charset="0"/>
                 <a:cs typeface="Courier New" panose="02070309020205020404" pitchFamily="49" charset="0"/>
               </a:rPr>
-              <a:t>java.time.LocalDate</a:t>
-            </a:r>
-            <a:r>
-              <a:rPr lang="en-GB" sz="1500" dirty="0">
-                <a:latin typeface="Courier New" panose="02070309020205020404" pitchFamily="49" charset="0"/>
-                <a:cs typeface="Courier New" panose="02070309020205020404" pitchFamily="49" charset="0"/>
-              </a:rPr>
-              <a:t>;</a:t>
-            </a:r>
-            <a:br>
-              <a:rPr lang="en-GB" sz="1500" dirty="0">
-                <a:latin typeface="Courier New" panose="02070309020205020404" pitchFamily="49" charset="0"/>
-                <a:cs typeface="Courier New" panose="02070309020205020404" pitchFamily="49" charset="0"/>
-              </a:rPr>
-            </a:br>
-            <a:r>
-              <a:rPr lang="en-GB" sz="1500" dirty="0">
-                <a:latin typeface="Courier New" panose="02070309020205020404" pitchFamily="49" charset="0"/>
-                <a:cs typeface="Courier New" panose="02070309020205020404" pitchFamily="49" charset="0"/>
-              </a:rPr>
-              <a:t>import </a:t>
+              <a:t>ManyToOne</a:t>
+            </a:r>
+            <a:r>
+              <a:rPr lang="en-GB" sz="1500" dirty="0">
+                <a:latin typeface="Courier New" panose="02070309020205020404" pitchFamily="49" charset="0"/>
+                <a:cs typeface="Courier New" panose="02070309020205020404" pitchFamily="49" charset="0"/>
+              </a:rPr>
+              <a:t>//(cascade = { </a:t>
             </a:r>
             <a:r>
               <a:rPr lang="en-GB" sz="1500" dirty="0" err="1">
                 <a:latin typeface="Courier New" panose="02070309020205020404" pitchFamily="49" charset="0"/>
                 <a:cs typeface="Courier New" panose="02070309020205020404" pitchFamily="49" charset="0"/>
               </a:rPr>
-              <a:t>java.util.Date</a:t>
-            </a:r>
-            <a:r>
-              <a:rPr lang="en-GB" sz="1500" dirty="0">
-                <a:latin typeface="Courier New" panose="02070309020205020404" pitchFamily="49" charset="0"/>
-                <a:cs typeface="Courier New" panose="02070309020205020404" pitchFamily="49" charset="0"/>
-              </a:rPr>
-              <a:t>;</a:t>
-            </a:r>
-            <a:br>
-              <a:rPr lang="en-GB" sz="1500" dirty="0">
-                <a:latin typeface="Courier New" panose="02070309020205020404" pitchFamily="49" charset="0"/>
-                <a:cs typeface="Courier New" panose="02070309020205020404" pitchFamily="49" charset="0"/>
-              </a:rPr>
-            </a:br>
-            <a:br>
-              <a:rPr lang="en-GB" sz="1500" dirty="0">
-                <a:latin typeface="Courier New" panose="02070309020205020404" pitchFamily="49" charset="0"/>
-                <a:cs typeface="Courier New" panose="02070309020205020404" pitchFamily="49" charset="0"/>
-              </a:rPr>
-            </a:br>
-            <a:r>
-              <a:rPr lang="en-GB" sz="1500" dirty="0">
-                <a:latin typeface="Courier New" panose="02070309020205020404" pitchFamily="49" charset="0"/>
-                <a:cs typeface="Courier New" panose="02070309020205020404" pitchFamily="49" charset="0"/>
-              </a:rPr>
-              <a:t>@Entity</a:t>
-            </a:r>
-            <a:br>
-              <a:rPr lang="en-GB" sz="1500" dirty="0">
-                <a:latin typeface="Courier New" panose="02070309020205020404" pitchFamily="49" charset="0"/>
-                <a:cs typeface="Courier New" panose="02070309020205020404" pitchFamily="49" charset="0"/>
-              </a:rPr>
-            </a:br>
-            <a:r>
-              <a:rPr lang="en-GB" sz="1500" dirty="0">
-                <a:latin typeface="Courier New" panose="02070309020205020404" pitchFamily="49" charset="0"/>
-                <a:cs typeface="Courier New" panose="02070309020205020404" pitchFamily="49" charset="0"/>
-              </a:rPr>
-              <a:t>@Getter</a:t>
-            </a:r>
-            <a:br>
-              <a:rPr lang="en-GB" sz="1500" dirty="0">
-                <a:latin typeface="Courier New" panose="02070309020205020404" pitchFamily="49" charset="0"/>
-                <a:cs typeface="Courier New" panose="02070309020205020404" pitchFamily="49" charset="0"/>
-              </a:rPr>
-            </a:br>
-            <a:r>
-              <a:rPr lang="en-GB" sz="1500" dirty="0">
-                <a:latin typeface="Courier New" panose="02070309020205020404" pitchFamily="49" charset="0"/>
-                <a:cs typeface="Courier New" panose="02070309020205020404" pitchFamily="49" charset="0"/>
-              </a:rPr>
-              <a:t>@Setter</a:t>
-            </a:r>
-            <a:br>
-              <a:rPr lang="en-GB" sz="1500" dirty="0">
-                <a:latin typeface="Courier New" panose="02070309020205020404" pitchFamily="49" charset="0"/>
-                <a:cs typeface="Courier New" panose="02070309020205020404" pitchFamily="49" charset="0"/>
-              </a:rPr>
-            </a:br>
-            <a:r>
-              <a:rPr lang="en-GB" sz="1500" dirty="0">
-                <a:latin typeface="Courier New" panose="02070309020205020404" pitchFamily="49" charset="0"/>
-                <a:cs typeface="Courier New" panose="02070309020205020404" pitchFamily="49" charset="0"/>
-              </a:rPr>
-              <a:t>public class Review implements Serializable {</a:t>
-            </a:r>
-            <a:br>
-              <a:rPr lang="en-GB" sz="1500" dirty="0">
-                <a:latin typeface="Courier New" panose="02070309020205020404" pitchFamily="49" charset="0"/>
-                <a:cs typeface="Courier New" panose="02070309020205020404" pitchFamily="49" charset="0"/>
-              </a:rPr>
-            </a:br>
-            <a:r>
-              <a:rPr lang="en-GB" sz="1500" dirty="0">
-                <a:latin typeface="Courier New" panose="02070309020205020404" pitchFamily="49" charset="0"/>
-                <a:cs typeface="Courier New" panose="02070309020205020404" pitchFamily="49" charset="0"/>
-              </a:rPr>
-              <a:t>    private static final long </a:t>
+              <a:t>CascadeType.REFRESH</a:t>
+            </a:r>
+            <a:r>
+              <a:rPr lang="en-GB" sz="1500" dirty="0">
+                <a:latin typeface="Courier New" panose="02070309020205020404" pitchFamily="49" charset="0"/>
+                <a:cs typeface="Courier New" panose="02070309020205020404" pitchFamily="49" charset="0"/>
+              </a:rPr>
+              <a:t> })</a:t>
+            </a:r>
+            <a:br>
+              <a:rPr lang="en-GB" sz="1500" dirty="0">
+                <a:latin typeface="Courier New" panose="02070309020205020404" pitchFamily="49" charset="0"/>
+                <a:cs typeface="Courier New" panose="02070309020205020404" pitchFamily="49" charset="0"/>
+              </a:rPr>
+            </a:br>
+            <a:r>
+              <a:rPr lang="en-GB" sz="1500" dirty="0">
+                <a:latin typeface="Courier New" panose="02070309020205020404" pitchFamily="49" charset="0"/>
+                <a:cs typeface="Courier New" panose="02070309020205020404" pitchFamily="49" charset="0"/>
+              </a:rPr>
+              <a:t>    private Product product;</a:t>
+            </a:r>
+            <a:br>
+              <a:rPr lang="en-GB" sz="1500" dirty="0">
+                <a:latin typeface="Courier New" panose="02070309020205020404" pitchFamily="49" charset="0"/>
+                <a:cs typeface="Courier New" panose="02070309020205020404" pitchFamily="49" charset="0"/>
+              </a:rPr>
+            </a:br>
+            <a:br>
+              <a:rPr lang="en-GB" sz="1500" dirty="0">
+                <a:latin typeface="Courier New" panose="02070309020205020404" pitchFamily="49" charset="0"/>
+                <a:cs typeface="Courier New" panose="02070309020205020404" pitchFamily="49" charset="0"/>
+              </a:rPr>
+            </a:br>
+            <a:br>
+              <a:rPr lang="en-GB" sz="1500" dirty="0">
+                <a:latin typeface="Courier New" panose="02070309020205020404" pitchFamily="49" charset="0"/>
+                <a:cs typeface="Courier New" panose="02070309020205020404" pitchFamily="49" charset="0"/>
+              </a:rPr>
+            </a:br>
+            <a:r>
+              <a:rPr lang="en-GB" sz="1500" dirty="0">
+                <a:latin typeface="Courier New" panose="02070309020205020404" pitchFamily="49" charset="0"/>
+                <a:cs typeface="Courier New" panose="02070309020205020404" pitchFamily="49" charset="0"/>
+              </a:rPr>
+              <a:t>    public Review(</a:t>
             </a:r>
             <a:r>
               <a:rPr lang="en-GB" sz="1500" dirty="0" err="1">
                 <a:latin typeface="Courier New" panose="02070309020205020404" pitchFamily="49" charset="0"/>
                 <a:cs typeface="Courier New" panose="02070309020205020404" pitchFamily="49" charset="0"/>
               </a:rPr>
-              <a:t>serialVersionUID</a:t>
-            </a:r>
-            <a:r>
-              <a:rPr lang="en-GB" sz="1500" dirty="0">
-                <a:latin typeface="Courier New" panose="02070309020205020404" pitchFamily="49" charset="0"/>
-                <a:cs typeface="Courier New" panose="02070309020205020404" pitchFamily="49" charset="0"/>
-              </a:rPr>
-              <a:t> = 1L;</a:t>
-            </a:r>
-            <a:br>
-              <a:rPr lang="en-GB" sz="1500" dirty="0">
-                <a:latin typeface="Courier New" panose="02070309020205020404" pitchFamily="49" charset="0"/>
-                <a:cs typeface="Courier New" panose="02070309020205020404" pitchFamily="49" charset="0"/>
-              </a:rPr>
-            </a:br>
-            <a:br>
-              <a:rPr lang="en-GB" sz="1500" dirty="0">
-                <a:latin typeface="Courier New" panose="02070309020205020404" pitchFamily="49" charset="0"/>
-                <a:cs typeface="Courier New" panose="02070309020205020404" pitchFamily="49" charset="0"/>
-              </a:rPr>
-            </a:br>
-            <a:r>
-              <a:rPr lang="en-GB" sz="1500" dirty="0">
-                <a:latin typeface="Courier New" panose="02070309020205020404" pitchFamily="49" charset="0"/>
-                <a:cs typeface="Courier New" panose="02070309020205020404" pitchFamily="49" charset="0"/>
-              </a:rPr>
-              <a:t>    @Id</a:t>
-            </a:r>
-            <a:br>
-              <a:rPr lang="en-GB" sz="1500" dirty="0">
-                <a:latin typeface="Courier New" panose="02070309020205020404" pitchFamily="49" charset="0"/>
-                <a:cs typeface="Courier New" panose="02070309020205020404" pitchFamily="49" charset="0"/>
-              </a:rPr>
-            </a:br>
-            <a:r>
-              <a:rPr lang="en-GB" sz="1500" dirty="0">
-                <a:latin typeface="Courier New" panose="02070309020205020404" pitchFamily="49" charset="0"/>
-                <a:cs typeface="Courier New" panose="02070309020205020404" pitchFamily="49" charset="0"/>
-              </a:rPr>
-              <a:t>    @</a:t>
+              <a:t>LocalDate</a:t>
+            </a:r>
+            <a:r>
+              <a:rPr lang="en-GB" sz="1500" dirty="0">
+                <a:latin typeface="Courier New" panose="02070309020205020404" pitchFamily="49" charset="0"/>
+                <a:cs typeface="Courier New" panose="02070309020205020404" pitchFamily="49" charset="0"/>
+              </a:rPr>
+              <a:t> date, String description, User user, Product prod) {</a:t>
+            </a:r>
+            <a:br>
+              <a:rPr lang="en-GB" sz="1500" dirty="0">
+                <a:latin typeface="Courier New" panose="02070309020205020404" pitchFamily="49" charset="0"/>
+                <a:cs typeface="Courier New" panose="02070309020205020404" pitchFamily="49" charset="0"/>
+              </a:rPr>
+            </a:br>
+            <a:r>
+              <a:rPr lang="en-GB" sz="1500" dirty="0">
+                <a:latin typeface="Courier New" panose="02070309020205020404" pitchFamily="49" charset="0"/>
+                <a:cs typeface="Courier New" panose="02070309020205020404" pitchFamily="49" charset="0"/>
+              </a:rPr>
+              <a:t>        </a:t>
             </a:r>
             <a:r>
               <a:rPr lang="en-GB" sz="1500" dirty="0" err="1">
                 <a:latin typeface="Courier New" panose="02070309020205020404" pitchFamily="49" charset="0"/>
                 <a:cs typeface="Courier New" panose="02070309020205020404" pitchFamily="49" charset="0"/>
               </a:rPr>
-              <a:t>GeneratedValue</a:t>
-            </a:r>
-            <a:r>
-              <a:rPr lang="en-GB" sz="1500" dirty="0">
-                <a:latin typeface="Courier New" panose="02070309020205020404" pitchFamily="49" charset="0"/>
-                <a:cs typeface="Courier New" panose="02070309020205020404" pitchFamily="49" charset="0"/>
-              </a:rPr>
-              <a:t>(strategy = </a:t>
+              <a:t>this.date</a:t>
+            </a:r>
+            <a:r>
+              <a:rPr lang="en-GB" sz="1500" dirty="0">
+                <a:latin typeface="Courier New" panose="02070309020205020404" pitchFamily="49" charset="0"/>
+                <a:cs typeface="Courier New" panose="02070309020205020404" pitchFamily="49" charset="0"/>
+              </a:rPr>
+              <a:t> = date;</a:t>
+            </a:r>
+            <a:br>
+              <a:rPr lang="en-GB" sz="1500" dirty="0">
+                <a:latin typeface="Courier New" panose="02070309020205020404" pitchFamily="49" charset="0"/>
+                <a:cs typeface="Courier New" panose="02070309020205020404" pitchFamily="49" charset="0"/>
+              </a:rPr>
+            </a:br>
+            <a:r>
+              <a:rPr lang="en-GB" sz="1500" dirty="0">
+                <a:latin typeface="Courier New" panose="02070309020205020404" pitchFamily="49" charset="0"/>
+                <a:cs typeface="Courier New" panose="02070309020205020404" pitchFamily="49" charset="0"/>
+              </a:rPr>
+              <a:t>        </a:t>
             </a:r>
             <a:r>
               <a:rPr lang="en-GB" sz="1500" dirty="0" err="1">
                 <a:latin typeface="Courier New" panose="02070309020205020404" pitchFamily="49" charset="0"/>
                 <a:cs typeface="Courier New" panose="02070309020205020404" pitchFamily="49" charset="0"/>
               </a:rPr>
-              <a:t>GenerationType.IDENTITY</a:t>
-            </a:r>
-            <a:r>
-              <a:rPr lang="en-GB" sz="1500" dirty="0">
-                <a:latin typeface="Courier New" panose="02070309020205020404" pitchFamily="49" charset="0"/>
-                <a:cs typeface="Courier New" panose="02070309020205020404" pitchFamily="49" charset="0"/>
-              </a:rPr>
-              <a:t>)</a:t>
-            </a:r>
-            <a:br>
-              <a:rPr lang="en-GB" sz="1500" dirty="0">
-                <a:latin typeface="Courier New" panose="02070309020205020404" pitchFamily="49" charset="0"/>
-                <a:cs typeface="Courier New" panose="02070309020205020404" pitchFamily="49" charset="0"/>
-              </a:rPr>
-            </a:br>
-            <a:r>
-              <a:rPr lang="en-GB" sz="1500" dirty="0">
-                <a:latin typeface="Courier New" panose="02070309020205020404" pitchFamily="49" charset="0"/>
-                <a:cs typeface="Courier New" panose="02070309020205020404" pitchFamily="49" charset="0"/>
-              </a:rPr>
-              <a:t>    private int id;</a:t>
-            </a:r>
-            <a:br>
-              <a:rPr lang="en-GB" sz="1500" dirty="0">
-                <a:latin typeface="Courier New" panose="02070309020205020404" pitchFamily="49" charset="0"/>
-                <a:cs typeface="Courier New" panose="02070309020205020404" pitchFamily="49" charset="0"/>
-              </a:rPr>
-            </a:br>
-            <a:br>
-              <a:rPr lang="en-GB" sz="1500" dirty="0">
-                <a:latin typeface="Courier New" panose="02070309020205020404" pitchFamily="49" charset="0"/>
-                <a:cs typeface="Courier New" panose="02070309020205020404" pitchFamily="49" charset="0"/>
-              </a:rPr>
-            </a:br>
-            <a:r>
-              <a:rPr lang="en-GB" sz="1500" dirty="0">
-                <a:latin typeface="Courier New" panose="02070309020205020404" pitchFamily="49" charset="0"/>
-                <a:cs typeface="Courier New" panose="02070309020205020404" pitchFamily="49" charset="0"/>
-              </a:rPr>
-              <a:t>    private </a:t>
+              <a:t>this.description</a:t>
+            </a:r>
+            <a:r>
+              <a:rPr lang="en-GB" sz="1500" dirty="0">
+                <a:latin typeface="Courier New" panose="02070309020205020404" pitchFamily="49" charset="0"/>
+                <a:cs typeface="Courier New" panose="02070309020205020404" pitchFamily="49" charset="0"/>
+              </a:rPr>
+              <a:t> = description;</a:t>
+            </a:r>
+            <a:br>
+              <a:rPr lang="en-GB" sz="1500" dirty="0">
+                <a:latin typeface="Courier New" panose="02070309020205020404" pitchFamily="49" charset="0"/>
+                <a:cs typeface="Courier New" panose="02070309020205020404" pitchFamily="49" charset="0"/>
+              </a:rPr>
+            </a:br>
+            <a:r>
+              <a:rPr lang="en-GB" sz="1500" dirty="0">
+                <a:latin typeface="Courier New" panose="02070309020205020404" pitchFamily="49" charset="0"/>
+                <a:cs typeface="Courier New" panose="02070309020205020404" pitchFamily="49" charset="0"/>
+              </a:rPr>
+              <a:t>        </a:t>
             </a:r>
             <a:r>
               <a:rPr lang="en-GB" sz="1500" dirty="0" err="1">
                 <a:latin typeface="Courier New" panose="02070309020205020404" pitchFamily="49" charset="0"/>
                 <a:cs typeface="Courier New" panose="02070309020205020404" pitchFamily="49" charset="0"/>
               </a:rPr>
-              <a:t>LocalDate</a:t>
-            </a:r>
-            <a:r>
-              <a:rPr lang="en-GB" sz="1500" dirty="0">
-                <a:latin typeface="Courier New" panose="02070309020205020404" pitchFamily="49" charset="0"/>
-                <a:cs typeface="Courier New" panose="02070309020205020404" pitchFamily="49" charset="0"/>
-              </a:rPr>
-              <a:t> date;</a:t>
-            </a:r>
-            <a:br>
-              <a:rPr lang="en-GB" sz="1500" dirty="0">
-                <a:latin typeface="Courier New" panose="02070309020205020404" pitchFamily="49" charset="0"/>
-                <a:cs typeface="Courier New" panose="02070309020205020404" pitchFamily="49" charset="0"/>
-              </a:rPr>
-            </a:br>
-            <a:br>
-              <a:rPr lang="en-GB" sz="1500" dirty="0">
-                <a:latin typeface="Courier New" panose="02070309020205020404" pitchFamily="49" charset="0"/>
-                <a:cs typeface="Courier New" panose="02070309020205020404" pitchFamily="49" charset="0"/>
-              </a:rPr>
-            </a:br>
-            <a:r>
-              <a:rPr lang="en-GB" sz="1500" dirty="0">
-                <a:latin typeface="Courier New" panose="02070309020205020404" pitchFamily="49" charset="0"/>
-                <a:cs typeface="Courier New" panose="02070309020205020404" pitchFamily="49" charset="0"/>
-              </a:rPr>
-              <a:t>    private String description;</a:t>
-            </a:r>
-            <a:br>
-              <a:rPr lang="en-GB" sz="1500" dirty="0">
-                <a:latin typeface="Courier New" panose="02070309020205020404" pitchFamily="49" charset="0"/>
-                <a:cs typeface="Courier New" panose="02070309020205020404" pitchFamily="49" charset="0"/>
-              </a:rPr>
-            </a:br>
-            <a:br>
-              <a:rPr lang="en-GB" sz="1500" dirty="0">
-                <a:latin typeface="Courier New" panose="02070309020205020404" pitchFamily="49" charset="0"/>
-                <a:cs typeface="Courier New" panose="02070309020205020404" pitchFamily="49" charset="0"/>
-              </a:rPr>
-            </a:br>
-            <a:r>
-              <a:rPr lang="en-GB" sz="1500" dirty="0">
-                <a:latin typeface="Courier New" panose="02070309020205020404" pitchFamily="49" charset="0"/>
-                <a:cs typeface="Courier New" panose="02070309020205020404" pitchFamily="49" charset="0"/>
-              </a:rPr>
-              <a:t>    @</a:t>
+              <a:t>this.user</a:t>
+            </a:r>
+            <a:r>
+              <a:rPr lang="en-GB" sz="1500" dirty="0">
+                <a:latin typeface="Courier New" panose="02070309020205020404" pitchFamily="49" charset="0"/>
+                <a:cs typeface="Courier New" panose="02070309020205020404" pitchFamily="49" charset="0"/>
+              </a:rPr>
+              <a:t> = user;</a:t>
+            </a:r>
+            <a:br>
+              <a:rPr lang="en-GB" sz="1500" dirty="0">
+                <a:latin typeface="Courier New" panose="02070309020205020404" pitchFamily="49" charset="0"/>
+                <a:cs typeface="Courier New" panose="02070309020205020404" pitchFamily="49" charset="0"/>
+              </a:rPr>
+            </a:br>
+            <a:r>
+              <a:rPr lang="en-GB" sz="1500" dirty="0">
+                <a:latin typeface="Courier New" panose="02070309020205020404" pitchFamily="49" charset="0"/>
+                <a:cs typeface="Courier New" panose="02070309020205020404" pitchFamily="49" charset="0"/>
+              </a:rPr>
+              <a:t>        </a:t>
             </a:r>
             <a:r>
               <a:rPr lang="en-GB" sz="1500" dirty="0" err="1">
                 <a:latin typeface="Courier New" panose="02070309020205020404" pitchFamily="49" charset="0"/>
                 <a:cs typeface="Courier New" panose="02070309020205020404" pitchFamily="49" charset="0"/>
               </a:rPr>
-              <a:t>ManyToOne</a:t>
-            </a:r>
-            <a:br>
-              <a:rPr lang="en-GB" sz="1500" dirty="0">
-                <a:latin typeface="Courier New" panose="02070309020205020404" pitchFamily="49" charset="0"/>
-                <a:cs typeface="Courier New" panose="02070309020205020404" pitchFamily="49" charset="0"/>
-              </a:rPr>
-            </a:br>
-            <a:r>
-              <a:rPr lang="en-GB" sz="1500" dirty="0">
-                <a:latin typeface="Courier New" panose="02070309020205020404" pitchFamily="49" charset="0"/>
-                <a:cs typeface="Courier New" panose="02070309020205020404" pitchFamily="49" charset="0"/>
-              </a:rPr>
-              <a:t>    private User user;</a:t>
-            </a:r>
-            <a:br>
-              <a:rPr lang="en-GB" sz="1500" dirty="0">
-                <a:latin typeface="Courier New" panose="02070309020205020404" pitchFamily="49" charset="0"/>
-                <a:cs typeface="Courier New" panose="02070309020205020404" pitchFamily="49" charset="0"/>
-              </a:rPr>
-            </a:br>
-            <a:br>
-              <a:rPr lang="en-GB" sz="1500" dirty="0">
-                <a:latin typeface="Courier New" panose="02070309020205020404" pitchFamily="49" charset="0"/>
-                <a:cs typeface="Courier New" panose="02070309020205020404" pitchFamily="49" charset="0"/>
-              </a:rPr>
-            </a:br>
-            <a:r>
-              <a:rPr lang="en-GB" sz="1500" dirty="0">
-                <a:latin typeface="Courier New" panose="02070309020205020404" pitchFamily="49" charset="0"/>
-                <a:cs typeface="Courier New" panose="02070309020205020404" pitchFamily="49" charset="0"/>
-              </a:rPr>
-              <a:t>    @</a:t>
-            </a:r>
-            <a:r>
-              <a:rPr lang="en-GB" sz="1500" dirty="0" err="1">
-                <a:latin typeface="Courier New" panose="02070309020205020404" pitchFamily="49" charset="0"/>
-                <a:cs typeface="Courier New" panose="02070309020205020404" pitchFamily="49" charset="0"/>
-              </a:rPr>
-              <a:t>ManyToOne</a:t>
-            </a:r>
-            <a:br>
-              <a:rPr lang="en-GB" sz="1500" dirty="0">
-                <a:latin typeface="Courier New" panose="02070309020205020404" pitchFamily="49" charset="0"/>
-                <a:cs typeface="Courier New" panose="02070309020205020404" pitchFamily="49" charset="0"/>
-              </a:rPr>
-            </a:br>
-            <a:r>
-              <a:rPr lang="en-GB" sz="1500" dirty="0">
-                <a:latin typeface="Courier New" panose="02070309020205020404" pitchFamily="49" charset="0"/>
-                <a:cs typeface="Courier New" panose="02070309020205020404" pitchFamily="49" charset="0"/>
-              </a:rPr>
-              <a:t>    private Product product;</a:t>
-            </a:r>
-            <a:br>
-              <a:rPr lang="en-GB" sz="1500" dirty="0">
-                <a:latin typeface="Courier New" panose="02070309020205020404" pitchFamily="49" charset="0"/>
-                <a:cs typeface="Courier New" panose="02070309020205020404" pitchFamily="49" charset="0"/>
-              </a:rPr>
-            </a:br>
-            <a:br>
-              <a:rPr lang="en-GB" sz="1500" dirty="0">
-                <a:latin typeface="Courier New" panose="02070309020205020404" pitchFamily="49" charset="0"/>
-                <a:cs typeface="Courier New" panose="02070309020205020404" pitchFamily="49" charset="0"/>
-              </a:rPr>
-            </a:br>
-            <a:br>
-              <a:rPr lang="en-GB" sz="1500" dirty="0">
-                <a:latin typeface="Courier New" panose="02070309020205020404" pitchFamily="49" charset="0"/>
-                <a:cs typeface="Courier New" panose="02070309020205020404" pitchFamily="49" charset="0"/>
-              </a:rPr>
-            </a:br>
-            <a:r>
-              <a:rPr lang="en-GB" sz="1500" dirty="0">
-                <a:latin typeface="Courier New" panose="02070309020205020404" pitchFamily="49" charset="0"/>
-                <a:cs typeface="Courier New" panose="02070309020205020404" pitchFamily="49" charset="0"/>
-              </a:rPr>
-              <a:t>    public Review(</a:t>
-            </a:r>
-            <a:r>
-              <a:rPr lang="en-GB" sz="1500" dirty="0" err="1">
-                <a:latin typeface="Courier New" panose="02070309020205020404" pitchFamily="49" charset="0"/>
-                <a:cs typeface="Courier New" panose="02070309020205020404" pitchFamily="49" charset="0"/>
-              </a:rPr>
-              <a:t>LocalDate</a:t>
-            </a:r>
-            <a:r>
-              <a:rPr lang="en-GB" sz="1500" dirty="0">
-                <a:latin typeface="Courier New" panose="02070309020205020404" pitchFamily="49" charset="0"/>
-                <a:cs typeface="Courier New" panose="02070309020205020404" pitchFamily="49" charset="0"/>
-              </a:rPr>
-              <a:t> date, String description, User user, Product prod) {</a:t>
-            </a:r>
-            <a:br>
-              <a:rPr lang="en-GB" sz="1500" dirty="0">
-                <a:latin typeface="Courier New" panose="02070309020205020404" pitchFamily="49" charset="0"/>
-                <a:cs typeface="Courier New" panose="02070309020205020404" pitchFamily="49" charset="0"/>
-              </a:rPr>
-            </a:br>
-            <a:r>
-              <a:rPr lang="en-GB" sz="1500" dirty="0">
-                <a:latin typeface="Courier New" panose="02070309020205020404" pitchFamily="49" charset="0"/>
-                <a:cs typeface="Courier New" panose="02070309020205020404" pitchFamily="49" charset="0"/>
-              </a:rPr>
-              <a:t>        </a:t>
-            </a:r>
-            <a:r>
-              <a:rPr lang="en-GB" sz="1500" dirty="0" err="1">
-                <a:latin typeface="Courier New" panose="02070309020205020404" pitchFamily="49" charset="0"/>
-                <a:cs typeface="Courier New" panose="02070309020205020404" pitchFamily="49" charset="0"/>
-              </a:rPr>
-              <a:t>this.date</a:t>
-            </a:r>
-            <a:r>
-              <a:rPr lang="en-GB" sz="1500" dirty="0">
-                <a:latin typeface="Courier New" panose="02070309020205020404" pitchFamily="49" charset="0"/>
-                <a:cs typeface="Courier New" panose="02070309020205020404" pitchFamily="49" charset="0"/>
-              </a:rPr>
-              <a:t> = date;</a:t>
-            </a:r>
-            <a:br>
-              <a:rPr lang="en-GB" sz="1500" dirty="0">
-                <a:latin typeface="Courier New" panose="02070309020205020404" pitchFamily="49" charset="0"/>
-                <a:cs typeface="Courier New" panose="02070309020205020404" pitchFamily="49" charset="0"/>
-              </a:rPr>
-            </a:br>
-            <a:r>
-              <a:rPr lang="en-GB" sz="1500" dirty="0">
-                <a:latin typeface="Courier New" panose="02070309020205020404" pitchFamily="49" charset="0"/>
-                <a:cs typeface="Courier New" panose="02070309020205020404" pitchFamily="49" charset="0"/>
-              </a:rPr>
-              <a:t>        </a:t>
-            </a:r>
-            <a:r>
-              <a:rPr lang="en-GB" sz="1500" dirty="0" err="1">
-                <a:latin typeface="Courier New" panose="02070309020205020404" pitchFamily="49" charset="0"/>
-                <a:cs typeface="Courier New" panose="02070309020205020404" pitchFamily="49" charset="0"/>
-              </a:rPr>
-              <a:t>this.description</a:t>
-            </a:r>
-            <a:r>
-              <a:rPr lang="en-GB" sz="1500" dirty="0">
-                <a:latin typeface="Courier New" panose="02070309020205020404" pitchFamily="49" charset="0"/>
-                <a:cs typeface="Courier New" panose="02070309020205020404" pitchFamily="49" charset="0"/>
-              </a:rPr>
-              <a:t> = description;</a:t>
-            </a:r>
-            <a:br>
-              <a:rPr lang="en-GB" sz="1500" dirty="0">
-                <a:latin typeface="Courier New" panose="02070309020205020404" pitchFamily="49" charset="0"/>
-                <a:cs typeface="Courier New" panose="02070309020205020404" pitchFamily="49" charset="0"/>
-              </a:rPr>
-            </a:br>
-            <a:r>
-              <a:rPr lang="en-GB" sz="1500" dirty="0">
-                <a:latin typeface="Courier New" panose="02070309020205020404" pitchFamily="49" charset="0"/>
-                <a:cs typeface="Courier New" panose="02070309020205020404" pitchFamily="49" charset="0"/>
-              </a:rPr>
-              <a:t>        </a:t>
-            </a:r>
-            <a:r>
-              <a:rPr lang="en-GB" sz="1500" dirty="0" err="1">
-                <a:latin typeface="Courier New" panose="02070309020205020404" pitchFamily="49" charset="0"/>
-                <a:cs typeface="Courier New" panose="02070309020205020404" pitchFamily="49" charset="0"/>
-              </a:rPr>
-              <a:t>this.user</a:t>
-            </a:r>
-            <a:r>
-              <a:rPr lang="en-GB" sz="1500" dirty="0">
-                <a:latin typeface="Courier New" panose="02070309020205020404" pitchFamily="49" charset="0"/>
-                <a:cs typeface="Courier New" panose="02070309020205020404" pitchFamily="49" charset="0"/>
-              </a:rPr>
-              <a:t> = user;</a:t>
-            </a:r>
-            <a:br>
-              <a:rPr lang="en-GB" sz="1500" dirty="0">
-                <a:latin typeface="Courier New" panose="02070309020205020404" pitchFamily="49" charset="0"/>
-                <a:cs typeface="Courier New" panose="02070309020205020404" pitchFamily="49" charset="0"/>
-              </a:rPr>
-            </a:br>
-            <a:r>
-              <a:rPr lang="en-GB" sz="1500" dirty="0">
-                <a:latin typeface="Courier New" panose="02070309020205020404" pitchFamily="49" charset="0"/>
-                <a:cs typeface="Courier New" panose="02070309020205020404" pitchFamily="49" charset="0"/>
-              </a:rPr>
-              <a:t>        </a:t>
-            </a:r>
-            <a:r>
-              <a:rPr lang="en-GB" sz="1500" dirty="0" err="1">
-                <a:latin typeface="Courier New" panose="02070309020205020404" pitchFamily="49" charset="0"/>
-                <a:cs typeface="Courier New" panose="02070309020205020404" pitchFamily="49" charset="0"/>
-              </a:rPr>
               <a:t>this.product</a:t>
             </a:r>
             <a:r>
@@ -9379,16 +9440,6 @@
               </a:rPr>
               <a:t>}</a:t>
             </a:r>
-            <a:br>
-              <a:rPr lang="en-GB" sz="1500" dirty="0">
-                <a:latin typeface="Courier New" panose="02070309020205020404" pitchFamily="49" charset="0"/>
-                <a:cs typeface="Courier New" panose="02070309020205020404" pitchFamily="49" charset="0"/>
-              </a:rPr>
-            </a:br>
-            <a:endParaRPr lang="en-GB" sz="1500" dirty="0">
-              <a:latin typeface="Courier New" panose="02070309020205020404" pitchFamily="49" charset="0"/>
-              <a:cs typeface="Courier New" panose="02070309020205020404" pitchFamily="49" charset="0"/>
-            </a:endParaRPr>
           </a:p>
         </p:txBody>
       </p:sp>
@@ -9516,13 +9567,27 @@
                 <a:latin typeface="Courier New" panose="02070309020205020404" pitchFamily="49" charset="0"/>
                 <a:cs typeface="Courier New" panose="02070309020205020404" pitchFamily="49" charset="0"/>
               </a:rPr>
-              <a:t>@NamedQuery(name = "</a:t>
+              <a:t>@</a:t>
             </a:r>
             <a:r>
               <a:rPr lang="en-GB" sz="1200" dirty="0" err="1">
                 <a:latin typeface="Courier New" panose="02070309020205020404" pitchFamily="49" charset="0"/>
                 <a:cs typeface="Courier New" panose="02070309020205020404" pitchFamily="49" charset="0"/>
               </a:rPr>
+              <a:t>NamedQuery</a:t>
+            </a:r>
+            <a:r>
+              <a:rPr lang="en-GB" sz="1200" dirty="0">
+                <a:latin typeface="Courier New" panose="02070309020205020404" pitchFamily="49" charset="0"/>
+                <a:cs typeface="Courier New" panose="02070309020205020404" pitchFamily="49" charset="0"/>
+              </a:rPr>
+              <a:t>(name = "</a:t>
+            </a:r>
+            <a:r>
+              <a:rPr lang="en-GB" sz="1200" dirty="0" err="1">
+                <a:latin typeface="Courier New" panose="02070309020205020404" pitchFamily="49" charset="0"/>
+                <a:cs typeface="Courier New" panose="02070309020205020404" pitchFamily="49" charset="0"/>
+              </a:rPr>
               <a:t>User.checkCredentials</a:t>
             </a:r>
             <a:r>
@@ -9644,13 +9709,27 @@
                 <a:latin typeface="Courier New" panose="02070309020205020404" pitchFamily="49" charset="0"/>
                 <a:cs typeface="Courier New" panose="02070309020205020404" pitchFamily="49" charset="0"/>
               </a:rPr>
-              <a:t>    @GeneratedValue(strategy = </a:t>
+              <a:t>    @</a:t>
             </a:r>
             <a:r>
               <a:rPr lang="en-GB" sz="1200" dirty="0" err="1">
                 <a:latin typeface="Courier New" panose="02070309020205020404" pitchFamily="49" charset="0"/>
                 <a:cs typeface="Courier New" panose="02070309020205020404" pitchFamily="49" charset="0"/>
               </a:rPr>
+              <a:t>GeneratedValue</a:t>
+            </a:r>
+            <a:r>
+              <a:rPr lang="en-GB" sz="1200" dirty="0">
+                <a:latin typeface="Courier New" panose="02070309020205020404" pitchFamily="49" charset="0"/>
+                <a:cs typeface="Courier New" panose="02070309020205020404" pitchFamily="49" charset="0"/>
+              </a:rPr>
+              <a:t>(strategy = </a:t>
+            </a:r>
+            <a:r>
+              <a:rPr lang="en-GB" sz="1200" dirty="0" err="1">
+                <a:latin typeface="Courier New" panose="02070309020205020404" pitchFamily="49" charset="0"/>
+                <a:cs typeface="Courier New" panose="02070309020205020404" pitchFamily="49" charset="0"/>
+              </a:rPr>
               <a:t>GenerationType.IDENTITY</a:t>
             </a:r>
             <a:r>
@@ -9731,12 +9810,6 @@
                 <a:cs typeface="Courier New" panose="02070309020205020404" pitchFamily="49" charset="0"/>
               </a:rPr>
             </a:br>
-            <a:br>
-              <a:rPr lang="en-GB" sz="1200" dirty="0">
-                <a:latin typeface="Courier New" panose="02070309020205020404" pitchFamily="49" charset="0"/>
-                <a:cs typeface="Courier New" panose="02070309020205020404" pitchFamily="49" charset="0"/>
-              </a:rPr>
-            </a:br>
             <a:r>
               <a:rPr lang="en-GB" sz="1200" dirty="0">
                 <a:latin typeface="Courier New" panose="02070309020205020404" pitchFamily="49" charset="0"/>
@@ -9808,19 +9881,6 @@
                 <a:latin typeface="Courier New" panose="02070309020205020404" pitchFamily="49" charset="0"/>
                 <a:cs typeface="Courier New" panose="02070309020205020404" pitchFamily="49" charset="0"/>
               </a:rPr>
-              <a:t>    private int points;</a:t>
-            </a:r>
-            <a:br>
-              <a:rPr lang="en-GB" sz="1200" dirty="0">
-                <a:latin typeface="Courier New" panose="02070309020205020404" pitchFamily="49" charset="0"/>
-                <a:cs typeface="Courier New" panose="02070309020205020404" pitchFamily="49" charset="0"/>
-              </a:rPr>
-            </a:br>
-            <a:r>
-              <a:rPr lang="en-GB" sz="1200" dirty="0">
-                <a:latin typeface="Courier New" panose="02070309020205020404" pitchFamily="49" charset="0"/>
-                <a:cs typeface="Courier New" panose="02070309020205020404" pitchFamily="49" charset="0"/>
-              </a:rPr>
               <a:t>    private </a:t>
             </a:r>
             <a:r>
@@ -9868,14 +9928,28 @@
                 <a:latin typeface="Courier New" panose="02070309020205020404" pitchFamily="49" charset="0"/>
                 <a:cs typeface="Courier New" panose="02070309020205020404" pitchFamily="49" charset="0"/>
               </a:rPr>
-              <a:t>    @OneToMany(fetch = </a:t>
+              <a:t>    @</a:t>
             </a:r>
             <a:r>
               <a:rPr lang="en-GB" sz="1200" dirty="0" err="1">
                 <a:latin typeface="Courier New" panose="02070309020205020404" pitchFamily="49" charset="0"/>
                 <a:cs typeface="Courier New" panose="02070309020205020404" pitchFamily="49" charset="0"/>
               </a:rPr>
-              <a:t>FetchType.Lazy</a:t>
+              <a:t>OneToMany</a:t>
+            </a:r>
+            <a:r>
+              <a:rPr lang="en-GB" sz="1200" dirty="0">
+                <a:latin typeface="Courier New" panose="02070309020205020404" pitchFamily="49" charset="0"/>
+                <a:cs typeface="Courier New" panose="02070309020205020404" pitchFamily="49" charset="0"/>
+              </a:rPr>
+              <a:t>(fetch = </a:t>
+            </a:r>
+            <a:r>
+              <a:rPr lang="en-GB" sz="1200" dirty="0" err="1">
+                <a:latin typeface="Courier New" panose="02070309020205020404" pitchFamily="49" charset="0"/>
+                <a:cs typeface="Courier New" panose="02070309020205020404" pitchFamily="49" charset="0"/>
+              </a:rPr>
+              <a:t>FetchType.LAZY</a:t>
             </a:r>
             <a:r>
               <a:rPr lang="en-GB" sz="1200" dirty="0">
@@ -9937,7 +10011,21 @@
                 <a:latin typeface="Courier New" panose="02070309020205020404" pitchFamily="49" charset="0"/>
                 <a:cs typeface="Courier New" panose="02070309020205020404" pitchFamily="49" charset="0"/>
               </a:rPr>
-              <a:t> })</a:t>
+              <a:t> }, </a:t>
+            </a:r>
+            <a:r>
+              <a:rPr lang="en-GB" sz="1200" dirty="0" err="1">
+                <a:latin typeface="Courier New" panose="02070309020205020404" pitchFamily="49" charset="0"/>
+                <a:cs typeface="Courier New" panose="02070309020205020404" pitchFamily="49" charset="0"/>
+              </a:rPr>
+              <a:t>orphanRemoval</a:t>
+            </a:r>
+            <a:r>
+              <a:rPr lang="en-GB" sz="1200" dirty="0">
+                <a:latin typeface="Courier New" panose="02070309020205020404" pitchFamily="49" charset="0"/>
+                <a:cs typeface="Courier New" panose="02070309020205020404" pitchFamily="49" charset="0"/>
+              </a:rPr>
+              <a:t> = true)</a:t>
             </a:r>
             <a:br>
               <a:rPr lang="en-GB" sz="1200" dirty="0">
@@ -9951,6 +10039,25 @@
                 <a:cs typeface="Courier New" panose="02070309020205020404" pitchFamily="49" charset="0"/>
               </a:rPr>
               <a:t>    private List&lt;Review&gt; reviews;</a:t>
+            </a:r>
+            <a:br>
+              <a:rPr lang="en-GB" sz="1200" dirty="0">
+                <a:latin typeface="Courier New" panose="02070309020205020404" pitchFamily="49" charset="0"/>
+                <a:cs typeface="Courier New" panose="02070309020205020404" pitchFamily="49" charset="0"/>
+              </a:rPr>
+            </a:br>
+            <a:br>
+              <a:rPr lang="en-GB" sz="1200" dirty="0">
+                <a:latin typeface="Courier New" panose="02070309020205020404" pitchFamily="49" charset="0"/>
+                <a:cs typeface="Courier New" panose="02070309020205020404" pitchFamily="49" charset="0"/>
+              </a:rPr>
+            </a:br>
+            <a:r>
+              <a:rPr lang="en-GB" sz="1200" dirty="0">
+                <a:latin typeface="Courier New" panose="02070309020205020404" pitchFamily="49" charset="0"/>
+                <a:cs typeface="Courier New" panose="02070309020205020404" pitchFamily="49" charset="0"/>
+              </a:rPr>
+              <a:t>    </a:t>
             </a:r>
           </a:p>
         </p:txBody>
@@ -10115,18 +10222,12 @@
                 <a:cs typeface="Courier New" panose="02070309020205020404" pitchFamily="49" charset="0"/>
               </a:rPr>
             </a:br>
-            <a:br>
-              <a:rPr lang="en-GB" sz="1200" dirty="0">
-                <a:latin typeface="Courier New" panose="02070309020205020404" pitchFamily="49" charset="0"/>
-                <a:cs typeface="Courier New" panose="02070309020205020404" pitchFamily="49" charset="0"/>
-              </a:rPr>
-            </a:br>
-            <a:r>
-              <a:rPr lang="en-GB" sz="1200" dirty="0">
-                <a:latin typeface="Courier New" panose="02070309020205020404" pitchFamily="49" charset="0"/>
-                <a:cs typeface="Courier New" panose="02070309020205020404" pitchFamily="49" charset="0"/>
-              </a:rPr>
-              <a:t>    public User() {</a:t>
+            <a:r>
+              <a:rPr lang="en-GB" sz="1200" dirty="0">
+                <a:latin typeface="Courier New" panose="02070309020205020404" pitchFamily="49" charset="0"/>
+                <a:cs typeface="Courier New" panose="02070309020205020404" pitchFamily="49" charset="0"/>
+              </a:rPr>
+              <a:t>public User() {</a:t>
             </a:r>
             <a:br>
               <a:rPr lang="en-GB" sz="1200" dirty="0">
@@ -10146,7 +10247,7 @@
                 <a:latin typeface="Courier New" panose="02070309020205020404" pitchFamily="49" charset="0"/>
                 <a:cs typeface="Courier New" panose="02070309020205020404" pitchFamily="49" charset="0"/>
               </a:rPr>
-              <a:t>this.answers</a:t>
+              <a:t>this.reviews</a:t>
             </a:r>
             <a:r>
               <a:rPr lang="en-GB" sz="1200" dirty="0">
@@ -10320,81 +10421,6 @@
                 <a:cs typeface="Courier New" panose="02070309020205020404" pitchFamily="49" charset="0"/>
               </a:rPr>
             </a:br>
-            <a:r>
-              <a:rPr lang="en-GB" sz="1200" dirty="0">
-                <a:latin typeface="Courier New" panose="02070309020205020404" pitchFamily="49" charset="0"/>
-                <a:cs typeface="Courier New" panose="02070309020205020404" pitchFamily="49" charset="0"/>
-              </a:rPr>
-              <a:t>    public void </a:t>
-            </a:r>
-            <a:r>
-              <a:rPr lang="en-GB" sz="1200" dirty="0" err="1">
-                <a:latin typeface="Courier New" panose="02070309020205020404" pitchFamily="49" charset="0"/>
-                <a:cs typeface="Courier New" panose="02070309020205020404" pitchFamily="49" charset="0"/>
-              </a:rPr>
-              <a:t>addAnswer</a:t>
-            </a:r>
-            <a:r>
-              <a:rPr lang="en-GB" sz="1200" dirty="0">
-                <a:latin typeface="Courier New" panose="02070309020205020404" pitchFamily="49" charset="0"/>
-                <a:cs typeface="Courier New" panose="02070309020205020404" pitchFamily="49" charset="0"/>
-              </a:rPr>
-              <a:t>(</a:t>
-            </a:r>
-            <a:r>
-              <a:rPr lang="en-GB" sz="1200" dirty="0" err="1">
-                <a:latin typeface="Courier New" panose="02070309020205020404" pitchFamily="49" charset="0"/>
-                <a:cs typeface="Courier New" panose="02070309020205020404" pitchFamily="49" charset="0"/>
-              </a:rPr>
-              <a:t>UserAnswer</a:t>
-            </a:r>
-            <a:r>
-              <a:rPr lang="en-GB" sz="1200" dirty="0">
-                <a:latin typeface="Courier New" panose="02070309020205020404" pitchFamily="49" charset="0"/>
-                <a:cs typeface="Courier New" panose="02070309020205020404" pitchFamily="49" charset="0"/>
-              </a:rPr>
-              <a:t> answer) {</a:t>
-            </a:r>
-            <a:br>
-              <a:rPr lang="en-GB" sz="1200" dirty="0">
-                <a:latin typeface="Courier New" panose="02070309020205020404" pitchFamily="49" charset="0"/>
-                <a:cs typeface="Courier New" panose="02070309020205020404" pitchFamily="49" charset="0"/>
-              </a:rPr>
-            </a:br>
-            <a:r>
-              <a:rPr lang="en-GB" sz="1200" dirty="0">
-                <a:latin typeface="Courier New" panose="02070309020205020404" pitchFamily="49" charset="0"/>
-                <a:cs typeface="Courier New" panose="02070309020205020404" pitchFamily="49" charset="0"/>
-              </a:rPr>
-              <a:t>        </a:t>
-            </a:r>
-            <a:r>
-              <a:rPr lang="en-GB" sz="1200" dirty="0" err="1">
-                <a:latin typeface="Courier New" panose="02070309020205020404" pitchFamily="49" charset="0"/>
-                <a:cs typeface="Courier New" panose="02070309020205020404" pitchFamily="49" charset="0"/>
-              </a:rPr>
-              <a:t>this.answers.add</a:t>
-            </a:r>
-            <a:r>
-              <a:rPr lang="en-GB" sz="1200" dirty="0">
-                <a:latin typeface="Courier New" panose="02070309020205020404" pitchFamily="49" charset="0"/>
-                <a:cs typeface="Courier New" panose="02070309020205020404" pitchFamily="49" charset="0"/>
-              </a:rPr>
-              <a:t>(answer);</a:t>
-            </a:r>
-            <a:br>
-              <a:rPr lang="en-GB" sz="1200" dirty="0">
-                <a:latin typeface="Courier New" panose="02070309020205020404" pitchFamily="49" charset="0"/>
-                <a:cs typeface="Courier New" panose="02070309020205020404" pitchFamily="49" charset="0"/>
-              </a:rPr>
-            </a:br>
-            <a:r>
-              <a:rPr lang="en-GB" sz="1200" dirty="0">
-                <a:latin typeface="Courier New" panose="02070309020205020404" pitchFamily="49" charset="0"/>
-                <a:cs typeface="Courier New" panose="02070309020205020404" pitchFamily="49" charset="0"/>
-              </a:rPr>
-              <a:t>    }</a:t>
-            </a:r>
             <a:br>
               <a:rPr lang="en-GB" sz="1200" dirty="0">
                 <a:latin typeface="Courier New" panose="02070309020205020404" pitchFamily="49" charset="0"/>
@@ -10408,16 +10434,6 @@
               </a:rPr>
               <a:t>}</a:t>
             </a:r>
-            <a:br>
-              <a:rPr lang="en-GB" sz="1200" dirty="0">
-                <a:latin typeface="Courier New" panose="02070309020205020404" pitchFamily="49" charset="0"/>
-                <a:cs typeface="Courier New" panose="02070309020205020404" pitchFamily="49" charset="0"/>
-              </a:rPr>
-            </a:br>
-            <a:endParaRPr lang="en-GB" sz="1200" dirty="0">
-              <a:latin typeface="Courier New" panose="02070309020205020404" pitchFamily="49" charset="0"/>
-              <a:cs typeface="Courier New" panose="02070309020205020404" pitchFamily="49" charset="0"/>
-            </a:endParaRPr>
           </a:p>
         </p:txBody>
       </p:sp>
@@ -15517,13 +15533,41 @@
                 <a:latin typeface="Courier New" panose="02070309020205020404" pitchFamily="49" charset="0"/>
                 <a:cs typeface="Courier New" panose="02070309020205020404" pitchFamily="49" charset="0"/>
               </a:rPr>
-              <a:t>@NamedQuery(name="UserAnswer.findByQuestionnaire", query = "SELECT a FROM </a:t>
+              <a:t>@</a:t>
             </a:r>
             <a:r>
               <a:rPr lang="en-GB" sz="1200" dirty="0" err="1">
                 <a:latin typeface="Courier New" panose="02070309020205020404" pitchFamily="49" charset="0"/>
                 <a:cs typeface="Courier New" panose="02070309020205020404" pitchFamily="49" charset="0"/>
               </a:rPr>
+              <a:t>NamedQuery</a:t>
+            </a:r>
+            <a:r>
+              <a:rPr lang="en-GB" sz="1200" dirty="0">
+                <a:latin typeface="Courier New" panose="02070309020205020404" pitchFamily="49" charset="0"/>
+                <a:cs typeface="Courier New" panose="02070309020205020404" pitchFamily="49" charset="0"/>
+              </a:rPr>
+              <a:t>(name="</a:t>
+            </a:r>
+            <a:r>
+              <a:rPr lang="en-GB" sz="1200" dirty="0" err="1">
+                <a:latin typeface="Courier New" panose="02070309020205020404" pitchFamily="49" charset="0"/>
+                <a:cs typeface="Courier New" panose="02070309020205020404" pitchFamily="49" charset="0"/>
+              </a:rPr>
+              <a:t>UserAnswer.findByQuestionnaire</a:t>
+            </a:r>
+            <a:r>
+              <a:rPr lang="en-GB" sz="1200" dirty="0">
+                <a:latin typeface="Courier New" panose="02070309020205020404" pitchFamily="49" charset="0"/>
+                <a:cs typeface="Courier New" panose="02070309020205020404" pitchFamily="49" charset="0"/>
+              </a:rPr>
+              <a:t>", query = "SELECT a FROM </a:t>
+            </a:r>
+            <a:r>
+              <a:rPr lang="en-GB" sz="1200" dirty="0" err="1">
+                <a:latin typeface="Courier New" panose="02070309020205020404" pitchFamily="49" charset="0"/>
+                <a:cs typeface="Courier New" panose="02070309020205020404" pitchFamily="49" charset="0"/>
+              </a:rPr>
               <a:t>UserAnswer</a:t>
             </a:r>
             <a:r>
@@ -15604,13 +15648,27 @@
                 <a:latin typeface="Courier New" panose="02070309020205020404" pitchFamily="49" charset="0"/>
                 <a:cs typeface="Courier New" panose="02070309020205020404" pitchFamily="49" charset="0"/>
               </a:rPr>
-              <a:t>    @GeneratedValue(strategy = </a:t>
+              <a:t>    @</a:t>
             </a:r>
             <a:r>
               <a:rPr lang="en-GB" sz="1200" dirty="0" err="1">
                 <a:latin typeface="Courier New" panose="02070309020205020404" pitchFamily="49" charset="0"/>
                 <a:cs typeface="Courier New" panose="02070309020205020404" pitchFamily="49" charset="0"/>
               </a:rPr>
+              <a:t>GeneratedValue</a:t>
+            </a:r>
+            <a:r>
+              <a:rPr lang="en-GB" sz="1200" dirty="0">
+                <a:latin typeface="Courier New" panose="02070309020205020404" pitchFamily="49" charset="0"/>
+                <a:cs typeface="Courier New" panose="02070309020205020404" pitchFamily="49" charset="0"/>
+              </a:rPr>
+              <a:t>(strategy = </a:t>
+            </a:r>
+            <a:r>
+              <a:rPr lang="en-GB" sz="1200" dirty="0" err="1">
+                <a:latin typeface="Courier New" panose="02070309020205020404" pitchFamily="49" charset="0"/>
+                <a:cs typeface="Courier New" panose="02070309020205020404" pitchFamily="49" charset="0"/>
+              </a:rPr>
               <a:t>GenerationType.AUTO</a:t>
             </a:r>
             <a:r>
@@ -15683,7 +15741,14 @@
                 <a:latin typeface="Courier New" panose="02070309020205020404" pitchFamily="49" charset="0"/>
                 <a:cs typeface="Courier New" panose="02070309020205020404" pitchFamily="49" charset="0"/>
               </a:rPr>
-              <a:t>    @ElementCollection</a:t>
+              <a:t>    @</a:t>
+            </a:r>
+            <a:r>
+              <a:rPr lang="en-GB" sz="1200" dirty="0" err="1">
+                <a:latin typeface="Courier New" panose="02070309020205020404" pitchFamily="49" charset="0"/>
+                <a:cs typeface="Courier New" panose="02070309020205020404" pitchFamily="49" charset="0"/>
+              </a:rPr>
+              <a:t>ElementCollection</a:t>
             </a:r>
             <a:br>
               <a:rPr lang="en-GB" sz="1200" dirty="0">
@@ -15715,13 +15780,27 @@
                 <a:latin typeface="Courier New" panose="02070309020205020404" pitchFamily="49" charset="0"/>
                 <a:cs typeface="Courier New" panose="02070309020205020404" pitchFamily="49" charset="0"/>
               </a:rPr>
-              <a:t>    @ManyToOne(cascade = {</a:t>
+              <a:t>    @</a:t>
             </a:r>
             <a:r>
               <a:rPr lang="en-GB" sz="1200" dirty="0" err="1">
                 <a:latin typeface="Courier New" panose="02070309020205020404" pitchFamily="49" charset="0"/>
                 <a:cs typeface="Courier New" panose="02070309020205020404" pitchFamily="49" charset="0"/>
               </a:rPr>
+              <a:t>ManyToOne</a:t>
+            </a:r>
+            <a:r>
+              <a:rPr lang="en-GB" sz="1200" dirty="0">
+                <a:latin typeface="Courier New" panose="02070309020205020404" pitchFamily="49" charset="0"/>
+                <a:cs typeface="Courier New" panose="02070309020205020404" pitchFamily="49" charset="0"/>
+              </a:rPr>
+              <a:t>(cascade = {</a:t>
+            </a:r>
+            <a:r>
+              <a:rPr lang="en-GB" sz="1200" dirty="0" err="1">
+                <a:latin typeface="Courier New" panose="02070309020205020404" pitchFamily="49" charset="0"/>
+                <a:cs typeface="Courier New" panose="02070309020205020404" pitchFamily="49" charset="0"/>
+              </a:rPr>
               <a:t>CascadeType.REFRESH</a:t>
             </a:r>
             <a:r>
@@ -15731,14 +15810,12 @@
               </a:rPr>
               <a:t>})</a:t>
             </a:r>
-          </a:p>
-          <a:p>
-            <a:pPr marL="0" indent="0">
-              <a:spcBef>
-                <a:spcPts val="0"/>
-              </a:spcBef>
-              <a:buNone/>
-            </a:pPr>
+            <a:br>
+              <a:rPr lang="en-GB" sz="1200" dirty="0">
+                <a:latin typeface="Courier New" panose="02070309020205020404" pitchFamily="49" charset="0"/>
+                <a:cs typeface="Courier New" panose="02070309020205020404" pitchFamily="49" charset="0"/>
+              </a:rPr>
+            </a:br>
             <a:r>
               <a:rPr lang="en-GB" sz="1200" dirty="0">
                 <a:latin typeface="Courier New" panose="02070309020205020404" pitchFamily="49" charset="0"/>
@@ -15760,38 +15837,44 @@
               </a:rPr>
               <a:t>;</a:t>
             </a:r>
-          </a:p>
-          <a:p>
-            <a:pPr marL="0" indent="0">
-              <a:spcBef>
-                <a:spcPts val="0"/>
-              </a:spcBef>
-              <a:buNone/>
-            </a:pPr>
-            <a:endParaRPr lang="en-GB" sz="1200" dirty="0">
-              <a:latin typeface="Courier New" panose="02070309020205020404" pitchFamily="49" charset="0"/>
-              <a:cs typeface="Courier New" panose="02070309020205020404" pitchFamily="49" charset="0"/>
-            </a:endParaRPr>
-          </a:p>
-          <a:p>
-            <a:pPr marL="0" indent="0">
-              <a:spcBef>
-                <a:spcPts val="0"/>
-              </a:spcBef>
-              <a:buNone/>
-            </a:pPr>
-            <a:r>
-              <a:rPr lang="en-GB" sz="1200" dirty="0">
-                <a:latin typeface="Courier New" panose="02070309020205020404" pitchFamily="49" charset="0"/>
-                <a:cs typeface="Courier New" panose="02070309020205020404" pitchFamily="49" charset="0"/>
-              </a:rPr>
-              <a:t>    @ManyToOne(cascade = { </a:t>
+            <a:br>
+              <a:rPr lang="en-GB" sz="1200" dirty="0">
+                <a:latin typeface="Courier New" panose="02070309020205020404" pitchFamily="49" charset="0"/>
+                <a:cs typeface="Courier New" panose="02070309020205020404" pitchFamily="49" charset="0"/>
+              </a:rPr>
+            </a:br>
+            <a:br>
+              <a:rPr lang="en-GB" sz="1200" dirty="0">
+                <a:latin typeface="Courier New" panose="02070309020205020404" pitchFamily="49" charset="0"/>
+                <a:cs typeface="Courier New" panose="02070309020205020404" pitchFamily="49" charset="0"/>
+              </a:rPr>
+            </a:br>
+            <a:r>
+              <a:rPr lang="en-GB" sz="1200" dirty="0">
+                <a:latin typeface="Courier New" panose="02070309020205020404" pitchFamily="49" charset="0"/>
+                <a:cs typeface="Courier New" panose="02070309020205020404" pitchFamily="49" charset="0"/>
+              </a:rPr>
+              <a:t>    @</a:t>
             </a:r>
             <a:r>
               <a:rPr lang="en-GB" sz="1200" dirty="0" err="1">
                 <a:latin typeface="Courier New" panose="02070309020205020404" pitchFamily="49" charset="0"/>
                 <a:cs typeface="Courier New" panose="02070309020205020404" pitchFamily="49" charset="0"/>
               </a:rPr>
+              <a:t>ManyToOne</a:t>
+            </a:r>
+            <a:r>
+              <a:rPr lang="en-GB" sz="1200" dirty="0">
+                <a:latin typeface="Courier New" panose="02070309020205020404" pitchFamily="49" charset="0"/>
+                <a:cs typeface="Courier New" panose="02070309020205020404" pitchFamily="49" charset="0"/>
+              </a:rPr>
+              <a:t>(cascade = { </a:t>
+            </a:r>
+            <a:r>
+              <a:rPr lang="en-GB" sz="1200" dirty="0" err="1">
+                <a:latin typeface="Courier New" panose="02070309020205020404" pitchFamily="49" charset="0"/>
+                <a:cs typeface="Courier New" panose="02070309020205020404" pitchFamily="49" charset="0"/>
+              </a:rPr>
               <a:t>CascadeType.MERGE</a:t>
             </a:r>
             <a:r>
@@ -15815,14 +15898,12 @@
               </a:rPr>
               <a:t>})</a:t>
             </a:r>
-          </a:p>
-          <a:p>
-            <a:pPr marL="0" indent="0">
-              <a:spcBef>
-                <a:spcPts val="0"/>
-              </a:spcBef>
-              <a:buNone/>
-            </a:pPr>
+            <a:br>
+              <a:rPr lang="en-GB" sz="1200" dirty="0">
+                <a:latin typeface="Courier New" panose="02070309020205020404" pitchFamily="49" charset="0"/>
+                <a:cs typeface="Courier New" panose="02070309020205020404" pitchFamily="49" charset="0"/>
+              </a:rPr>
+            </a:br>
             <a:r>
               <a:rPr lang="en-GB" sz="1200" dirty="0">
                 <a:latin typeface="Courier New" panose="02070309020205020404" pitchFamily="49" charset="0"/>
@@ -15844,41 +15925,45 @@
               </a:rPr>
               <a:t>;</a:t>
             </a:r>
-          </a:p>
-          <a:p>
-            <a:pPr marL="0" indent="0">
-              <a:spcBef>
-                <a:spcPts val="0"/>
-              </a:spcBef>
-              <a:buNone/>
-            </a:pPr>
-            <a:endParaRPr lang="en-GB" sz="1200" dirty="0">
-              <a:latin typeface="Courier New" panose="02070309020205020404" pitchFamily="49" charset="0"/>
-              <a:cs typeface="Courier New" panose="02070309020205020404" pitchFamily="49" charset="0"/>
-            </a:endParaRPr>
-          </a:p>
-          <a:p>
-            <a:pPr marL="0" indent="0">
-              <a:spcBef>
-                <a:spcPts val="0"/>
-              </a:spcBef>
-              <a:buNone/>
-            </a:pPr>
-            <a:r>
-              <a:rPr lang="en-GB" sz="1200" dirty="0">
-                <a:latin typeface="Courier New" panose="02070309020205020404" pitchFamily="49" charset="0"/>
-                <a:cs typeface="Courier New" panose="02070309020205020404" pitchFamily="49" charset="0"/>
-              </a:rPr>
-              <a:t>    @Enumerated(EnumType.STRING)</a:t>
-            </a:r>
-          </a:p>
-          <a:p>
-            <a:pPr marL="0" indent="0">
-              <a:spcBef>
-                <a:spcPts val="0"/>
-              </a:spcBef>
-              <a:buNone/>
-            </a:pPr>
+            <a:br>
+              <a:rPr lang="en-GB" sz="1200" dirty="0">
+                <a:latin typeface="Courier New" panose="02070309020205020404" pitchFamily="49" charset="0"/>
+                <a:cs typeface="Courier New" panose="02070309020205020404" pitchFamily="49" charset="0"/>
+              </a:rPr>
+            </a:br>
+            <a:br>
+              <a:rPr lang="en-GB" sz="1200" dirty="0">
+                <a:latin typeface="Courier New" panose="02070309020205020404" pitchFamily="49" charset="0"/>
+                <a:cs typeface="Courier New" panose="02070309020205020404" pitchFamily="49" charset="0"/>
+              </a:rPr>
+            </a:br>
+            <a:r>
+              <a:rPr lang="en-GB" sz="1200" dirty="0">
+                <a:latin typeface="Courier New" panose="02070309020205020404" pitchFamily="49" charset="0"/>
+                <a:cs typeface="Courier New" panose="02070309020205020404" pitchFamily="49" charset="0"/>
+              </a:rPr>
+              <a:t>    @Enumerated(</a:t>
+            </a:r>
+            <a:r>
+              <a:rPr lang="en-GB" sz="1200" dirty="0" err="1">
+                <a:latin typeface="Courier New" panose="02070309020205020404" pitchFamily="49" charset="0"/>
+                <a:cs typeface="Courier New" panose="02070309020205020404" pitchFamily="49" charset="0"/>
+              </a:rPr>
+              <a:t>EnumType.STRING</a:t>
+            </a:r>
+            <a:r>
+              <a:rPr lang="en-GB" sz="1200" dirty="0">
+                <a:latin typeface="Courier New" panose="02070309020205020404" pitchFamily="49" charset="0"/>
+                <a:cs typeface="Courier New" panose="02070309020205020404" pitchFamily="49" charset="0"/>
+              </a:rPr>
+              <a:t>)</a:t>
+            </a:r>
+            <a:br>
+              <a:rPr lang="en-GB" sz="1200" dirty="0">
+                <a:latin typeface="Courier New" panose="02070309020205020404" pitchFamily="49" charset="0"/>
+                <a:cs typeface="Courier New" panose="02070309020205020404" pitchFamily="49" charset="0"/>
+              </a:rPr>
+            </a:br>
             <a:r>
               <a:rPr lang="en-GB" sz="1200" dirty="0">
                 <a:latin typeface="Courier New" panose="02070309020205020404" pitchFamily="49" charset="0"/>
@@ -15972,6 +16057,25 @@
                 <a:cs typeface="Courier New" panose="02070309020205020404" pitchFamily="49" charset="0"/>
               </a:rPr>
               <a:t>    }</a:t>
+            </a:r>
+            <a:br>
+              <a:rPr lang="en-GB" sz="1200" dirty="0">
+                <a:latin typeface="Courier New" panose="02070309020205020404" pitchFamily="49" charset="0"/>
+                <a:cs typeface="Courier New" panose="02070309020205020404" pitchFamily="49" charset="0"/>
+              </a:rPr>
+            </a:br>
+            <a:br>
+              <a:rPr lang="en-GB" sz="1200" dirty="0">
+                <a:latin typeface="Courier New" panose="02070309020205020404" pitchFamily="49" charset="0"/>
+                <a:cs typeface="Courier New" panose="02070309020205020404" pitchFamily="49" charset="0"/>
+              </a:rPr>
+            </a:br>
+            <a:r>
+              <a:rPr lang="en-GB" sz="1200" dirty="0">
+                <a:latin typeface="Courier New" panose="02070309020205020404" pitchFamily="49" charset="0"/>
+                <a:cs typeface="Courier New" panose="02070309020205020404" pitchFamily="49" charset="0"/>
+              </a:rPr>
+              <a:t>    </a:t>
             </a:r>
           </a:p>
         </p:txBody>
@@ -16119,8 +16223,8 @@
         </p:nvSpPr>
         <p:spPr>
           <a:xfrm>
-            <a:off x="1" y="1434164"/>
-            <a:ext cx="9144000" cy="5342021"/>
+            <a:off x="1" y="1872343"/>
+            <a:ext cx="9144000" cy="4903842"/>
           </a:xfrm>
         </p:spPr>
         <p:txBody>
@@ -16135,6 +16239,162 @@
               </a:spcBef>
               <a:buNone/>
             </a:pPr>
+            <a:r>
+              <a:rPr lang="en-GB" sz="1200" dirty="0">
+                <a:latin typeface="Courier New" panose="02070309020205020404" pitchFamily="49" charset="0"/>
+                <a:cs typeface="Courier New" panose="02070309020205020404" pitchFamily="49" charset="0"/>
+              </a:rPr>
+              <a:t>public void </a:t>
+            </a:r>
+            <a:r>
+              <a:rPr lang="en-GB" sz="1200" dirty="0" err="1">
+                <a:latin typeface="Courier New" panose="02070309020205020404" pitchFamily="49" charset="0"/>
+                <a:cs typeface="Courier New" panose="02070309020205020404" pitchFamily="49" charset="0"/>
+              </a:rPr>
+              <a:t>setRelatedQuestionnaire</a:t>
+            </a:r>
+            <a:r>
+              <a:rPr lang="en-GB" sz="1200" dirty="0">
+                <a:latin typeface="Courier New" panose="02070309020205020404" pitchFamily="49" charset="0"/>
+                <a:cs typeface="Courier New" panose="02070309020205020404" pitchFamily="49" charset="0"/>
+              </a:rPr>
+              <a:t>(Questionnaire </a:t>
+            </a:r>
+            <a:r>
+              <a:rPr lang="en-GB" sz="1200" dirty="0" err="1">
+                <a:latin typeface="Courier New" panose="02070309020205020404" pitchFamily="49" charset="0"/>
+                <a:cs typeface="Courier New" panose="02070309020205020404" pitchFamily="49" charset="0"/>
+              </a:rPr>
+              <a:t>relatedQuestionnaire</a:t>
+            </a:r>
+            <a:r>
+              <a:rPr lang="en-GB" sz="1200" dirty="0">
+                <a:latin typeface="Courier New" panose="02070309020205020404" pitchFamily="49" charset="0"/>
+                <a:cs typeface="Courier New" panose="02070309020205020404" pitchFamily="49" charset="0"/>
+              </a:rPr>
+              <a:t>) {</a:t>
+            </a:r>
+            <a:br>
+              <a:rPr lang="en-GB" sz="1200" dirty="0">
+                <a:latin typeface="Courier New" panose="02070309020205020404" pitchFamily="49" charset="0"/>
+                <a:cs typeface="Courier New" panose="02070309020205020404" pitchFamily="49" charset="0"/>
+              </a:rPr>
+            </a:br>
+            <a:r>
+              <a:rPr lang="en-GB" sz="1200" dirty="0">
+                <a:latin typeface="Courier New" panose="02070309020205020404" pitchFamily="49" charset="0"/>
+                <a:cs typeface="Courier New" panose="02070309020205020404" pitchFamily="49" charset="0"/>
+              </a:rPr>
+              <a:t>        if(</a:t>
+            </a:r>
+            <a:r>
+              <a:rPr lang="en-GB" sz="1200" dirty="0" err="1">
+                <a:latin typeface="Courier New" panose="02070309020205020404" pitchFamily="49" charset="0"/>
+                <a:cs typeface="Courier New" panose="02070309020205020404" pitchFamily="49" charset="0"/>
+              </a:rPr>
+              <a:t>relatedQuestionnaire</a:t>
+            </a:r>
+            <a:r>
+              <a:rPr lang="en-GB" sz="1200" dirty="0">
+                <a:latin typeface="Courier New" panose="02070309020205020404" pitchFamily="49" charset="0"/>
+                <a:cs typeface="Courier New" panose="02070309020205020404" pitchFamily="49" charset="0"/>
+              </a:rPr>
+              <a:t> != null) {</a:t>
+            </a:r>
+            <a:br>
+              <a:rPr lang="en-GB" sz="1200" dirty="0">
+                <a:latin typeface="Courier New" panose="02070309020205020404" pitchFamily="49" charset="0"/>
+                <a:cs typeface="Courier New" panose="02070309020205020404" pitchFamily="49" charset="0"/>
+              </a:rPr>
+            </a:br>
+            <a:r>
+              <a:rPr lang="en-GB" sz="1200" dirty="0">
+                <a:latin typeface="Courier New" panose="02070309020205020404" pitchFamily="49" charset="0"/>
+                <a:cs typeface="Courier New" panose="02070309020205020404" pitchFamily="49" charset="0"/>
+              </a:rPr>
+              <a:t>            </a:t>
+            </a:r>
+            <a:r>
+              <a:rPr lang="en-GB" sz="1200" dirty="0" err="1">
+                <a:latin typeface="Courier New" panose="02070309020205020404" pitchFamily="49" charset="0"/>
+                <a:cs typeface="Courier New" panose="02070309020205020404" pitchFamily="49" charset="0"/>
+              </a:rPr>
+              <a:t>this.relatedQuestionnaire</a:t>
+            </a:r>
+            <a:r>
+              <a:rPr lang="en-GB" sz="1200" dirty="0">
+                <a:latin typeface="Courier New" panose="02070309020205020404" pitchFamily="49" charset="0"/>
+                <a:cs typeface="Courier New" panose="02070309020205020404" pitchFamily="49" charset="0"/>
+              </a:rPr>
+              <a:t> = </a:t>
+            </a:r>
+            <a:r>
+              <a:rPr lang="en-GB" sz="1200" dirty="0" err="1">
+                <a:latin typeface="Courier New" panose="02070309020205020404" pitchFamily="49" charset="0"/>
+                <a:cs typeface="Courier New" panose="02070309020205020404" pitchFamily="49" charset="0"/>
+              </a:rPr>
+              <a:t>relatedQuestionnaire</a:t>
+            </a:r>
+            <a:r>
+              <a:rPr lang="en-GB" sz="1200" dirty="0">
+                <a:latin typeface="Courier New" panose="02070309020205020404" pitchFamily="49" charset="0"/>
+                <a:cs typeface="Courier New" panose="02070309020205020404" pitchFamily="49" charset="0"/>
+              </a:rPr>
+              <a:t>;</a:t>
+            </a:r>
+            <a:br>
+              <a:rPr lang="en-GB" sz="1200" dirty="0">
+                <a:latin typeface="Courier New" panose="02070309020205020404" pitchFamily="49" charset="0"/>
+                <a:cs typeface="Courier New" panose="02070309020205020404" pitchFamily="49" charset="0"/>
+              </a:rPr>
+            </a:br>
+            <a:r>
+              <a:rPr lang="en-GB" sz="1200" dirty="0">
+                <a:latin typeface="Courier New" panose="02070309020205020404" pitchFamily="49" charset="0"/>
+                <a:cs typeface="Courier New" panose="02070309020205020404" pitchFamily="49" charset="0"/>
+              </a:rPr>
+              <a:t>            </a:t>
+            </a:r>
+            <a:r>
+              <a:rPr lang="en-GB" sz="1200" dirty="0" err="1">
+                <a:latin typeface="Courier New" panose="02070309020205020404" pitchFamily="49" charset="0"/>
+                <a:cs typeface="Courier New" panose="02070309020205020404" pitchFamily="49" charset="0"/>
+              </a:rPr>
+              <a:t>relatedQuestionnaire.addAnswer</a:t>
+            </a:r>
+            <a:r>
+              <a:rPr lang="en-GB" sz="1200" dirty="0">
+                <a:latin typeface="Courier New" panose="02070309020205020404" pitchFamily="49" charset="0"/>
+                <a:cs typeface="Courier New" panose="02070309020205020404" pitchFamily="49" charset="0"/>
+              </a:rPr>
+              <a:t>(this);</a:t>
+            </a:r>
+            <a:br>
+              <a:rPr lang="en-GB" sz="1200" dirty="0">
+                <a:latin typeface="Courier New" panose="02070309020205020404" pitchFamily="49" charset="0"/>
+                <a:cs typeface="Courier New" panose="02070309020205020404" pitchFamily="49" charset="0"/>
+              </a:rPr>
+            </a:br>
+            <a:r>
+              <a:rPr lang="en-GB" sz="1200" dirty="0">
+                <a:latin typeface="Courier New" panose="02070309020205020404" pitchFamily="49" charset="0"/>
+                <a:cs typeface="Courier New" panose="02070309020205020404" pitchFamily="49" charset="0"/>
+              </a:rPr>
+              <a:t>        }</a:t>
+            </a:r>
+            <a:br>
+              <a:rPr lang="en-GB" sz="1200" dirty="0">
+                <a:latin typeface="Courier New" panose="02070309020205020404" pitchFamily="49" charset="0"/>
+                <a:cs typeface="Courier New" panose="02070309020205020404" pitchFamily="49" charset="0"/>
+              </a:rPr>
+            </a:br>
+            <a:r>
+              <a:rPr lang="en-GB" sz="1200" dirty="0">
+                <a:latin typeface="Courier New" panose="02070309020205020404" pitchFamily="49" charset="0"/>
+                <a:cs typeface="Courier New" panose="02070309020205020404" pitchFamily="49" charset="0"/>
+              </a:rPr>
+              <a:t>    }</a:t>
+            </a:r>
             <a:br>
               <a:rPr lang="en-GB" sz="1200" dirty="0">
                 <a:latin typeface="Courier New" panose="02070309020205020404" pitchFamily="49" charset="0"/>
@@ -16159,21 +16419,21 @@
                 <a:latin typeface="Courier New" panose="02070309020205020404" pitchFamily="49" charset="0"/>
                 <a:cs typeface="Courier New" panose="02070309020205020404" pitchFamily="49" charset="0"/>
               </a:rPr>
-              <a:t>setRelatedQuestionnaire</a:t>
-            </a:r>
-            <a:r>
-              <a:rPr lang="en-GB" sz="1200" dirty="0">
-                <a:latin typeface="Courier New" panose="02070309020205020404" pitchFamily="49" charset="0"/>
-                <a:cs typeface="Courier New" panose="02070309020205020404" pitchFamily="49" charset="0"/>
-              </a:rPr>
-              <a:t>(Questionnaire </a:t>
+              <a:t>setRelatedUser</a:t>
+            </a:r>
+            <a:r>
+              <a:rPr lang="en-GB" sz="1200" dirty="0">
+                <a:latin typeface="Courier New" panose="02070309020205020404" pitchFamily="49" charset="0"/>
+                <a:cs typeface="Courier New" panose="02070309020205020404" pitchFamily="49" charset="0"/>
+              </a:rPr>
+              <a:t>(User </a:t>
             </a:r>
             <a:r>
               <a:rPr lang="en-GB" sz="1200" dirty="0" err="1">
                 <a:latin typeface="Courier New" panose="02070309020205020404" pitchFamily="49" charset="0"/>
                 <a:cs typeface="Courier New" panose="02070309020205020404" pitchFamily="49" charset="0"/>
               </a:rPr>
-              <a:t>relatedQuestionnaire</a:t>
+              <a:t>relatedUser</a:t>
             </a:r>
             <a:r>
               <a:rPr lang="en-GB" sz="1200" dirty="0">
@@ -16193,6 +16453,47 @@
                 <a:latin typeface="Courier New" panose="02070309020205020404" pitchFamily="49" charset="0"/>
                 <a:cs typeface="Courier New" panose="02070309020205020404" pitchFamily="49" charset="0"/>
               </a:rPr>
+              <a:t>        </a:t>
+            </a:r>
+            <a:r>
+              <a:rPr lang="en-GB" sz="1200" dirty="0" err="1">
+                <a:latin typeface="Courier New" panose="02070309020205020404" pitchFamily="49" charset="0"/>
+                <a:cs typeface="Courier New" panose="02070309020205020404" pitchFamily="49" charset="0"/>
+              </a:rPr>
+              <a:t>this.relatedUser</a:t>
+            </a:r>
+            <a:r>
+              <a:rPr lang="en-GB" sz="1200" dirty="0">
+                <a:latin typeface="Courier New" panose="02070309020205020404" pitchFamily="49" charset="0"/>
+                <a:cs typeface="Courier New" panose="02070309020205020404" pitchFamily="49" charset="0"/>
+              </a:rPr>
+              <a:t> = </a:t>
+            </a:r>
+            <a:r>
+              <a:rPr lang="en-GB" sz="1200" dirty="0" err="1">
+                <a:latin typeface="Courier New" panose="02070309020205020404" pitchFamily="49" charset="0"/>
+                <a:cs typeface="Courier New" panose="02070309020205020404" pitchFamily="49" charset="0"/>
+              </a:rPr>
+              <a:t>relatedUser</a:t>
+            </a:r>
+            <a:r>
+              <a:rPr lang="en-GB" sz="1200" dirty="0">
+                <a:latin typeface="Courier New" panose="02070309020205020404" pitchFamily="49" charset="0"/>
+                <a:cs typeface="Courier New" panose="02070309020205020404" pitchFamily="49" charset="0"/>
+              </a:rPr>
+              <a:t>;</a:t>
+            </a:r>
+            <a:br>
+              <a:rPr lang="en-GB" sz="1200" dirty="0">
+                <a:latin typeface="Courier New" panose="02070309020205020404" pitchFamily="49" charset="0"/>
+                <a:cs typeface="Courier New" panose="02070309020205020404" pitchFamily="49" charset="0"/>
+              </a:rPr>
+            </a:br>
+            <a:r>
+              <a:rPr lang="en-GB" sz="1200" dirty="0">
+                <a:latin typeface="Courier New" panose="02070309020205020404" pitchFamily="49" charset="0"/>
+                <a:cs typeface="Courier New" panose="02070309020205020404" pitchFamily="49" charset="0"/>
+              </a:rPr>
               <a:t>        if(</a:t>
             </a:r>
             <a:r>
@@ -16200,7 +16501,7 @@
                 <a:latin typeface="Courier New" panose="02070309020205020404" pitchFamily="49" charset="0"/>
                 <a:cs typeface="Courier New" panose="02070309020205020404" pitchFamily="49" charset="0"/>
               </a:rPr>
-              <a:t>relatedQuestionnaire</a:t>
+              <a:t>relatedUser</a:t>
             </a:r>
             <a:r>
               <a:rPr lang="en-GB" sz="1200" dirty="0">
@@ -16227,68 +16528,128 @@
                 <a:latin typeface="Courier New" panose="02070309020205020404" pitchFamily="49" charset="0"/>
                 <a:cs typeface="Courier New" panose="02070309020205020404" pitchFamily="49" charset="0"/>
               </a:rPr>
-              <a:t>this.relatedQuestionnaire</a:t>
-            </a:r>
-            <a:r>
-              <a:rPr lang="en-GB" sz="1200" dirty="0">
-                <a:latin typeface="Courier New" panose="02070309020205020404" pitchFamily="49" charset="0"/>
-                <a:cs typeface="Courier New" panose="02070309020205020404" pitchFamily="49" charset="0"/>
-              </a:rPr>
-              <a:t> = </a:t>
+              <a:t>relatedUser.addAnswer</a:t>
+            </a:r>
+            <a:r>
+              <a:rPr lang="en-GB" sz="1200" dirty="0">
+                <a:latin typeface="Courier New" panose="02070309020205020404" pitchFamily="49" charset="0"/>
+                <a:cs typeface="Courier New" panose="02070309020205020404" pitchFamily="49" charset="0"/>
+              </a:rPr>
+              <a:t>(this);</a:t>
+            </a:r>
+            <a:br>
+              <a:rPr lang="en-GB" sz="1200" dirty="0">
+                <a:latin typeface="Courier New" panose="02070309020205020404" pitchFamily="49" charset="0"/>
+                <a:cs typeface="Courier New" panose="02070309020205020404" pitchFamily="49" charset="0"/>
+              </a:rPr>
+            </a:br>
+            <a:r>
+              <a:rPr lang="en-GB" sz="1200" dirty="0">
+                <a:latin typeface="Courier New" panose="02070309020205020404" pitchFamily="49" charset="0"/>
+                <a:cs typeface="Courier New" panose="02070309020205020404" pitchFamily="49" charset="0"/>
+              </a:rPr>
+              <a:t>        }</a:t>
+            </a:r>
+            <a:br>
+              <a:rPr lang="en-GB" sz="1200" dirty="0">
+                <a:latin typeface="Courier New" panose="02070309020205020404" pitchFamily="49" charset="0"/>
+                <a:cs typeface="Courier New" panose="02070309020205020404" pitchFamily="49" charset="0"/>
+              </a:rPr>
+            </a:br>
+            <a:r>
+              <a:rPr lang="en-GB" sz="1200" dirty="0">
+                <a:latin typeface="Courier New" panose="02070309020205020404" pitchFamily="49" charset="0"/>
+                <a:cs typeface="Courier New" panose="02070309020205020404" pitchFamily="49" charset="0"/>
+              </a:rPr>
+              <a:t>    }</a:t>
+            </a:r>
+            <a:br>
+              <a:rPr lang="en-GB" sz="1200" dirty="0">
+                <a:latin typeface="Courier New" panose="02070309020205020404" pitchFamily="49" charset="0"/>
+                <a:cs typeface="Courier New" panose="02070309020205020404" pitchFamily="49" charset="0"/>
+              </a:rPr>
+            </a:br>
+            <a:br>
+              <a:rPr lang="en-GB" sz="1200" dirty="0">
+                <a:latin typeface="Courier New" panose="02070309020205020404" pitchFamily="49" charset="0"/>
+                <a:cs typeface="Courier New" panose="02070309020205020404" pitchFamily="49" charset="0"/>
+              </a:rPr>
+            </a:br>
+            <a:r>
+              <a:rPr lang="en-GB" sz="1200" dirty="0">
+                <a:latin typeface="Courier New" panose="02070309020205020404" pitchFamily="49" charset="0"/>
+                <a:cs typeface="Courier New" panose="02070309020205020404" pitchFamily="49" charset="0"/>
+              </a:rPr>
+              <a:t>    public void </a:t>
             </a:r>
             <a:r>
               <a:rPr lang="en-GB" sz="1200" dirty="0" err="1">
                 <a:latin typeface="Courier New" panose="02070309020205020404" pitchFamily="49" charset="0"/>
                 <a:cs typeface="Courier New" panose="02070309020205020404" pitchFamily="49" charset="0"/>
               </a:rPr>
-              <a:t>relatedQuestionnaire</a:t>
-            </a:r>
-            <a:r>
-              <a:rPr lang="en-GB" sz="1200" dirty="0">
-                <a:latin typeface="Courier New" panose="02070309020205020404" pitchFamily="49" charset="0"/>
-                <a:cs typeface="Courier New" panose="02070309020205020404" pitchFamily="49" charset="0"/>
-              </a:rPr>
-              <a:t>;</a:t>
-            </a:r>
-            <a:br>
-              <a:rPr lang="en-GB" sz="1200" dirty="0">
-                <a:latin typeface="Courier New" panose="02070309020205020404" pitchFamily="49" charset="0"/>
-                <a:cs typeface="Courier New" panose="02070309020205020404" pitchFamily="49" charset="0"/>
-              </a:rPr>
-            </a:br>
-            <a:r>
-              <a:rPr lang="en-GB" sz="1200" dirty="0">
-                <a:latin typeface="Courier New" panose="02070309020205020404" pitchFamily="49" charset="0"/>
-                <a:cs typeface="Courier New" panose="02070309020205020404" pitchFamily="49" charset="0"/>
-              </a:rPr>
-              <a:t>            </a:t>
+              <a:t>addAnswer</a:t>
+            </a:r>
+            <a:r>
+              <a:rPr lang="en-GB" sz="1200" dirty="0">
+                <a:latin typeface="Courier New" panose="02070309020205020404" pitchFamily="49" charset="0"/>
+                <a:cs typeface="Courier New" panose="02070309020205020404" pitchFamily="49" charset="0"/>
+              </a:rPr>
+              <a:t>(Question question, String </a:t>
             </a:r>
             <a:r>
               <a:rPr lang="en-GB" sz="1200" dirty="0" err="1">
                 <a:latin typeface="Courier New" panose="02070309020205020404" pitchFamily="49" charset="0"/>
                 <a:cs typeface="Courier New" panose="02070309020205020404" pitchFamily="49" charset="0"/>
               </a:rPr>
-              <a:t>relatedQuestionnaire.addAnswer</a:t>
-            </a:r>
-            <a:r>
-              <a:rPr lang="en-GB" sz="1200" dirty="0">
-                <a:latin typeface="Courier New" panose="02070309020205020404" pitchFamily="49" charset="0"/>
-                <a:cs typeface="Courier New" panose="02070309020205020404" pitchFamily="49" charset="0"/>
-              </a:rPr>
-              <a:t>(this);</a:t>
-            </a:r>
-            <a:br>
-              <a:rPr lang="en-GB" sz="1200" dirty="0">
-                <a:latin typeface="Courier New" panose="02070309020205020404" pitchFamily="49" charset="0"/>
-                <a:cs typeface="Courier New" panose="02070309020205020404" pitchFamily="49" charset="0"/>
-              </a:rPr>
-            </a:br>
-            <a:r>
-              <a:rPr lang="en-GB" sz="1200" dirty="0">
-                <a:latin typeface="Courier New" panose="02070309020205020404" pitchFamily="49" charset="0"/>
-                <a:cs typeface="Courier New" panose="02070309020205020404" pitchFamily="49" charset="0"/>
-              </a:rPr>
-              <a:t>        }</a:t>
+              <a:t>answ</a:t>
+            </a:r>
+            <a:r>
+              <a:rPr lang="en-GB" sz="1200" dirty="0">
+                <a:latin typeface="Courier New" panose="02070309020205020404" pitchFamily="49" charset="0"/>
+                <a:cs typeface="Courier New" panose="02070309020205020404" pitchFamily="49" charset="0"/>
+              </a:rPr>
+              <a:t>) {</a:t>
+            </a:r>
+            <a:br>
+              <a:rPr lang="en-GB" sz="1200" dirty="0">
+                <a:latin typeface="Courier New" panose="02070309020205020404" pitchFamily="49" charset="0"/>
+                <a:cs typeface="Courier New" panose="02070309020205020404" pitchFamily="49" charset="0"/>
+              </a:rPr>
+            </a:br>
+            <a:r>
+              <a:rPr lang="en-GB" sz="1200" dirty="0">
+                <a:latin typeface="Courier New" panose="02070309020205020404" pitchFamily="49" charset="0"/>
+                <a:cs typeface="Courier New" panose="02070309020205020404" pitchFamily="49" charset="0"/>
+              </a:rPr>
+              <a:t>        </a:t>
+            </a:r>
+            <a:r>
+              <a:rPr lang="en-GB" sz="1200" dirty="0" err="1">
+                <a:latin typeface="Courier New" panose="02070309020205020404" pitchFamily="49" charset="0"/>
+                <a:cs typeface="Courier New" panose="02070309020205020404" pitchFamily="49" charset="0"/>
+              </a:rPr>
+              <a:t>answers.put</a:t>
+            </a:r>
+            <a:r>
+              <a:rPr lang="en-GB" sz="1200" dirty="0">
+                <a:latin typeface="Courier New" panose="02070309020205020404" pitchFamily="49" charset="0"/>
+                <a:cs typeface="Courier New" panose="02070309020205020404" pitchFamily="49" charset="0"/>
+              </a:rPr>
+              <a:t>(question, </a:t>
+            </a:r>
+            <a:r>
+              <a:rPr lang="en-GB" sz="1200" dirty="0" err="1">
+                <a:latin typeface="Courier New" panose="02070309020205020404" pitchFamily="49" charset="0"/>
+                <a:cs typeface="Courier New" panose="02070309020205020404" pitchFamily="49" charset="0"/>
+              </a:rPr>
+              <a:t>answ</a:t>
+            </a:r>
+            <a:r>
+              <a:rPr lang="en-GB" sz="1200" dirty="0">
+                <a:latin typeface="Courier New" panose="02070309020205020404" pitchFamily="49" charset="0"/>
+                <a:cs typeface="Courier New" panose="02070309020205020404" pitchFamily="49" charset="0"/>
+              </a:rPr>
+              <a:t>);</a:t>
             </a:r>
             <a:br>
               <a:rPr lang="en-GB" sz="1200" dirty="0">
@@ -16309,277 +16670,6 @@
                 <a:cs typeface="Courier New" panose="02070309020205020404" pitchFamily="49" charset="0"/>
               </a:rPr>
             </a:br>
-            <a:br>
-              <a:rPr lang="en-GB" sz="1200" dirty="0">
-                <a:latin typeface="Courier New" panose="02070309020205020404" pitchFamily="49" charset="0"/>
-                <a:cs typeface="Courier New" panose="02070309020205020404" pitchFamily="49" charset="0"/>
-              </a:rPr>
-            </a:br>
-            <a:r>
-              <a:rPr lang="en-GB" sz="1200" dirty="0">
-                <a:latin typeface="Courier New" panose="02070309020205020404" pitchFamily="49" charset="0"/>
-                <a:cs typeface="Courier New" panose="02070309020205020404" pitchFamily="49" charset="0"/>
-              </a:rPr>
-              <a:t>    public void </a:t>
-            </a:r>
-            <a:r>
-              <a:rPr lang="en-GB" sz="1200" dirty="0" err="1">
-                <a:latin typeface="Courier New" panose="02070309020205020404" pitchFamily="49" charset="0"/>
-                <a:cs typeface="Courier New" panose="02070309020205020404" pitchFamily="49" charset="0"/>
-              </a:rPr>
-              <a:t>setRelatedUser</a:t>
-            </a:r>
-            <a:r>
-              <a:rPr lang="en-GB" sz="1200" dirty="0">
-                <a:latin typeface="Courier New" panose="02070309020205020404" pitchFamily="49" charset="0"/>
-                <a:cs typeface="Courier New" panose="02070309020205020404" pitchFamily="49" charset="0"/>
-              </a:rPr>
-              <a:t>(User </a:t>
-            </a:r>
-            <a:r>
-              <a:rPr lang="en-GB" sz="1200" dirty="0" err="1">
-                <a:latin typeface="Courier New" panose="02070309020205020404" pitchFamily="49" charset="0"/>
-                <a:cs typeface="Courier New" panose="02070309020205020404" pitchFamily="49" charset="0"/>
-              </a:rPr>
-              <a:t>relatedUser</a:t>
-            </a:r>
-            <a:r>
-              <a:rPr lang="en-GB" sz="1200" dirty="0">
-                <a:latin typeface="Courier New" panose="02070309020205020404" pitchFamily="49" charset="0"/>
-                <a:cs typeface="Courier New" panose="02070309020205020404" pitchFamily="49" charset="0"/>
-              </a:rPr>
-              <a:t>) {</a:t>
-            </a:r>
-          </a:p>
-          <a:p>
-            <a:pPr marL="0" indent="0">
-              <a:spcBef>
-                <a:spcPts val="0"/>
-              </a:spcBef>
-              <a:buNone/>
-            </a:pPr>
-            <a:r>
-              <a:rPr lang="en-GB" sz="1200" dirty="0">
-                <a:latin typeface="Courier New" panose="02070309020205020404" pitchFamily="49" charset="0"/>
-                <a:cs typeface="Courier New" panose="02070309020205020404" pitchFamily="49" charset="0"/>
-              </a:rPr>
-              <a:t>        </a:t>
-            </a:r>
-            <a:r>
-              <a:rPr lang="en-GB" sz="1200" dirty="0" err="1">
-                <a:latin typeface="Courier New" panose="02070309020205020404" pitchFamily="49" charset="0"/>
-                <a:cs typeface="Courier New" panose="02070309020205020404" pitchFamily="49" charset="0"/>
-              </a:rPr>
-              <a:t>this.relatedUser</a:t>
-            </a:r>
-            <a:r>
-              <a:rPr lang="en-GB" sz="1200" dirty="0">
-                <a:latin typeface="Courier New" panose="02070309020205020404" pitchFamily="49" charset="0"/>
-                <a:cs typeface="Courier New" panose="02070309020205020404" pitchFamily="49" charset="0"/>
-              </a:rPr>
-              <a:t> = </a:t>
-            </a:r>
-            <a:r>
-              <a:rPr lang="en-GB" sz="1200" dirty="0" err="1">
-                <a:latin typeface="Courier New" panose="02070309020205020404" pitchFamily="49" charset="0"/>
-                <a:cs typeface="Courier New" panose="02070309020205020404" pitchFamily="49" charset="0"/>
-              </a:rPr>
-              <a:t>relatedUser</a:t>
-            </a:r>
-            <a:r>
-              <a:rPr lang="en-GB" sz="1200" dirty="0">
-                <a:latin typeface="Courier New" panose="02070309020205020404" pitchFamily="49" charset="0"/>
-                <a:cs typeface="Courier New" panose="02070309020205020404" pitchFamily="49" charset="0"/>
-              </a:rPr>
-              <a:t>;</a:t>
-            </a:r>
-            <a:br>
-              <a:rPr lang="en-GB" sz="1200" dirty="0">
-                <a:latin typeface="Courier New" panose="02070309020205020404" pitchFamily="49" charset="0"/>
-                <a:cs typeface="Courier New" panose="02070309020205020404" pitchFamily="49" charset="0"/>
-              </a:rPr>
-            </a:br>
-            <a:r>
-              <a:rPr lang="en-GB" sz="1200" dirty="0">
-                <a:latin typeface="Courier New" panose="02070309020205020404" pitchFamily="49" charset="0"/>
-                <a:cs typeface="Courier New" panose="02070309020205020404" pitchFamily="49" charset="0"/>
-              </a:rPr>
-              <a:t>        if(</a:t>
-            </a:r>
-            <a:r>
-              <a:rPr lang="en-GB" sz="1200" dirty="0" err="1">
-                <a:latin typeface="Courier New" panose="02070309020205020404" pitchFamily="49" charset="0"/>
-                <a:cs typeface="Courier New" panose="02070309020205020404" pitchFamily="49" charset="0"/>
-              </a:rPr>
-              <a:t>relatedUser</a:t>
-            </a:r>
-            <a:r>
-              <a:rPr lang="en-GB" sz="1200" dirty="0">
-                <a:latin typeface="Courier New" panose="02070309020205020404" pitchFamily="49" charset="0"/>
-                <a:cs typeface="Courier New" panose="02070309020205020404" pitchFamily="49" charset="0"/>
-              </a:rPr>
-              <a:t> != null) {</a:t>
-            </a:r>
-            <a:br>
-              <a:rPr lang="en-GB" sz="1200" dirty="0">
-                <a:latin typeface="Courier New" panose="02070309020205020404" pitchFamily="49" charset="0"/>
-                <a:cs typeface="Courier New" panose="02070309020205020404" pitchFamily="49" charset="0"/>
-              </a:rPr>
-            </a:br>
-            <a:r>
-              <a:rPr lang="en-GB" sz="1200" dirty="0">
-                <a:latin typeface="Courier New" panose="02070309020205020404" pitchFamily="49" charset="0"/>
-                <a:cs typeface="Courier New" panose="02070309020205020404" pitchFamily="49" charset="0"/>
-              </a:rPr>
-              <a:t>            </a:t>
-            </a:r>
-            <a:r>
-              <a:rPr lang="en-GB" sz="1200" dirty="0" err="1">
-                <a:latin typeface="Courier New" panose="02070309020205020404" pitchFamily="49" charset="0"/>
-                <a:cs typeface="Courier New" panose="02070309020205020404" pitchFamily="49" charset="0"/>
-              </a:rPr>
-              <a:t>relatedUser.addAnswer</a:t>
-            </a:r>
-            <a:r>
-              <a:rPr lang="en-GB" sz="1200" dirty="0">
-                <a:latin typeface="Courier New" panose="02070309020205020404" pitchFamily="49" charset="0"/>
-                <a:cs typeface="Courier New" panose="02070309020205020404" pitchFamily="49" charset="0"/>
-              </a:rPr>
-              <a:t>(this);</a:t>
-            </a:r>
-            <a:br>
-              <a:rPr lang="en-GB" sz="1200" dirty="0">
-                <a:latin typeface="Courier New" panose="02070309020205020404" pitchFamily="49" charset="0"/>
-                <a:cs typeface="Courier New" panose="02070309020205020404" pitchFamily="49" charset="0"/>
-              </a:rPr>
-            </a:br>
-            <a:r>
-              <a:rPr lang="en-GB" sz="1200" dirty="0">
-                <a:latin typeface="Courier New" panose="02070309020205020404" pitchFamily="49" charset="0"/>
-                <a:cs typeface="Courier New" panose="02070309020205020404" pitchFamily="49" charset="0"/>
-              </a:rPr>
-              <a:t>        }</a:t>
-            </a:r>
-            <a:br>
-              <a:rPr lang="en-GB" sz="1200" dirty="0">
-                <a:latin typeface="Courier New" panose="02070309020205020404" pitchFamily="49" charset="0"/>
-                <a:cs typeface="Courier New" panose="02070309020205020404" pitchFamily="49" charset="0"/>
-              </a:rPr>
-            </a:br>
-            <a:r>
-              <a:rPr lang="en-GB" sz="1200" dirty="0">
-                <a:latin typeface="Courier New" panose="02070309020205020404" pitchFamily="49" charset="0"/>
-                <a:cs typeface="Courier New" panose="02070309020205020404" pitchFamily="49" charset="0"/>
-              </a:rPr>
-              <a:t>    }</a:t>
-            </a:r>
-            <a:br>
-              <a:rPr lang="en-GB" sz="1200" dirty="0">
-                <a:latin typeface="Courier New" panose="02070309020205020404" pitchFamily="49" charset="0"/>
-                <a:cs typeface="Courier New" panose="02070309020205020404" pitchFamily="49" charset="0"/>
-              </a:rPr>
-            </a:br>
-            <a:br>
-              <a:rPr lang="en-GB" sz="1200" dirty="0">
-                <a:latin typeface="Courier New" panose="02070309020205020404" pitchFamily="49" charset="0"/>
-                <a:cs typeface="Courier New" panose="02070309020205020404" pitchFamily="49" charset="0"/>
-              </a:rPr>
-            </a:br>
-            <a:r>
-              <a:rPr lang="en-GB" sz="1200" dirty="0">
-                <a:latin typeface="Courier New" panose="02070309020205020404" pitchFamily="49" charset="0"/>
-                <a:cs typeface="Courier New" panose="02070309020205020404" pitchFamily="49" charset="0"/>
-              </a:rPr>
-              <a:t>    public void </a:t>
-            </a:r>
-            <a:r>
-              <a:rPr lang="en-GB" sz="1200" dirty="0" err="1">
-                <a:latin typeface="Courier New" panose="02070309020205020404" pitchFamily="49" charset="0"/>
-                <a:cs typeface="Courier New" panose="02070309020205020404" pitchFamily="49" charset="0"/>
-              </a:rPr>
-              <a:t>addAnswer</a:t>
-            </a:r>
-            <a:r>
-              <a:rPr lang="en-GB" sz="1200" dirty="0">
-                <a:latin typeface="Courier New" panose="02070309020205020404" pitchFamily="49" charset="0"/>
-                <a:cs typeface="Courier New" panose="02070309020205020404" pitchFamily="49" charset="0"/>
-              </a:rPr>
-              <a:t>(Question question, String </a:t>
-            </a:r>
-            <a:r>
-              <a:rPr lang="en-GB" sz="1200" dirty="0" err="1">
-                <a:latin typeface="Courier New" panose="02070309020205020404" pitchFamily="49" charset="0"/>
-                <a:cs typeface="Courier New" panose="02070309020205020404" pitchFamily="49" charset="0"/>
-              </a:rPr>
-              <a:t>answ</a:t>
-            </a:r>
-            <a:r>
-              <a:rPr lang="en-GB" sz="1200" dirty="0">
-                <a:latin typeface="Courier New" panose="02070309020205020404" pitchFamily="49" charset="0"/>
-                <a:cs typeface="Courier New" panose="02070309020205020404" pitchFamily="49" charset="0"/>
-              </a:rPr>
-              <a:t>) {</a:t>
-            </a:r>
-            <a:br>
-              <a:rPr lang="en-GB" sz="1200" dirty="0">
-                <a:latin typeface="Courier New" panose="02070309020205020404" pitchFamily="49" charset="0"/>
-                <a:cs typeface="Courier New" panose="02070309020205020404" pitchFamily="49" charset="0"/>
-              </a:rPr>
-            </a:br>
-            <a:r>
-              <a:rPr lang="en-GB" sz="1200" dirty="0">
-                <a:latin typeface="Courier New" panose="02070309020205020404" pitchFamily="49" charset="0"/>
-                <a:cs typeface="Courier New" panose="02070309020205020404" pitchFamily="49" charset="0"/>
-              </a:rPr>
-              <a:t>        </a:t>
-            </a:r>
-            <a:r>
-              <a:rPr lang="en-GB" sz="1200" dirty="0" err="1">
-                <a:latin typeface="Courier New" panose="02070309020205020404" pitchFamily="49" charset="0"/>
-                <a:cs typeface="Courier New" panose="02070309020205020404" pitchFamily="49" charset="0"/>
-              </a:rPr>
-              <a:t>answers.put</a:t>
-            </a:r>
-            <a:r>
-              <a:rPr lang="en-GB" sz="1200" dirty="0">
-                <a:latin typeface="Courier New" panose="02070309020205020404" pitchFamily="49" charset="0"/>
-                <a:cs typeface="Courier New" panose="02070309020205020404" pitchFamily="49" charset="0"/>
-              </a:rPr>
-              <a:t>(question, </a:t>
-            </a:r>
-            <a:r>
-              <a:rPr lang="en-GB" sz="1200" dirty="0" err="1">
-                <a:latin typeface="Courier New" panose="02070309020205020404" pitchFamily="49" charset="0"/>
-                <a:cs typeface="Courier New" panose="02070309020205020404" pitchFamily="49" charset="0"/>
-              </a:rPr>
-              <a:t>answ</a:t>
-            </a:r>
-            <a:r>
-              <a:rPr lang="en-GB" sz="1200" dirty="0">
-                <a:latin typeface="Courier New" panose="02070309020205020404" pitchFamily="49" charset="0"/>
-                <a:cs typeface="Courier New" panose="02070309020205020404" pitchFamily="49" charset="0"/>
-              </a:rPr>
-              <a:t>);</a:t>
-            </a:r>
-            <a:br>
-              <a:rPr lang="en-GB" sz="1200" dirty="0">
-                <a:latin typeface="Courier New" panose="02070309020205020404" pitchFamily="49" charset="0"/>
-                <a:cs typeface="Courier New" panose="02070309020205020404" pitchFamily="49" charset="0"/>
-              </a:rPr>
-            </a:br>
-            <a:r>
-              <a:rPr lang="en-GB" sz="1200" dirty="0">
-                <a:latin typeface="Courier New" panose="02070309020205020404" pitchFamily="49" charset="0"/>
-                <a:cs typeface="Courier New" panose="02070309020205020404" pitchFamily="49" charset="0"/>
-              </a:rPr>
-              <a:t>    }</a:t>
-            </a:r>
-            <a:br>
-              <a:rPr lang="en-GB" sz="1200" dirty="0">
-                <a:latin typeface="Courier New" panose="02070309020205020404" pitchFamily="49" charset="0"/>
-                <a:cs typeface="Courier New" panose="02070309020205020404" pitchFamily="49" charset="0"/>
-              </a:rPr>
-            </a:br>
             <a:r>
               <a:rPr lang="en-GB" sz="1200" dirty="0">
                 <a:latin typeface="Courier New" panose="02070309020205020404" pitchFamily="49" charset="0"/>
@@ -16587,16 +16677,6 @@
               </a:rPr>
               <a:t>}</a:t>
             </a:r>
-            <a:br>
-              <a:rPr lang="en-GB" sz="1200" dirty="0">
-                <a:latin typeface="Courier New" panose="02070309020205020404" pitchFamily="49" charset="0"/>
-                <a:cs typeface="Courier New" panose="02070309020205020404" pitchFamily="49" charset="0"/>
-              </a:rPr>
-            </a:br>
-            <a:endParaRPr lang="en-GB" sz="1200" dirty="0">
-              <a:latin typeface="Courier New" panose="02070309020205020404" pitchFamily="49" charset="0"/>
-              <a:cs typeface="Courier New" panose="02070309020205020404" pitchFamily="49" charset="0"/>
-            </a:endParaRPr>
           </a:p>
         </p:txBody>
       </p:sp>
@@ -17234,13 +17314,24 @@
         </p:nvSpPr>
         <p:spPr/>
         <p:txBody>
-          <a:bodyPr/>
+          <a:bodyPr>
+            <a:normAutofit/>
+          </a:bodyPr>
           <a:lstStyle/>
           <a:p>
             <a:r>
-              <a:rPr lang="en-GB" dirty="0"/>
-              <a:t>Business method for  doing something</a:t>
-            </a:r>
+              <a:rPr lang="en-GB" dirty="0">
+                <a:cs typeface="Courier New" panose="02070309020205020404" pitchFamily="49" charset="0"/>
+              </a:rPr>
+              <a:t>@Stateless </a:t>
+            </a:r>
+            <a:r>
+              <a:rPr lang="en-GB" dirty="0" err="1">
+                <a:cs typeface="Courier New" panose="02070309020205020404" pitchFamily="49" charset="0"/>
+              </a:rPr>
+              <a:t>AdminService</a:t>
+            </a:r>
+            <a:endParaRPr lang="en-GB" dirty="0"/>
           </a:p>
         </p:txBody>
       </p:sp>
@@ -17257,7 +17348,7 @@
         <p:spPr/>
         <p:txBody>
           <a:bodyPr>
-            <a:normAutofit/>
+            <a:normAutofit fontScale="85000" lnSpcReduction="20000"/>
           </a:bodyPr>
           <a:lstStyle/>
           <a:p>
@@ -17269,129 +17360,675 @@
                 <a:latin typeface="Courier New" panose="02070309020205020404" pitchFamily="49" charset="0"/>
                 <a:cs typeface="Courier New" panose="02070309020205020404" pitchFamily="49" charset="0"/>
               </a:rPr>
-              <a:t>public void  method(Class </a:t>
+              <a:t>@Stateless</a:t>
+            </a:r>
+            <a:br>
+              <a:rPr lang="en-GB" sz="1500" dirty="0">
+                <a:latin typeface="Courier New" panose="02070309020205020404" pitchFamily="49" charset="0"/>
+                <a:cs typeface="Courier New" panose="02070309020205020404" pitchFamily="49" charset="0"/>
+              </a:rPr>
+            </a:br>
+            <a:r>
+              <a:rPr lang="en-GB" sz="1500" dirty="0">
+                <a:latin typeface="Courier New" panose="02070309020205020404" pitchFamily="49" charset="0"/>
+                <a:cs typeface="Courier New" panose="02070309020205020404" pitchFamily="49" charset="0"/>
+              </a:rPr>
+              <a:t>public class </a:t>
             </a:r>
             <a:r>
               <a:rPr lang="en-GB" sz="1500" dirty="0" err="1">
                 <a:latin typeface="Courier New" panose="02070309020205020404" pitchFamily="49" charset="0"/>
                 <a:cs typeface="Courier New" panose="02070309020205020404" pitchFamily="49" charset="0"/>
               </a:rPr>
-              <a:t>arg</a:t>
-            </a:r>
-            <a:r>
-              <a:rPr lang="en-GB" sz="1500" dirty="0">
-                <a:latin typeface="Courier New" panose="02070309020205020404" pitchFamily="49" charset="0"/>
-                <a:cs typeface="Courier New" panose="02070309020205020404" pitchFamily="49" charset="0"/>
-              </a:rPr>
-              <a:t>, . . .) {</a:t>
-            </a:r>
-          </a:p>
-          <a:p>
-            <a:pPr marL="0" indent="0">
-              <a:buNone/>
-            </a:pPr>
-            <a:endParaRPr lang="en-GB" sz="1500" dirty="0">
-              <a:latin typeface="Courier New" panose="02070309020205020404" pitchFamily="49" charset="0"/>
-              <a:cs typeface="Courier New" panose="02070309020205020404" pitchFamily="49" charset="0"/>
-            </a:endParaRPr>
-          </a:p>
-          <a:p>
-            <a:pPr marL="0" indent="0">
-              <a:buNone/>
-            </a:pPr>
-            <a:r>
-              <a:rPr lang="en-GB" sz="1500" dirty="0">
-                <a:latin typeface="Courier New" panose="02070309020205020404" pitchFamily="49" charset="0"/>
-                <a:cs typeface="Courier New" panose="02070309020205020404" pitchFamily="49" charset="0"/>
-              </a:rPr>
-              <a:t>   // code </a:t>
-            </a:r>
-          </a:p>
-          <a:p>
-            <a:pPr marL="0" indent="0">
-              <a:buNone/>
-            </a:pPr>
-            <a:endParaRPr lang="en-GB" sz="1500" dirty="0">
-              <a:latin typeface="Courier New" panose="02070309020205020404" pitchFamily="49" charset="0"/>
-              <a:cs typeface="Courier New" panose="02070309020205020404" pitchFamily="49" charset="0"/>
-            </a:endParaRPr>
-          </a:p>
-          <a:p>
-            <a:pPr marL="0" indent="0">
-              <a:buNone/>
-            </a:pPr>
+              <a:t>AdminService</a:t>
+            </a:r>
+            <a:r>
+              <a:rPr lang="en-GB" sz="1500" dirty="0">
+                <a:latin typeface="Courier New" panose="02070309020205020404" pitchFamily="49" charset="0"/>
+                <a:cs typeface="Courier New" panose="02070309020205020404" pitchFamily="49" charset="0"/>
+              </a:rPr>
+              <a:t> {</a:t>
+            </a:r>
+            <a:br>
+              <a:rPr lang="en-GB" sz="1500" dirty="0">
+                <a:latin typeface="Courier New" panose="02070309020205020404" pitchFamily="49" charset="0"/>
+                <a:cs typeface="Courier New" panose="02070309020205020404" pitchFamily="49" charset="0"/>
+              </a:rPr>
+            </a:br>
+            <a:r>
+              <a:rPr lang="en-GB" sz="1500" dirty="0">
+                <a:latin typeface="Courier New" panose="02070309020205020404" pitchFamily="49" charset="0"/>
+                <a:cs typeface="Courier New" panose="02070309020205020404" pitchFamily="49" charset="0"/>
+              </a:rPr>
+              <a:t>    @</a:t>
+            </a:r>
+            <a:r>
+              <a:rPr lang="en-GB" sz="1500" dirty="0" err="1">
+                <a:latin typeface="Courier New" panose="02070309020205020404" pitchFamily="49" charset="0"/>
+                <a:cs typeface="Courier New" panose="02070309020205020404" pitchFamily="49" charset="0"/>
+              </a:rPr>
+              <a:t>PersistenceContext</a:t>
+            </a:r>
+            <a:r>
+              <a:rPr lang="en-GB" sz="1500" dirty="0">
+                <a:latin typeface="Courier New" panose="02070309020205020404" pitchFamily="49" charset="0"/>
+                <a:cs typeface="Courier New" panose="02070309020205020404" pitchFamily="49" charset="0"/>
+              </a:rPr>
+              <a:t>(name = "DB2Project")</a:t>
+            </a:r>
+            <a:br>
+              <a:rPr lang="en-GB" sz="1500" dirty="0">
+                <a:latin typeface="Courier New" panose="02070309020205020404" pitchFamily="49" charset="0"/>
+                <a:cs typeface="Courier New" panose="02070309020205020404" pitchFamily="49" charset="0"/>
+              </a:rPr>
+            </a:br>
+            <a:r>
+              <a:rPr lang="en-GB" sz="1500" dirty="0">
+                <a:latin typeface="Courier New" panose="02070309020205020404" pitchFamily="49" charset="0"/>
+                <a:cs typeface="Courier New" panose="02070309020205020404" pitchFamily="49" charset="0"/>
+              </a:rPr>
+              <a:t>    private </a:t>
+            </a:r>
+            <a:r>
+              <a:rPr lang="en-GB" sz="1500" dirty="0" err="1">
+                <a:latin typeface="Courier New" panose="02070309020205020404" pitchFamily="49" charset="0"/>
+                <a:cs typeface="Courier New" panose="02070309020205020404" pitchFamily="49" charset="0"/>
+              </a:rPr>
+              <a:t>EntityManager</a:t>
+            </a:r>
+            <a:r>
+              <a:rPr lang="en-GB" sz="1500" dirty="0">
+                <a:latin typeface="Courier New" panose="02070309020205020404" pitchFamily="49" charset="0"/>
+                <a:cs typeface="Courier New" panose="02070309020205020404" pitchFamily="49" charset="0"/>
+              </a:rPr>
+              <a:t> </a:t>
+            </a:r>
+            <a:r>
+              <a:rPr lang="en-GB" sz="1500" dirty="0" err="1">
+                <a:latin typeface="Courier New" panose="02070309020205020404" pitchFamily="49" charset="0"/>
+                <a:cs typeface="Courier New" panose="02070309020205020404" pitchFamily="49" charset="0"/>
+              </a:rPr>
+              <a:t>em</a:t>
+            </a:r>
+            <a:r>
+              <a:rPr lang="en-GB" sz="1500" dirty="0">
+                <a:latin typeface="Courier New" panose="02070309020205020404" pitchFamily="49" charset="0"/>
+                <a:cs typeface="Courier New" panose="02070309020205020404" pitchFamily="49" charset="0"/>
+              </a:rPr>
+              <a:t>;</a:t>
+            </a:r>
+            <a:br>
+              <a:rPr lang="en-GB" sz="1500" dirty="0">
+                <a:latin typeface="Courier New" panose="02070309020205020404" pitchFamily="49" charset="0"/>
+                <a:cs typeface="Courier New" panose="02070309020205020404" pitchFamily="49" charset="0"/>
+              </a:rPr>
+            </a:br>
+            <a:br>
+              <a:rPr lang="en-GB" sz="1500" dirty="0">
+                <a:latin typeface="Courier New" panose="02070309020205020404" pitchFamily="49" charset="0"/>
+                <a:cs typeface="Courier New" panose="02070309020205020404" pitchFamily="49" charset="0"/>
+              </a:rPr>
+            </a:br>
+            <a:r>
+              <a:rPr lang="en-GB" sz="1500" dirty="0">
+                <a:latin typeface="Courier New" panose="02070309020205020404" pitchFamily="49" charset="0"/>
+                <a:cs typeface="Courier New" panose="02070309020205020404" pitchFamily="49" charset="0"/>
+              </a:rPr>
+              <a:t>    public </a:t>
+            </a:r>
+            <a:r>
+              <a:rPr lang="en-GB" sz="1500" dirty="0" err="1">
+                <a:latin typeface="Courier New" panose="02070309020205020404" pitchFamily="49" charset="0"/>
+                <a:cs typeface="Courier New" panose="02070309020205020404" pitchFamily="49" charset="0"/>
+              </a:rPr>
+              <a:t>AdminService</a:t>
+            </a:r>
+            <a:r>
+              <a:rPr lang="en-GB" sz="1500" dirty="0">
+                <a:latin typeface="Courier New" panose="02070309020205020404" pitchFamily="49" charset="0"/>
+                <a:cs typeface="Courier New" panose="02070309020205020404" pitchFamily="49" charset="0"/>
+              </a:rPr>
+              <a:t>() {}</a:t>
+            </a:r>
+            <a:br>
+              <a:rPr lang="en-GB" sz="1500" dirty="0">
+                <a:latin typeface="Courier New" panose="02070309020205020404" pitchFamily="49" charset="0"/>
+                <a:cs typeface="Courier New" panose="02070309020205020404" pitchFamily="49" charset="0"/>
+              </a:rPr>
+            </a:br>
+            <a:br>
+              <a:rPr lang="en-GB" sz="1500" dirty="0">
+                <a:latin typeface="Courier New" panose="02070309020205020404" pitchFamily="49" charset="0"/>
+                <a:cs typeface="Courier New" panose="02070309020205020404" pitchFamily="49" charset="0"/>
+              </a:rPr>
+            </a:br>
+            <a:r>
+              <a:rPr lang="en-GB" sz="1500" dirty="0">
+                <a:latin typeface="Courier New" panose="02070309020205020404" pitchFamily="49" charset="0"/>
+                <a:cs typeface="Courier New" panose="02070309020205020404" pitchFamily="49" charset="0"/>
+              </a:rPr>
+              <a:t>    public Admin </a:t>
+            </a:r>
+            <a:r>
+              <a:rPr lang="en-GB" sz="1500" dirty="0" err="1">
+                <a:latin typeface="Courier New" panose="02070309020205020404" pitchFamily="49" charset="0"/>
+                <a:cs typeface="Courier New" panose="02070309020205020404" pitchFamily="49" charset="0"/>
+              </a:rPr>
+              <a:t>checkCredentials</a:t>
+            </a:r>
+            <a:r>
+              <a:rPr lang="en-GB" sz="1500" dirty="0">
+                <a:latin typeface="Courier New" panose="02070309020205020404" pitchFamily="49" charset="0"/>
+                <a:cs typeface="Courier New" panose="02070309020205020404" pitchFamily="49" charset="0"/>
+              </a:rPr>
+              <a:t>(String </a:t>
+            </a:r>
+            <a:r>
+              <a:rPr lang="en-GB" sz="1500" dirty="0" err="1">
+                <a:latin typeface="Courier New" panose="02070309020205020404" pitchFamily="49" charset="0"/>
+                <a:cs typeface="Courier New" panose="02070309020205020404" pitchFamily="49" charset="0"/>
+              </a:rPr>
+              <a:t>usrn</a:t>
+            </a:r>
+            <a:r>
+              <a:rPr lang="en-GB" sz="1500" dirty="0">
+                <a:latin typeface="Courier New" panose="02070309020205020404" pitchFamily="49" charset="0"/>
+                <a:cs typeface="Courier New" panose="02070309020205020404" pitchFamily="49" charset="0"/>
+              </a:rPr>
+              <a:t>, String </a:t>
+            </a:r>
+            <a:r>
+              <a:rPr lang="en-GB" sz="1500" dirty="0" err="1">
+                <a:latin typeface="Courier New" panose="02070309020205020404" pitchFamily="49" charset="0"/>
+                <a:cs typeface="Courier New" panose="02070309020205020404" pitchFamily="49" charset="0"/>
+              </a:rPr>
+              <a:t>pwd</a:t>
+            </a:r>
+            <a:r>
+              <a:rPr lang="en-GB" sz="1500" dirty="0">
+                <a:latin typeface="Courier New" panose="02070309020205020404" pitchFamily="49" charset="0"/>
+                <a:cs typeface="Courier New" panose="02070309020205020404" pitchFamily="49" charset="0"/>
+              </a:rPr>
+              <a:t>) throws </a:t>
+            </a:r>
+            <a:r>
+              <a:rPr lang="en-GB" sz="1500" dirty="0" err="1">
+                <a:latin typeface="Courier New" panose="02070309020205020404" pitchFamily="49" charset="0"/>
+                <a:cs typeface="Courier New" panose="02070309020205020404" pitchFamily="49" charset="0"/>
+              </a:rPr>
+              <a:t>CredentialsException</a:t>
+            </a:r>
+            <a:r>
+              <a:rPr lang="en-GB" sz="1500" dirty="0">
+                <a:latin typeface="Courier New" panose="02070309020205020404" pitchFamily="49" charset="0"/>
+                <a:cs typeface="Courier New" panose="02070309020205020404" pitchFamily="49" charset="0"/>
+              </a:rPr>
+              <a:t>, </a:t>
+            </a:r>
+            <a:r>
+              <a:rPr lang="en-GB" sz="1500" dirty="0" err="1">
+                <a:latin typeface="Courier New" panose="02070309020205020404" pitchFamily="49" charset="0"/>
+                <a:cs typeface="Courier New" panose="02070309020205020404" pitchFamily="49" charset="0"/>
+              </a:rPr>
+              <a:t>NonUniqueResultException</a:t>
+            </a:r>
+            <a:r>
+              <a:rPr lang="en-GB" sz="1500" dirty="0">
+                <a:latin typeface="Courier New" panose="02070309020205020404" pitchFamily="49" charset="0"/>
+                <a:cs typeface="Courier New" panose="02070309020205020404" pitchFamily="49" charset="0"/>
+              </a:rPr>
+              <a:t> {</a:t>
+            </a:r>
+            <a:br>
+              <a:rPr lang="en-GB" sz="1500" dirty="0">
+                <a:latin typeface="Courier New" panose="02070309020205020404" pitchFamily="49" charset="0"/>
+                <a:cs typeface="Courier New" panose="02070309020205020404" pitchFamily="49" charset="0"/>
+              </a:rPr>
+            </a:br>
+            <a:r>
+              <a:rPr lang="en-GB" sz="1500" dirty="0">
+                <a:latin typeface="Courier New" panose="02070309020205020404" pitchFamily="49" charset="0"/>
+                <a:cs typeface="Courier New" panose="02070309020205020404" pitchFamily="49" charset="0"/>
+              </a:rPr>
+              <a:t>        List&lt;Admin&gt; </a:t>
+            </a:r>
+            <a:r>
+              <a:rPr lang="en-GB" sz="1500" dirty="0" err="1">
+                <a:latin typeface="Courier New" panose="02070309020205020404" pitchFamily="49" charset="0"/>
+                <a:cs typeface="Courier New" panose="02070309020205020404" pitchFamily="49" charset="0"/>
+              </a:rPr>
+              <a:t>aList</a:t>
+            </a:r>
+            <a:r>
+              <a:rPr lang="en-GB" sz="1500" dirty="0">
+                <a:latin typeface="Courier New" panose="02070309020205020404" pitchFamily="49" charset="0"/>
+                <a:cs typeface="Courier New" panose="02070309020205020404" pitchFamily="49" charset="0"/>
+              </a:rPr>
+              <a:t> = null;</a:t>
+            </a:r>
+            <a:br>
+              <a:rPr lang="en-GB" sz="1500" dirty="0">
+                <a:latin typeface="Courier New" panose="02070309020205020404" pitchFamily="49" charset="0"/>
+                <a:cs typeface="Courier New" panose="02070309020205020404" pitchFamily="49" charset="0"/>
+              </a:rPr>
+            </a:br>
+            <a:r>
+              <a:rPr lang="en-GB" sz="1500" dirty="0">
+                <a:latin typeface="Courier New" panose="02070309020205020404" pitchFamily="49" charset="0"/>
+                <a:cs typeface="Courier New" panose="02070309020205020404" pitchFamily="49" charset="0"/>
+              </a:rPr>
+              <a:t>        try {</a:t>
+            </a:r>
+            <a:br>
+              <a:rPr lang="en-GB" sz="1500" dirty="0">
+                <a:latin typeface="Courier New" panose="02070309020205020404" pitchFamily="49" charset="0"/>
+                <a:cs typeface="Courier New" panose="02070309020205020404" pitchFamily="49" charset="0"/>
+              </a:rPr>
+            </a:br>
+            <a:r>
+              <a:rPr lang="en-GB" sz="1500" dirty="0">
+                <a:latin typeface="Courier New" panose="02070309020205020404" pitchFamily="49" charset="0"/>
+                <a:cs typeface="Courier New" panose="02070309020205020404" pitchFamily="49" charset="0"/>
+              </a:rPr>
+              <a:t>            </a:t>
+            </a:r>
+            <a:r>
+              <a:rPr lang="en-GB" sz="1500" dirty="0" err="1">
+                <a:latin typeface="Courier New" panose="02070309020205020404" pitchFamily="49" charset="0"/>
+                <a:cs typeface="Courier New" panose="02070309020205020404" pitchFamily="49" charset="0"/>
+              </a:rPr>
+              <a:t>aList</a:t>
+            </a:r>
+            <a:r>
+              <a:rPr lang="en-GB" sz="1500" dirty="0">
+                <a:latin typeface="Courier New" panose="02070309020205020404" pitchFamily="49" charset="0"/>
+                <a:cs typeface="Courier New" panose="02070309020205020404" pitchFamily="49" charset="0"/>
+              </a:rPr>
+              <a:t> = </a:t>
+            </a:r>
+            <a:r>
+              <a:rPr lang="en-GB" sz="1500" dirty="0" err="1">
+                <a:latin typeface="Courier New" panose="02070309020205020404" pitchFamily="49" charset="0"/>
+                <a:cs typeface="Courier New" panose="02070309020205020404" pitchFamily="49" charset="0"/>
+              </a:rPr>
+              <a:t>em.createNamedQuery</a:t>
+            </a:r>
+            <a:r>
+              <a:rPr lang="en-GB" sz="1500" dirty="0">
+                <a:latin typeface="Courier New" panose="02070309020205020404" pitchFamily="49" charset="0"/>
+                <a:cs typeface="Courier New" panose="02070309020205020404" pitchFamily="49" charset="0"/>
+              </a:rPr>
+              <a:t>("</a:t>
+            </a:r>
+            <a:r>
+              <a:rPr lang="en-GB" sz="1500" dirty="0" err="1">
+                <a:latin typeface="Courier New" panose="02070309020205020404" pitchFamily="49" charset="0"/>
+                <a:cs typeface="Courier New" panose="02070309020205020404" pitchFamily="49" charset="0"/>
+              </a:rPr>
+              <a:t>Admin.checkCredentials</a:t>
+            </a:r>
+            <a:r>
+              <a:rPr lang="en-GB" sz="1500" dirty="0">
+                <a:latin typeface="Courier New" panose="02070309020205020404" pitchFamily="49" charset="0"/>
+                <a:cs typeface="Courier New" panose="02070309020205020404" pitchFamily="49" charset="0"/>
+              </a:rPr>
+              <a:t>", </a:t>
+            </a:r>
+            <a:r>
+              <a:rPr lang="en-GB" sz="1500" dirty="0" err="1">
+                <a:latin typeface="Courier New" panose="02070309020205020404" pitchFamily="49" charset="0"/>
+                <a:cs typeface="Courier New" panose="02070309020205020404" pitchFamily="49" charset="0"/>
+              </a:rPr>
+              <a:t>Admin.class</a:t>
+            </a:r>
+            <a:r>
+              <a:rPr lang="en-GB" sz="1500" dirty="0">
+                <a:latin typeface="Courier New" panose="02070309020205020404" pitchFamily="49" charset="0"/>
+                <a:cs typeface="Courier New" panose="02070309020205020404" pitchFamily="49" charset="0"/>
+              </a:rPr>
+              <a:t>)</a:t>
+            </a:r>
+            <a:br>
+              <a:rPr lang="en-GB" sz="1500" dirty="0">
+                <a:latin typeface="Courier New" panose="02070309020205020404" pitchFamily="49" charset="0"/>
+                <a:cs typeface="Courier New" panose="02070309020205020404" pitchFamily="49" charset="0"/>
+              </a:rPr>
+            </a:br>
+            <a:r>
+              <a:rPr lang="en-GB" sz="1500" dirty="0">
+                <a:latin typeface="Courier New" panose="02070309020205020404" pitchFamily="49" charset="0"/>
+                <a:cs typeface="Courier New" panose="02070309020205020404" pitchFamily="49" charset="0"/>
+              </a:rPr>
+              <a:t>                    .</a:t>
+            </a:r>
+            <a:r>
+              <a:rPr lang="en-GB" sz="1500" dirty="0" err="1">
+                <a:latin typeface="Courier New" panose="02070309020205020404" pitchFamily="49" charset="0"/>
+                <a:cs typeface="Courier New" panose="02070309020205020404" pitchFamily="49" charset="0"/>
+              </a:rPr>
+              <a:t>setParameter</a:t>
+            </a:r>
+            <a:r>
+              <a:rPr lang="en-GB" sz="1500" dirty="0">
+                <a:latin typeface="Courier New" panose="02070309020205020404" pitchFamily="49" charset="0"/>
+                <a:cs typeface="Courier New" panose="02070309020205020404" pitchFamily="49" charset="0"/>
+              </a:rPr>
+              <a:t>(1, </a:t>
+            </a:r>
+            <a:r>
+              <a:rPr lang="en-GB" sz="1500" dirty="0" err="1">
+                <a:latin typeface="Courier New" panose="02070309020205020404" pitchFamily="49" charset="0"/>
+                <a:cs typeface="Courier New" panose="02070309020205020404" pitchFamily="49" charset="0"/>
+              </a:rPr>
+              <a:t>usrn</a:t>
+            </a:r>
+            <a:r>
+              <a:rPr lang="en-GB" sz="1500" dirty="0">
+                <a:latin typeface="Courier New" panose="02070309020205020404" pitchFamily="49" charset="0"/>
+                <a:cs typeface="Courier New" panose="02070309020205020404" pitchFamily="49" charset="0"/>
+              </a:rPr>
+              <a:t>)</a:t>
+            </a:r>
+            <a:br>
+              <a:rPr lang="en-GB" sz="1500" dirty="0">
+                <a:latin typeface="Courier New" panose="02070309020205020404" pitchFamily="49" charset="0"/>
+                <a:cs typeface="Courier New" panose="02070309020205020404" pitchFamily="49" charset="0"/>
+              </a:rPr>
+            </a:br>
+            <a:r>
+              <a:rPr lang="en-GB" sz="1500" dirty="0">
+                <a:latin typeface="Courier New" panose="02070309020205020404" pitchFamily="49" charset="0"/>
+                <a:cs typeface="Courier New" panose="02070309020205020404" pitchFamily="49" charset="0"/>
+              </a:rPr>
+              <a:t>                    .</a:t>
+            </a:r>
+            <a:r>
+              <a:rPr lang="en-GB" sz="1500" dirty="0" err="1">
+                <a:latin typeface="Courier New" panose="02070309020205020404" pitchFamily="49" charset="0"/>
+                <a:cs typeface="Courier New" panose="02070309020205020404" pitchFamily="49" charset="0"/>
+              </a:rPr>
+              <a:t>setParameter</a:t>
+            </a:r>
+            <a:r>
+              <a:rPr lang="en-GB" sz="1500" dirty="0">
+                <a:latin typeface="Courier New" panose="02070309020205020404" pitchFamily="49" charset="0"/>
+                <a:cs typeface="Courier New" panose="02070309020205020404" pitchFamily="49" charset="0"/>
+              </a:rPr>
+              <a:t>(2, </a:t>
+            </a:r>
+            <a:r>
+              <a:rPr lang="en-GB" sz="1500" dirty="0" err="1">
+                <a:latin typeface="Courier New" panose="02070309020205020404" pitchFamily="49" charset="0"/>
+                <a:cs typeface="Courier New" panose="02070309020205020404" pitchFamily="49" charset="0"/>
+              </a:rPr>
+              <a:t>pwd</a:t>
+            </a:r>
+            <a:r>
+              <a:rPr lang="en-GB" sz="1500" dirty="0">
+                <a:latin typeface="Courier New" panose="02070309020205020404" pitchFamily="49" charset="0"/>
+                <a:cs typeface="Courier New" panose="02070309020205020404" pitchFamily="49" charset="0"/>
+              </a:rPr>
+              <a:t>)</a:t>
+            </a:r>
+            <a:br>
+              <a:rPr lang="en-GB" sz="1500" dirty="0">
+                <a:latin typeface="Courier New" panose="02070309020205020404" pitchFamily="49" charset="0"/>
+                <a:cs typeface="Courier New" panose="02070309020205020404" pitchFamily="49" charset="0"/>
+              </a:rPr>
+            </a:br>
+            <a:r>
+              <a:rPr lang="en-GB" sz="1500" dirty="0">
+                <a:latin typeface="Courier New" panose="02070309020205020404" pitchFamily="49" charset="0"/>
+                <a:cs typeface="Courier New" panose="02070309020205020404" pitchFamily="49" charset="0"/>
+              </a:rPr>
+              <a:t>                    .</a:t>
+            </a:r>
+            <a:r>
+              <a:rPr lang="en-GB" sz="1500" dirty="0" err="1">
+                <a:latin typeface="Courier New" panose="02070309020205020404" pitchFamily="49" charset="0"/>
+                <a:cs typeface="Courier New" panose="02070309020205020404" pitchFamily="49" charset="0"/>
+              </a:rPr>
+              <a:t>getResultList</a:t>
+            </a:r>
+            <a:r>
+              <a:rPr lang="en-GB" sz="1500" dirty="0">
+                <a:latin typeface="Courier New" panose="02070309020205020404" pitchFamily="49" charset="0"/>
+                <a:cs typeface="Courier New" panose="02070309020205020404" pitchFamily="49" charset="0"/>
+              </a:rPr>
+              <a:t>();</a:t>
+            </a:r>
+            <a:br>
+              <a:rPr lang="en-GB" sz="1500" dirty="0">
+                <a:latin typeface="Courier New" panose="02070309020205020404" pitchFamily="49" charset="0"/>
+                <a:cs typeface="Courier New" panose="02070309020205020404" pitchFamily="49" charset="0"/>
+              </a:rPr>
+            </a:br>
+            <a:r>
+              <a:rPr lang="en-GB" sz="1500" dirty="0">
+                <a:latin typeface="Courier New" panose="02070309020205020404" pitchFamily="49" charset="0"/>
+                <a:cs typeface="Courier New" panose="02070309020205020404" pitchFamily="49" charset="0"/>
+              </a:rPr>
+              <a:t>        } catch (</a:t>
+            </a:r>
+            <a:r>
+              <a:rPr lang="en-GB" sz="1500" dirty="0" err="1">
+                <a:latin typeface="Courier New" panose="02070309020205020404" pitchFamily="49" charset="0"/>
+                <a:cs typeface="Courier New" panose="02070309020205020404" pitchFamily="49" charset="0"/>
+              </a:rPr>
+              <a:t>PersistenceException</a:t>
+            </a:r>
+            <a:r>
+              <a:rPr lang="en-GB" sz="1500" dirty="0">
+                <a:latin typeface="Courier New" panose="02070309020205020404" pitchFamily="49" charset="0"/>
+                <a:cs typeface="Courier New" panose="02070309020205020404" pitchFamily="49" charset="0"/>
+              </a:rPr>
+              <a:t> e) {</a:t>
+            </a:r>
+            <a:br>
+              <a:rPr lang="en-GB" sz="1500" dirty="0">
+                <a:latin typeface="Courier New" panose="02070309020205020404" pitchFamily="49" charset="0"/>
+                <a:cs typeface="Courier New" panose="02070309020205020404" pitchFamily="49" charset="0"/>
+              </a:rPr>
+            </a:br>
+            <a:r>
+              <a:rPr lang="en-GB" sz="1500" dirty="0">
+                <a:latin typeface="Courier New" panose="02070309020205020404" pitchFamily="49" charset="0"/>
+                <a:cs typeface="Courier New" panose="02070309020205020404" pitchFamily="49" charset="0"/>
+              </a:rPr>
+              <a:t>            </a:t>
+            </a:r>
+            <a:r>
+              <a:rPr lang="en-GB" sz="1500" dirty="0" err="1">
+                <a:latin typeface="Courier New" panose="02070309020205020404" pitchFamily="49" charset="0"/>
+                <a:cs typeface="Courier New" panose="02070309020205020404" pitchFamily="49" charset="0"/>
+              </a:rPr>
+              <a:t>e.printStackTrace</a:t>
+            </a:r>
+            <a:r>
+              <a:rPr lang="en-GB" sz="1500" dirty="0">
+                <a:latin typeface="Courier New" panose="02070309020205020404" pitchFamily="49" charset="0"/>
+                <a:cs typeface="Courier New" panose="02070309020205020404" pitchFamily="49" charset="0"/>
+              </a:rPr>
+              <a:t>();</a:t>
+            </a:r>
+            <a:br>
+              <a:rPr lang="en-GB" sz="1500" dirty="0">
+                <a:latin typeface="Courier New" panose="02070309020205020404" pitchFamily="49" charset="0"/>
+                <a:cs typeface="Courier New" panose="02070309020205020404" pitchFamily="49" charset="0"/>
+              </a:rPr>
+            </a:br>
+            <a:r>
+              <a:rPr lang="en-GB" sz="1500" dirty="0">
+                <a:latin typeface="Courier New" panose="02070309020205020404" pitchFamily="49" charset="0"/>
+                <a:cs typeface="Courier New" panose="02070309020205020404" pitchFamily="49" charset="0"/>
+              </a:rPr>
+              <a:t>        }</a:t>
+            </a:r>
+            <a:br>
+              <a:rPr lang="en-GB" sz="1500" dirty="0">
+                <a:latin typeface="Courier New" panose="02070309020205020404" pitchFamily="49" charset="0"/>
+                <a:cs typeface="Courier New" panose="02070309020205020404" pitchFamily="49" charset="0"/>
+              </a:rPr>
+            </a:br>
+            <a:r>
+              <a:rPr lang="en-GB" sz="1500" dirty="0">
+                <a:latin typeface="Courier New" panose="02070309020205020404" pitchFamily="49" charset="0"/>
+                <a:cs typeface="Courier New" panose="02070309020205020404" pitchFamily="49" charset="0"/>
+              </a:rPr>
+              <a:t>        if (</a:t>
+            </a:r>
+            <a:r>
+              <a:rPr lang="en-GB" sz="1500" dirty="0" err="1">
+                <a:latin typeface="Courier New" panose="02070309020205020404" pitchFamily="49" charset="0"/>
+                <a:cs typeface="Courier New" panose="02070309020205020404" pitchFamily="49" charset="0"/>
+              </a:rPr>
+              <a:t>aList.isEmpty</a:t>
+            </a:r>
+            <a:r>
+              <a:rPr lang="en-GB" sz="1500" dirty="0">
+                <a:latin typeface="Courier New" panose="02070309020205020404" pitchFamily="49" charset="0"/>
+                <a:cs typeface="Courier New" panose="02070309020205020404" pitchFamily="49" charset="0"/>
+              </a:rPr>
+              <a:t>())</a:t>
+            </a:r>
+            <a:br>
+              <a:rPr lang="en-GB" sz="1500" dirty="0">
+                <a:latin typeface="Courier New" panose="02070309020205020404" pitchFamily="49" charset="0"/>
+                <a:cs typeface="Courier New" panose="02070309020205020404" pitchFamily="49" charset="0"/>
+              </a:rPr>
+            </a:br>
+            <a:r>
+              <a:rPr lang="en-GB" sz="1500" dirty="0">
+                <a:latin typeface="Courier New" panose="02070309020205020404" pitchFamily="49" charset="0"/>
+                <a:cs typeface="Courier New" panose="02070309020205020404" pitchFamily="49" charset="0"/>
+              </a:rPr>
+              <a:t>            return null;</a:t>
+            </a:r>
+            <a:br>
+              <a:rPr lang="en-GB" sz="1500" dirty="0">
+                <a:latin typeface="Courier New" panose="02070309020205020404" pitchFamily="49" charset="0"/>
+                <a:cs typeface="Courier New" panose="02070309020205020404" pitchFamily="49" charset="0"/>
+              </a:rPr>
+            </a:br>
+            <a:r>
+              <a:rPr lang="en-GB" sz="1500" dirty="0">
+                <a:latin typeface="Courier New" panose="02070309020205020404" pitchFamily="49" charset="0"/>
+                <a:cs typeface="Courier New" panose="02070309020205020404" pitchFamily="49" charset="0"/>
+              </a:rPr>
+              <a:t>        else if (</a:t>
+            </a:r>
+            <a:r>
+              <a:rPr lang="en-GB" sz="1500" dirty="0" err="1">
+                <a:latin typeface="Courier New" panose="02070309020205020404" pitchFamily="49" charset="0"/>
+                <a:cs typeface="Courier New" panose="02070309020205020404" pitchFamily="49" charset="0"/>
+              </a:rPr>
+              <a:t>aList.size</a:t>
+            </a:r>
+            <a:r>
+              <a:rPr lang="en-GB" sz="1500" dirty="0">
+                <a:latin typeface="Courier New" panose="02070309020205020404" pitchFamily="49" charset="0"/>
+                <a:cs typeface="Courier New" panose="02070309020205020404" pitchFamily="49" charset="0"/>
+              </a:rPr>
+              <a:t>() == 1)</a:t>
+            </a:r>
+            <a:br>
+              <a:rPr lang="en-GB" sz="1500" dirty="0">
+                <a:latin typeface="Courier New" panose="02070309020205020404" pitchFamily="49" charset="0"/>
+                <a:cs typeface="Courier New" panose="02070309020205020404" pitchFamily="49" charset="0"/>
+              </a:rPr>
+            </a:br>
+            <a:r>
+              <a:rPr lang="en-GB" sz="1500" dirty="0">
+                <a:latin typeface="Courier New" panose="02070309020205020404" pitchFamily="49" charset="0"/>
+                <a:cs typeface="Courier New" panose="02070309020205020404" pitchFamily="49" charset="0"/>
+              </a:rPr>
+              <a:t>            return </a:t>
+            </a:r>
+            <a:r>
+              <a:rPr lang="en-GB" sz="1500" dirty="0" err="1">
+                <a:latin typeface="Courier New" panose="02070309020205020404" pitchFamily="49" charset="0"/>
+                <a:cs typeface="Courier New" panose="02070309020205020404" pitchFamily="49" charset="0"/>
+              </a:rPr>
+              <a:t>aList.get</a:t>
+            </a:r>
+            <a:r>
+              <a:rPr lang="en-GB" sz="1500" dirty="0">
+                <a:latin typeface="Courier New" panose="02070309020205020404" pitchFamily="49" charset="0"/>
+                <a:cs typeface="Courier New" panose="02070309020205020404" pitchFamily="49" charset="0"/>
+              </a:rPr>
+              <a:t>(0);</a:t>
+            </a:r>
+            <a:br>
+              <a:rPr lang="en-GB" sz="1500" dirty="0">
+                <a:latin typeface="Courier New" panose="02070309020205020404" pitchFamily="49" charset="0"/>
+                <a:cs typeface="Courier New" panose="02070309020205020404" pitchFamily="49" charset="0"/>
+              </a:rPr>
+            </a:br>
+            <a:r>
+              <a:rPr lang="en-GB" sz="1500" dirty="0">
+                <a:latin typeface="Courier New" panose="02070309020205020404" pitchFamily="49" charset="0"/>
+                <a:cs typeface="Courier New" panose="02070309020205020404" pitchFamily="49" charset="0"/>
+              </a:rPr>
+              <a:t>        throw new </a:t>
+            </a:r>
+            <a:r>
+              <a:rPr lang="en-GB" sz="1500" dirty="0" err="1">
+                <a:latin typeface="Courier New" panose="02070309020205020404" pitchFamily="49" charset="0"/>
+                <a:cs typeface="Courier New" panose="02070309020205020404" pitchFamily="49" charset="0"/>
+              </a:rPr>
+              <a:t>NonUniqueResultException</a:t>
+            </a:r>
+            <a:r>
+              <a:rPr lang="en-GB" sz="1500" dirty="0">
+                <a:latin typeface="Courier New" panose="02070309020205020404" pitchFamily="49" charset="0"/>
+                <a:cs typeface="Courier New" panose="02070309020205020404" pitchFamily="49" charset="0"/>
+              </a:rPr>
+              <a:t>("More than one user registered with same credentials");</a:t>
+            </a:r>
+            <a:br>
+              <a:rPr lang="en-GB" sz="1500" dirty="0">
+                <a:latin typeface="Courier New" panose="02070309020205020404" pitchFamily="49" charset="0"/>
+                <a:cs typeface="Courier New" panose="02070309020205020404" pitchFamily="49" charset="0"/>
+              </a:rPr>
+            </a:br>
+            <a:br>
+              <a:rPr lang="en-GB" sz="1500" dirty="0">
+                <a:latin typeface="Courier New" panose="02070309020205020404" pitchFamily="49" charset="0"/>
+                <a:cs typeface="Courier New" panose="02070309020205020404" pitchFamily="49" charset="0"/>
+              </a:rPr>
+            </a:br>
+            <a:r>
+              <a:rPr lang="en-GB" sz="1500" dirty="0">
+                <a:latin typeface="Courier New" panose="02070309020205020404" pitchFamily="49" charset="0"/>
+                <a:cs typeface="Courier New" panose="02070309020205020404" pitchFamily="49" charset="0"/>
+              </a:rPr>
+              <a:t>    }</a:t>
+            </a:r>
+            <a:br>
+              <a:rPr lang="en-GB" sz="1500" dirty="0">
+                <a:latin typeface="Courier New" panose="02070309020205020404" pitchFamily="49" charset="0"/>
+                <a:cs typeface="Courier New" panose="02070309020205020404" pitchFamily="49" charset="0"/>
+              </a:rPr>
+            </a:br>
+            <a:r>
+              <a:rPr lang="en-GB" sz="1500" dirty="0">
+                <a:latin typeface="Courier New" panose="02070309020205020404" pitchFamily="49" charset="0"/>
+                <a:cs typeface="Courier New" panose="02070309020205020404" pitchFamily="49" charset="0"/>
+              </a:rPr>
+              <a:t>    </a:t>
+            </a:r>
+            <a:br>
+              <a:rPr lang="en-GB" sz="1500" dirty="0">
+                <a:latin typeface="Courier New" panose="02070309020205020404" pitchFamily="49" charset="0"/>
+                <a:cs typeface="Courier New" panose="02070309020205020404" pitchFamily="49" charset="0"/>
+              </a:rPr>
+            </a:br>
             <a:r>
               <a:rPr lang="en-GB" sz="1500" dirty="0">
                 <a:latin typeface="Courier New" panose="02070309020205020404" pitchFamily="49" charset="0"/>
                 <a:cs typeface="Courier New" panose="02070309020205020404" pitchFamily="49" charset="0"/>
               </a:rPr>
               <a:t>}</a:t>
-            </a:r>
-          </a:p>
-          <a:p>
-            <a:pPr marL="0" indent="0">
-              <a:buNone/>
-            </a:pPr>
-            <a:endParaRPr lang="en-GB" sz="1500" dirty="0">
-              <a:latin typeface="Courier New" panose="02070309020205020404" pitchFamily="49" charset="0"/>
-              <a:cs typeface="Courier New" panose="02070309020205020404" pitchFamily="49" charset="0"/>
-            </a:endParaRPr>
-          </a:p>
-          <a:p>
-            <a:pPr marL="0" indent="0">
-              <a:buNone/>
-            </a:pPr>
-            <a:endParaRPr lang="en-GB" sz="1500" dirty="0">
-              <a:latin typeface="Courier New" panose="02070309020205020404" pitchFamily="49" charset="0"/>
-              <a:cs typeface="Courier New" panose="02070309020205020404" pitchFamily="49" charset="0"/>
-            </a:endParaRPr>
-          </a:p>
-          <a:p>
-            <a:pPr marL="0" indent="0">
-              <a:buNone/>
-            </a:pPr>
-            <a:r>
-              <a:rPr lang="en-GB" sz="1500" dirty="0">
-                <a:latin typeface="Courier New" panose="02070309020205020404" pitchFamily="49" charset="0"/>
-                <a:cs typeface="Courier New" panose="02070309020205020404" pitchFamily="49" charset="0"/>
-              </a:rPr>
-              <a:t>// use if requested</a:t>
-            </a:r>
-          </a:p>
-          <a:p>
-            <a:pPr marL="0" indent="0">
-              <a:buNone/>
-            </a:pPr>
-            <a:r>
-              <a:rPr lang="en-GB" sz="1500" dirty="0">
-                <a:latin typeface="Courier New" panose="02070309020205020404" pitchFamily="49" charset="0"/>
-                <a:cs typeface="Courier New" panose="02070309020205020404" pitchFamily="49" charset="0"/>
-              </a:rPr>
-              <a:t>/* </a:t>
-            </a:r>
-          </a:p>
-          <a:p>
-            <a:pPr marL="0" indent="0">
-              <a:buNone/>
-            </a:pPr>
-            <a:r>
-              <a:rPr lang="en-GB" sz="1500" dirty="0">
-                <a:latin typeface="Courier New" panose="02070309020205020404" pitchFamily="49" charset="0"/>
-                <a:cs typeface="Courier New" panose="02070309020205020404" pitchFamily="49" charset="0"/>
-              </a:rPr>
-              <a:t>clone this slide as many tie as there are requested business methods</a:t>
-            </a:r>
-          </a:p>
-          <a:p>
-            <a:pPr marL="0" indent="0">
-              <a:buNone/>
-            </a:pPr>
-            <a:r>
-              <a:rPr lang="en-GB" sz="1500" dirty="0">
-                <a:latin typeface="Courier New" panose="02070309020205020404" pitchFamily="49" charset="0"/>
-                <a:cs typeface="Courier New" panose="02070309020205020404" pitchFamily="49" charset="0"/>
-              </a:rPr>
-              <a:t>*/</a:t>
             </a:r>
           </a:p>
         </p:txBody>
@@ -17400,6 +18037,3218 @@
     <p:extLst>
       <p:ext uri="{BB962C8B-B14F-4D97-AF65-F5344CB8AC3E}">
         <p14:creationId xmlns:p14="http://schemas.microsoft.com/office/powerpoint/2010/main" val="2072250518"/>
+      </p:ext>
+    </p:extLst>
+  </p:cSld>
+  <p:clrMapOvr>
+    <a:masterClrMapping/>
+  </p:clrMapOvr>
+</p:sld>
+</file>
+
+<file path=ppt/slides/slide25.xml><?xml version="1.0" encoding="utf-8"?>
+<p:sld xmlns:a="http://schemas.openxmlformats.org/drawingml/2006/main" xmlns:r="http://schemas.openxmlformats.org/officeDocument/2006/relationships" xmlns:p="http://schemas.openxmlformats.org/presentationml/2006/main">
+  <p:cSld>
+    <p:spTree>
+      <p:nvGrpSpPr>
+        <p:cNvPr id="1" name=""/>
+        <p:cNvGrpSpPr/>
+        <p:nvPr/>
+      </p:nvGrpSpPr>
+      <p:grpSpPr>
+        <a:xfrm>
+          <a:off x="0" y="0"/>
+          <a:ext cx="0" cy="0"/>
+          <a:chOff x="0" y="0"/>
+          <a:chExt cx="0" cy="0"/>
+        </a:xfrm>
+      </p:grpSpPr>
+      <p:sp>
+        <p:nvSpPr>
+          <p:cNvPr id="2" name="Title 1"/>
+          <p:cNvSpPr>
+            <a:spLocks noGrp="1"/>
+          </p:cNvSpPr>
+          <p:nvPr>
+            <p:ph type="title"/>
+          </p:nvPr>
+        </p:nvSpPr>
+        <p:spPr>
+          <a:xfrm>
+            <a:off x="628650" y="245383"/>
+            <a:ext cx="7886700" cy="1325563"/>
+          </a:xfrm>
+        </p:spPr>
+        <p:txBody>
+          <a:bodyPr/>
+          <a:lstStyle/>
+          <a:p>
+            <a:r>
+              <a:rPr lang="en-GB" dirty="0"/>
+              <a:t>@Stateless </a:t>
+            </a:r>
+            <a:r>
+              <a:rPr lang="en-GB" dirty="0" err="1"/>
+              <a:t>ProductService</a:t>
+            </a:r>
+            <a:endParaRPr lang="en-GB" dirty="0"/>
+          </a:p>
+        </p:txBody>
+      </p:sp>
+      <p:sp>
+        <p:nvSpPr>
+          <p:cNvPr id="3" name="Content Placeholder 2"/>
+          <p:cNvSpPr>
+            <a:spLocks noGrp="1"/>
+          </p:cNvSpPr>
+          <p:nvPr>
+            <p:ph idx="1"/>
+          </p:nvPr>
+        </p:nvSpPr>
+        <p:spPr>
+          <a:xfrm>
+            <a:off x="498022" y="1411968"/>
+            <a:ext cx="7886700" cy="4858204"/>
+          </a:xfrm>
+        </p:spPr>
+        <p:txBody>
+          <a:bodyPr>
+            <a:noAutofit/>
+          </a:bodyPr>
+          <a:lstStyle/>
+          <a:p>
+            <a:pPr marL="0" indent="0">
+              <a:buNone/>
+            </a:pPr>
+            <a:r>
+              <a:rPr lang="en-GB" sz="1200" dirty="0">
+                <a:latin typeface="Courier New" panose="02070309020205020404" pitchFamily="49" charset="0"/>
+                <a:cs typeface="Courier New" panose="02070309020205020404" pitchFamily="49" charset="0"/>
+              </a:rPr>
+              <a:t>@Stateless</a:t>
+            </a:r>
+            <a:br>
+              <a:rPr lang="en-GB" sz="1200" dirty="0">
+                <a:latin typeface="Courier New" panose="02070309020205020404" pitchFamily="49" charset="0"/>
+                <a:cs typeface="Courier New" panose="02070309020205020404" pitchFamily="49" charset="0"/>
+              </a:rPr>
+            </a:br>
+            <a:r>
+              <a:rPr lang="en-GB" sz="1200" dirty="0">
+                <a:latin typeface="Courier New" panose="02070309020205020404" pitchFamily="49" charset="0"/>
+                <a:cs typeface="Courier New" panose="02070309020205020404" pitchFamily="49" charset="0"/>
+              </a:rPr>
+              <a:t>public class </a:t>
+            </a:r>
+            <a:r>
+              <a:rPr lang="en-GB" sz="1200" dirty="0" err="1">
+                <a:latin typeface="Courier New" panose="02070309020205020404" pitchFamily="49" charset="0"/>
+                <a:cs typeface="Courier New" panose="02070309020205020404" pitchFamily="49" charset="0"/>
+              </a:rPr>
+              <a:t>ProductService</a:t>
+            </a:r>
+            <a:r>
+              <a:rPr lang="en-GB" sz="1200" dirty="0">
+                <a:latin typeface="Courier New" panose="02070309020205020404" pitchFamily="49" charset="0"/>
+                <a:cs typeface="Courier New" panose="02070309020205020404" pitchFamily="49" charset="0"/>
+              </a:rPr>
+              <a:t> {</a:t>
+            </a:r>
+            <a:br>
+              <a:rPr lang="en-GB" sz="1200" dirty="0">
+                <a:latin typeface="Courier New" panose="02070309020205020404" pitchFamily="49" charset="0"/>
+                <a:cs typeface="Courier New" panose="02070309020205020404" pitchFamily="49" charset="0"/>
+              </a:rPr>
+            </a:br>
+            <a:r>
+              <a:rPr lang="en-GB" sz="1200" dirty="0">
+                <a:latin typeface="Courier New" panose="02070309020205020404" pitchFamily="49" charset="0"/>
+                <a:cs typeface="Courier New" panose="02070309020205020404" pitchFamily="49" charset="0"/>
+              </a:rPr>
+              <a:t>    @</a:t>
+            </a:r>
+            <a:r>
+              <a:rPr lang="en-GB" sz="1200" dirty="0" err="1">
+                <a:latin typeface="Courier New" panose="02070309020205020404" pitchFamily="49" charset="0"/>
+                <a:cs typeface="Courier New" panose="02070309020205020404" pitchFamily="49" charset="0"/>
+              </a:rPr>
+              <a:t>PersistenceContext</a:t>
+            </a:r>
+            <a:r>
+              <a:rPr lang="en-GB" sz="1200" dirty="0">
+                <a:latin typeface="Courier New" panose="02070309020205020404" pitchFamily="49" charset="0"/>
+                <a:cs typeface="Courier New" panose="02070309020205020404" pitchFamily="49" charset="0"/>
+              </a:rPr>
+              <a:t>(name = "DB2Project")</a:t>
+            </a:r>
+            <a:br>
+              <a:rPr lang="en-GB" sz="1200" dirty="0">
+                <a:latin typeface="Courier New" panose="02070309020205020404" pitchFamily="49" charset="0"/>
+                <a:cs typeface="Courier New" panose="02070309020205020404" pitchFamily="49" charset="0"/>
+              </a:rPr>
+            </a:br>
+            <a:r>
+              <a:rPr lang="en-GB" sz="1200" dirty="0">
+                <a:latin typeface="Courier New" panose="02070309020205020404" pitchFamily="49" charset="0"/>
+                <a:cs typeface="Courier New" panose="02070309020205020404" pitchFamily="49" charset="0"/>
+              </a:rPr>
+              <a:t>    private </a:t>
+            </a:r>
+            <a:r>
+              <a:rPr lang="en-GB" sz="1200" dirty="0" err="1">
+                <a:latin typeface="Courier New" panose="02070309020205020404" pitchFamily="49" charset="0"/>
+                <a:cs typeface="Courier New" panose="02070309020205020404" pitchFamily="49" charset="0"/>
+              </a:rPr>
+              <a:t>EntityManager</a:t>
+            </a:r>
+            <a:r>
+              <a:rPr lang="en-GB" sz="1200" dirty="0">
+                <a:latin typeface="Courier New" panose="02070309020205020404" pitchFamily="49" charset="0"/>
+                <a:cs typeface="Courier New" panose="02070309020205020404" pitchFamily="49" charset="0"/>
+              </a:rPr>
+              <a:t> </a:t>
+            </a:r>
+            <a:r>
+              <a:rPr lang="en-GB" sz="1200" dirty="0" err="1">
+                <a:latin typeface="Courier New" panose="02070309020205020404" pitchFamily="49" charset="0"/>
+                <a:cs typeface="Courier New" panose="02070309020205020404" pitchFamily="49" charset="0"/>
+              </a:rPr>
+              <a:t>em</a:t>
+            </a:r>
+            <a:r>
+              <a:rPr lang="en-GB" sz="1200" dirty="0">
+                <a:latin typeface="Courier New" panose="02070309020205020404" pitchFamily="49" charset="0"/>
+                <a:cs typeface="Courier New" panose="02070309020205020404" pitchFamily="49" charset="0"/>
+              </a:rPr>
+              <a:t>;</a:t>
+            </a:r>
+            <a:br>
+              <a:rPr lang="en-GB" sz="1200" dirty="0">
+                <a:latin typeface="Courier New" panose="02070309020205020404" pitchFamily="49" charset="0"/>
+                <a:cs typeface="Courier New" panose="02070309020205020404" pitchFamily="49" charset="0"/>
+              </a:rPr>
+            </a:br>
+            <a:br>
+              <a:rPr lang="en-GB" sz="1200" dirty="0">
+                <a:latin typeface="Courier New" panose="02070309020205020404" pitchFamily="49" charset="0"/>
+                <a:cs typeface="Courier New" panose="02070309020205020404" pitchFamily="49" charset="0"/>
+              </a:rPr>
+            </a:br>
+            <a:r>
+              <a:rPr lang="en-GB" sz="1200" dirty="0">
+                <a:latin typeface="Courier New" panose="02070309020205020404" pitchFamily="49" charset="0"/>
+                <a:cs typeface="Courier New" panose="02070309020205020404" pitchFamily="49" charset="0"/>
+              </a:rPr>
+              <a:t>    public </a:t>
+            </a:r>
+            <a:r>
+              <a:rPr lang="en-GB" sz="1200" dirty="0" err="1">
+                <a:latin typeface="Courier New" panose="02070309020205020404" pitchFamily="49" charset="0"/>
+                <a:cs typeface="Courier New" panose="02070309020205020404" pitchFamily="49" charset="0"/>
+              </a:rPr>
+              <a:t>ProductService</a:t>
+            </a:r>
+            <a:r>
+              <a:rPr lang="en-GB" sz="1200" dirty="0">
+                <a:latin typeface="Courier New" panose="02070309020205020404" pitchFamily="49" charset="0"/>
+                <a:cs typeface="Courier New" panose="02070309020205020404" pitchFamily="49" charset="0"/>
+              </a:rPr>
+              <a:t>() {}</a:t>
+            </a:r>
+            <a:br>
+              <a:rPr lang="en-GB" sz="1200" dirty="0">
+                <a:latin typeface="Courier New" panose="02070309020205020404" pitchFamily="49" charset="0"/>
+                <a:cs typeface="Courier New" panose="02070309020205020404" pitchFamily="49" charset="0"/>
+              </a:rPr>
+            </a:br>
+            <a:br>
+              <a:rPr lang="en-GB" sz="1200" dirty="0">
+                <a:latin typeface="Courier New" panose="02070309020205020404" pitchFamily="49" charset="0"/>
+                <a:cs typeface="Courier New" panose="02070309020205020404" pitchFamily="49" charset="0"/>
+              </a:rPr>
+            </a:br>
+            <a:r>
+              <a:rPr lang="en-GB" sz="1200" dirty="0">
+                <a:latin typeface="Courier New" panose="02070309020205020404" pitchFamily="49" charset="0"/>
+                <a:cs typeface="Courier New" panose="02070309020205020404" pitchFamily="49" charset="0"/>
+              </a:rPr>
+              <a:t>    public </a:t>
+            </a:r>
+            <a:r>
+              <a:rPr lang="en-GB" sz="1200" dirty="0" err="1">
+                <a:latin typeface="Courier New" panose="02070309020205020404" pitchFamily="49" charset="0"/>
+                <a:cs typeface="Courier New" panose="02070309020205020404" pitchFamily="49" charset="0"/>
+              </a:rPr>
+              <a:t>boolean</a:t>
+            </a:r>
+            <a:r>
+              <a:rPr lang="en-GB" sz="1200" dirty="0">
+                <a:latin typeface="Courier New" panose="02070309020205020404" pitchFamily="49" charset="0"/>
+                <a:cs typeface="Courier New" panose="02070309020205020404" pitchFamily="49" charset="0"/>
+              </a:rPr>
+              <a:t> </a:t>
+            </a:r>
+            <a:r>
+              <a:rPr lang="en-GB" sz="1200" dirty="0" err="1">
+                <a:latin typeface="Courier New" panose="02070309020205020404" pitchFamily="49" charset="0"/>
+                <a:cs typeface="Courier New" panose="02070309020205020404" pitchFamily="49" charset="0"/>
+              </a:rPr>
+              <a:t>saveNewProduct</a:t>
+            </a:r>
+            <a:r>
+              <a:rPr lang="en-GB" sz="1200" dirty="0">
+                <a:latin typeface="Courier New" panose="02070309020205020404" pitchFamily="49" charset="0"/>
+                <a:cs typeface="Courier New" panose="02070309020205020404" pitchFamily="49" charset="0"/>
+              </a:rPr>
+              <a:t>(Product p) {</a:t>
+            </a:r>
+            <a:br>
+              <a:rPr lang="en-GB" sz="1200" dirty="0">
+                <a:latin typeface="Courier New" panose="02070309020205020404" pitchFamily="49" charset="0"/>
+                <a:cs typeface="Courier New" panose="02070309020205020404" pitchFamily="49" charset="0"/>
+              </a:rPr>
+            </a:br>
+            <a:r>
+              <a:rPr lang="en-GB" sz="1200" dirty="0">
+                <a:latin typeface="Courier New" panose="02070309020205020404" pitchFamily="49" charset="0"/>
+                <a:cs typeface="Courier New" panose="02070309020205020404" pitchFamily="49" charset="0"/>
+              </a:rPr>
+              <a:t>        try {</a:t>
+            </a:r>
+            <a:br>
+              <a:rPr lang="en-GB" sz="1200" dirty="0">
+                <a:latin typeface="Courier New" panose="02070309020205020404" pitchFamily="49" charset="0"/>
+                <a:cs typeface="Courier New" panose="02070309020205020404" pitchFamily="49" charset="0"/>
+              </a:rPr>
+            </a:br>
+            <a:r>
+              <a:rPr lang="en-GB" sz="1200" dirty="0">
+                <a:latin typeface="Courier New" panose="02070309020205020404" pitchFamily="49" charset="0"/>
+                <a:cs typeface="Courier New" panose="02070309020205020404" pitchFamily="49" charset="0"/>
+              </a:rPr>
+              <a:t>            </a:t>
+            </a:r>
+            <a:r>
+              <a:rPr lang="en-GB" sz="1200" dirty="0" err="1">
+                <a:latin typeface="Courier New" panose="02070309020205020404" pitchFamily="49" charset="0"/>
+                <a:cs typeface="Courier New" panose="02070309020205020404" pitchFamily="49" charset="0"/>
+              </a:rPr>
+              <a:t>em.persist</a:t>
+            </a:r>
+            <a:r>
+              <a:rPr lang="en-GB" sz="1200" dirty="0">
+                <a:latin typeface="Courier New" panose="02070309020205020404" pitchFamily="49" charset="0"/>
+                <a:cs typeface="Courier New" panose="02070309020205020404" pitchFamily="49" charset="0"/>
+              </a:rPr>
+              <a:t>(p);</a:t>
+            </a:r>
+            <a:br>
+              <a:rPr lang="en-GB" sz="1200" dirty="0">
+                <a:latin typeface="Courier New" panose="02070309020205020404" pitchFamily="49" charset="0"/>
+                <a:cs typeface="Courier New" panose="02070309020205020404" pitchFamily="49" charset="0"/>
+              </a:rPr>
+            </a:br>
+            <a:r>
+              <a:rPr lang="en-GB" sz="1200" dirty="0">
+                <a:latin typeface="Courier New" panose="02070309020205020404" pitchFamily="49" charset="0"/>
+                <a:cs typeface="Courier New" panose="02070309020205020404" pitchFamily="49" charset="0"/>
+              </a:rPr>
+              <a:t>            return true;</a:t>
+            </a:r>
+            <a:br>
+              <a:rPr lang="en-GB" sz="1200" dirty="0">
+                <a:latin typeface="Courier New" panose="02070309020205020404" pitchFamily="49" charset="0"/>
+                <a:cs typeface="Courier New" panose="02070309020205020404" pitchFamily="49" charset="0"/>
+              </a:rPr>
+            </a:br>
+            <a:r>
+              <a:rPr lang="en-GB" sz="1200" dirty="0">
+                <a:latin typeface="Courier New" panose="02070309020205020404" pitchFamily="49" charset="0"/>
+                <a:cs typeface="Courier New" panose="02070309020205020404" pitchFamily="49" charset="0"/>
+              </a:rPr>
+              <a:t>        }</a:t>
+            </a:r>
+            <a:br>
+              <a:rPr lang="en-GB" sz="1200" dirty="0">
+                <a:latin typeface="Courier New" panose="02070309020205020404" pitchFamily="49" charset="0"/>
+                <a:cs typeface="Courier New" panose="02070309020205020404" pitchFamily="49" charset="0"/>
+              </a:rPr>
+            </a:br>
+            <a:r>
+              <a:rPr lang="en-GB" sz="1200" dirty="0">
+                <a:latin typeface="Courier New" panose="02070309020205020404" pitchFamily="49" charset="0"/>
+                <a:cs typeface="Courier New" panose="02070309020205020404" pitchFamily="49" charset="0"/>
+              </a:rPr>
+              <a:t>        catch (Exception ex) {</a:t>
+            </a:r>
+            <a:br>
+              <a:rPr lang="en-GB" sz="1200" dirty="0">
+                <a:latin typeface="Courier New" panose="02070309020205020404" pitchFamily="49" charset="0"/>
+                <a:cs typeface="Courier New" panose="02070309020205020404" pitchFamily="49" charset="0"/>
+              </a:rPr>
+            </a:br>
+            <a:r>
+              <a:rPr lang="en-GB" sz="1200" dirty="0">
+                <a:latin typeface="Courier New" panose="02070309020205020404" pitchFamily="49" charset="0"/>
+                <a:cs typeface="Courier New" panose="02070309020205020404" pitchFamily="49" charset="0"/>
+              </a:rPr>
+              <a:t>            </a:t>
+            </a:r>
+            <a:r>
+              <a:rPr lang="en-GB" sz="1200" dirty="0" err="1">
+                <a:latin typeface="Courier New" panose="02070309020205020404" pitchFamily="49" charset="0"/>
+                <a:cs typeface="Courier New" panose="02070309020205020404" pitchFamily="49" charset="0"/>
+              </a:rPr>
+              <a:t>ex.printStackTrace</a:t>
+            </a:r>
+            <a:r>
+              <a:rPr lang="en-GB" sz="1200" dirty="0">
+                <a:latin typeface="Courier New" panose="02070309020205020404" pitchFamily="49" charset="0"/>
+                <a:cs typeface="Courier New" panose="02070309020205020404" pitchFamily="49" charset="0"/>
+              </a:rPr>
+              <a:t>();</a:t>
+            </a:r>
+            <a:br>
+              <a:rPr lang="en-GB" sz="1200" dirty="0">
+                <a:latin typeface="Courier New" panose="02070309020205020404" pitchFamily="49" charset="0"/>
+                <a:cs typeface="Courier New" panose="02070309020205020404" pitchFamily="49" charset="0"/>
+              </a:rPr>
+            </a:br>
+            <a:r>
+              <a:rPr lang="en-GB" sz="1200" dirty="0">
+                <a:latin typeface="Courier New" panose="02070309020205020404" pitchFamily="49" charset="0"/>
+                <a:cs typeface="Courier New" panose="02070309020205020404" pitchFamily="49" charset="0"/>
+              </a:rPr>
+              <a:t>            return false;</a:t>
+            </a:r>
+            <a:br>
+              <a:rPr lang="en-GB" sz="1200" dirty="0">
+                <a:latin typeface="Courier New" panose="02070309020205020404" pitchFamily="49" charset="0"/>
+                <a:cs typeface="Courier New" panose="02070309020205020404" pitchFamily="49" charset="0"/>
+              </a:rPr>
+            </a:br>
+            <a:r>
+              <a:rPr lang="en-GB" sz="1200" dirty="0">
+                <a:latin typeface="Courier New" panose="02070309020205020404" pitchFamily="49" charset="0"/>
+                <a:cs typeface="Courier New" panose="02070309020205020404" pitchFamily="49" charset="0"/>
+              </a:rPr>
+              <a:t>        }</a:t>
+            </a:r>
+            <a:br>
+              <a:rPr lang="en-GB" sz="1200" dirty="0">
+                <a:latin typeface="Courier New" panose="02070309020205020404" pitchFamily="49" charset="0"/>
+                <a:cs typeface="Courier New" panose="02070309020205020404" pitchFamily="49" charset="0"/>
+              </a:rPr>
+            </a:br>
+            <a:r>
+              <a:rPr lang="en-GB" sz="1200" dirty="0">
+                <a:latin typeface="Courier New" panose="02070309020205020404" pitchFamily="49" charset="0"/>
+                <a:cs typeface="Courier New" panose="02070309020205020404" pitchFamily="49" charset="0"/>
+              </a:rPr>
+              <a:t>    }</a:t>
+            </a:r>
+          </a:p>
+          <a:p>
+            <a:pPr marL="457200" lvl="1" indent="0">
+              <a:buNone/>
+            </a:pPr>
+            <a:r>
+              <a:rPr lang="en-GB" sz="1200" dirty="0">
+                <a:latin typeface="Courier New" panose="02070309020205020404" pitchFamily="49" charset="0"/>
+                <a:cs typeface="Courier New" panose="02070309020205020404" pitchFamily="49" charset="0"/>
+              </a:rPr>
+              <a:t>public Product </a:t>
+            </a:r>
+            <a:r>
+              <a:rPr lang="en-GB" sz="1200" dirty="0" err="1">
+                <a:latin typeface="Courier New" panose="02070309020205020404" pitchFamily="49" charset="0"/>
+                <a:cs typeface="Courier New" panose="02070309020205020404" pitchFamily="49" charset="0"/>
+              </a:rPr>
+              <a:t>getProductOfDay</a:t>
+            </a:r>
+            <a:r>
+              <a:rPr lang="en-GB" sz="1200" dirty="0">
+                <a:latin typeface="Courier New" panose="02070309020205020404" pitchFamily="49" charset="0"/>
+                <a:cs typeface="Courier New" panose="02070309020205020404" pitchFamily="49" charset="0"/>
+              </a:rPr>
+              <a:t>() {</a:t>
+            </a:r>
+            <a:br>
+              <a:rPr lang="en-GB" sz="1200" dirty="0">
+                <a:latin typeface="Courier New" panose="02070309020205020404" pitchFamily="49" charset="0"/>
+                <a:cs typeface="Courier New" panose="02070309020205020404" pitchFamily="49" charset="0"/>
+              </a:rPr>
+            </a:br>
+            <a:r>
+              <a:rPr lang="en-GB" sz="1200" dirty="0">
+                <a:latin typeface="Courier New" panose="02070309020205020404" pitchFamily="49" charset="0"/>
+                <a:cs typeface="Courier New" panose="02070309020205020404" pitchFamily="49" charset="0"/>
+              </a:rPr>
+              <a:t>    </a:t>
+            </a:r>
+            <a:r>
+              <a:rPr lang="en-GB" sz="1200" dirty="0" err="1">
+                <a:latin typeface="Courier New" panose="02070309020205020404" pitchFamily="49" charset="0"/>
+                <a:cs typeface="Courier New" panose="02070309020205020404" pitchFamily="49" charset="0"/>
+              </a:rPr>
+              <a:t>LocalDate</a:t>
+            </a:r>
+            <a:r>
+              <a:rPr lang="en-GB" sz="1200" dirty="0">
+                <a:latin typeface="Courier New" panose="02070309020205020404" pitchFamily="49" charset="0"/>
+                <a:cs typeface="Courier New" panose="02070309020205020404" pitchFamily="49" charset="0"/>
+              </a:rPr>
+              <a:t> today = </a:t>
+            </a:r>
+            <a:r>
+              <a:rPr lang="en-GB" sz="1200" dirty="0" err="1">
+                <a:latin typeface="Courier New" panose="02070309020205020404" pitchFamily="49" charset="0"/>
+                <a:cs typeface="Courier New" panose="02070309020205020404" pitchFamily="49" charset="0"/>
+              </a:rPr>
+              <a:t>LocalDate.now</a:t>
+            </a:r>
+            <a:r>
+              <a:rPr lang="en-GB" sz="1200" dirty="0">
+                <a:latin typeface="Courier New" panose="02070309020205020404" pitchFamily="49" charset="0"/>
+                <a:cs typeface="Courier New" panose="02070309020205020404" pitchFamily="49" charset="0"/>
+              </a:rPr>
+              <a:t>();</a:t>
+            </a:r>
+            <a:br>
+              <a:rPr lang="en-GB" sz="1200" dirty="0">
+                <a:latin typeface="Courier New" panose="02070309020205020404" pitchFamily="49" charset="0"/>
+                <a:cs typeface="Courier New" panose="02070309020205020404" pitchFamily="49" charset="0"/>
+              </a:rPr>
+            </a:br>
+            <a:r>
+              <a:rPr lang="en-GB" sz="1200" dirty="0">
+                <a:latin typeface="Courier New" panose="02070309020205020404" pitchFamily="49" charset="0"/>
+                <a:cs typeface="Courier New" panose="02070309020205020404" pitchFamily="49" charset="0"/>
+              </a:rPr>
+              <a:t>    Product product = null;</a:t>
+            </a:r>
+            <a:br>
+              <a:rPr lang="en-GB" sz="1200" dirty="0">
+                <a:latin typeface="Courier New" panose="02070309020205020404" pitchFamily="49" charset="0"/>
+                <a:cs typeface="Courier New" panose="02070309020205020404" pitchFamily="49" charset="0"/>
+              </a:rPr>
+            </a:br>
+            <a:r>
+              <a:rPr lang="en-GB" sz="1200" dirty="0">
+                <a:latin typeface="Courier New" panose="02070309020205020404" pitchFamily="49" charset="0"/>
+                <a:cs typeface="Courier New" panose="02070309020205020404" pitchFamily="49" charset="0"/>
+              </a:rPr>
+              <a:t>    try {</a:t>
+            </a:r>
+            <a:br>
+              <a:rPr lang="en-GB" sz="1200" dirty="0">
+                <a:latin typeface="Courier New" panose="02070309020205020404" pitchFamily="49" charset="0"/>
+                <a:cs typeface="Courier New" panose="02070309020205020404" pitchFamily="49" charset="0"/>
+              </a:rPr>
+            </a:br>
+            <a:r>
+              <a:rPr lang="en-GB" sz="1200" dirty="0">
+                <a:latin typeface="Courier New" panose="02070309020205020404" pitchFamily="49" charset="0"/>
+                <a:cs typeface="Courier New" panose="02070309020205020404" pitchFamily="49" charset="0"/>
+              </a:rPr>
+              <a:t>        product = </a:t>
+            </a:r>
+            <a:r>
+              <a:rPr lang="en-GB" sz="1200" dirty="0" err="1">
+                <a:latin typeface="Courier New" panose="02070309020205020404" pitchFamily="49" charset="0"/>
+                <a:cs typeface="Courier New" panose="02070309020205020404" pitchFamily="49" charset="0"/>
+              </a:rPr>
+              <a:t>em.createQuery</a:t>
+            </a:r>
+            <a:r>
+              <a:rPr lang="en-GB" sz="1200" dirty="0">
+                <a:latin typeface="Courier New" panose="02070309020205020404" pitchFamily="49" charset="0"/>
+                <a:cs typeface="Courier New" panose="02070309020205020404" pitchFamily="49" charset="0"/>
+              </a:rPr>
+              <a:t>("SELECT p FROM Product p WHERE </a:t>
+            </a:r>
+            <a:r>
+              <a:rPr lang="en-GB" sz="1200" dirty="0" err="1">
+                <a:latin typeface="Courier New" panose="02070309020205020404" pitchFamily="49" charset="0"/>
+                <a:cs typeface="Courier New" panose="02070309020205020404" pitchFamily="49" charset="0"/>
+              </a:rPr>
+              <a:t>p.productOfTheDay</a:t>
+            </a:r>
+            <a:r>
+              <a:rPr lang="en-GB" sz="1200" dirty="0">
+                <a:latin typeface="Courier New" panose="02070309020205020404" pitchFamily="49" charset="0"/>
+                <a:cs typeface="Courier New" panose="02070309020205020404" pitchFamily="49" charset="0"/>
+              </a:rPr>
+              <a:t> = ?1", </a:t>
+            </a:r>
+            <a:r>
+              <a:rPr lang="en-GB" sz="1200" dirty="0" err="1">
+                <a:latin typeface="Courier New" panose="02070309020205020404" pitchFamily="49" charset="0"/>
+                <a:cs typeface="Courier New" panose="02070309020205020404" pitchFamily="49" charset="0"/>
+              </a:rPr>
+              <a:t>Product.class</a:t>
+            </a:r>
+            <a:r>
+              <a:rPr lang="en-GB" sz="1200" dirty="0">
+                <a:latin typeface="Courier New" panose="02070309020205020404" pitchFamily="49" charset="0"/>
+                <a:cs typeface="Courier New" panose="02070309020205020404" pitchFamily="49" charset="0"/>
+              </a:rPr>
+              <a:t>)</a:t>
+            </a:r>
+            <a:br>
+              <a:rPr lang="en-GB" sz="1200" dirty="0">
+                <a:latin typeface="Courier New" panose="02070309020205020404" pitchFamily="49" charset="0"/>
+                <a:cs typeface="Courier New" panose="02070309020205020404" pitchFamily="49" charset="0"/>
+              </a:rPr>
+            </a:br>
+            <a:r>
+              <a:rPr lang="en-GB" sz="1200" dirty="0">
+                <a:latin typeface="Courier New" panose="02070309020205020404" pitchFamily="49" charset="0"/>
+                <a:cs typeface="Courier New" panose="02070309020205020404" pitchFamily="49" charset="0"/>
+              </a:rPr>
+              <a:t>                .</a:t>
+            </a:r>
+            <a:r>
+              <a:rPr lang="en-GB" sz="1200" dirty="0" err="1">
+                <a:latin typeface="Courier New" panose="02070309020205020404" pitchFamily="49" charset="0"/>
+                <a:cs typeface="Courier New" panose="02070309020205020404" pitchFamily="49" charset="0"/>
+              </a:rPr>
+              <a:t>setParameter</a:t>
+            </a:r>
+            <a:r>
+              <a:rPr lang="en-GB" sz="1200" dirty="0">
+                <a:latin typeface="Courier New" panose="02070309020205020404" pitchFamily="49" charset="0"/>
+                <a:cs typeface="Courier New" panose="02070309020205020404" pitchFamily="49" charset="0"/>
+              </a:rPr>
+              <a:t>(1, today)</a:t>
+            </a:r>
+            <a:br>
+              <a:rPr lang="en-GB" sz="1200" dirty="0">
+                <a:latin typeface="Courier New" panose="02070309020205020404" pitchFamily="49" charset="0"/>
+                <a:cs typeface="Courier New" panose="02070309020205020404" pitchFamily="49" charset="0"/>
+              </a:rPr>
+            </a:br>
+            <a:r>
+              <a:rPr lang="en-GB" sz="1200" dirty="0">
+                <a:latin typeface="Courier New" panose="02070309020205020404" pitchFamily="49" charset="0"/>
+                <a:cs typeface="Courier New" panose="02070309020205020404" pitchFamily="49" charset="0"/>
+              </a:rPr>
+              <a:t>                .</a:t>
+            </a:r>
+            <a:r>
+              <a:rPr lang="en-GB" sz="1200" dirty="0" err="1">
+                <a:latin typeface="Courier New" panose="02070309020205020404" pitchFamily="49" charset="0"/>
+                <a:cs typeface="Courier New" panose="02070309020205020404" pitchFamily="49" charset="0"/>
+              </a:rPr>
+              <a:t>setHint</a:t>
+            </a:r>
+            <a:r>
+              <a:rPr lang="en-GB" sz="1200" dirty="0">
+                <a:latin typeface="Courier New" panose="02070309020205020404" pitchFamily="49" charset="0"/>
+                <a:cs typeface="Courier New" panose="02070309020205020404" pitchFamily="49" charset="0"/>
+              </a:rPr>
+              <a:t>("</a:t>
+            </a:r>
+            <a:r>
+              <a:rPr lang="en-GB" sz="1200" dirty="0" err="1">
+                <a:latin typeface="Courier New" panose="02070309020205020404" pitchFamily="49" charset="0"/>
+                <a:cs typeface="Courier New" panose="02070309020205020404" pitchFamily="49" charset="0"/>
+              </a:rPr>
+              <a:t>javax.persistence.cache.storeMode</a:t>
+            </a:r>
+            <a:r>
+              <a:rPr lang="en-GB" sz="1200" dirty="0">
+                <a:latin typeface="Courier New" panose="02070309020205020404" pitchFamily="49" charset="0"/>
+                <a:cs typeface="Courier New" panose="02070309020205020404" pitchFamily="49" charset="0"/>
+              </a:rPr>
+              <a:t>", "REFRESH")</a:t>
+            </a:r>
+            <a:br>
+              <a:rPr lang="en-GB" sz="1200" dirty="0">
+                <a:latin typeface="Courier New" panose="02070309020205020404" pitchFamily="49" charset="0"/>
+                <a:cs typeface="Courier New" panose="02070309020205020404" pitchFamily="49" charset="0"/>
+              </a:rPr>
+            </a:br>
+            <a:r>
+              <a:rPr lang="en-GB" sz="1200" dirty="0">
+                <a:latin typeface="Courier New" panose="02070309020205020404" pitchFamily="49" charset="0"/>
+                <a:cs typeface="Courier New" panose="02070309020205020404" pitchFamily="49" charset="0"/>
+              </a:rPr>
+              <a:t>                .</a:t>
+            </a:r>
+            <a:r>
+              <a:rPr lang="en-GB" sz="1200" dirty="0" err="1">
+                <a:latin typeface="Courier New" panose="02070309020205020404" pitchFamily="49" charset="0"/>
+                <a:cs typeface="Courier New" panose="02070309020205020404" pitchFamily="49" charset="0"/>
+              </a:rPr>
+              <a:t>getSingleResult</a:t>
+            </a:r>
+            <a:r>
+              <a:rPr lang="en-GB" sz="1200" dirty="0">
+                <a:latin typeface="Courier New" panose="02070309020205020404" pitchFamily="49" charset="0"/>
+                <a:cs typeface="Courier New" panose="02070309020205020404" pitchFamily="49" charset="0"/>
+              </a:rPr>
+              <a:t>();</a:t>
+            </a:r>
+            <a:br>
+              <a:rPr lang="en-GB" sz="1200" dirty="0">
+                <a:latin typeface="Courier New" panose="02070309020205020404" pitchFamily="49" charset="0"/>
+                <a:cs typeface="Courier New" panose="02070309020205020404" pitchFamily="49" charset="0"/>
+              </a:rPr>
+            </a:br>
+            <a:r>
+              <a:rPr lang="en-GB" sz="1200" dirty="0">
+                <a:latin typeface="Courier New" panose="02070309020205020404" pitchFamily="49" charset="0"/>
+                <a:cs typeface="Courier New" panose="02070309020205020404" pitchFamily="49" charset="0"/>
+              </a:rPr>
+              <a:t>    } catch (Exception ex) {</a:t>
+            </a:r>
+            <a:br>
+              <a:rPr lang="en-GB" sz="1200" dirty="0">
+                <a:latin typeface="Courier New" panose="02070309020205020404" pitchFamily="49" charset="0"/>
+                <a:cs typeface="Courier New" panose="02070309020205020404" pitchFamily="49" charset="0"/>
+              </a:rPr>
+            </a:br>
+            <a:r>
+              <a:rPr lang="en-GB" sz="1200" dirty="0">
+                <a:latin typeface="Courier New" panose="02070309020205020404" pitchFamily="49" charset="0"/>
+                <a:cs typeface="Courier New" panose="02070309020205020404" pitchFamily="49" charset="0"/>
+              </a:rPr>
+              <a:t>        </a:t>
+            </a:r>
+            <a:r>
+              <a:rPr lang="en-GB" sz="1200" dirty="0" err="1">
+                <a:latin typeface="Courier New" panose="02070309020205020404" pitchFamily="49" charset="0"/>
+                <a:cs typeface="Courier New" panose="02070309020205020404" pitchFamily="49" charset="0"/>
+              </a:rPr>
+              <a:t>ex.printStackTrace</a:t>
+            </a:r>
+            <a:r>
+              <a:rPr lang="en-GB" sz="1200" dirty="0">
+                <a:latin typeface="Courier New" panose="02070309020205020404" pitchFamily="49" charset="0"/>
+                <a:cs typeface="Courier New" panose="02070309020205020404" pitchFamily="49" charset="0"/>
+              </a:rPr>
+              <a:t>();</a:t>
+            </a:r>
+            <a:br>
+              <a:rPr lang="en-GB" sz="1200" dirty="0">
+                <a:latin typeface="Courier New" panose="02070309020205020404" pitchFamily="49" charset="0"/>
+                <a:cs typeface="Courier New" panose="02070309020205020404" pitchFamily="49" charset="0"/>
+              </a:rPr>
+            </a:br>
+            <a:r>
+              <a:rPr lang="en-GB" sz="1200" dirty="0">
+                <a:latin typeface="Courier New" panose="02070309020205020404" pitchFamily="49" charset="0"/>
+                <a:cs typeface="Courier New" panose="02070309020205020404" pitchFamily="49" charset="0"/>
+              </a:rPr>
+              <a:t>    }</a:t>
+            </a:r>
+            <a:br>
+              <a:rPr lang="en-GB" sz="1200" dirty="0">
+                <a:latin typeface="Courier New" panose="02070309020205020404" pitchFamily="49" charset="0"/>
+                <a:cs typeface="Courier New" panose="02070309020205020404" pitchFamily="49" charset="0"/>
+              </a:rPr>
+            </a:br>
+            <a:r>
+              <a:rPr lang="en-GB" sz="1200" dirty="0">
+                <a:latin typeface="Courier New" panose="02070309020205020404" pitchFamily="49" charset="0"/>
+                <a:cs typeface="Courier New" panose="02070309020205020404" pitchFamily="49" charset="0"/>
+              </a:rPr>
+              <a:t>    return product;</a:t>
+            </a:r>
+            <a:br>
+              <a:rPr lang="en-GB" sz="1200" dirty="0">
+                <a:latin typeface="Courier New" panose="02070309020205020404" pitchFamily="49" charset="0"/>
+                <a:cs typeface="Courier New" panose="02070309020205020404" pitchFamily="49" charset="0"/>
+              </a:rPr>
+            </a:br>
+            <a:r>
+              <a:rPr lang="en-GB" sz="1200" dirty="0">
+                <a:latin typeface="Courier New" panose="02070309020205020404" pitchFamily="49" charset="0"/>
+                <a:cs typeface="Courier New" panose="02070309020205020404" pitchFamily="49" charset="0"/>
+              </a:rPr>
+              <a:t>}</a:t>
+            </a:r>
+            <a:br>
+              <a:rPr lang="en-GB" sz="1200" dirty="0">
+                <a:latin typeface="Courier New" panose="02070309020205020404" pitchFamily="49" charset="0"/>
+                <a:cs typeface="Courier New" panose="02070309020205020404" pitchFamily="49" charset="0"/>
+              </a:rPr>
+            </a:br>
+            <a:endParaRPr lang="en-GB" sz="1200" dirty="0">
+              <a:latin typeface="Courier New" panose="02070309020205020404" pitchFamily="49" charset="0"/>
+              <a:cs typeface="Courier New" panose="02070309020205020404" pitchFamily="49" charset="0"/>
+            </a:endParaRPr>
+          </a:p>
+        </p:txBody>
+      </p:sp>
+    </p:spTree>
+    <p:extLst>
+      <p:ext uri="{BB962C8B-B14F-4D97-AF65-F5344CB8AC3E}">
+        <p14:creationId xmlns:p14="http://schemas.microsoft.com/office/powerpoint/2010/main" val="3806453892"/>
+      </p:ext>
+    </p:extLst>
+  </p:cSld>
+  <p:clrMapOvr>
+    <a:masterClrMapping/>
+  </p:clrMapOvr>
+</p:sld>
+</file>
+
+<file path=ppt/slides/slide26.xml><?xml version="1.0" encoding="utf-8"?>
+<p:sld xmlns:a="http://schemas.openxmlformats.org/drawingml/2006/main" xmlns:r="http://schemas.openxmlformats.org/officeDocument/2006/relationships" xmlns:p="http://schemas.openxmlformats.org/presentationml/2006/main">
+  <p:cSld>
+    <p:spTree>
+      <p:nvGrpSpPr>
+        <p:cNvPr id="1" name=""/>
+        <p:cNvGrpSpPr/>
+        <p:nvPr/>
+      </p:nvGrpSpPr>
+      <p:grpSpPr>
+        <a:xfrm>
+          <a:off x="0" y="0"/>
+          <a:ext cx="0" cy="0"/>
+          <a:chOff x="0" y="0"/>
+          <a:chExt cx="0" cy="0"/>
+        </a:xfrm>
+      </p:grpSpPr>
+      <p:sp>
+        <p:nvSpPr>
+          <p:cNvPr id="2" name="Title 1"/>
+          <p:cNvSpPr>
+            <a:spLocks noGrp="1"/>
+          </p:cNvSpPr>
+          <p:nvPr>
+            <p:ph type="title"/>
+          </p:nvPr>
+        </p:nvSpPr>
+        <p:spPr/>
+        <p:txBody>
+          <a:bodyPr/>
+          <a:lstStyle/>
+          <a:p>
+            <a:r>
+              <a:rPr lang="en-GB" dirty="0"/>
+              <a:t>@Stateless </a:t>
+            </a:r>
+            <a:r>
+              <a:rPr lang="en-GB" dirty="0" err="1"/>
+              <a:t>QuestionnaireService</a:t>
+            </a:r>
+            <a:endParaRPr lang="en-GB" dirty="0"/>
+          </a:p>
+        </p:txBody>
+      </p:sp>
+      <p:sp>
+        <p:nvSpPr>
+          <p:cNvPr id="3" name="Content Placeholder 2"/>
+          <p:cNvSpPr>
+            <a:spLocks noGrp="1"/>
+          </p:cNvSpPr>
+          <p:nvPr>
+            <p:ph idx="1"/>
+          </p:nvPr>
+        </p:nvSpPr>
+        <p:spPr/>
+        <p:txBody>
+          <a:bodyPr>
+            <a:normAutofit fontScale="85000" lnSpcReduction="20000"/>
+          </a:bodyPr>
+          <a:lstStyle/>
+          <a:p>
+            <a:pPr marL="0" indent="0">
+              <a:buNone/>
+            </a:pPr>
+            <a:r>
+              <a:rPr lang="en-GB" sz="1500" dirty="0">
+                <a:latin typeface="Courier New" panose="02070309020205020404" pitchFamily="49" charset="0"/>
+                <a:cs typeface="Courier New" panose="02070309020205020404" pitchFamily="49" charset="0"/>
+              </a:rPr>
+              <a:t>@Stateless</a:t>
+            </a:r>
+            <a:br>
+              <a:rPr lang="en-GB" sz="1500" dirty="0">
+                <a:latin typeface="Courier New" panose="02070309020205020404" pitchFamily="49" charset="0"/>
+                <a:cs typeface="Courier New" panose="02070309020205020404" pitchFamily="49" charset="0"/>
+              </a:rPr>
+            </a:br>
+            <a:r>
+              <a:rPr lang="en-GB" sz="1500" dirty="0">
+                <a:latin typeface="Courier New" panose="02070309020205020404" pitchFamily="49" charset="0"/>
+                <a:cs typeface="Courier New" panose="02070309020205020404" pitchFamily="49" charset="0"/>
+              </a:rPr>
+              <a:t>public class </a:t>
+            </a:r>
+            <a:r>
+              <a:rPr lang="en-GB" sz="1500" dirty="0" err="1">
+                <a:latin typeface="Courier New" panose="02070309020205020404" pitchFamily="49" charset="0"/>
+                <a:cs typeface="Courier New" panose="02070309020205020404" pitchFamily="49" charset="0"/>
+              </a:rPr>
+              <a:t>QuestionnaireService</a:t>
+            </a:r>
+            <a:r>
+              <a:rPr lang="en-GB" sz="1500" dirty="0">
+                <a:latin typeface="Courier New" panose="02070309020205020404" pitchFamily="49" charset="0"/>
+                <a:cs typeface="Courier New" panose="02070309020205020404" pitchFamily="49" charset="0"/>
+              </a:rPr>
+              <a:t> {</a:t>
+            </a:r>
+            <a:br>
+              <a:rPr lang="en-GB" sz="1500" dirty="0">
+                <a:latin typeface="Courier New" panose="02070309020205020404" pitchFamily="49" charset="0"/>
+                <a:cs typeface="Courier New" panose="02070309020205020404" pitchFamily="49" charset="0"/>
+              </a:rPr>
+            </a:br>
+            <a:r>
+              <a:rPr lang="en-GB" sz="1500" dirty="0">
+                <a:latin typeface="Courier New" panose="02070309020205020404" pitchFamily="49" charset="0"/>
+                <a:cs typeface="Courier New" panose="02070309020205020404" pitchFamily="49" charset="0"/>
+              </a:rPr>
+              <a:t>    @</a:t>
+            </a:r>
+            <a:r>
+              <a:rPr lang="en-GB" sz="1500" dirty="0" err="1">
+                <a:latin typeface="Courier New" panose="02070309020205020404" pitchFamily="49" charset="0"/>
+                <a:cs typeface="Courier New" panose="02070309020205020404" pitchFamily="49" charset="0"/>
+              </a:rPr>
+              <a:t>PersistenceContext</a:t>
+            </a:r>
+            <a:r>
+              <a:rPr lang="en-GB" sz="1500" dirty="0">
+                <a:latin typeface="Courier New" panose="02070309020205020404" pitchFamily="49" charset="0"/>
+                <a:cs typeface="Courier New" panose="02070309020205020404" pitchFamily="49" charset="0"/>
+              </a:rPr>
+              <a:t>(name = "DB2Project")</a:t>
+            </a:r>
+            <a:br>
+              <a:rPr lang="en-GB" sz="1500" dirty="0">
+                <a:latin typeface="Courier New" panose="02070309020205020404" pitchFamily="49" charset="0"/>
+                <a:cs typeface="Courier New" panose="02070309020205020404" pitchFamily="49" charset="0"/>
+              </a:rPr>
+            </a:br>
+            <a:r>
+              <a:rPr lang="en-GB" sz="1500" dirty="0">
+                <a:latin typeface="Courier New" panose="02070309020205020404" pitchFamily="49" charset="0"/>
+                <a:cs typeface="Courier New" panose="02070309020205020404" pitchFamily="49" charset="0"/>
+              </a:rPr>
+              <a:t>    private </a:t>
+            </a:r>
+            <a:r>
+              <a:rPr lang="en-GB" sz="1500" dirty="0" err="1">
+                <a:latin typeface="Courier New" panose="02070309020205020404" pitchFamily="49" charset="0"/>
+                <a:cs typeface="Courier New" panose="02070309020205020404" pitchFamily="49" charset="0"/>
+              </a:rPr>
+              <a:t>EntityManager</a:t>
+            </a:r>
+            <a:r>
+              <a:rPr lang="en-GB" sz="1500" dirty="0">
+                <a:latin typeface="Courier New" panose="02070309020205020404" pitchFamily="49" charset="0"/>
+                <a:cs typeface="Courier New" panose="02070309020205020404" pitchFamily="49" charset="0"/>
+              </a:rPr>
+              <a:t> </a:t>
+            </a:r>
+            <a:r>
+              <a:rPr lang="en-GB" sz="1500" dirty="0" err="1">
+                <a:latin typeface="Courier New" panose="02070309020205020404" pitchFamily="49" charset="0"/>
+                <a:cs typeface="Courier New" panose="02070309020205020404" pitchFamily="49" charset="0"/>
+              </a:rPr>
+              <a:t>em</a:t>
+            </a:r>
+            <a:r>
+              <a:rPr lang="en-GB" sz="1500" dirty="0">
+                <a:latin typeface="Courier New" panose="02070309020205020404" pitchFamily="49" charset="0"/>
+                <a:cs typeface="Courier New" panose="02070309020205020404" pitchFamily="49" charset="0"/>
+              </a:rPr>
+              <a:t>;</a:t>
+            </a:r>
+            <a:br>
+              <a:rPr lang="en-GB" sz="1500" dirty="0">
+                <a:latin typeface="Courier New" panose="02070309020205020404" pitchFamily="49" charset="0"/>
+                <a:cs typeface="Courier New" panose="02070309020205020404" pitchFamily="49" charset="0"/>
+              </a:rPr>
+            </a:br>
+            <a:br>
+              <a:rPr lang="en-GB" sz="1500" dirty="0">
+                <a:latin typeface="Courier New" panose="02070309020205020404" pitchFamily="49" charset="0"/>
+                <a:cs typeface="Courier New" panose="02070309020205020404" pitchFamily="49" charset="0"/>
+              </a:rPr>
+            </a:br>
+            <a:r>
+              <a:rPr lang="en-GB" sz="1500" dirty="0">
+                <a:latin typeface="Courier New" panose="02070309020205020404" pitchFamily="49" charset="0"/>
+                <a:cs typeface="Courier New" panose="02070309020205020404" pitchFamily="49" charset="0"/>
+              </a:rPr>
+              <a:t>    public </a:t>
+            </a:r>
+            <a:r>
+              <a:rPr lang="en-GB" sz="1500" dirty="0" err="1">
+                <a:latin typeface="Courier New" panose="02070309020205020404" pitchFamily="49" charset="0"/>
+                <a:cs typeface="Courier New" panose="02070309020205020404" pitchFamily="49" charset="0"/>
+              </a:rPr>
+              <a:t>QuestionnaireService</a:t>
+            </a:r>
+            <a:r>
+              <a:rPr lang="en-GB" sz="1500" dirty="0">
+                <a:latin typeface="Courier New" panose="02070309020205020404" pitchFamily="49" charset="0"/>
+                <a:cs typeface="Courier New" panose="02070309020205020404" pitchFamily="49" charset="0"/>
+              </a:rPr>
+              <a:t>() {}</a:t>
+            </a:r>
+            <a:br>
+              <a:rPr lang="en-GB" sz="1500" dirty="0">
+                <a:latin typeface="Courier New" panose="02070309020205020404" pitchFamily="49" charset="0"/>
+                <a:cs typeface="Courier New" panose="02070309020205020404" pitchFamily="49" charset="0"/>
+              </a:rPr>
+            </a:br>
+            <a:br>
+              <a:rPr lang="en-GB" sz="1500" dirty="0">
+                <a:latin typeface="Courier New" panose="02070309020205020404" pitchFamily="49" charset="0"/>
+                <a:cs typeface="Courier New" panose="02070309020205020404" pitchFamily="49" charset="0"/>
+              </a:rPr>
+            </a:br>
+            <a:br>
+              <a:rPr lang="en-GB" sz="1500" dirty="0">
+                <a:latin typeface="Courier New" panose="02070309020205020404" pitchFamily="49" charset="0"/>
+                <a:cs typeface="Courier New" panose="02070309020205020404" pitchFamily="49" charset="0"/>
+              </a:rPr>
+            </a:br>
+            <a:r>
+              <a:rPr lang="en-GB" sz="1500" dirty="0">
+                <a:latin typeface="Courier New" panose="02070309020205020404" pitchFamily="49" charset="0"/>
+                <a:cs typeface="Courier New" panose="02070309020205020404" pitchFamily="49" charset="0"/>
+              </a:rPr>
+              <a:t>    public Questionnaire </a:t>
+            </a:r>
+            <a:r>
+              <a:rPr lang="en-GB" sz="1500" dirty="0" err="1">
+                <a:latin typeface="Courier New" panose="02070309020205020404" pitchFamily="49" charset="0"/>
+                <a:cs typeface="Courier New" panose="02070309020205020404" pitchFamily="49" charset="0"/>
+              </a:rPr>
+              <a:t>findQuestionnaireByProdId</a:t>
+            </a:r>
+            <a:r>
+              <a:rPr lang="en-GB" sz="1500" dirty="0">
+                <a:latin typeface="Courier New" panose="02070309020205020404" pitchFamily="49" charset="0"/>
+                <a:cs typeface="Courier New" panose="02070309020205020404" pitchFamily="49" charset="0"/>
+              </a:rPr>
+              <a:t>(Product p) {</a:t>
+            </a:r>
+            <a:br>
+              <a:rPr lang="en-GB" sz="1500" dirty="0">
+                <a:latin typeface="Courier New" panose="02070309020205020404" pitchFamily="49" charset="0"/>
+                <a:cs typeface="Courier New" panose="02070309020205020404" pitchFamily="49" charset="0"/>
+              </a:rPr>
+            </a:br>
+            <a:r>
+              <a:rPr lang="en-GB" sz="1500" dirty="0">
+                <a:latin typeface="Courier New" panose="02070309020205020404" pitchFamily="49" charset="0"/>
+                <a:cs typeface="Courier New" panose="02070309020205020404" pitchFamily="49" charset="0"/>
+              </a:rPr>
+              <a:t>        return </a:t>
+            </a:r>
+            <a:r>
+              <a:rPr lang="en-GB" sz="1500" dirty="0" err="1">
+                <a:latin typeface="Courier New" panose="02070309020205020404" pitchFamily="49" charset="0"/>
+                <a:cs typeface="Courier New" panose="02070309020205020404" pitchFamily="49" charset="0"/>
+              </a:rPr>
+              <a:t>em.createNamedQuery</a:t>
+            </a:r>
+            <a:r>
+              <a:rPr lang="en-GB" sz="1500" dirty="0">
+                <a:latin typeface="Courier New" panose="02070309020205020404" pitchFamily="49" charset="0"/>
+                <a:cs typeface="Courier New" panose="02070309020205020404" pitchFamily="49" charset="0"/>
+              </a:rPr>
+              <a:t>("</a:t>
+            </a:r>
+            <a:r>
+              <a:rPr lang="en-GB" sz="1500" dirty="0" err="1">
+                <a:latin typeface="Courier New" panose="02070309020205020404" pitchFamily="49" charset="0"/>
+                <a:cs typeface="Courier New" panose="02070309020205020404" pitchFamily="49" charset="0"/>
+              </a:rPr>
+              <a:t>Questionnaire.findByProdId</a:t>
+            </a:r>
+            <a:r>
+              <a:rPr lang="en-GB" sz="1500" dirty="0">
+                <a:latin typeface="Courier New" panose="02070309020205020404" pitchFamily="49" charset="0"/>
+                <a:cs typeface="Courier New" panose="02070309020205020404" pitchFamily="49" charset="0"/>
+              </a:rPr>
+              <a:t>", </a:t>
+            </a:r>
+            <a:r>
+              <a:rPr lang="en-GB" sz="1500" dirty="0" err="1">
+                <a:latin typeface="Courier New" panose="02070309020205020404" pitchFamily="49" charset="0"/>
+                <a:cs typeface="Courier New" panose="02070309020205020404" pitchFamily="49" charset="0"/>
+              </a:rPr>
+              <a:t>Questionnaire.class</a:t>
+            </a:r>
+            <a:r>
+              <a:rPr lang="en-GB" sz="1500" dirty="0">
+                <a:latin typeface="Courier New" panose="02070309020205020404" pitchFamily="49" charset="0"/>
+                <a:cs typeface="Courier New" panose="02070309020205020404" pitchFamily="49" charset="0"/>
+              </a:rPr>
+              <a:t>).</a:t>
+            </a:r>
+            <a:r>
+              <a:rPr lang="en-GB" sz="1500" dirty="0" err="1">
+                <a:latin typeface="Courier New" panose="02070309020205020404" pitchFamily="49" charset="0"/>
+                <a:cs typeface="Courier New" panose="02070309020205020404" pitchFamily="49" charset="0"/>
+              </a:rPr>
+              <a:t>setParameter</a:t>
+            </a:r>
+            <a:r>
+              <a:rPr lang="en-GB" sz="1500" dirty="0">
+                <a:latin typeface="Courier New" panose="02070309020205020404" pitchFamily="49" charset="0"/>
+                <a:cs typeface="Courier New" panose="02070309020205020404" pitchFamily="49" charset="0"/>
+              </a:rPr>
+              <a:t>(1, p).</a:t>
+            </a:r>
+            <a:r>
+              <a:rPr lang="en-GB" sz="1500" dirty="0" err="1">
+                <a:latin typeface="Courier New" panose="02070309020205020404" pitchFamily="49" charset="0"/>
+                <a:cs typeface="Courier New" panose="02070309020205020404" pitchFamily="49" charset="0"/>
+              </a:rPr>
+              <a:t>setHint</a:t>
+            </a:r>
+            <a:r>
+              <a:rPr lang="en-GB" sz="1500" dirty="0">
+                <a:latin typeface="Courier New" panose="02070309020205020404" pitchFamily="49" charset="0"/>
+                <a:cs typeface="Courier New" panose="02070309020205020404" pitchFamily="49" charset="0"/>
+              </a:rPr>
+              <a:t>("</a:t>
+            </a:r>
+            <a:r>
+              <a:rPr lang="en-GB" sz="1500" dirty="0" err="1">
+                <a:latin typeface="Courier New" panose="02070309020205020404" pitchFamily="49" charset="0"/>
+                <a:cs typeface="Courier New" panose="02070309020205020404" pitchFamily="49" charset="0"/>
+              </a:rPr>
+              <a:t>javax.persistence.cache.storeMode</a:t>
+            </a:r>
+            <a:r>
+              <a:rPr lang="en-GB" sz="1500" dirty="0">
+                <a:latin typeface="Courier New" panose="02070309020205020404" pitchFamily="49" charset="0"/>
+                <a:cs typeface="Courier New" panose="02070309020205020404" pitchFamily="49" charset="0"/>
+              </a:rPr>
+              <a:t>", "REFRESH").</a:t>
+            </a:r>
+            <a:r>
+              <a:rPr lang="en-GB" sz="1500" dirty="0" err="1">
+                <a:latin typeface="Courier New" panose="02070309020205020404" pitchFamily="49" charset="0"/>
+                <a:cs typeface="Courier New" panose="02070309020205020404" pitchFamily="49" charset="0"/>
+              </a:rPr>
+              <a:t>getSingleResult</a:t>
+            </a:r>
+            <a:r>
+              <a:rPr lang="en-GB" sz="1500" dirty="0">
+                <a:latin typeface="Courier New" panose="02070309020205020404" pitchFamily="49" charset="0"/>
+                <a:cs typeface="Courier New" panose="02070309020205020404" pitchFamily="49" charset="0"/>
+              </a:rPr>
+              <a:t>();</a:t>
+            </a:r>
+            <a:br>
+              <a:rPr lang="en-GB" sz="1500" dirty="0">
+                <a:latin typeface="Courier New" panose="02070309020205020404" pitchFamily="49" charset="0"/>
+                <a:cs typeface="Courier New" panose="02070309020205020404" pitchFamily="49" charset="0"/>
+              </a:rPr>
+            </a:br>
+            <a:r>
+              <a:rPr lang="en-GB" sz="1500" dirty="0">
+                <a:latin typeface="Courier New" panose="02070309020205020404" pitchFamily="49" charset="0"/>
+                <a:cs typeface="Courier New" panose="02070309020205020404" pitchFamily="49" charset="0"/>
+              </a:rPr>
+              <a:t>    }</a:t>
+            </a:r>
+            <a:br>
+              <a:rPr lang="en-GB" sz="1500" dirty="0">
+                <a:latin typeface="Courier New" panose="02070309020205020404" pitchFamily="49" charset="0"/>
+                <a:cs typeface="Courier New" panose="02070309020205020404" pitchFamily="49" charset="0"/>
+              </a:rPr>
+            </a:br>
+            <a:br>
+              <a:rPr lang="en-GB" sz="1500" dirty="0">
+                <a:latin typeface="Courier New" panose="02070309020205020404" pitchFamily="49" charset="0"/>
+                <a:cs typeface="Courier New" panose="02070309020205020404" pitchFamily="49" charset="0"/>
+              </a:rPr>
+            </a:br>
+            <a:br>
+              <a:rPr lang="en-GB" sz="1500" dirty="0">
+                <a:latin typeface="Courier New" panose="02070309020205020404" pitchFamily="49" charset="0"/>
+                <a:cs typeface="Courier New" panose="02070309020205020404" pitchFamily="49" charset="0"/>
+              </a:rPr>
+            </a:br>
+            <a:r>
+              <a:rPr lang="en-GB" sz="1500" dirty="0">
+                <a:latin typeface="Courier New" panose="02070309020205020404" pitchFamily="49" charset="0"/>
+                <a:cs typeface="Courier New" panose="02070309020205020404" pitchFamily="49" charset="0"/>
+              </a:rPr>
+              <a:t>    public void </a:t>
+            </a:r>
+            <a:r>
+              <a:rPr lang="en-GB" sz="1500" dirty="0" err="1">
+                <a:latin typeface="Courier New" panose="02070309020205020404" pitchFamily="49" charset="0"/>
+                <a:cs typeface="Courier New" panose="02070309020205020404" pitchFamily="49" charset="0"/>
+              </a:rPr>
+              <a:t>mergeQuestionnaire</a:t>
+            </a:r>
+            <a:r>
+              <a:rPr lang="en-GB" sz="1500" dirty="0">
+                <a:latin typeface="Courier New" panose="02070309020205020404" pitchFamily="49" charset="0"/>
+                <a:cs typeface="Courier New" panose="02070309020205020404" pitchFamily="49" charset="0"/>
+              </a:rPr>
+              <a:t>(Questionnaire questionnaire) {</a:t>
+            </a:r>
+            <a:br>
+              <a:rPr lang="en-GB" sz="1500" dirty="0">
+                <a:latin typeface="Courier New" panose="02070309020205020404" pitchFamily="49" charset="0"/>
+                <a:cs typeface="Courier New" panose="02070309020205020404" pitchFamily="49" charset="0"/>
+              </a:rPr>
+            </a:br>
+            <a:r>
+              <a:rPr lang="en-GB" sz="1500" dirty="0">
+                <a:latin typeface="Courier New" panose="02070309020205020404" pitchFamily="49" charset="0"/>
+                <a:cs typeface="Courier New" panose="02070309020205020404" pitchFamily="49" charset="0"/>
+              </a:rPr>
+              <a:t>        </a:t>
+            </a:r>
+            <a:r>
+              <a:rPr lang="en-GB" sz="1500" dirty="0" err="1">
+                <a:latin typeface="Courier New" panose="02070309020205020404" pitchFamily="49" charset="0"/>
+                <a:cs typeface="Courier New" panose="02070309020205020404" pitchFamily="49" charset="0"/>
+              </a:rPr>
+              <a:t>em.merge</a:t>
+            </a:r>
+            <a:r>
+              <a:rPr lang="en-GB" sz="1500" dirty="0">
+                <a:latin typeface="Courier New" panose="02070309020205020404" pitchFamily="49" charset="0"/>
+                <a:cs typeface="Courier New" panose="02070309020205020404" pitchFamily="49" charset="0"/>
+              </a:rPr>
+              <a:t>(questionnaire);</a:t>
+            </a:r>
+            <a:br>
+              <a:rPr lang="en-GB" sz="1500" dirty="0">
+                <a:latin typeface="Courier New" panose="02070309020205020404" pitchFamily="49" charset="0"/>
+                <a:cs typeface="Courier New" panose="02070309020205020404" pitchFamily="49" charset="0"/>
+              </a:rPr>
+            </a:br>
+            <a:r>
+              <a:rPr lang="en-GB" sz="1500" dirty="0">
+                <a:latin typeface="Courier New" panose="02070309020205020404" pitchFamily="49" charset="0"/>
+                <a:cs typeface="Courier New" panose="02070309020205020404" pitchFamily="49" charset="0"/>
+              </a:rPr>
+              <a:t>        </a:t>
+            </a:r>
+            <a:r>
+              <a:rPr lang="en-GB" sz="1500" dirty="0" err="1">
+                <a:latin typeface="Courier New" panose="02070309020205020404" pitchFamily="49" charset="0"/>
+                <a:cs typeface="Courier New" panose="02070309020205020404" pitchFamily="49" charset="0"/>
+              </a:rPr>
+              <a:t>em.flush</a:t>
+            </a:r>
+            <a:r>
+              <a:rPr lang="en-GB" sz="1500" dirty="0">
+                <a:latin typeface="Courier New" panose="02070309020205020404" pitchFamily="49" charset="0"/>
+                <a:cs typeface="Courier New" panose="02070309020205020404" pitchFamily="49" charset="0"/>
+              </a:rPr>
+              <a:t>();</a:t>
+            </a:r>
+            <a:br>
+              <a:rPr lang="en-GB" sz="1500" dirty="0">
+                <a:latin typeface="Courier New" panose="02070309020205020404" pitchFamily="49" charset="0"/>
+                <a:cs typeface="Courier New" panose="02070309020205020404" pitchFamily="49" charset="0"/>
+              </a:rPr>
+            </a:br>
+            <a:r>
+              <a:rPr lang="en-GB" sz="1500" dirty="0">
+                <a:latin typeface="Courier New" panose="02070309020205020404" pitchFamily="49" charset="0"/>
+                <a:cs typeface="Courier New" panose="02070309020205020404" pitchFamily="49" charset="0"/>
+              </a:rPr>
+              <a:t>    }</a:t>
+            </a:r>
+            <a:br>
+              <a:rPr lang="en-GB" sz="1500" dirty="0">
+                <a:latin typeface="Courier New" panose="02070309020205020404" pitchFamily="49" charset="0"/>
+                <a:cs typeface="Courier New" panose="02070309020205020404" pitchFamily="49" charset="0"/>
+              </a:rPr>
+            </a:br>
+            <a:br>
+              <a:rPr lang="en-GB" sz="1500" dirty="0">
+                <a:latin typeface="Courier New" panose="02070309020205020404" pitchFamily="49" charset="0"/>
+                <a:cs typeface="Courier New" panose="02070309020205020404" pitchFamily="49" charset="0"/>
+              </a:rPr>
+            </a:br>
+            <a:r>
+              <a:rPr lang="en-GB" sz="1500" dirty="0">
+                <a:latin typeface="Courier New" panose="02070309020205020404" pitchFamily="49" charset="0"/>
+                <a:cs typeface="Courier New" panose="02070309020205020404" pitchFamily="49" charset="0"/>
+              </a:rPr>
+              <a:t>    public List&lt;Questionnaire&gt; </a:t>
+            </a:r>
+            <a:r>
+              <a:rPr lang="en-GB" sz="1500" dirty="0" err="1">
+                <a:latin typeface="Courier New" panose="02070309020205020404" pitchFamily="49" charset="0"/>
+                <a:cs typeface="Courier New" panose="02070309020205020404" pitchFamily="49" charset="0"/>
+              </a:rPr>
+              <a:t>findAllQuestionnaires</a:t>
+            </a:r>
+            <a:r>
+              <a:rPr lang="en-GB" sz="1500" dirty="0">
+                <a:latin typeface="Courier New" panose="02070309020205020404" pitchFamily="49" charset="0"/>
+                <a:cs typeface="Courier New" panose="02070309020205020404" pitchFamily="49" charset="0"/>
+              </a:rPr>
+              <a:t>() {</a:t>
+            </a:r>
+            <a:br>
+              <a:rPr lang="en-GB" sz="1500" dirty="0">
+                <a:latin typeface="Courier New" panose="02070309020205020404" pitchFamily="49" charset="0"/>
+                <a:cs typeface="Courier New" panose="02070309020205020404" pitchFamily="49" charset="0"/>
+              </a:rPr>
+            </a:br>
+            <a:r>
+              <a:rPr lang="en-GB" sz="1500" dirty="0">
+                <a:latin typeface="Courier New" panose="02070309020205020404" pitchFamily="49" charset="0"/>
+                <a:cs typeface="Courier New" panose="02070309020205020404" pitchFamily="49" charset="0"/>
+              </a:rPr>
+              <a:t>        try {</a:t>
+            </a:r>
+            <a:br>
+              <a:rPr lang="en-GB" sz="1500" dirty="0">
+                <a:latin typeface="Courier New" panose="02070309020205020404" pitchFamily="49" charset="0"/>
+                <a:cs typeface="Courier New" panose="02070309020205020404" pitchFamily="49" charset="0"/>
+              </a:rPr>
+            </a:br>
+            <a:r>
+              <a:rPr lang="en-GB" sz="1500" dirty="0">
+                <a:latin typeface="Courier New" panose="02070309020205020404" pitchFamily="49" charset="0"/>
+                <a:cs typeface="Courier New" panose="02070309020205020404" pitchFamily="49" charset="0"/>
+              </a:rPr>
+              <a:t>            return </a:t>
+            </a:r>
+            <a:r>
+              <a:rPr lang="en-GB" sz="1500" dirty="0" err="1">
+                <a:latin typeface="Courier New" panose="02070309020205020404" pitchFamily="49" charset="0"/>
+                <a:cs typeface="Courier New" panose="02070309020205020404" pitchFamily="49" charset="0"/>
+              </a:rPr>
+              <a:t>em.createNamedQuery</a:t>
+            </a:r>
+            <a:r>
+              <a:rPr lang="en-GB" sz="1500" dirty="0">
+                <a:latin typeface="Courier New" panose="02070309020205020404" pitchFamily="49" charset="0"/>
+                <a:cs typeface="Courier New" panose="02070309020205020404" pitchFamily="49" charset="0"/>
+              </a:rPr>
+              <a:t>("</a:t>
+            </a:r>
+            <a:r>
+              <a:rPr lang="en-GB" sz="1500" dirty="0" err="1">
+                <a:latin typeface="Courier New" panose="02070309020205020404" pitchFamily="49" charset="0"/>
+                <a:cs typeface="Courier New" panose="02070309020205020404" pitchFamily="49" charset="0"/>
+              </a:rPr>
+              <a:t>Questionnaire.findAllQuestionnaires</a:t>
+            </a:r>
+            <a:r>
+              <a:rPr lang="en-GB" sz="1500" dirty="0">
+                <a:latin typeface="Courier New" panose="02070309020205020404" pitchFamily="49" charset="0"/>
+                <a:cs typeface="Courier New" panose="02070309020205020404" pitchFamily="49" charset="0"/>
+              </a:rPr>
+              <a:t>", </a:t>
+            </a:r>
+            <a:r>
+              <a:rPr lang="en-GB" sz="1500" dirty="0" err="1">
+                <a:latin typeface="Courier New" panose="02070309020205020404" pitchFamily="49" charset="0"/>
+                <a:cs typeface="Courier New" panose="02070309020205020404" pitchFamily="49" charset="0"/>
+              </a:rPr>
+              <a:t>Questionnaire.class</a:t>
+            </a:r>
+            <a:r>
+              <a:rPr lang="en-GB" sz="1500" dirty="0">
+                <a:latin typeface="Courier New" panose="02070309020205020404" pitchFamily="49" charset="0"/>
+                <a:cs typeface="Courier New" panose="02070309020205020404" pitchFamily="49" charset="0"/>
+              </a:rPr>
+              <a:t>).</a:t>
+            </a:r>
+            <a:r>
+              <a:rPr lang="en-GB" sz="1500" dirty="0" err="1">
+                <a:latin typeface="Courier New" panose="02070309020205020404" pitchFamily="49" charset="0"/>
+                <a:cs typeface="Courier New" panose="02070309020205020404" pitchFamily="49" charset="0"/>
+              </a:rPr>
+              <a:t>setHint</a:t>
+            </a:r>
+            <a:r>
+              <a:rPr lang="en-GB" sz="1500" dirty="0">
+                <a:latin typeface="Courier New" panose="02070309020205020404" pitchFamily="49" charset="0"/>
+                <a:cs typeface="Courier New" panose="02070309020205020404" pitchFamily="49" charset="0"/>
+              </a:rPr>
+              <a:t>("</a:t>
+            </a:r>
+            <a:r>
+              <a:rPr lang="en-GB" sz="1500" dirty="0" err="1">
+                <a:latin typeface="Courier New" panose="02070309020205020404" pitchFamily="49" charset="0"/>
+                <a:cs typeface="Courier New" panose="02070309020205020404" pitchFamily="49" charset="0"/>
+              </a:rPr>
+              <a:t>javax.persistence.cache.storeMode</a:t>
+            </a:r>
+            <a:r>
+              <a:rPr lang="en-GB" sz="1500" dirty="0">
+                <a:latin typeface="Courier New" panose="02070309020205020404" pitchFamily="49" charset="0"/>
+                <a:cs typeface="Courier New" panose="02070309020205020404" pitchFamily="49" charset="0"/>
+              </a:rPr>
+              <a:t>", "REFRESH").</a:t>
+            </a:r>
+            <a:r>
+              <a:rPr lang="en-GB" sz="1500" dirty="0" err="1">
+                <a:latin typeface="Courier New" panose="02070309020205020404" pitchFamily="49" charset="0"/>
+                <a:cs typeface="Courier New" panose="02070309020205020404" pitchFamily="49" charset="0"/>
+              </a:rPr>
+              <a:t>getResultList</a:t>
+            </a:r>
+            <a:r>
+              <a:rPr lang="en-GB" sz="1500" dirty="0">
+                <a:latin typeface="Courier New" panose="02070309020205020404" pitchFamily="49" charset="0"/>
+                <a:cs typeface="Courier New" panose="02070309020205020404" pitchFamily="49" charset="0"/>
+              </a:rPr>
+              <a:t>();</a:t>
+            </a:r>
+            <a:br>
+              <a:rPr lang="en-GB" sz="1500" dirty="0">
+                <a:latin typeface="Courier New" panose="02070309020205020404" pitchFamily="49" charset="0"/>
+                <a:cs typeface="Courier New" panose="02070309020205020404" pitchFamily="49" charset="0"/>
+              </a:rPr>
+            </a:br>
+            <a:r>
+              <a:rPr lang="en-GB" sz="1500" dirty="0">
+                <a:latin typeface="Courier New" panose="02070309020205020404" pitchFamily="49" charset="0"/>
+                <a:cs typeface="Courier New" panose="02070309020205020404" pitchFamily="49" charset="0"/>
+              </a:rPr>
+              <a:t>        } catch (Exception ex) {</a:t>
+            </a:r>
+            <a:br>
+              <a:rPr lang="en-GB" sz="1500" dirty="0">
+                <a:latin typeface="Courier New" panose="02070309020205020404" pitchFamily="49" charset="0"/>
+                <a:cs typeface="Courier New" panose="02070309020205020404" pitchFamily="49" charset="0"/>
+              </a:rPr>
+            </a:br>
+            <a:r>
+              <a:rPr lang="en-GB" sz="1500" dirty="0">
+                <a:latin typeface="Courier New" panose="02070309020205020404" pitchFamily="49" charset="0"/>
+                <a:cs typeface="Courier New" panose="02070309020205020404" pitchFamily="49" charset="0"/>
+              </a:rPr>
+              <a:t>            </a:t>
+            </a:r>
+            <a:r>
+              <a:rPr lang="en-GB" sz="1500" dirty="0" err="1">
+                <a:latin typeface="Courier New" panose="02070309020205020404" pitchFamily="49" charset="0"/>
+                <a:cs typeface="Courier New" panose="02070309020205020404" pitchFamily="49" charset="0"/>
+              </a:rPr>
+              <a:t>ex.printStackTrace</a:t>
+            </a:r>
+            <a:r>
+              <a:rPr lang="en-GB" sz="1500" dirty="0">
+                <a:latin typeface="Courier New" panose="02070309020205020404" pitchFamily="49" charset="0"/>
+                <a:cs typeface="Courier New" panose="02070309020205020404" pitchFamily="49" charset="0"/>
+              </a:rPr>
+              <a:t>();</a:t>
+            </a:r>
+            <a:br>
+              <a:rPr lang="en-GB" sz="1500" dirty="0">
+                <a:latin typeface="Courier New" panose="02070309020205020404" pitchFamily="49" charset="0"/>
+                <a:cs typeface="Courier New" panose="02070309020205020404" pitchFamily="49" charset="0"/>
+              </a:rPr>
+            </a:br>
+            <a:r>
+              <a:rPr lang="en-GB" sz="1500" dirty="0">
+                <a:latin typeface="Courier New" panose="02070309020205020404" pitchFamily="49" charset="0"/>
+                <a:cs typeface="Courier New" panose="02070309020205020404" pitchFamily="49" charset="0"/>
+              </a:rPr>
+              <a:t>            return null;</a:t>
+            </a:r>
+            <a:br>
+              <a:rPr lang="en-GB" sz="1500" dirty="0">
+                <a:latin typeface="Courier New" panose="02070309020205020404" pitchFamily="49" charset="0"/>
+                <a:cs typeface="Courier New" panose="02070309020205020404" pitchFamily="49" charset="0"/>
+              </a:rPr>
+            </a:br>
+            <a:r>
+              <a:rPr lang="en-GB" sz="1500" dirty="0">
+                <a:latin typeface="Courier New" panose="02070309020205020404" pitchFamily="49" charset="0"/>
+                <a:cs typeface="Courier New" panose="02070309020205020404" pitchFamily="49" charset="0"/>
+              </a:rPr>
+              <a:t>        }</a:t>
+            </a:r>
+            <a:br>
+              <a:rPr lang="en-GB" sz="1500" dirty="0">
+                <a:latin typeface="Courier New" panose="02070309020205020404" pitchFamily="49" charset="0"/>
+                <a:cs typeface="Courier New" panose="02070309020205020404" pitchFamily="49" charset="0"/>
+              </a:rPr>
+            </a:br>
+            <a:r>
+              <a:rPr lang="en-GB" sz="1500" dirty="0">
+                <a:latin typeface="Courier New" panose="02070309020205020404" pitchFamily="49" charset="0"/>
+                <a:cs typeface="Courier New" panose="02070309020205020404" pitchFamily="49" charset="0"/>
+              </a:rPr>
+              <a:t>    }</a:t>
+            </a:r>
+          </a:p>
+        </p:txBody>
+      </p:sp>
+    </p:spTree>
+    <p:extLst>
+      <p:ext uri="{BB962C8B-B14F-4D97-AF65-F5344CB8AC3E}">
+        <p14:creationId xmlns:p14="http://schemas.microsoft.com/office/powerpoint/2010/main" val="1227306933"/>
+      </p:ext>
+    </p:extLst>
+  </p:cSld>
+  <p:clrMapOvr>
+    <a:masterClrMapping/>
+  </p:clrMapOvr>
+</p:sld>
+</file>
+
+<file path=ppt/slides/slide27.xml><?xml version="1.0" encoding="utf-8"?>
+<p:sld xmlns:a="http://schemas.openxmlformats.org/drawingml/2006/main" xmlns:r="http://schemas.openxmlformats.org/officeDocument/2006/relationships" xmlns:p="http://schemas.openxmlformats.org/presentationml/2006/main">
+  <p:cSld>
+    <p:spTree>
+      <p:nvGrpSpPr>
+        <p:cNvPr id="1" name=""/>
+        <p:cNvGrpSpPr/>
+        <p:nvPr/>
+      </p:nvGrpSpPr>
+      <p:grpSpPr>
+        <a:xfrm>
+          <a:off x="0" y="0"/>
+          <a:ext cx="0" cy="0"/>
+          <a:chOff x="0" y="0"/>
+          <a:chExt cx="0" cy="0"/>
+        </a:xfrm>
+      </p:grpSpPr>
+      <p:sp>
+        <p:nvSpPr>
+          <p:cNvPr id="2" name="Title 1"/>
+          <p:cNvSpPr>
+            <a:spLocks noGrp="1"/>
+          </p:cNvSpPr>
+          <p:nvPr>
+            <p:ph type="title"/>
+          </p:nvPr>
+        </p:nvSpPr>
+        <p:spPr/>
+        <p:txBody>
+          <a:bodyPr/>
+          <a:lstStyle/>
+          <a:p>
+            <a:r>
+              <a:rPr lang="en-GB" dirty="0"/>
+              <a:t>@Stateless </a:t>
+            </a:r>
+            <a:r>
+              <a:rPr lang="en-GB" dirty="0" err="1"/>
+              <a:t>UserService</a:t>
+            </a:r>
+            <a:endParaRPr lang="en-GB" dirty="0"/>
+          </a:p>
+        </p:txBody>
+      </p:sp>
+      <p:sp>
+        <p:nvSpPr>
+          <p:cNvPr id="3" name="Content Placeholder 2"/>
+          <p:cNvSpPr>
+            <a:spLocks noGrp="1"/>
+          </p:cNvSpPr>
+          <p:nvPr>
+            <p:ph idx="1"/>
+          </p:nvPr>
+        </p:nvSpPr>
+        <p:spPr>
+          <a:xfrm>
+            <a:off x="228600" y="1524000"/>
+            <a:ext cx="8286750" cy="5333999"/>
+          </a:xfrm>
+        </p:spPr>
+        <p:txBody>
+          <a:bodyPr>
+            <a:normAutofit fontScale="77500" lnSpcReduction="20000"/>
+          </a:bodyPr>
+          <a:lstStyle/>
+          <a:p>
+            <a:pPr marL="0" indent="0">
+              <a:buNone/>
+            </a:pPr>
+            <a:r>
+              <a:rPr lang="en-GB" sz="1500" dirty="0">
+                <a:latin typeface="Courier New" panose="02070309020205020404" pitchFamily="49" charset="0"/>
+                <a:cs typeface="Courier New" panose="02070309020205020404" pitchFamily="49" charset="0"/>
+              </a:rPr>
+              <a:t>@Stateless</a:t>
+            </a:r>
+            <a:br>
+              <a:rPr lang="en-GB" sz="1500" dirty="0">
+                <a:latin typeface="Courier New" panose="02070309020205020404" pitchFamily="49" charset="0"/>
+                <a:cs typeface="Courier New" panose="02070309020205020404" pitchFamily="49" charset="0"/>
+              </a:rPr>
+            </a:br>
+            <a:r>
+              <a:rPr lang="en-GB" sz="1500" dirty="0">
+                <a:latin typeface="Courier New" panose="02070309020205020404" pitchFamily="49" charset="0"/>
+                <a:cs typeface="Courier New" panose="02070309020205020404" pitchFamily="49" charset="0"/>
+              </a:rPr>
+              <a:t>public class </a:t>
+            </a:r>
+            <a:r>
+              <a:rPr lang="en-GB" sz="1500" dirty="0" err="1">
+                <a:latin typeface="Courier New" panose="02070309020205020404" pitchFamily="49" charset="0"/>
+                <a:cs typeface="Courier New" panose="02070309020205020404" pitchFamily="49" charset="0"/>
+              </a:rPr>
+              <a:t>UserService</a:t>
+            </a:r>
+            <a:r>
+              <a:rPr lang="en-GB" sz="1500" dirty="0">
+                <a:latin typeface="Courier New" panose="02070309020205020404" pitchFamily="49" charset="0"/>
+                <a:cs typeface="Courier New" panose="02070309020205020404" pitchFamily="49" charset="0"/>
+              </a:rPr>
+              <a:t> {</a:t>
+            </a:r>
+            <a:br>
+              <a:rPr lang="en-GB" sz="1500" dirty="0">
+                <a:latin typeface="Courier New" panose="02070309020205020404" pitchFamily="49" charset="0"/>
+                <a:cs typeface="Courier New" panose="02070309020205020404" pitchFamily="49" charset="0"/>
+              </a:rPr>
+            </a:br>
+            <a:br>
+              <a:rPr lang="en-GB" sz="1500" dirty="0">
+                <a:latin typeface="Courier New" panose="02070309020205020404" pitchFamily="49" charset="0"/>
+                <a:cs typeface="Courier New" panose="02070309020205020404" pitchFamily="49" charset="0"/>
+              </a:rPr>
+            </a:br>
+            <a:r>
+              <a:rPr lang="en-GB" sz="1500" dirty="0">
+                <a:latin typeface="Courier New" panose="02070309020205020404" pitchFamily="49" charset="0"/>
+                <a:cs typeface="Courier New" panose="02070309020205020404" pitchFamily="49" charset="0"/>
+              </a:rPr>
+              <a:t>    @</a:t>
+            </a:r>
+            <a:r>
+              <a:rPr lang="en-GB" sz="1500" dirty="0" err="1">
+                <a:latin typeface="Courier New" panose="02070309020205020404" pitchFamily="49" charset="0"/>
+                <a:cs typeface="Courier New" panose="02070309020205020404" pitchFamily="49" charset="0"/>
+              </a:rPr>
+              <a:t>PersistenceContext</a:t>
+            </a:r>
+            <a:r>
+              <a:rPr lang="en-GB" sz="1500" dirty="0">
+                <a:latin typeface="Courier New" panose="02070309020205020404" pitchFamily="49" charset="0"/>
+                <a:cs typeface="Courier New" panose="02070309020205020404" pitchFamily="49" charset="0"/>
+              </a:rPr>
+              <a:t>(name = "DB2Project")</a:t>
+            </a:r>
+            <a:br>
+              <a:rPr lang="en-GB" sz="1500" dirty="0">
+                <a:latin typeface="Courier New" panose="02070309020205020404" pitchFamily="49" charset="0"/>
+                <a:cs typeface="Courier New" panose="02070309020205020404" pitchFamily="49" charset="0"/>
+              </a:rPr>
+            </a:br>
+            <a:r>
+              <a:rPr lang="en-GB" sz="1500" dirty="0">
+                <a:latin typeface="Courier New" panose="02070309020205020404" pitchFamily="49" charset="0"/>
+                <a:cs typeface="Courier New" panose="02070309020205020404" pitchFamily="49" charset="0"/>
+              </a:rPr>
+              <a:t>    private </a:t>
+            </a:r>
+            <a:r>
+              <a:rPr lang="en-GB" sz="1500" dirty="0" err="1">
+                <a:latin typeface="Courier New" panose="02070309020205020404" pitchFamily="49" charset="0"/>
+                <a:cs typeface="Courier New" panose="02070309020205020404" pitchFamily="49" charset="0"/>
+              </a:rPr>
+              <a:t>EntityManager</a:t>
+            </a:r>
+            <a:r>
+              <a:rPr lang="en-GB" sz="1500" dirty="0">
+                <a:latin typeface="Courier New" panose="02070309020205020404" pitchFamily="49" charset="0"/>
+                <a:cs typeface="Courier New" panose="02070309020205020404" pitchFamily="49" charset="0"/>
+              </a:rPr>
+              <a:t> </a:t>
+            </a:r>
+            <a:r>
+              <a:rPr lang="en-GB" sz="1500" dirty="0" err="1">
+                <a:latin typeface="Courier New" panose="02070309020205020404" pitchFamily="49" charset="0"/>
+                <a:cs typeface="Courier New" panose="02070309020205020404" pitchFamily="49" charset="0"/>
+              </a:rPr>
+              <a:t>em</a:t>
+            </a:r>
+            <a:r>
+              <a:rPr lang="en-GB" sz="1500" dirty="0">
+                <a:latin typeface="Courier New" panose="02070309020205020404" pitchFamily="49" charset="0"/>
+                <a:cs typeface="Courier New" panose="02070309020205020404" pitchFamily="49" charset="0"/>
+              </a:rPr>
+              <a:t>;</a:t>
+            </a:r>
+            <a:br>
+              <a:rPr lang="en-GB" sz="1500" dirty="0">
+                <a:latin typeface="Courier New" panose="02070309020205020404" pitchFamily="49" charset="0"/>
+                <a:cs typeface="Courier New" panose="02070309020205020404" pitchFamily="49" charset="0"/>
+              </a:rPr>
+            </a:br>
+            <a:br>
+              <a:rPr lang="en-GB" sz="1500" dirty="0">
+                <a:latin typeface="Courier New" panose="02070309020205020404" pitchFamily="49" charset="0"/>
+                <a:cs typeface="Courier New" panose="02070309020205020404" pitchFamily="49" charset="0"/>
+              </a:rPr>
+            </a:br>
+            <a:r>
+              <a:rPr lang="en-GB" sz="1500" dirty="0">
+                <a:latin typeface="Courier New" panose="02070309020205020404" pitchFamily="49" charset="0"/>
+                <a:cs typeface="Courier New" panose="02070309020205020404" pitchFamily="49" charset="0"/>
+              </a:rPr>
+              <a:t>    public </a:t>
+            </a:r>
+            <a:r>
+              <a:rPr lang="en-GB" sz="1500" dirty="0" err="1">
+                <a:latin typeface="Courier New" panose="02070309020205020404" pitchFamily="49" charset="0"/>
+                <a:cs typeface="Courier New" panose="02070309020205020404" pitchFamily="49" charset="0"/>
+              </a:rPr>
+              <a:t>UserService</a:t>
+            </a:r>
+            <a:r>
+              <a:rPr lang="en-GB" sz="1500" dirty="0">
+                <a:latin typeface="Courier New" panose="02070309020205020404" pitchFamily="49" charset="0"/>
+                <a:cs typeface="Courier New" panose="02070309020205020404" pitchFamily="49" charset="0"/>
+              </a:rPr>
+              <a:t>() {</a:t>
+            </a:r>
+            <a:br>
+              <a:rPr lang="en-GB" sz="1500" dirty="0">
+                <a:latin typeface="Courier New" panose="02070309020205020404" pitchFamily="49" charset="0"/>
+                <a:cs typeface="Courier New" panose="02070309020205020404" pitchFamily="49" charset="0"/>
+              </a:rPr>
+            </a:br>
+            <a:r>
+              <a:rPr lang="en-GB" sz="1500" dirty="0">
+                <a:latin typeface="Courier New" panose="02070309020205020404" pitchFamily="49" charset="0"/>
+                <a:cs typeface="Courier New" panose="02070309020205020404" pitchFamily="49" charset="0"/>
+              </a:rPr>
+              <a:t>    }</a:t>
+            </a:r>
+            <a:br>
+              <a:rPr lang="en-GB" sz="1500" dirty="0">
+                <a:latin typeface="Courier New" panose="02070309020205020404" pitchFamily="49" charset="0"/>
+                <a:cs typeface="Courier New" panose="02070309020205020404" pitchFamily="49" charset="0"/>
+              </a:rPr>
+            </a:br>
+            <a:br>
+              <a:rPr lang="en-GB" sz="1500" dirty="0">
+                <a:latin typeface="Courier New" panose="02070309020205020404" pitchFamily="49" charset="0"/>
+                <a:cs typeface="Courier New" panose="02070309020205020404" pitchFamily="49" charset="0"/>
+              </a:rPr>
+            </a:br>
+            <a:r>
+              <a:rPr lang="en-GB" sz="1500" dirty="0">
+                <a:latin typeface="Courier New" panose="02070309020205020404" pitchFamily="49" charset="0"/>
+                <a:cs typeface="Courier New" panose="02070309020205020404" pitchFamily="49" charset="0"/>
+              </a:rPr>
+              <a:t>    public </a:t>
+            </a:r>
+            <a:r>
+              <a:rPr lang="en-GB" sz="1500" dirty="0" err="1">
+                <a:latin typeface="Courier New" panose="02070309020205020404" pitchFamily="49" charset="0"/>
+                <a:cs typeface="Courier New" panose="02070309020205020404" pitchFamily="49" charset="0"/>
+              </a:rPr>
+              <a:t>boolean</a:t>
+            </a:r>
+            <a:r>
+              <a:rPr lang="en-GB" sz="1500" dirty="0">
+                <a:latin typeface="Courier New" panose="02070309020205020404" pitchFamily="49" charset="0"/>
+                <a:cs typeface="Courier New" panose="02070309020205020404" pitchFamily="49" charset="0"/>
+              </a:rPr>
+              <a:t> </a:t>
+            </a:r>
+            <a:r>
+              <a:rPr lang="en-GB" sz="1500" dirty="0" err="1">
+                <a:latin typeface="Courier New" panose="02070309020205020404" pitchFamily="49" charset="0"/>
+                <a:cs typeface="Courier New" panose="02070309020205020404" pitchFamily="49" charset="0"/>
+              </a:rPr>
+              <a:t>saveUser</a:t>
+            </a:r>
+            <a:r>
+              <a:rPr lang="en-GB" sz="1500" dirty="0">
+                <a:latin typeface="Courier New" panose="02070309020205020404" pitchFamily="49" charset="0"/>
+                <a:cs typeface="Courier New" panose="02070309020205020404" pitchFamily="49" charset="0"/>
+              </a:rPr>
+              <a:t>(User u) {</a:t>
+            </a:r>
+            <a:br>
+              <a:rPr lang="en-GB" sz="1500" dirty="0">
+                <a:latin typeface="Courier New" panose="02070309020205020404" pitchFamily="49" charset="0"/>
+                <a:cs typeface="Courier New" panose="02070309020205020404" pitchFamily="49" charset="0"/>
+              </a:rPr>
+            </a:br>
+            <a:r>
+              <a:rPr lang="en-GB" sz="1500" dirty="0">
+                <a:latin typeface="Courier New" panose="02070309020205020404" pitchFamily="49" charset="0"/>
+                <a:cs typeface="Courier New" panose="02070309020205020404" pitchFamily="49" charset="0"/>
+              </a:rPr>
+              <a:t>        try {</a:t>
+            </a:r>
+            <a:br>
+              <a:rPr lang="en-GB" sz="1500" dirty="0">
+                <a:latin typeface="Courier New" panose="02070309020205020404" pitchFamily="49" charset="0"/>
+                <a:cs typeface="Courier New" panose="02070309020205020404" pitchFamily="49" charset="0"/>
+              </a:rPr>
+            </a:br>
+            <a:r>
+              <a:rPr lang="en-GB" sz="1500" dirty="0">
+                <a:latin typeface="Courier New" panose="02070309020205020404" pitchFamily="49" charset="0"/>
+                <a:cs typeface="Courier New" panose="02070309020205020404" pitchFamily="49" charset="0"/>
+              </a:rPr>
+              <a:t>            </a:t>
+            </a:r>
+            <a:r>
+              <a:rPr lang="en-GB" sz="1500" dirty="0" err="1">
+                <a:latin typeface="Courier New" panose="02070309020205020404" pitchFamily="49" charset="0"/>
+                <a:cs typeface="Courier New" panose="02070309020205020404" pitchFamily="49" charset="0"/>
+              </a:rPr>
+              <a:t>em.persist</a:t>
+            </a:r>
+            <a:r>
+              <a:rPr lang="en-GB" sz="1500" dirty="0">
+                <a:latin typeface="Courier New" panose="02070309020205020404" pitchFamily="49" charset="0"/>
+                <a:cs typeface="Courier New" panose="02070309020205020404" pitchFamily="49" charset="0"/>
+              </a:rPr>
+              <a:t>(u);</a:t>
+            </a:r>
+            <a:br>
+              <a:rPr lang="en-GB" sz="1500" dirty="0">
+                <a:latin typeface="Courier New" panose="02070309020205020404" pitchFamily="49" charset="0"/>
+                <a:cs typeface="Courier New" panose="02070309020205020404" pitchFamily="49" charset="0"/>
+              </a:rPr>
+            </a:br>
+            <a:r>
+              <a:rPr lang="en-GB" sz="1500" dirty="0">
+                <a:latin typeface="Courier New" panose="02070309020205020404" pitchFamily="49" charset="0"/>
+                <a:cs typeface="Courier New" panose="02070309020205020404" pitchFamily="49" charset="0"/>
+              </a:rPr>
+              <a:t>            return true;</a:t>
+            </a:r>
+            <a:br>
+              <a:rPr lang="en-GB" sz="1500" dirty="0">
+                <a:latin typeface="Courier New" panose="02070309020205020404" pitchFamily="49" charset="0"/>
+                <a:cs typeface="Courier New" panose="02070309020205020404" pitchFamily="49" charset="0"/>
+              </a:rPr>
+            </a:br>
+            <a:r>
+              <a:rPr lang="en-GB" sz="1500" dirty="0">
+                <a:latin typeface="Courier New" panose="02070309020205020404" pitchFamily="49" charset="0"/>
+                <a:cs typeface="Courier New" panose="02070309020205020404" pitchFamily="49" charset="0"/>
+              </a:rPr>
+              <a:t>        } catch (Exception ex) {</a:t>
+            </a:r>
+            <a:br>
+              <a:rPr lang="en-GB" sz="1500" dirty="0">
+                <a:latin typeface="Courier New" panose="02070309020205020404" pitchFamily="49" charset="0"/>
+                <a:cs typeface="Courier New" panose="02070309020205020404" pitchFamily="49" charset="0"/>
+              </a:rPr>
+            </a:br>
+            <a:r>
+              <a:rPr lang="en-GB" sz="1500" dirty="0">
+                <a:latin typeface="Courier New" panose="02070309020205020404" pitchFamily="49" charset="0"/>
+                <a:cs typeface="Courier New" panose="02070309020205020404" pitchFamily="49" charset="0"/>
+              </a:rPr>
+              <a:t>            </a:t>
+            </a:r>
+            <a:r>
+              <a:rPr lang="en-GB" sz="1500" dirty="0" err="1">
+                <a:latin typeface="Courier New" panose="02070309020205020404" pitchFamily="49" charset="0"/>
+                <a:cs typeface="Courier New" panose="02070309020205020404" pitchFamily="49" charset="0"/>
+              </a:rPr>
+              <a:t>ex.printStackTrace</a:t>
+            </a:r>
+            <a:r>
+              <a:rPr lang="en-GB" sz="1500" dirty="0">
+                <a:latin typeface="Courier New" panose="02070309020205020404" pitchFamily="49" charset="0"/>
+                <a:cs typeface="Courier New" panose="02070309020205020404" pitchFamily="49" charset="0"/>
+              </a:rPr>
+              <a:t>();</a:t>
+            </a:r>
+            <a:br>
+              <a:rPr lang="en-GB" sz="1500" dirty="0">
+                <a:latin typeface="Courier New" panose="02070309020205020404" pitchFamily="49" charset="0"/>
+                <a:cs typeface="Courier New" panose="02070309020205020404" pitchFamily="49" charset="0"/>
+              </a:rPr>
+            </a:br>
+            <a:r>
+              <a:rPr lang="en-GB" sz="1500" dirty="0">
+                <a:latin typeface="Courier New" panose="02070309020205020404" pitchFamily="49" charset="0"/>
+                <a:cs typeface="Courier New" panose="02070309020205020404" pitchFamily="49" charset="0"/>
+              </a:rPr>
+              <a:t>            return false;</a:t>
+            </a:r>
+            <a:br>
+              <a:rPr lang="en-GB" sz="1500" dirty="0">
+                <a:latin typeface="Courier New" panose="02070309020205020404" pitchFamily="49" charset="0"/>
+                <a:cs typeface="Courier New" panose="02070309020205020404" pitchFamily="49" charset="0"/>
+              </a:rPr>
+            </a:br>
+            <a:r>
+              <a:rPr lang="en-GB" sz="1500" dirty="0">
+                <a:latin typeface="Courier New" panose="02070309020205020404" pitchFamily="49" charset="0"/>
+                <a:cs typeface="Courier New" panose="02070309020205020404" pitchFamily="49" charset="0"/>
+              </a:rPr>
+              <a:t>        }</a:t>
+            </a:r>
+            <a:br>
+              <a:rPr lang="en-GB" sz="1500" dirty="0">
+                <a:latin typeface="Courier New" panose="02070309020205020404" pitchFamily="49" charset="0"/>
+                <a:cs typeface="Courier New" panose="02070309020205020404" pitchFamily="49" charset="0"/>
+              </a:rPr>
+            </a:br>
+            <a:r>
+              <a:rPr lang="en-GB" sz="1500" dirty="0">
+                <a:latin typeface="Courier New" panose="02070309020205020404" pitchFamily="49" charset="0"/>
+                <a:cs typeface="Courier New" panose="02070309020205020404" pitchFamily="49" charset="0"/>
+              </a:rPr>
+              <a:t>    }</a:t>
+            </a:r>
+            <a:br>
+              <a:rPr lang="en-GB" sz="1500" dirty="0">
+                <a:latin typeface="Courier New" panose="02070309020205020404" pitchFamily="49" charset="0"/>
+                <a:cs typeface="Courier New" panose="02070309020205020404" pitchFamily="49" charset="0"/>
+              </a:rPr>
+            </a:br>
+            <a:br>
+              <a:rPr lang="en-GB" sz="1500" dirty="0">
+                <a:latin typeface="Courier New" panose="02070309020205020404" pitchFamily="49" charset="0"/>
+                <a:cs typeface="Courier New" panose="02070309020205020404" pitchFamily="49" charset="0"/>
+              </a:rPr>
+            </a:br>
+            <a:r>
+              <a:rPr lang="en-GB" sz="1500" dirty="0">
+                <a:latin typeface="Courier New" panose="02070309020205020404" pitchFamily="49" charset="0"/>
+                <a:cs typeface="Courier New" panose="02070309020205020404" pitchFamily="49" charset="0"/>
+              </a:rPr>
+              <a:t>    public User </a:t>
+            </a:r>
+            <a:r>
+              <a:rPr lang="en-GB" sz="1500" dirty="0" err="1">
+                <a:latin typeface="Courier New" panose="02070309020205020404" pitchFamily="49" charset="0"/>
+                <a:cs typeface="Courier New" panose="02070309020205020404" pitchFamily="49" charset="0"/>
+              </a:rPr>
+              <a:t>checkCredentials</a:t>
+            </a:r>
+            <a:r>
+              <a:rPr lang="en-GB" sz="1500" dirty="0">
+                <a:latin typeface="Courier New" panose="02070309020205020404" pitchFamily="49" charset="0"/>
+                <a:cs typeface="Courier New" panose="02070309020205020404" pitchFamily="49" charset="0"/>
+              </a:rPr>
+              <a:t>(String </a:t>
+            </a:r>
+            <a:r>
+              <a:rPr lang="en-GB" sz="1500" dirty="0" err="1">
+                <a:latin typeface="Courier New" panose="02070309020205020404" pitchFamily="49" charset="0"/>
+                <a:cs typeface="Courier New" panose="02070309020205020404" pitchFamily="49" charset="0"/>
+              </a:rPr>
+              <a:t>usrn</a:t>
+            </a:r>
+            <a:r>
+              <a:rPr lang="en-GB" sz="1500" dirty="0">
+                <a:latin typeface="Courier New" panose="02070309020205020404" pitchFamily="49" charset="0"/>
+                <a:cs typeface="Courier New" panose="02070309020205020404" pitchFamily="49" charset="0"/>
+              </a:rPr>
+              <a:t>, String </a:t>
+            </a:r>
+            <a:r>
+              <a:rPr lang="en-GB" sz="1500" dirty="0" err="1">
+                <a:latin typeface="Courier New" panose="02070309020205020404" pitchFamily="49" charset="0"/>
+                <a:cs typeface="Courier New" panose="02070309020205020404" pitchFamily="49" charset="0"/>
+              </a:rPr>
+              <a:t>pwd</a:t>
+            </a:r>
+            <a:r>
+              <a:rPr lang="en-GB" sz="1500" dirty="0">
+                <a:latin typeface="Courier New" panose="02070309020205020404" pitchFamily="49" charset="0"/>
+                <a:cs typeface="Courier New" panose="02070309020205020404" pitchFamily="49" charset="0"/>
+              </a:rPr>
+              <a:t>) throws </a:t>
+            </a:r>
+            <a:r>
+              <a:rPr lang="en-GB" sz="1500" dirty="0" err="1">
+                <a:latin typeface="Courier New" panose="02070309020205020404" pitchFamily="49" charset="0"/>
+                <a:cs typeface="Courier New" panose="02070309020205020404" pitchFamily="49" charset="0"/>
+              </a:rPr>
+              <a:t>CredentialsException</a:t>
+            </a:r>
+            <a:r>
+              <a:rPr lang="en-GB" sz="1500" dirty="0">
+                <a:latin typeface="Courier New" panose="02070309020205020404" pitchFamily="49" charset="0"/>
+                <a:cs typeface="Courier New" panose="02070309020205020404" pitchFamily="49" charset="0"/>
+              </a:rPr>
+              <a:t>, </a:t>
+            </a:r>
+            <a:r>
+              <a:rPr lang="en-GB" sz="1500" dirty="0" err="1">
+                <a:latin typeface="Courier New" panose="02070309020205020404" pitchFamily="49" charset="0"/>
+                <a:cs typeface="Courier New" panose="02070309020205020404" pitchFamily="49" charset="0"/>
+              </a:rPr>
+              <a:t>NonUniqueResultException</a:t>
+            </a:r>
+            <a:r>
+              <a:rPr lang="en-GB" sz="1500" dirty="0">
+                <a:latin typeface="Courier New" panose="02070309020205020404" pitchFamily="49" charset="0"/>
+                <a:cs typeface="Courier New" panose="02070309020205020404" pitchFamily="49" charset="0"/>
+              </a:rPr>
+              <a:t> {</a:t>
+            </a:r>
+            <a:br>
+              <a:rPr lang="en-GB" sz="1500" dirty="0">
+                <a:latin typeface="Courier New" panose="02070309020205020404" pitchFamily="49" charset="0"/>
+                <a:cs typeface="Courier New" panose="02070309020205020404" pitchFamily="49" charset="0"/>
+              </a:rPr>
+            </a:br>
+            <a:r>
+              <a:rPr lang="en-GB" sz="1500" dirty="0">
+                <a:latin typeface="Courier New" panose="02070309020205020404" pitchFamily="49" charset="0"/>
+                <a:cs typeface="Courier New" panose="02070309020205020404" pitchFamily="49" charset="0"/>
+              </a:rPr>
+              <a:t>        List&lt;User&gt; </a:t>
+            </a:r>
+            <a:r>
+              <a:rPr lang="en-GB" sz="1500" dirty="0" err="1">
+                <a:latin typeface="Courier New" panose="02070309020205020404" pitchFamily="49" charset="0"/>
+                <a:cs typeface="Courier New" panose="02070309020205020404" pitchFamily="49" charset="0"/>
+              </a:rPr>
+              <a:t>uList</a:t>
+            </a:r>
+            <a:r>
+              <a:rPr lang="en-GB" sz="1500" dirty="0">
+                <a:latin typeface="Courier New" panose="02070309020205020404" pitchFamily="49" charset="0"/>
+                <a:cs typeface="Courier New" panose="02070309020205020404" pitchFamily="49" charset="0"/>
+              </a:rPr>
+              <a:t> = null;</a:t>
+            </a:r>
+            <a:br>
+              <a:rPr lang="en-GB" sz="1500" dirty="0">
+                <a:latin typeface="Courier New" panose="02070309020205020404" pitchFamily="49" charset="0"/>
+                <a:cs typeface="Courier New" panose="02070309020205020404" pitchFamily="49" charset="0"/>
+              </a:rPr>
+            </a:br>
+            <a:r>
+              <a:rPr lang="en-GB" sz="1500" dirty="0">
+                <a:latin typeface="Courier New" panose="02070309020205020404" pitchFamily="49" charset="0"/>
+                <a:cs typeface="Courier New" panose="02070309020205020404" pitchFamily="49" charset="0"/>
+              </a:rPr>
+              <a:t>        try {</a:t>
+            </a:r>
+            <a:br>
+              <a:rPr lang="en-GB" sz="1500" dirty="0">
+                <a:latin typeface="Courier New" panose="02070309020205020404" pitchFamily="49" charset="0"/>
+                <a:cs typeface="Courier New" panose="02070309020205020404" pitchFamily="49" charset="0"/>
+              </a:rPr>
+            </a:br>
+            <a:r>
+              <a:rPr lang="en-GB" sz="1500" dirty="0">
+                <a:latin typeface="Courier New" panose="02070309020205020404" pitchFamily="49" charset="0"/>
+                <a:cs typeface="Courier New" panose="02070309020205020404" pitchFamily="49" charset="0"/>
+              </a:rPr>
+              <a:t>            </a:t>
+            </a:r>
+            <a:r>
+              <a:rPr lang="en-GB" sz="1500" dirty="0" err="1">
+                <a:latin typeface="Courier New" panose="02070309020205020404" pitchFamily="49" charset="0"/>
+                <a:cs typeface="Courier New" panose="02070309020205020404" pitchFamily="49" charset="0"/>
+              </a:rPr>
+              <a:t>uList</a:t>
+            </a:r>
+            <a:r>
+              <a:rPr lang="en-GB" sz="1500" dirty="0">
+                <a:latin typeface="Courier New" panose="02070309020205020404" pitchFamily="49" charset="0"/>
+                <a:cs typeface="Courier New" panose="02070309020205020404" pitchFamily="49" charset="0"/>
+              </a:rPr>
+              <a:t> = </a:t>
+            </a:r>
+            <a:r>
+              <a:rPr lang="en-GB" sz="1500" dirty="0" err="1">
+                <a:latin typeface="Courier New" panose="02070309020205020404" pitchFamily="49" charset="0"/>
+                <a:cs typeface="Courier New" panose="02070309020205020404" pitchFamily="49" charset="0"/>
+              </a:rPr>
+              <a:t>em.createNamedQuery</a:t>
+            </a:r>
+            <a:r>
+              <a:rPr lang="en-GB" sz="1500" dirty="0">
+                <a:latin typeface="Courier New" panose="02070309020205020404" pitchFamily="49" charset="0"/>
+                <a:cs typeface="Courier New" panose="02070309020205020404" pitchFamily="49" charset="0"/>
+              </a:rPr>
+              <a:t>("</a:t>
+            </a:r>
+            <a:r>
+              <a:rPr lang="en-GB" sz="1500" dirty="0" err="1">
+                <a:latin typeface="Courier New" panose="02070309020205020404" pitchFamily="49" charset="0"/>
+                <a:cs typeface="Courier New" panose="02070309020205020404" pitchFamily="49" charset="0"/>
+              </a:rPr>
+              <a:t>User.checkCredentials</a:t>
+            </a:r>
+            <a:r>
+              <a:rPr lang="en-GB" sz="1500" dirty="0">
+                <a:latin typeface="Courier New" panose="02070309020205020404" pitchFamily="49" charset="0"/>
+                <a:cs typeface="Courier New" panose="02070309020205020404" pitchFamily="49" charset="0"/>
+              </a:rPr>
+              <a:t>", </a:t>
+            </a:r>
+            <a:r>
+              <a:rPr lang="en-GB" sz="1500" dirty="0" err="1">
+                <a:latin typeface="Courier New" panose="02070309020205020404" pitchFamily="49" charset="0"/>
+                <a:cs typeface="Courier New" panose="02070309020205020404" pitchFamily="49" charset="0"/>
+              </a:rPr>
+              <a:t>User.class</a:t>
+            </a:r>
+            <a:r>
+              <a:rPr lang="en-GB" sz="1500" dirty="0">
+                <a:latin typeface="Courier New" panose="02070309020205020404" pitchFamily="49" charset="0"/>
+                <a:cs typeface="Courier New" panose="02070309020205020404" pitchFamily="49" charset="0"/>
+              </a:rPr>
+              <a:t>).</a:t>
+            </a:r>
+            <a:r>
+              <a:rPr lang="en-GB" sz="1500" dirty="0" err="1">
+                <a:latin typeface="Courier New" panose="02070309020205020404" pitchFamily="49" charset="0"/>
+                <a:cs typeface="Courier New" panose="02070309020205020404" pitchFamily="49" charset="0"/>
+              </a:rPr>
+              <a:t>setParameter</a:t>
+            </a:r>
+            <a:r>
+              <a:rPr lang="en-GB" sz="1500" dirty="0">
+                <a:latin typeface="Courier New" panose="02070309020205020404" pitchFamily="49" charset="0"/>
+                <a:cs typeface="Courier New" panose="02070309020205020404" pitchFamily="49" charset="0"/>
+              </a:rPr>
+              <a:t>(1, </a:t>
+            </a:r>
+            <a:r>
+              <a:rPr lang="en-GB" sz="1500" dirty="0" err="1">
+                <a:latin typeface="Courier New" panose="02070309020205020404" pitchFamily="49" charset="0"/>
+                <a:cs typeface="Courier New" panose="02070309020205020404" pitchFamily="49" charset="0"/>
+              </a:rPr>
+              <a:t>usrn</a:t>
+            </a:r>
+            <a:r>
+              <a:rPr lang="en-GB" sz="1500" dirty="0">
+                <a:latin typeface="Courier New" panose="02070309020205020404" pitchFamily="49" charset="0"/>
+                <a:cs typeface="Courier New" panose="02070309020205020404" pitchFamily="49" charset="0"/>
+              </a:rPr>
+              <a:t>).</a:t>
+            </a:r>
+            <a:r>
+              <a:rPr lang="en-GB" sz="1500" dirty="0" err="1">
+                <a:latin typeface="Courier New" panose="02070309020205020404" pitchFamily="49" charset="0"/>
+                <a:cs typeface="Courier New" panose="02070309020205020404" pitchFamily="49" charset="0"/>
+              </a:rPr>
+              <a:t>setParameter</a:t>
+            </a:r>
+            <a:r>
+              <a:rPr lang="en-GB" sz="1500" dirty="0">
+                <a:latin typeface="Courier New" panose="02070309020205020404" pitchFamily="49" charset="0"/>
+                <a:cs typeface="Courier New" panose="02070309020205020404" pitchFamily="49" charset="0"/>
+              </a:rPr>
+              <a:t>(2, </a:t>
+            </a:r>
+            <a:r>
+              <a:rPr lang="en-GB" sz="1500" dirty="0" err="1">
+                <a:latin typeface="Courier New" panose="02070309020205020404" pitchFamily="49" charset="0"/>
+                <a:cs typeface="Courier New" panose="02070309020205020404" pitchFamily="49" charset="0"/>
+              </a:rPr>
+              <a:t>pwd</a:t>
+            </a:r>
+            <a:r>
+              <a:rPr lang="en-GB" sz="1500" dirty="0">
+                <a:latin typeface="Courier New" panose="02070309020205020404" pitchFamily="49" charset="0"/>
+                <a:cs typeface="Courier New" panose="02070309020205020404" pitchFamily="49" charset="0"/>
+              </a:rPr>
+              <a:t>)</a:t>
+            </a:r>
+            <a:br>
+              <a:rPr lang="en-GB" sz="1500" dirty="0">
+                <a:latin typeface="Courier New" panose="02070309020205020404" pitchFamily="49" charset="0"/>
+                <a:cs typeface="Courier New" panose="02070309020205020404" pitchFamily="49" charset="0"/>
+              </a:rPr>
+            </a:br>
+            <a:r>
+              <a:rPr lang="en-GB" sz="1500" dirty="0">
+                <a:latin typeface="Courier New" panose="02070309020205020404" pitchFamily="49" charset="0"/>
+                <a:cs typeface="Courier New" panose="02070309020205020404" pitchFamily="49" charset="0"/>
+              </a:rPr>
+              <a:t>                    .</a:t>
+            </a:r>
+            <a:r>
+              <a:rPr lang="en-GB" sz="1500" dirty="0" err="1">
+                <a:latin typeface="Courier New" panose="02070309020205020404" pitchFamily="49" charset="0"/>
+                <a:cs typeface="Courier New" panose="02070309020205020404" pitchFamily="49" charset="0"/>
+              </a:rPr>
+              <a:t>getResultList</a:t>
+            </a:r>
+            <a:r>
+              <a:rPr lang="en-GB" sz="1500" dirty="0">
+                <a:latin typeface="Courier New" panose="02070309020205020404" pitchFamily="49" charset="0"/>
+                <a:cs typeface="Courier New" panose="02070309020205020404" pitchFamily="49" charset="0"/>
+              </a:rPr>
+              <a:t>();</a:t>
+            </a:r>
+            <a:br>
+              <a:rPr lang="en-GB" sz="1500" dirty="0">
+                <a:latin typeface="Courier New" panose="02070309020205020404" pitchFamily="49" charset="0"/>
+                <a:cs typeface="Courier New" panose="02070309020205020404" pitchFamily="49" charset="0"/>
+              </a:rPr>
+            </a:br>
+            <a:r>
+              <a:rPr lang="en-GB" sz="1500" dirty="0">
+                <a:latin typeface="Courier New" panose="02070309020205020404" pitchFamily="49" charset="0"/>
+                <a:cs typeface="Courier New" panose="02070309020205020404" pitchFamily="49" charset="0"/>
+              </a:rPr>
+              <a:t>        } catch (</a:t>
+            </a:r>
+            <a:r>
+              <a:rPr lang="en-GB" sz="1500" dirty="0" err="1">
+                <a:latin typeface="Courier New" panose="02070309020205020404" pitchFamily="49" charset="0"/>
+                <a:cs typeface="Courier New" panose="02070309020205020404" pitchFamily="49" charset="0"/>
+              </a:rPr>
+              <a:t>PersistenceException</a:t>
+            </a:r>
+            <a:r>
+              <a:rPr lang="en-GB" sz="1500" dirty="0">
+                <a:latin typeface="Courier New" panose="02070309020205020404" pitchFamily="49" charset="0"/>
+                <a:cs typeface="Courier New" panose="02070309020205020404" pitchFamily="49" charset="0"/>
+              </a:rPr>
+              <a:t> e) {</a:t>
+            </a:r>
+            <a:br>
+              <a:rPr lang="en-GB" sz="1500" dirty="0">
+                <a:latin typeface="Courier New" panose="02070309020205020404" pitchFamily="49" charset="0"/>
+                <a:cs typeface="Courier New" panose="02070309020205020404" pitchFamily="49" charset="0"/>
+              </a:rPr>
+            </a:br>
+            <a:r>
+              <a:rPr lang="en-GB" sz="1500" dirty="0">
+                <a:latin typeface="Courier New" panose="02070309020205020404" pitchFamily="49" charset="0"/>
+                <a:cs typeface="Courier New" panose="02070309020205020404" pitchFamily="49" charset="0"/>
+              </a:rPr>
+              <a:t>            throw new </a:t>
+            </a:r>
+            <a:r>
+              <a:rPr lang="en-GB" sz="1500" dirty="0" err="1">
+                <a:latin typeface="Courier New" panose="02070309020205020404" pitchFamily="49" charset="0"/>
+                <a:cs typeface="Courier New" panose="02070309020205020404" pitchFamily="49" charset="0"/>
+              </a:rPr>
+              <a:t>CredentialsException</a:t>
+            </a:r>
+            <a:r>
+              <a:rPr lang="en-GB" sz="1500" dirty="0">
+                <a:latin typeface="Courier New" panose="02070309020205020404" pitchFamily="49" charset="0"/>
+                <a:cs typeface="Courier New" panose="02070309020205020404" pitchFamily="49" charset="0"/>
+              </a:rPr>
+              <a:t>("Could not verify </a:t>
+            </a:r>
+            <a:r>
+              <a:rPr lang="en-GB" sz="1500" dirty="0" err="1">
+                <a:latin typeface="Courier New" panose="02070309020205020404" pitchFamily="49" charset="0"/>
+                <a:cs typeface="Courier New" panose="02070309020205020404" pitchFamily="49" charset="0"/>
+              </a:rPr>
+              <a:t>credentals</a:t>
+            </a:r>
+            <a:r>
+              <a:rPr lang="en-GB" sz="1500" dirty="0">
+                <a:latin typeface="Courier New" panose="02070309020205020404" pitchFamily="49" charset="0"/>
+                <a:cs typeface="Courier New" panose="02070309020205020404" pitchFamily="49" charset="0"/>
+              </a:rPr>
+              <a:t>");</a:t>
+            </a:r>
+            <a:br>
+              <a:rPr lang="en-GB" sz="1500" dirty="0">
+                <a:latin typeface="Courier New" panose="02070309020205020404" pitchFamily="49" charset="0"/>
+                <a:cs typeface="Courier New" panose="02070309020205020404" pitchFamily="49" charset="0"/>
+              </a:rPr>
+            </a:br>
+            <a:r>
+              <a:rPr lang="en-GB" sz="1500" dirty="0">
+                <a:latin typeface="Courier New" panose="02070309020205020404" pitchFamily="49" charset="0"/>
+                <a:cs typeface="Courier New" panose="02070309020205020404" pitchFamily="49" charset="0"/>
+              </a:rPr>
+              <a:t>        }</a:t>
+            </a:r>
+            <a:br>
+              <a:rPr lang="en-GB" sz="1500" dirty="0">
+                <a:latin typeface="Courier New" panose="02070309020205020404" pitchFamily="49" charset="0"/>
+                <a:cs typeface="Courier New" panose="02070309020205020404" pitchFamily="49" charset="0"/>
+              </a:rPr>
+            </a:br>
+            <a:r>
+              <a:rPr lang="en-GB" sz="1500" dirty="0">
+                <a:latin typeface="Courier New" panose="02070309020205020404" pitchFamily="49" charset="0"/>
+                <a:cs typeface="Courier New" panose="02070309020205020404" pitchFamily="49" charset="0"/>
+              </a:rPr>
+              <a:t>        if (</a:t>
+            </a:r>
+            <a:r>
+              <a:rPr lang="en-GB" sz="1500" dirty="0" err="1">
+                <a:latin typeface="Courier New" panose="02070309020205020404" pitchFamily="49" charset="0"/>
+                <a:cs typeface="Courier New" panose="02070309020205020404" pitchFamily="49" charset="0"/>
+              </a:rPr>
+              <a:t>uList.isEmpty</a:t>
+            </a:r>
+            <a:r>
+              <a:rPr lang="en-GB" sz="1500" dirty="0">
+                <a:latin typeface="Courier New" panose="02070309020205020404" pitchFamily="49" charset="0"/>
+                <a:cs typeface="Courier New" panose="02070309020205020404" pitchFamily="49" charset="0"/>
+              </a:rPr>
+              <a:t>())</a:t>
+            </a:r>
+            <a:br>
+              <a:rPr lang="en-GB" sz="1500" dirty="0">
+                <a:latin typeface="Courier New" panose="02070309020205020404" pitchFamily="49" charset="0"/>
+                <a:cs typeface="Courier New" panose="02070309020205020404" pitchFamily="49" charset="0"/>
+              </a:rPr>
+            </a:br>
+            <a:r>
+              <a:rPr lang="en-GB" sz="1500" dirty="0">
+                <a:latin typeface="Courier New" panose="02070309020205020404" pitchFamily="49" charset="0"/>
+                <a:cs typeface="Courier New" panose="02070309020205020404" pitchFamily="49" charset="0"/>
+              </a:rPr>
+              <a:t>            return null;</a:t>
+            </a:r>
+            <a:br>
+              <a:rPr lang="en-GB" sz="1500" dirty="0">
+                <a:latin typeface="Courier New" panose="02070309020205020404" pitchFamily="49" charset="0"/>
+                <a:cs typeface="Courier New" panose="02070309020205020404" pitchFamily="49" charset="0"/>
+              </a:rPr>
+            </a:br>
+            <a:r>
+              <a:rPr lang="en-GB" sz="1500" dirty="0">
+                <a:latin typeface="Courier New" panose="02070309020205020404" pitchFamily="49" charset="0"/>
+                <a:cs typeface="Courier New" panose="02070309020205020404" pitchFamily="49" charset="0"/>
+              </a:rPr>
+              <a:t>        else if (</a:t>
+            </a:r>
+            <a:r>
+              <a:rPr lang="en-GB" sz="1500" dirty="0" err="1">
+                <a:latin typeface="Courier New" panose="02070309020205020404" pitchFamily="49" charset="0"/>
+                <a:cs typeface="Courier New" panose="02070309020205020404" pitchFamily="49" charset="0"/>
+              </a:rPr>
+              <a:t>uList.size</a:t>
+            </a:r>
+            <a:r>
+              <a:rPr lang="en-GB" sz="1500" dirty="0">
+                <a:latin typeface="Courier New" panose="02070309020205020404" pitchFamily="49" charset="0"/>
+                <a:cs typeface="Courier New" panose="02070309020205020404" pitchFamily="49" charset="0"/>
+              </a:rPr>
+              <a:t>() == 1) {</a:t>
+            </a:r>
+            <a:br>
+              <a:rPr lang="en-GB" sz="1500" dirty="0">
+                <a:latin typeface="Courier New" panose="02070309020205020404" pitchFamily="49" charset="0"/>
+                <a:cs typeface="Courier New" panose="02070309020205020404" pitchFamily="49" charset="0"/>
+              </a:rPr>
+            </a:br>
+            <a:r>
+              <a:rPr lang="en-GB" sz="1500" dirty="0">
+                <a:latin typeface="Courier New" panose="02070309020205020404" pitchFamily="49" charset="0"/>
+                <a:cs typeface="Courier New" panose="02070309020205020404" pitchFamily="49" charset="0"/>
+              </a:rPr>
+              <a:t>            User user = </a:t>
+            </a:r>
+            <a:r>
+              <a:rPr lang="en-GB" sz="1500" dirty="0" err="1">
+                <a:latin typeface="Courier New" panose="02070309020205020404" pitchFamily="49" charset="0"/>
+                <a:cs typeface="Courier New" panose="02070309020205020404" pitchFamily="49" charset="0"/>
+              </a:rPr>
+              <a:t>uList.get</a:t>
+            </a:r>
+            <a:r>
+              <a:rPr lang="en-GB" sz="1500" dirty="0">
+                <a:latin typeface="Courier New" panose="02070309020205020404" pitchFamily="49" charset="0"/>
+                <a:cs typeface="Courier New" panose="02070309020205020404" pitchFamily="49" charset="0"/>
+              </a:rPr>
+              <a:t>(0);</a:t>
+            </a:r>
+            <a:br>
+              <a:rPr lang="en-GB" sz="1500" dirty="0">
+                <a:latin typeface="Courier New" panose="02070309020205020404" pitchFamily="49" charset="0"/>
+                <a:cs typeface="Courier New" panose="02070309020205020404" pitchFamily="49" charset="0"/>
+              </a:rPr>
+            </a:br>
+            <a:r>
+              <a:rPr lang="en-GB" sz="1500" dirty="0">
+                <a:latin typeface="Courier New" panose="02070309020205020404" pitchFamily="49" charset="0"/>
+                <a:cs typeface="Courier New" panose="02070309020205020404" pitchFamily="49" charset="0"/>
+              </a:rPr>
+              <a:t>            </a:t>
+            </a:r>
+            <a:r>
+              <a:rPr lang="en-GB" sz="1500" dirty="0" err="1">
+                <a:latin typeface="Courier New" panose="02070309020205020404" pitchFamily="49" charset="0"/>
+                <a:cs typeface="Courier New" panose="02070309020205020404" pitchFamily="49" charset="0"/>
+              </a:rPr>
+              <a:t>user.setLast_login</a:t>
+            </a:r>
+            <a:r>
+              <a:rPr lang="en-GB" sz="1500" dirty="0">
+                <a:latin typeface="Courier New" panose="02070309020205020404" pitchFamily="49" charset="0"/>
+                <a:cs typeface="Courier New" panose="02070309020205020404" pitchFamily="49" charset="0"/>
+              </a:rPr>
+              <a:t>(</a:t>
+            </a:r>
+            <a:r>
+              <a:rPr lang="en-GB" sz="1500" dirty="0" err="1">
+                <a:latin typeface="Courier New" panose="02070309020205020404" pitchFamily="49" charset="0"/>
+                <a:cs typeface="Courier New" panose="02070309020205020404" pitchFamily="49" charset="0"/>
+              </a:rPr>
+              <a:t>LocalDateTime.now</a:t>
+            </a:r>
+            <a:r>
+              <a:rPr lang="en-GB" sz="1500" dirty="0">
+                <a:latin typeface="Courier New" panose="02070309020205020404" pitchFamily="49" charset="0"/>
+                <a:cs typeface="Courier New" panose="02070309020205020404" pitchFamily="49" charset="0"/>
+              </a:rPr>
+              <a:t>());</a:t>
+            </a:r>
+            <a:br>
+              <a:rPr lang="en-GB" sz="1500" dirty="0">
+                <a:latin typeface="Courier New" panose="02070309020205020404" pitchFamily="49" charset="0"/>
+                <a:cs typeface="Courier New" panose="02070309020205020404" pitchFamily="49" charset="0"/>
+              </a:rPr>
+            </a:br>
+            <a:r>
+              <a:rPr lang="en-GB" sz="1500" dirty="0">
+                <a:latin typeface="Courier New" panose="02070309020205020404" pitchFamily="49" charset="0"/>
+                <a:cs typeface="Courier New" panose="02070309020205020404" pitchFamily="49" charset="0"/>
+              </a:rPr>
+              <a:t>            </a:t>
+            </a:r>
+            <a:r>
+              <a:rPr lang="en-GB" sz="1500" dirty="0" err="1">
+                <a:latin typeface="Courier New" panose="02070309020205020404" pitchFamily="49" charset="0"/>
+                <a:cs typeface="Courier New" panose="02070309020205020404" pitchFamily="49" charset="0"/>
+              </a:rPr>
+              <a:t>em.merge</a:t>
+            </a:r>
+            <a:r>
+              <a:rPr lang="en-GB" sz="1500" dirty="0">
+                <a:latin typeface="Courier New" panose="02070309020205020404" pitchFamily="49" charset="0"/>
+                <a:cs typeface="Courier New" panose="02070309020205020404" pitchFamily="49" charset="0"/>
+              </a:rPr>
+              <a:t>(user);</a:t>
+            </a:r>
+            <a:br>
+              <a:rPr lang="en-GB" sz="1500" dirty="0">
+                <a:latin typeface="Courier New" panose="02070309020205020404" pitchFamily="49" charset="0"/>
+                <a:cs typeface="Courier New" panose="02070309020205020404" pitchFamily="49" charset="0"/>
+              </a:rPr>
+            </a:br>
+            <a:r>
+              <a:rPr lang="en-GB" sz="1500" dirty="0">
+                <a:latin typeface="Courier New" panose="02070309020205020404" pitchFamily="49" charset="0"/>
+                <a:cs typeface="Courier New" panose="02070309020205020404" pitchFamily="49" charset="0"/>
+              </a:rPr>
+              <a:t>            return </a:t>
+            </a:r>
+            <a:r>
+              <a:rPr lang="en-GB" sz="1500" dirty="0" err="1">
+                <a:latin typeface="Courier New" panose="02070309020205020404" pitchFamily="49" charset="0"/>
+                <a:cs typeface="Courier New" panose="02070309020205020404" pitchFamily="49" charset="0"/>
+              </a:rPr>
+              <a:t>uList.get</a:t>
+            </a:r>
+            <a:r>
+              <a:rPr lang="en-GB" sz="1500" dirty="0">
+                <a:latin typeface="Courier New" panose="02070309020205020404" pitchFamily="49" charset="0"/>
+                <a:cs typeface="Courier New" panose="02070309020205020404" pitchFamily="49" charset="0"/>
+              </a:rPr>
+              <a:t>(0);</a:t>
+            </a:r>
+            <a:br>
+              <a:rPr lang="en-GB" sz="1500" dirty="0">
+                <a:latin typeface="Courier New" panose="02070309020205020404" pitchFamily="49" charset="0"/>
+                <a:cs typeface="Courier New" panose="02070309020205020404" pitchFamily="49" charset="0"/>
+              </a:rPr>
+            </a:br>
+            <a:r>
+              <a:rPr lang="en-GB" sz="1500" dirty="0">
+                <a:latin typeface="Courier New" panose="02070309020205020404" pitchFamily="49" charset="0"/>
+                <a:cs typeface="Courier New" panose="02070309020205020404" pitchFamily="49" charset="0"/>
+              </a:rPr>
+              <a:t>        }</a:t>
+            </a:r>
+            <a:br>
+              <a:rPr lang="en-GB" sz="1500" dirty="0">
+                <a:latin typeface="Courier New" panose="02070309020205020404" pitchFamily="49" charset="0"/>
+                <a:cs typeface="Courier New" panose="02070309020205020404" pitchFamily="49" charset="0"/>
+              </a:rPr>
+            </a:br>
+            <a:r>
+              <a:rPr lang="en-GB" sz="1500" dirty="0">
+                <a:latin typeface="Courier New" panose="02070309020205020404" pitchFamily="49" charset="0"/>
+                <a:cs typeface="Courier New" panose="02070309020205020404" pitchFamily="49" charset="0"/>
+              </a:rPr>
+              <a:t>        throw new </a:t>
+            </a:r>
+            <a:r>
+              <a:rPr lang="en-GB" sz="1500" dirty="0" err="1">
+                <a:latin typeface="Courier New" panose="02070309020205020404" pitchFamily="49" charset="0"/>
+                <a:cs typeface="Courier New" panose="02070309020205020404" pitchFamily="49" charset="0"/>
+              </a:rPr>
+              <a:t>NonUniqueResultException</a:t>
+            </a:r>
+            <a:r>
+              <a:rPr lang="en-GB" sz="1500" dirty="0">
+                <a:latin typeface="Courier New" panose="02070309020205020404" pitchFamily="49" charset="0"/>
+                <a:cs typeface="Courier New" panose="02070309020205020404" pitchFamily="49" charset="0"/>
+              </a:rPr>
+              <a:t>("More than one user registered with same credentials");</a:t>
+            </a:r>
+            <a:br>
+              <a:rPr lang="en-GB" sz="1500" dirty="0">
+                <a:latin typeface="Courier New" panose="02070309020205020404" pitchFamily="49" charset="0"/>
+                <a:cs typeface="Courier New" panose="02070309020205020404" pitchFamily="49" charset="0"/>
+              </a:rPr>
+            </a:br>
+            <a:r>
+              <a:rPr lang="en-GB" sz="1500" dirty="0">
+                <a:latin typeface="Courier New" panose="02070309020205020404" pitchFamily="49" charset="0"/>
+                <a:cs typeface="Courier New" panose="02070309020205020404" pitchFamily="49" charset="0"/>
+              </a:rPr>
+              <a:t>    }</a:t>
+            </a:r>
+          </a:p>
+        </p:txBody>
+      </p:sp>
+    </p:spTree>
+    <p:extLst>
+      <p:ext uri="{BB962C8B-B14F-4D97-AF65-F5344CB8AC3E}">
+        <p14:creationId xmlns:p14="http://schemas.microsoft.com/office/powerpoint/2010/main" val="3620288080"/>
+      </p:ext>
+    </p:extLst>
+  </p:cSld>
+  <p:clrMapOvr>
+    <a:masterClrMapping/>
+  </p:clrMapOvr>
+</p:sld>
+</file>
+
+<file path=ppt/slides/slide28.xml><?xml version="1.0" encoding="utf-8"?>
+<p:sld xmlns:a="http://schemas.openxmlformats.org/drawingml/2006/main" xmlns:r="http://schemas.openxmlformats.org/officeDocument/2006/relationships" xmlns:p="http://schemas.openxmlformats.org/presentationml/2006/main">
+  <p:cSld>
+    <p:spTree>
+      <p:nvGrpSpPr>
+        <p:cNvPr id="1" name=""/>
+        <p:cNvGrpSpPr/>
+        <p:nvPr/>
+      </p:nvGrpSpPr>
+      <p:grpSpPr>
+        <a:xfrm>
+          <a:off x="0" y="0"/>
+          <a:ext cx="0" cy="0"/>
+          <a:chOff x="0" y="0"/>
+          <a:chExt cx="0" cy="0"/>
+        </a:xfrm>
+      </p:grpSpPr>
+      <p:sp>
+        <p:nvSpPr>
+          <p:cNvPr id="2" name="Title 1"/>
+          <p:cNvSpPr>
+            <a:spLocks noGrp="1"/>
+          </p:cNvSpPr>
+          <p:nvPr>
+            <p:ph type="title"/>
+          </p:nvPr>
+        </p:nvSpPr>
+        <p:spPr>
+          <a:xfrm>
+            <a:off x="628650" y="198437"/>
+            <a:ext cx="7886700" cy="1325563"/>
+          </a:xfrm>
+        </p:spPr>
+        <p:txBody>
+          <a:bodyPr/>
+          <a:lstStyle/>
+          <a:p>
+            <a:r>
+              <a:rPr lang="en-GB" dirty="0"/>
+              <a:t>@Stateless </a:t>
+            </a:r>
+            <a:r>
+              <a:rPr lang="en-GB" dirty="0" err="1"/>
+              <a:t>UserService</a:t>
+            </a:r>
+            <a:endParaRPr lang="en-GB" dirty="0"/>
+          </a:p>
+        </p:txBody>
+      </p:sp>
+      <p:sp>
+        <p:nvSpPr>
+          <p:cNvPr id="3" name="Content Placeholder 2"/>
+          <p:cNvSpPr>
+            <a:spLocks noGrp="1"/>
+          </p:cNvSpPr>
+          <p:nvPr>
+            <p:ph idx="1"/>
+          </p:nvPr>
+        </p:nvSpPr>
+        <p:spPr>
+          <a:xfrm>
+            <a:off x="228600" y="1325564"/>
+            <a:ext cx="8286750" cy="5333999"/>
+          </a:xfrm>
+        </p:spPr>
+        <p:txBody>
+          <a:bodyPr>
+            <a:noAutofit/>
+          </a:bodyPr>
+          <a:lstStyle/>
+          <a:p>
+            <a:pPr marL="0" indent="0">
+              <a:buNone/>
+            </a:pPr>
+            <a:r>
+              <a:rPr lang="en-GB" sz="1100" dirty="0">
+                <a:latin typeface="Courier New" panose="02070309020205020404" pitchFamily="49" charset="0"/>
+                <a:cs typeface="Courier New" panose="02070309020205020404" pitchFamily="49" charset="0"/>
+              </a:rPr>
+              <a:t>@Stateless</a:t>
+            </a:r>
+            <a:br>
+              <a:rPr lang="en-GB" sz="1100" dirty="0">
+                <a:latin typeface="Courier New" panose="02070309020205020404" pitchFamily="49" charset="0"/>
+                <a:cs typeface="Courier New" panose="02070309020205020404" pitchFamily="49" charset="0"/>
+              </a:rPr>
+            </a:br>
+            <a:r>
+              <a:rPr lang="en-GB" sz="1100" dirty="0">
+                <a:latin typeface="Courier New" panose="02070309020205020404" pitchFamily="49" charset="0"/>
+                <a:cs typeface="Courier New" panose="02070309020205020404" pitchFamily="49" charset="0"/>
+              </a:rPr>
+              <a:t>public class </a:t>
+            </a:r>
+            <a:r>
+              <a:rPr lang="en-GB" sz="1100" dirty="0" err="1">
+                <a:latin typeface="Courier New" panose="02070309020205020404" pitchFamily="49" charset="0"/>
+                <a:cs typeface="Courier New" panose="02070309020205020404" pitchFamily="49" charset="0"/>
+              </a:rPr>
+              <a:t>UserAnswerService</a:t>
+            </a:r>
+            <a:r>
+              <a:rPr lang="en-GB" sz="1100" dirty="0">
+                <a:latin typeface="Courier New" panose="02070309020205020404" pitchFamily="49" charset="0"/>
+                <a:cs typeface="Courier New" panose="02070309020205020404" pitchFamily="49" charset="0"/>
+              </a:rPr>
+              <a:t> {</a:t>
+            </a:r>
+            <a:br>
+              <a:rPr lang="en-GB" sz="1100" dirty="0">
+                <a:latin typeface="Courier New" panose="02070309020205020404" pitchFamily="49" charset="0"/>
+                <a:cs typeface="Courier New" panose="02070309020205020404" pitchFamily="49" charset="0"/>
+              </a:rPr>
+            </a:br>
+            <a:br>
+              <a:rPr lang="en-GB" sz="1100" dirty="0">
+                <a:latin typeface="Courier New" panose="02070309020205020404" pitchFamily="49" charset="0"/>
+                <a:cs typeface="Courier New" panose="02070309020205020404" pitchFamily="49" charset="0"/>
+              </a:rPr>
+            </a:br>
+            <a:r>
+              <a:rPr lang="en-GB" sz="1100" dirty="0">
+                <a:latin typeface="Courier New" panose="02070309020205020404" pitchFamily="49" charset="0"/>
+                <a:cs typeface="Courier New" panose="02070309020205020404" pitchFamily="49" charset="0"/>
+              </a:rPr>
+              <a:t>    @</a:t>
+            </a:r>
+            <a:r>
+              <a:rPr lang="en-GB" sz="1100" dirty="0" err="1">
+                <a:latin typeface="Courier New" panose="02070309020205020404" pitchFamily="49" charset="0"/>
+                <a:cs typeface="Courier New" panose="02070309020205020404" pitchFamily="49" charset="0"/>
+              </a:rPr>
+              <a:t>PersistenceContext</a:t>
+            </a:r>
+            <a:r>
+              <a:rPr lang="en-GB" sz="1100" dirty="0">
+                <a:latin typeface="Courier New" panose="02070309020205020404" pitchFamily="49" charset="0"/>
+                <a:cs typeface="Courier New" panose="02070309020205020404" pitchFamily="49" charset="0"/>
+              </a:rPr>
+              <a:t>(name = "DB2Project")</a:t>
+            </a:r>
+            <a:br>
+              <a:rPr lang="en-GB" sz="1100" dirty="0">
+                <a:latin typeface="Courier New" panose="02070309020205020404" pitchFamily="49" charset="0"/>
+                <a:cs typeface="Courier New" panose="02070309020205020404" pitchFamily="49" charset="0"/>
+              </a:rPr>
+            </a:br>
+            <a:r>
+              <a:rPr lang="en-GB" sz="1100" dirty="0">
+                <a:latin typeface="Courier New" panose="02070309020205020404" pitchFamily="49" charset="0"/>
+                <a:cs typeface="Courier New" panose="02070309020205020404" pitchFamily="49" charset="0"/>
+              </a:rPr>
+              <a:t>    private </a:t>
+            </a:r>
+            <a:r>
+              <a:rPr lang="en-GB" sz="1100" dirty="0" err="1">
+                <a:latin typeface="Courier New" panose="02070309020205020404" pitchFamily="49" charset="0"/>
+                <a:cs typeface="Courier New" panose="02070309020205020404" pitchFamily="49" charset="0"/>
+              </a:rPr>
+              <a:t>EntityManager</a:t>
+            </a:r>
+            <a:r>
+              <a:rPr lang="en-GB" sz="1100" dirty="0">
+                <a:latin typeface="Courier New" panose="02070309020205020404" pitchFamily="49" charset="0"/>
+                <a:cs typeface="Courier New" panose="02070309020205020404" pitchFamily="49" charset="0"/>
+              </a:rPr>
+              <a:t> </a:t>
+            </a:r>
+            <a:r>
+              <a:rPr lang="en-GB" sz="1100" dirty="0" err="1">
+                <a:latin typeface="Courier New" panose="02070309020205020404" pitchFamily="49" charset="0"/>
+                <a:cs typeface="Courier New" panose="02070309020205020404" pitchFamily="49" charset="0"/>
+              </a:rPr>
+              <a:t>em</a:t>
+            </a:r>
+            <a:r>
+              <a:rPr lang="en-GB" sz="1100" dirty="0">
+                <a:latin typeface="Courier New" panose="02070309020205020404" pitchFamily="49" charset="0"/>
+                <a:cs typeface="Courier New" panose="02070309020205020404" pitchFamily="49" charset="0"/>
+              </a:rPr>
+              <a:t>;</a:t>
+            </a:r>
+            <a:br>
+              <a:rPr lang="en-GB" sz="1100" dirty="0">
+                <a:latin typeface="Courier New" panose="02070309020205020404" pitchFamily="49" charset="0"/>
+                <a:cs typeface="Courier New" panose="02070309020205020404" pitchFamily="49" charset="0"/>
+              </a:rPr>
+            </a:br>
+            <a:br>
+              <a:rPr lang="en-GB" sz="1100" dirty="0">
+                <a:latin typeface="Courier New" panose="02070309020205020404" pitchFamily="49" charset="0"/>
+                <a:cs typeface="Courier New" panose="02070309020205020404" pitchFamily="49" charset="0"/>
+              </a:rPr>
+            </a:br>
+            <a:br>
+              <a:rPr lang="en-GB" sz="1100" dirty="0">
+                <a:latin typeface="Courier New" panose="02070309020205020404" pitchFamily="49" charset="0"/>
+                <a:cs typeface="Courier New" panose="02070309020205020404" pitchFamily="49" charset="0"/>
+              </a:rPr>
+            </a:br>
+            <a:r>
+              <a:rPr lang="en-GB" sz="1100" dirty="0">
+                <a:latin typeface="Courier New" panose="02070309020205020404" pitchFamily="49" charset="0"/>
+                <a:cs typeface="Courier New" panose="02070309020205020404" pitchFamily="49" charset="0"/>
+              </a:rPr>
+              <a:t>    public Boolean </a:t>
+            </a:r>
+            <a:r>
+              <a:rPr lang="en-GB" sz="1100" dirty="0" err="1">
+                <a:latin typeface="Courier New" panose="02070309020205020404" pitchFamily="49" charset="0"/>
+                <a:cs typeface="Courier New" panose="02070309020205020404" pitchFamily="49" charset="0"/>
+              </a:rPr>
+              <a:t>saveUserAnswer</a:t>
+            </a:r>
+            <a:r>
+              <a:rPr lang="en-GB" sz="1100" dirty="0">
+                <a:latin typeface="Courier New" panose="02070309020205020404" pitchFamily="49" charset="0"/>
+                <a:cs typeface="Courier New" panose="02070309020205020404" pitchFamily="49" charset="0"/>
+              </a:rPr>
+              <a:t>(</a:t>
+            </a:r>
+            <a:r>
+              <a:rPr lang="en-GB" sz="1100" dirty="0" err="1">
+                <a:latin typeface="Courier New" panose="02070309020205020404" pitchFamily="49" charset="0"/>
+                <a:cs typeface="Courier New" panose="02070309020205020404" pitchFamily="49" charset="0"/>
+              </a:rPr>
+              <a:t>UserAnswer</a:t>
+            </a:r>
+            <a:r>
+              <a:rPr lang="en-GB" sz="1100" dirty="0">
+                <a:latin typeface="Courier New" panose="02070309020205020404" pitchFamily="49" charset="0"/>
+                <a:cs typeface="Courier New" panose="02070309020205020404" pitchFamily="49" charset="0"/>
+              </a:rPr>
+              <a:t> </a:t>
+            </a:r>
+            <a:r>
+              <a:rPr lang="en-GB" sz="1100" dirty="0" err="1">
+                <a:latin typeface="Courier New" panose="02070309020205020404" pitchFamily="49" charset="0"/>
+                <a:cs typeface="Courier New" panose="02070309020205020404" pitchFamily="49" charset="0"/>
+              </a:rPr>
+              <a:t>userAnswer</a:t>
+            </a:r>
+            <a:r>
+              <a:rPr lang="en-GB" sz="1100" dirty="0">
+                <a:latin typeface="Courier New" panose="02070309020205020404" pitchFamily="49" charset="0"/>
+                <a:cs typeface="Courier New" panose="02070309020205020404" pitchFamily="49" charset="0"/>
+              </a:rPr>
+              <a:t>) {</a:t>
+            </a:r>
+            <a:br>
+              <a:rPr lang="en-GB" sz="1100" dirty="0">
+                <a:latin typeface="Courier New" panose="02070309020205020404" pitchFamily="49" charset="0"/>
+                <a:cs typeface="Courier New" panose="02070309020205020404" pitchFamily="49" charset="0"/>
+              </a:rPr>
+            </a:br>
+            <a:r>
+              <a:rPr lang="en-GB" sz="1100" dirty="0">
+                <a:latin typeface="Courier New" panose="02070309020205020404" pitchFamily="49" charset="0"/>
+                <a:cs typeface="Courier New" panose="02070309020205020404" pitchFamily="49" charset="0"/>
+              </a:rPr>
+              <a:t>        try {</a:t>
+            </a:r>
+            <a:br>
+              <a:rPr lang="en-GB" sz="1100" dirty="0">
+                <a:latin typeface="Courier New" panose="02070309020205020404" pitchFamily="49" charset="0"/>
+                <a:cs typeface="Courier New" panose="02070309020205020404" pitchFamily="49" charset="0"/>
+              </a:rPr>
+            </a:br>
+            <a:r>
+              <a:rPr lang="en-GB" sz="1100" dirty="0">
+                <a:latin typeface="Courier New" panose="02070309020205020404" pitchFamily="49" charset="0"/>
+                <a:cs typeface="Courier New" panose="02070309020205020404" pitchFamily="49" charset="0"/>
+              </a:rPr>
+              <a:t>            </a:t>
+            </a:r>
+            <a:r>
+              <a:rPr lang="en-GB" sz="1100" dirty="0" err="1">
+                <a:latin typeface="Courier New" panose="02070309020205020404" pitchFamily="49" charset="0"/>
+                <a:cs typeface="Courier New" panose="02070309020205020404" pitchFamily="49" charset="0"/>
+              </a:rPr>
+              <a:t>em.persist</a:t>
+            </a:r>
+            <a:r>
+              <a:rPr lang="en-GB" sz="1100" dirty="0">
+                <a:latin typeface="Courier New" panose="02070309020205020404" pitchFamily="49" charset="0"/>
+                <a:cs typeface="Courier New" panose="02070309020205020404" pitchFamily="49" charset="0"/>
+              </a:rPr>
+              <a:t>(</a:t>
+            </a:r>
+            <a:r>
+              <a:rPr lang="en-GB" sz="1100" dirty="0" err="1">
+                <a:latin typeface="Courier New" panose="02070309020205020404" pitchFamily="49" charset="0"/>
+                <a:cs typeface="Courier New" panose="02070309020205020404" pitchFamily="49" charset="0"/>
+              </a:rPr>
+              <a:t>userAnswer</a:t>
+            </a:r>
+            <a:r>
+              <a:rPr lang="en-GB" sz="1100" dirty="0">
+                <a:latin typeface="Courier New" panose="02070309020205020404" pitchFamily="49" charset="0"/>
+                <a:cs typeface="Courier New" panose="02070309020205020404" pitchFamily="49" charset="0"/>
+              </a:rPr>
+              <a:t>);</a:t>
+            </a:r>
+            <a:br>
+              <a:rPr lang="en-GB" sz="1100" dirty="0">
+                <a:latin typeface="Courier New" panose="02070309020205020404" pitchFamily="49" charset="0"/>
+                <a:cs typeface="Courier New" panose="02070309020205020404" pitchFamily="49" charset="0"/>
+              </a:rPr>
+            </a:br>
+            <a:r>
+              <a:rPr lang="en-GB" sz="1100" dirty="0">
+                <a:latin typeface="Courier New" panose="02070309020205020404" pitchFamily="49" charset="0"/>
+                <a:cs typeface="Courier New" panose="02070309020205020404" pitchFamily="49" charset="0"/>
+              </a:rPr>
+              <a:t>            return true;</a:t>
+            </a:r>
+            <a:br>
+              <a:rPr lang="en-GB" sz="1100" dirty="0">
+                <a:latin typeface="Courier New" panose="02070309020205020404" pitchFamily="49" charset="0"/>
+                <a:cs typeface="Courier New" panose="02070309020205020404" pitchFamily="49" charset="0"/>
+              </a:rPr>
+            </a:br>
+            <a:r>
+              <a:rPr lang="en-GB" sz="1100" dirty="0">
+                <a:latin typeface="Courier New" panose="02070309020205020404" pitchFamily="49" charset="0"/>
+                <a:cs typeface="Courier New" panose="02070309020205020404" pitchFamily="49" charset="0"/>
+              </a:rPr>
+              <a:t>        }catch (Exception ex) {</a:t>
+            </a:r>
+            <a:br>
+              <a:rPr lang="en-GB" sz="1100" dirty="0">
+                <a:latin typeface="Courier New" panose="02070309020205020404" pitchFamily="49" charset="0"/>
+                <a:cs typeface="Courier New" panose="02070309020205020404" pitchFamily="49" charset="0"/>
+              </a:rPr>
+            </a:br>
+            <a:r>
+              <a:rPr lang="en-GB" sz="1100" dirty="0">
+                <a:latin typeface="Courier New" panose="02070309020205020404" pitchFamily="49" charset="0"/>
+                <a:cs typeface="Courier New" panose="02070309020205020404" pitchFamily="49" charset="0"/>
+              </a:rPr>
+              <a:t>            </a:t>
+            </a:r>
+            <a:r>
+              <a:rPr lang="en-GB" sz="1100" dirty="0" err="1">
+                <a:latin typeface="Courier New" panose="02070309020205020404" pitchFamily="49" charset="0"/>
+                <a:cs typeface="Courier New" panose="02070309020205020404" pitchFamily="49" charset="0"/>
+              </a:rPr>
+              <a:t>ex.printStackTrace</a:t>
+            </a:r>
+            <a:r>
+              <a:rPr lang="en-GB" sz="1100" dirty="0">
+                <a:latin typeface="Courier New" panose="02070309020205020404" pitchFamily="49" charset="0"/>
+                <a:cs typeface="Courier New" panose="02070309020205020404" pitchFamily="49" charset="0"/>
+              </a:rPr>
+              <a:t>();</a:t>
+            </a:r>
+            <a:br>
+              <a:rPr lang="en-GB" sz="1100" dirty="0">
+                <a:latin typeface="Courier New" panose="02070309020205020404" pitchFamily="49" charset="0"/>
+                <a:cs typeface="Courier New" panose="02070309020205020404" pitchFamily="49" charset="0"/>
+              </a:rPr>
+            </a:br>
+            <a:r>
+              <a:rPr lang="en-GB" sz="1100" dirty="0">
+                <a:latin typeface="Courier New" panose="02070309020205020404" pitchFamily="49" charset="0"/>
+                <a:cs typeface="Courier New" panose="02070309020205020404" pitchFamily="49" charset="0"/>
+              </a:rPr>
+              <a:t>            return false;</a:t>
+            </a:r>
+            <a:br>
+              <a:rPr lang="en-GB" sz="1100" dirty="0">
+                <a:latin typeface="Courier New" panose="02070309020205020404" pitchFamily="49" charset="0"/>
+                <a:cs typeface="Courier New" panose="02070309020205020404" pitchFamily="49" charset="0"/>
+              </a:rPr>
+            </a:br>
+            <a:r>
+              <a:rPr lang="en-GB" sz="1100" dirty="0">
+                <a:latin typeface="Courier New" panose="02070309020205020404" pitchFamily="49" charset="0"/>
+                <a:cs typeface="Courier New" panose="02070309020205020404" pitchFamily="49" charset="0"/>
+              </a:rPr>
+              <a:t>        }</a:t>
+            </a:r>
+            <a:br>
+              <a:rPr lang="en-GB" sz="1100" dirty="0">
+                <a:latin typeface="Courier New" panose="02070309020205020404" pitchFamily="49" charset="0"/>
+                <a:cs typeface="Courier New" panose="02070309020205020404" pitchFamily="49" charset="0"/>
+              </a:rPr>
+            </a:br>
+            <a:r>
+              <a:rPr lang="en-GB" sz="1100" dirty="0">
+                <a:latin typeface="Courier New" panose="02070309020205020404" pitchFamily="49" charset="0"/>
+                <a:cs typeface="Courier New" panose="02070309020205020404" pitchFamily="49" charset="0"/>
+              </a:rPr>
+              <a:t>    }</a:t>
+            </a:r>
+          </a:p>
+          <a:p>
+            <a:pPr marL="457200" lvl="1" indent="0">
+              <a:buNone/>
+            </a:pPr>
+            <a:r>
+              <a:rPr lang="en-GB" sz="1100" dirty="0">
+                <a:latin typeface="Courier New" panose="02070309020205020404" pitchFamily="49" charset="0"/>
+                <a:cs typeface="Courier New" panose="02070309020205020404" pitchFamily="49" charset="0"/>
+              </a:rPr>
+              <a:t>public Boolean </a:t>
+            </a:r>
+            <a:r>
+              <a:rPr lang="en-GB" sz="1100" dirty="0" err="1">
+                <a:latin typeface="Courier New" panose="02070309020205020404" pitchFamily="49" charset="0"/>
+                <a:cs typeface="Courier New" panose="02070309020205020404" pitchFamily="49" charset="0"/>
+              </a:rPr>
+              <a:t>checkForBadWords</a:t>
+            </a:r>
+            <a:r>
+              <a:rPr lang="en-GB" sz="1100" dirty="0">
+                <a:latin typeface="Courier New" panose="02070309020205020404" pitchFamily="49" charset="0"/>
+                <a:cs typeface="Courier New" panose="02070309020205020404" pitchFamily="49" charset="0"/>
+              </a:rPr>
+              <a:t>(String </a:t>
+            </a:r>
+            <a:r>
+              <a:rPr lang="en-GB" sz="1100" dirty="0" err="1">
+                <a:latin typeface="Courier New" panose="02070309020205020404" pitchFamily="49" charset="0"/>
+                <a:cs typeface="Courier New" panose="02070309020205020404" pitchFamily="49" charset="0"/>
+              </a:rPr>
+              <a:t>answ</a:t>
+            </a:r>
+            <a:r>
+              <a:rPr lang="en-GB" sz="1100" dirty="0">
+                <a:latin typeface="Courier New" panose="02070309020205020404" pitchFamily="49" charset="0"/>
+                <a:cs typeface="Courier New" panose="02070309020205020404" pitchFamily="49" charset="0"/>
+              </a:rPr>
+              <a:t>) {</a:t>
+            </a:r>
+            <a:br>
+              <a:rPr lang="en-GB" sz="1100" dirty="0">
+                <a:latin typeface="Courier New" panose="02070309020205020404" pitchFamily="49" charset="0"/>
+                <a:cs typeface="Courier New" panose="02070309020205020404" pitchFamily="49" charset="0"/>
+              </a:rPr>
+            </a:br>
+            <a:r>
+              <a:rPr lang="en-GB" sz="1100" dirty="0">
+                <a:latin typeface="Courier New" panose="02070309020205020404" pitchFamily="49" charset="0"/>
+                <a:cs typeface="Courier New" panose="02070309020205020404" pitchFamily="49" charset="0"/>
+              </a:rPr>
+              <a:t>    List&lt;String&gt; words = </a:t>
+            </a:r>
+            <a:r>
+              <a:rPr lang="en-GB" sz="1100" dirty="0" err="1">
+                <a:latin typeface="Courier New" panose="02070309020205020404" pitchFamily="49" charset="0"/>
+                <a:cs typeface="Courier New" panose="02070309020205020404" pitchFamily="49" charset="0"/>
+              </a:rPr>
+              <a:t>em.createNamedQuery</a:t>
+            </a:r>
+            <a:r>
+              <a:rPr lang="en-GB" sz="1100" dirty="0">
+                <a:latin typeface="Courier New" panose="02070309020205020404" pitchFamily="49" charset="0"/>
+                <a:cs typeface="Courier New" panose="02070309020205020404" pitchFamily="49" charset="0"/>
+              </a:rPr>
+              <a:t>("</a:t>
+            </a:r>
+            <a:r>
+              <a:rPr lang="en-GB" sz="1100" dirty="0" err="1">
+                <a:latin typeface="Courier New" panose="02070309020205020404" pitchFamily="49" charset="0"/>
+                <a:cs typeface="Courier New" panose="02070309020205020404" pitchFamily="49" charset="0"/>
+              </a:rPr>
+              <a:t>DirtyWord.FindAllWords</a:t>
+            </a:r>
+            <a:r>
+              <a:rPr lang="en-GB" sz="1100" dirty="0">
+                <a:latin typeface="Courier New" panose="02070309020205020404" pitchFamily="49" charset="0"/>
+                <a:cs typeface="Courier New" panose="02070309020205020404" pitchFamily="49" charset="0"/>
+              </a:rPr>
+              <a:t>", </a:t>
+            </a:r>
+            <a:r>
+              <a:rPr lang="en-GB" sz="1100" dirty="0" err="1">
+                <a:latin typeface="Courier New" panose="02070309020205020404" pitchFamily="49" charset="0"/>
+                <a:cs typeface="Courier New" panose="02070309020205020404" pitchFamily="49" charset="0"/>
+              </a:rPr>
+              <a:t>String.class</a:t>
+            </a:r>
+            <a:r>
+              <a:rPr lang="en-GB" sz="1100" dirty="0">
+                <a:latin typeface="Courier New" panose="02070309020205020404" pitchFamily="49" charset="0"/>
+                <a:cs typeface="Courier New" panose="02070309020205020404" pitchFamily="49" charset="0"/>
+              </a:rPr>
+              <a:t>).</a:t>
+            </a:r>
+            <a:r>
+              <a:rPr lang="en-GB" sz="1100" dirty="0" err="1">
+                <a:latin typeface="Courier New" panose="02070309020205020404" pitchFamily="49" charset="0"/>
+                <a:cs typeface="Courier New" panose="02070309020205020404" pitchFamily="49" charset="0"/>
+              </a:rPr>
+              <a:t>getResultList</a:t>
+            </a:r>
+            <a:r>
+              <a:rPr lang="en-GB" sz="1100" dirty="0">
+                <a:latin typeface="Courier New" panose="02070309020205020404" pitchFamily="49" charset="0"/>
+                <a:cs typeface="Courier New" panose="02070309020205020404" pitchFamily="49" charset="0"/>
+              </a:rPr>
+              <a:t>();</a:t>
+            </a:r>
+            <a:br>
+              <a:rPr lang="en-GB" sz="1100" dirty="0">
+                <a:latin typeface="Courier New" panose="02070309020205020404" pitchFamily="49" charset="0"/>
+                <a:cs typeface="Courier New" panose="02070309020205020404" pitchFamily="49" charset="0"/>
+              </a:rPr>
+            </a:br>
+            <a:r>
+              <a:rPr lang="en-GB" sz="1100" dirty="0">
+                <a:latin typeface="Courier New" panose="02070309020205020404" pitchFamily="49" charset="0"/>
+                <a:cs typeface="Courier New" panose="02070309020205020404" pitchFamily="49" charset="0"/>
+              </a:rPr>
+              <a:t>    </a:t>
+            </a:r>
+            <a:r>
+              <a:rPr lang="en-GB" sz="1100" dirty="0" err="1">
+                <a:latin typeface="Courier New" panose="02070309020205020404" pitchFamily="49" charset="0"/>
+                <a:cs typeface="Courier New" panose="02070309020205020404" pitchFamily="49" charset="0"/>
+              </a:rPr>
+              <a:t>AtomicReference</a:t>
+            </a:r>
+            <a:r>
+              <a:rPr lang="en-GB" sz="1100" dirty="0">
+                <a:latin typeface="Courier New" panose="02070309020205020404" pitchFamily="49" charset="0"/>
+                <a:cs typeface="Courier New" panose="02070309020205020404" pitchFamily="49" charset="0"/>
+              </a:rPr>
+              <a:t>&lt;Boolean&gt; result = new </a:t>
+            </a:r>
+            <a:r>
+              <a:rPr lang="en-GB" sz="1100" dirty="0" err="1">
+                <a:latin typeface="Courier New" panose="02070309020205020404" pitchFamily="49" charset="0"/>
+                <a:cs typeface="Courier New" panose="02070309020205020404" pitchFamily="49" charset="0"/>
+              </a:rPr>
+              <a:t>AtomicReference</a:t>
+            </a:r>
+            <a:r>
+              <a:rPr lang="en-GB" sz="1100" dirty="0">
+                <a:latin typeface="Courier New" panose="02070309020205020404" pitchFamily="49" charset="0"/>
+                <a:cs typeface="Courier New" panose="02070309020205020404" pitchFamily="49" charset="0"/>
+              </a:rPr>
+              <a:t>&lt;&gt;(false);</a:t>
+            </a:r>
+            <a:br>
+              <a:rPr lang="en-GB" sz="1100" dirty="0">
+                <a:latin typeface="Courier New" panose="02070309020205020404" pitchFamily="49" charset="0"/>
+                <a:cs typeface="Courier New" panose="02070309020205020404" pitchFamily="49" charset="0"/>
+              </a:rPr>
+            </a:br>
+            <a:r>
+              <a:rPr lang="en-GB" sz="1100" dirty="0">
+                <a:latin typeface="Courier New" panose="02070309020205020404" pitchFamily="49" charset="0"/>
+                <a:cs typeface="Courier New" panose="02070309020205020404" pitchFamily="49" charset="0"/>
+              </a:rPr>
+              <a:t>    String[] s1 = </a:t>
+            </a:r>
+            <a:r>
+              <a:rPr lang="en-GB" sz="1100" dirty="0" err="1">
+                <a:latin typeface="Courier New" panose="02070309020205020404" pitchFamily="49" charset="0"/>
+                <a:cs typeface="Courier New" panose="02070309020205020404" pitchFamily="49" charset="0"/>
+              </a:rPr>
+              <a:t>answ.split</a:t>
+            </a:r>
+            <a:r>
+              <a:rPr lang="en-GB" sz="1100" dirty="0">
+                <a:latin typeface="Courier New" panose="02070309020205020404" pitchFamily="49" charset="0"/>
+                <a:cs typeface="Courier New" panose="02070309020205020404" pitchFamily="49" charset="0"/>
+              </a:rPr>
+              <a:t>(" ");</a:t>
+            </a:r>
+            <a:br>
+              <a:rPr lang="en-GB" sz="1100" dirty="0">
+                <a:latin typeface="Courier New" panose="02070309020205020404" pitchFamily="49" charset="0"/>
+                <a:cs typeface="Courier New" panose="02070309020205020404" pitchFamily="49" charset="0"/>
+              </a:rPr>
+            </a:br>
+            <a:r>
+              <a:rPr lang="en-GB" sz="1100" dirty="0">
+                <a:latin typeface="Courier New" panose="02070309020205020404" pitchFamily="49" charset="0"/>
+                <a:cs typeface="Courier New" panose="02070309020205020404" pitchFamily="49" charset="0"/>
+              </a:rPr>
+              <a:t>    for(String s : s1){</a:t>
+            </a:r>
+            <a:br>
+              <a:rPr lang="en-GB" sz="1100" dirty="0">
+                <a:latin typeface="Courier New" panose="02070309020205020404" pitchFamily="49" charset="0"/>
+                <a:cs typeface="Courier New" panose="02070309020205020404" pitchFamily="49" charset="0"/>
+              </a:rPr>
+            </a:br>
+            <a:r>
+              <a:rPr lang="en-GB" sz="1100" dirty="0">
+                <a:latin typeface="Courier New" panose="02070309020205020404" pitchFamily="49" charset="0"/>
+                <a:cs typeface="Courier New" panose="02070309020205020404" pitchFamily="49" charset="0"/>
+              </a:rPr>
+              <a:t>        </a:t>
+            </a:r>
+            <a:r>
+              <a:rPr lang="en-GB" sz="1100" dirty="0" err="1">
+                <a:latin typeface="Courier New" panose="02070309020205020404" pitchFamily="49" charset="0"/>
+                <a:cs typeface="Courier New" panose="02070309020205020404" pitchFamily="49" charset="0"/>
+              </a:rPr>
+              <a:t>words.forEach</a:t>
+            </a:r>
+            <a:r>
+              <a:rPr lang="en-GB" sz="1100" dirty="0">
+                <a:latin typeface="Courier New" panose="02070309020205020404" pitchFamily="49" charset="0"/>
+                <a:cs typeface="Courier New" panose="02070309020205020404" pitchFamily="49" charset="0"/>
+              </a:rPr>
+              <a:t>(w -&gt; {</a:t>
+            </a:r>
+            <a:br>
+              <a:rPr lang="en-GB" sz="1100" dirty="0">
+                <a:latin typeface="Courier New" panose="02070309020205020404" pitchFamily="49" charset="0"/>
+                <a:cs typeface="Courier New" panose="02070309020205020404" pitchFamily="49" charset="0"/>
+              </a:rPr>
+            </a:br>
+            <a:r>
+              <a:rPr lang="en-GB" sz="1100" dirty="0">
+                <a:latin typeface="Courier New" panose="02070309020205020404" pitchFamily="49" charset="0"/>
+                <a:cs typeface="Courier New" panose="02070309020205020404" pitchFamily="49" charset="0"/>
+              </a:rPr>
+              <a:t>            if(</a:t>
+            </a:r>
+            <a:r>
+              <a:rPr lang="en-GB" sz="1100" dirty="0" err="1">
+                <a:latin typeface="Courier New" panose="02070309020205020404" pitchFamily="49" charset="0"/>
+                <a:cs typeface="Courier New" panose="02070309020205020404" pitchFamily="49" charset="0"/>
+              </a:rPr>
+              <a:t>s.equals</a:t>
+            </a:r>
+            <a:r>
+              <a:rPr lang="en-GB" sz="1100" dirty="0">
+                <a:latin typeface="Courier New" panose="02070309020205020404" pitchFamily="49" charset="0"/>
+                <a:cs typeface="Courier New" panose="02070309020205020404" pitchFamily="49" charset="0"/>
+              </a:rPr>
+              <a:t>(w)) </a:t>
+            </a:r>
+            <a:r>
+              <a:rPr lang="en-GB" sz="1100" dirty="0" err="1">
+                <a:latin typeface="Courier New" panose="02070309020205020404" pitchFamily="49" charset="0"/>
+                <a:cs typeface="Courier New" panose="02070309020205020404" pitchFamily="49" charset="0"/>
+              </a:rPr>
+              <a:t>result.set</a:t>
+            </a:r>
+            <a:r>
+              <a:rPr lang="en-GB" sz="1100" dirty="0">
+                <a:latin typeface="Courier New" panose="02070309020205020404" pitchFamily="49" charset="0"/>
+                <a:cs typeface="Courier New" panose="02070309020205020404" pitchFamily="49" charset="0"/>
+              </a:rPr>
+              <a:t>(true);</a:t>
+            </a:r>
+            <a:br>
+              <a:rPr lang="en-GB" sz="1100" dirty="0">
+                <a:latin typeface="Courier New" panose="02070309020205020404" pitchFamily="49" charset="0"/>
+                <a:cs typeface="Courier New" panose="02070309020205020404" pitchFamily="49" charset="0"/>
+              </a:rPr>
+            </a:br>
+            <a:r>
+              <a:rPr lang="en-GB" sz="1100" dirty="0">
+                <a:latin typeface="Courier New" panose="02070309020205020404" pitchFamily="49" charset="0"/>
+                <a:cs typeface="Courier New" panose="02070309020205020404" pitchFamily="49" charset="0"/>
+              </a:rPr>
+              <a:t>            });</a:t>
+            </a:r>
+            <a:br>
+              <a:rPr lang="en-GB" sz="1100" dirty="0">
+                <a:latin typeface="Courier New" panose="02070309020205020404" pitchFamily="49" charset="0"/>
+                <a:cs typeface="Courier New" panose="02070309020205020404" pitchFamily="49" charset="0"/>
+              </a:rPr>
+            </a:br>
+            <a:r>
+              <a:rPr lang="en-GB" sz="1100" dirty="0">
+                <a:latin typeface="Courier New" panose="02070309020205020404" pitchFamily="49" charset="0"/>
+                <a:cs typeface="Courier New" panose="02070309020205020404" pitchFamily="49" charset="0"/>
+              </a:rPr>
+              <a:t>    }</a:t>
+            </a:r>
+            <a:br>
+              <a:rPr lang="en-GB" sz="1100" dirty="0">
+                <a:latin typeface="Courier New" panose="02070309020205020404" pitchFamily="49" charset="0"/>
+                <a:cs typeface="Courier New" panose="02070309020205020404" pitchFamily="49" charset="0"/>
+              </a:rPr>
+            </a:br>
+            <a:r>
+              <a:rPr lang="en-GB" sz="1100" dirty="0">
+                <a:latin typeface="Courier New" panose="02070309020205020404" pitchFamily="49" charset="0"/>
+                <a:cs typeface="Courier New" panose="02070309020205020404" pitchFamily="49" charset="0"/>
+              </a:rPr>
+              <a:t>    return </a:t>
+            </a:r>
+            <a:r>
+              <a:rPr lang="en-GB" sz="1100" dirty="0" err="1">
+                <a:latin typeface="Courier New" panose="02070309020205020404" pitchFamily="49" charset="0"/>
+                <a:cs typeface="Courier New" panose="02070309020205020404" pitchFamily="49" charset="0"/>
+              </a:rPr>
+              <a:t>result.get</a:t>
+            </a:r>
+            <a:r>
+              <a:rPr lang="en-GB" sz="1100" dirty="0">
+                <a:latin typeface="Courier New" panose="02070309020205020404" pitchFamily="49" charset="0"/>
+                <a:cs typeface="Courier New" panose="02070309020205020404" pitchFamily="49" charset="0"/>
+              </a:rPr>
+              <a:t>();</a:t>
+            </a:r>
+            <a:br>
+              <a:rPr lang="en-GB" sz="1100" dirty="0">
+                <a:latin typeface="Courier New" panose="02070309020205020404" pitchFamily="49" charset="0"/>
+                <a:cs typeface="Courier New" panose="02070309020205020404" pitchFamily="49" charset="0"/>
+              </a:rPr>
+            </a:br>
+            <a:r>
+              <a:rPr lang="en-GB" sz="1100" dirty="0">
+                <a:latin typeface="Courier New" panose="02070309020205020404" pitchFamily="49" charset="0"/>
+                <a:cs typeface="Courier New" panose="02070309020205020404" pitchFamily="49" charset="0"/>
+              </a:rPr>
+              <a:t>}</a:t>
+            </a:r>
+          </a:p>
+        </p:txBody>
+      </p:sp>
+    </p:spTree>
+    <p:extLst>
+      <p:ext uri="{BB962C8B-B14F-4D97-AF65-F5344CB8AC3E}">
+        <p14:creationId xmlns:p14="http://schemas.microsoft.com/office/powerpoint/2010/main" val="978706274"/>
       </p:ext>
     </p:extLst>
   </p:cSld>

--- a/DB2project.pptx
+++ b/DB2project.pptx
@@ -24326,7 +24326,7 @@
               <a:rPr lang="en-GB" sz="2000" dirty="0">
                 <a:sym typeface="Wingdings" panose="05000000000000000000" pitchFamily="2" charset="2"/>
               </a:rPr>
-              <a:t> is not requested..</a:t>
+              <a:t> is necessary for example to delete a questionnaire not related to the product of today</a:t>
             </a:r>
             <a:endParaRPr lang="en-GB" sz="2000" u="sng" dirty="0">
               <a:sym typeface="Wingdings" panose="05000000000000000000" pitchFamily="2" charset="2"/>
